--- a/LAB_2021_1.pptx
+++ b/LAB_2021_1.pptx
@@ -12,7 +12,8 @@
     <p:sldId id="265" r:id="rId6"/>
     <p:sldId id="263" r:id="rId7"/>
     <p:sldId id="267" r:id="rId8"/>
-    <p:sldId id="266" r:id="rId9"/>
+    <p:sldId id="268" r:id="rId9"/>
+    <p:sldId id="266" r:id="rId10"/>
   </p:sldIdLst>
   <p:sldSz cx="12179300" cy="9134475" type="ledger"/>
   <p:notesSz cx="6858000" cy="9144000"/>
@@ -250,7 +251,7 @@
           <a:p>
             <a:fld id="{96098A0C-C941-49B1-84C6-B8929CE69B37}" type="datetimeFigureOut">
               <a:rPr lang="en-US" smtClean="0"/>
-              <a:t>7/20/2021</a:t>
+              <a:t>7/21/2021</a:t>
             </a:fld>
             <a:endParaRPr lang="en-US"/>
           </a:p>
@@ -420,7 +421,7 @@
           <a:p>
             <a:fld id="{96098A0C-C941-49B1-84C6-B8929CE69B37}" type="datetimeFigureOut">
               <a:rPr lang="en-US" smtClean="0"/>
-              <a:t>7/20/2021</a:t>
+              <a:t>7/21/2021</a:t>
             </a:fld>
             <a:endParaRPr lang="en-US"/>
           </a:p>
@@ -600,7 +601,7 @@
           <a:p>
             <a:fld id="{96098A0C-C941-49B1-84C6-B8929CE69B37}" type="datetimeFigureOut">
               <a:rPr lang="en-US" smtClean="0"/>
-              <a:t>7/20/2021</a:t>
+              <a:t>7/21/2021</a:t>
             </a:fld>
             <a:endParaRPr lang="en-US"/>
           </a:p>
@@ -770,7 +771,7 @@
           <a:p>
             <a:fld id="{96098A0C-C941-49B1-84C6-B8929CE69B37}" type="datetimeFigureOut">
               <a:rPr lang="en-US" smtClean="0"/>
-              <a:t>7/20/2021</a:t>
+              <a:t>7/21/2021</a:t>
             </a:fld>
             <a:endParaRPr lang="en-US"/>
           </a:p>
@@ -1014,7 +1015,7 @@
           <a:p>
             <a:fld id="{96098A0C-C941-49B1-84C6-B8929CE69B37}" type="datetimeFigureOut">
               <a:rPr lang="en-US" smtClean="0"/>
-              <a:t>7/20/2021</a:t>
+              <a:t>7/21/2021</a:t>
             </a:fld>
             <a:endParaRPr lang="en-US"/>
           </a:p>
@@ -1246,7 +1247,7 @@
           <a:p>
             <a:fld id="{96098A0C-C941-49B1-84C6-B8929CE69B37}" type="datetimeFigureOut">
               <a:rPr lang="en-US" smtClean="0"/>
-              <a:t>7/20/2021</a:t>
+              <a:t>7/21/2021</a:t>
             </a:fld>
             <a:endParaRPr lang="en-US"/>
           </a:p>
@@ -1613,7 +1614,7 @@
           <a:p>
             <a:fld id="{96098A0C-C941-49B1-84C6-B8929CE69B37}" type="datetimeFigureOut">
               <a:rPr lang="en-US" smtClean="0"/>
-              <a:t>7/20/2021</a:t>
+              <a:t>7/21/2021</a:t>
             </a:fld>
             <a:endParaRPr lang="en-US"/>
           </a:p>
@@ -1731,7 +1732,7 @@
           <a:p>
             <a:fld id="{96098A0C-C941-49B1-84C6-B8929CE69B37}" type="datetimeFigureOut">
               <a:rPr lang="en-US" smtClean="0"/>
-              <a:t>7/20/2021</a:t>
+              <a:t>7/21/2021</a:t>
             </a:fld>
             <a:endParaRPr lang="en-US"/>
           </a:p>
@@ -1826,7 +1827,7 @@
           <a:p>
             <a:fld id="{96098A0C-C941-49B1-84C6-B8929CE69B37}" type="datetimeFigureOut">
               <a:rPr lang="en-US" smtClean="0"/>
-              <a:t>7/20/2021</a:t>
+              <a:t>7/21/2021</a:t>
             </a:fld>
             <a:endParaRPr lang="en-US"/>
           </a:p>
@@ -2103,7 +2104,7 @@
           <a:p>
             <a:fld id="{96098A0C-C941-49B1-84C6-B8929CE69B37}" type="datetimeFigureOut">
               <a:rPr lang="en-US" smtClean="0"/>
-              <a:t>7/20/2021</a:t>
+              <a:t>7/21/2021</a:t>
             </a:fld>
             <a:endParaRPr lang="en-US"/>
           </a:p>
@@ -2360,7 +2361,7 @@
           <a:p>
             <a:fld id="{96098A0C-C941-49B1-84C6-B8929CE69B37}" type="datetimeFigureOut">
               <a:rPr lang="en-US" smtClean="0"/>
-              <a:t>7/20/2021</a:t>
+              <a:t>7/21/2021</a:t>
             </a:fld>
             <a:endParaRPr lang="en-US"/>
           </a:p>
@@ -2573,7 +2574,7 @@
           <a:p>
             <a:fld id="{96098A0C-C941-49B1-84C6-B8929CE69B37}" type="datetimeFigureOut">
               <a:rPr lang="en-US" smtClean="0"/>
-              <a:t>7/20/2021</a:t>
+              <a:t>7/21/2021</a:t>
             </a:fld>
             <a:endParaRPr lang="en-US"/>
           </a:p>
@@ -4798,8 +4799,8 @@
           </a:p>
         </p:txBody>
       </p:sp>
-      <mc:AlternateContent xmlns:mc="http://schemas.openxmlformats.org/markup-compatibility/2006">
-        <mc:Choice xmlns:a14="http://schemas.microsoft.com/office/drawing/2010/main" Requires="a14">
+      <mc:AlternateContent xmlns:mc="http://schemas.openxmlformats.org/markup-compatibility/2006" xmlns:a14="http://schemas.microsoft.com/office/drawing/2010/main">
+        <mc:Choice Requires="a14">
           <p:sp>
             <p:nvSpPr>
               <p:cNvPr id="183" name="CuadroTexto 182"/>
@@ -4885,7 +4886,7 @@
             </p:txBody>
           </p:sp>
         </mc:Choice>
-        <mc:Fallback>
+        <mc:Fallback xmlns="">
           <p:sp>
             <p:nvSpPr>
               <p:cNvPr id="183" name="CuadroTexto 182"/>
@@ -5101,15 +5102,7 @@
                   <a:schemeClr val="accent2"/>
                 </a:solidFill>
               </a:rPr>
-              <a:t>P</a:t>
-            </a:r>
-            <a:r>
-              <a:rPr lang="es-CO" sz="3996" dirty="0" err="1">
-                <a:solidFill>
-                  <a:schemeClr val="accent2"/>
-                </a:solidFill>
-              </a:rPr>
-              <a:t>w</a:t>
+              <a:t>Pw</a:t>
             </a:r>
             <a:endParaRPr lang="en-US" sz="3996" dirty="0">
               <a:solidFill>
@@ -5242,6 +5235,541 @@
           </a:p>
         </p:txBody>
       </p:sp>
+      <p:cxnSp>
+        <p:nvCxnSpPr>
+          <p:cNvPr id="7" name="Conector recto de flecha 6"/>
+          <p:cNvCxnSpPr>
+            <a:stCxn id="125" idx="4"/>
+          </p:cNvCxnSpPr>
+          <p:nvPr/>
+        </p:nvCxnSpPr>
+        <p:spPr>
+          <a:xfrm flipV="1">
+            <a:off x="3524426" y="3641949"/>
+            <a:ext cx="4034283" cy="2464574"/>
+          </a:xfrm>
+          <a:prstGeom prst="straightConnector1">
+            <a:avLst/>
+          </a:prstGeom>
+          <a:ln w="28575">
+            <a:solidFill>
+              <a:srgbClr val="00B050"/>
+            </a:solidFill>
+            <a:tailEnd type="triangle"/>
+          </a:ln>
+        </p:spPr>
+        <p:style>
+          <a:lnRef idx="1">
+            <a:schemeClr val="accent1"/>
+          </a:lnRef>
+          <a:fillRef idx="0">
+            <a:schemeClr val="accent1"/>
+          </a:fillRef>
+          <a:effectRef idx="0">
+            <a:schemeClr val="accent1"/>
+          </a:effectRef>
+          <a:fontRef idx="minor">
+            <a:schemeClr val="tx1"/>
+          </a:fontRef>
+        </p:style>
+      </p:cxnSp>
+      <p:cxnSp>
+        <p:nvCxnSpPr>
+          <p:cNvPr id="11" name="Conector recto de flecha 10"/>
+          <p:cNvCxnSpPr/>
+          <p:nvPr/>
+        </p:nvCxnSpPr>
+        <p:spPr>
+          <a:xfrm flipH="1" flipV="1">
+            <a:off x="6258312" y="2901963"/>
+            <a:ext cx="1332367" cy="725541"/>
+          </a:xfrm>
+          <a:prstGeom prst="straightConnector1">
+            <a:avLst/>
+          </a:prstGeom>
+          <a:ln w="38100">
+            <a:solidFill>
+              <a:srgbClr val="00B050"/>
+            </a:solidFill>
+            <a:tailEnd type="triangle"/>
+          </a:ln>
+        </p:spPr>
+        <p:style>
+          <a:lnRef idx="1">
+            <a:schemeClr val="accent1"/>
+          </a:lnRef>
+          <a:fillRef idx="0">
+            <a:schemeClr val="accent1"/>
+          </a:fillRef>
+          <a:effectRef idx="0">
+            <a:schemeClr val="accent1"/>
+          </a:effectRef>
+          <a:fontRef idx="minor">
+            <a:schemeClr val="tx1"/>
+          </a:fontRef>
+        </p:style>
+      </p:cxnSp>
+      <p:sp>
+        <p:nvSpPr>
+          <p:cNvPr id="72" name="CuadroTexto 71"/>
+          <p:cNvSpPr txBox="1"/>
+          <p:nvPr/>
+        </p:nvSpPr>
+        <p:spPr>
+          <a:xfrm>
+            <a:off x="6524192" y="4083889"/>
+            <a:ext cx="708848" cy="707245"/>
+          </a:xfrm>
+          <a:prstGeom prst="rect">
+            <a:avLst/>
+          </a:prstGeom>
+          <a:noFill/>
+        </p:spPr>
+        <p:txBody>
+          <a:bodyPr wrap="none" rtlCol="0">
+            <a:spAutoFit/>
+          </a:bodyPr>
+          <a:lstStyle/>
+          <a:p>
+            <a:r>
+              <a:rPr lang="es-CO" sz="3996" dirty="0" smtClean="0">
+                <a:solidFill>
+                  <a:srgbClr val="00B050"/>
+                </a:solidFill>
+              </a:rPr>
+              <a:t>P6</a:t>
+            </a:r>
+            <a:endParaRPr lang="en-US" sz="3996" dirty="0">
+              <a:solidFill>
+                <a:srgbClr val="00B050"/>
+              </a:solidFill>
+            </a:endParaRPr>
+          </a:p>
+        </p:txBody>
+      </p:sp>
+      <mc:AlternateContent xmlns:mc="http://schemas.openxmlformats.org/markup-compatibility/2006">
+        <mc:Choice xmlns:a14="http://schemas.microsoft.com/office/drawing/2010/main" Requires="a14">
+          <p:sp>
+            <p:nvSpPr>
+              <p:cNvPr id="25" name="CuadroTexto 24"/>
+              <p:cNvSpPr txBox="1"/>
+              <p:nvPr/>
+            </p:nvSpPr>
+            <p:spPr>
+              <a:xfrm>
+                <a:off x="6639812" y="279395"/>
+                <a:ext cx="4191019" cy="574773"/>
+              </a:xfrm>
+              <a:prstGeom prst="rect">
+                <a:avLst/>
+              </a:prstGeom>
+              <a:noFill/>
+            </p:spPr>
+            <p:txBody>
+              <a:bodyPr wrap="none" lIns="0" tIns="0" rIns="0" bIns="0" rtlCol="0">
+                <a:spAutoFit/>
+              </a:bodyPr>
+              <a:lstStyle/>
+              <a:p>
+                <a14:m>
+                  <m:oMathPara xmlns:m="http://schemas.openxmlformats.org/officeDocument/2006/math">
+                    <m:oMathParaPr>
+                      <m:jc m:val="centerGroup"/>
+                    </m:oMathParaPr>
+                    <m:oMath xmlns:m="http://schemas.openxmlformats.org/officeDocument/2006/math">
+                      <m:sSup>
+                        <m:sSupPr>
+                          <m:ctrlPr>
+                            <a:rPr lang="es-CO" sz="3200" b="0" i="1" smtClean="0">
+                              <a:latin typeface="Cambria Math" panose="02040503050406030204" pitchFamily="18" charset="0"/>
+                            </a:rPr>
+                          </m:ctrlPr>
+                        </m:sSupPr>
+                        <m:e/>
+                        <m:sup>
+                          <m:r>
+                            <a:rPr lang="es-CO" sz="3200" b="0" i="1" smtClean="0">
+                              <a:latin typeface="Cambria Math" panose="02040503050406030204" pitchFamily="18" charset="0"/>
+                            </a:rPr>
+                            <m:t>5</m:t>
+                          </m:r>
+                        </m:sup>
+                      </m:sSup>
+                      <m:sSub>
+                        <m:sSubPr>
+                          <m:ctrlPr>
+                            <a:rPr lang="es-CO" sz="3200" b="0" i="1" smtClean="0">
+                              <a:latin typeface="Cambria Math" panose="02040503050406030204" pitchFamily="18" charset="0"/>
+                            </a:rPr>
+                          </m:ctrlPr>
+                        </m:sSubPr>
+                        <m:e>
+                          <m:r>
+                            <a:rPr lang="es-CO" sz="3200" b="0" i="1" smtClean="0">
+                              <a:latin typeface="Cambria Math" panose="02040503050406030204" pitchFamily="18" charset="0"/>
+                            </a:rPr>
+                            <m:t>𝑃</m:t>
+                          </m:r>
+                        </m:e>
+                        <m:sub>
+                          <m:r>
+                            <a:rPr lang="es-CO" sz="3200" b="0" i="1" smtClean="0">
+                              <a:latin typeface="Cambria Math" panose="02040503050406030204" pitchFamily="18" charset="0"/>
+                            </a:rPr>
+                            <m:t>𝑤</m:t>
+                          </m:r>
+                        </m:sub>
+                      </m:sSub>
+                      <m:r>
+                        <a:rPr lang="es-CO" sz="3200" b="0" i="1" smtClean="0">
+                          <a:latin typeface="Cambria Math" panose="02040503050406030204" pitchFamily="18" charset="0"/>
+                        </a:rPr>
+                        <m:t>=</m:t>
+                      </m:r>
+                      <m:sSup>
+                        <m:sSupPr>
+                          <m:ctrlPr>
+                            <a:rPr lang="es-CO" sz="3200" b="0" i="1" smtClean="0">
+                              <a:latin typeface="Cambria Math" panose="02040503050406030204" pitchFamily="18" charset="0"/>
+                            </a:rPr>
+                          </m:ctrlPr>
+                        </m:sSupPr>
+                        <m:e/>
+                        <m:sup>
+                          <m:r>
+                            <a:rPr lang="es-CO" sz="3200" b="0" i="1" smtClean="0">
+                              <a:latin typeface="Cambria Math" panose="02040503050406030204" pitchFamily="18" charset="0"/>
+                            </a:rPr>
+                            <m:t>5</m:t>
+                          </m:r>
+                        </m:sup>
+                      </m:sSup>
+                      <m:sSub>
+                        <m:sSubPr>
+                          <m:ctrlPr>
+                            <a:rPr lang="es-CO" sz="3200" b="0" i="1" smtClean="0">
+                              <a:latin typeface="Cambria Math" panose="02040503050406030204" pitchFamily="18" charset="0"/>
+                            </a:rPr>
+                          </m:ctrlPr>
+                        </m:sSubPr>
+                        <m:e>
+                          <m:r>
+                            <a:rPr lang="es-CO" sz="3200" b="0" i="1" smtClean="0">
+                              <a:latin typeface="Cambria Math" panose="02040503050406030204" pitchFamily="18" charset="0"/>
+                            </a:rPr>
+                            <m:t>𝑅</m:t>
+                          </m:r>
+                        </m:e>
+                        <m:sub>
+                          <m:r>
+                            <a:rPr lang="es-CO" sz="3200" b="0" i="1" smtClean="0">
+                              <a:latin typeface="Cambria Math" panose="02040503050406030204" pitchFamily="18" charset="0"/>
+                            </a:rPr>
+                            <m:t>0</m:t>
+                          </m:r>
+                        </m:sub>
+                      </m:sSub>
+                      <m:sSub>
+                        <m:sSubPr>
+                          <m:ctrlPr>
+                            <a:rPr lang="es-CO" sz="3200" b="0" i="1" smtClean="0">
+                              <a:latin typeface="Cambria Math" panose="02040503050406030204" pitchFamily="18" charset="0"/>
+                            </a:rPr>
+                          </m:ctrlPr>
+                        </m:sSubPr>
+                        <m:e>
+                          <m:r>
+                            <a:rPr lang="es-CO" sz="3200" b="0" i="1" smtClean="0">
+                              <a:latin typeface="Cambria Math" panose="02040503050406030204" pitchFamily="18" charset="0"/>
+                            </a:rPr>
+                            <m:t>𝑃</m:t>
+                          </m:r>
+                        </m:e>
+                        <m:sub>
+                          <m:r>
+                            <a:rPr lang="es-CO" sz="3200" b="0" i="1" smtClean="0">
+                              <a:latin typeface="Cambria Math" panose="02040503050406030204" pitchFamily="18" charset="0"/>
+                            </a:rPr>
+                            <m:t>6</m:t>
+                          </m:r>
+                        </m:sub>
+                      </m:sSub>
+                      <m:r>
+                        <a:rPr lang="es-CO" sz="3200" b="0" i="1" smtClean="0">
+                          <a:latin typeface="Cambria Math" panose="02040503050406030204" pitchFamily="18" charset="0"/>
+                        </a:rPr>
+                        <m:t>−</m:t>
+                      </m:r>
+                      <m:r>
+                        <a:rPr lang="es-CO" sz="3200" b="0" i="1" smtClean="0">
+                          <a:latin typeface="Cambria Math" panose="02040503050406030204" pitchFamily="18" charset="0"/>
+                        </a:rPr>
+                        <m:t>𝐿</m:t>
+                      </m:r>
+                      <m:r>
+                        <a:rPr lang="es-CO" sz="3200" b="0" i="1" smtClean="0">
+                          <a:latin typeface="Cambria Math" panose="02040503050406030204" pitchFamily="18" charset="0"/>
+                        </a:rPr>
+                        <m:t>6</m:t>
+                      </m:r>
+                      <m:acc>
+                        <m:accPr>
+                          <m:chr m:val="̂"/>
+                          <m:ctrlPr>
+                            <a:rPr lang="es-CO" sz="3200" b="0" i="1" smtClean="0">
+                              <a:latin typeface="Cambria Math" panose="02040503050406030204" pitchFamily="18" charset="0"/>
+                            </a:rPr>
+                          </m:ctrlPr>
+                        </m:accPr>
+                        <m:e>
+                          <m:r>
+                            <a:rPr lang="es-CO" sz="3200" b="0" i="1" smtClean="0">
+                              <a:latin typeface="Cambria Math" panose="02040503050406030204" pitchFamily="18" charset="0"/>
+                            </a:rPr>
+                            <m:t>𝑧</m:t>
+                          </m:r>
+                        </m:e>
+                      </m:acc>
+                    </m:oMath>
+                  </m:oMathPara>
+                </a14:m>
+                <a:endParaRPr lang="en-US" sz="3200" dirty="0"/>
+              </a:p>
+            </p:txBody>
+          </p:sp>
+        </mc:Choice>
+        <mc:Fallback>
+          <p:sp>
+            <p:nvSpPr>
+              <p:cNvPr id="25" name="CuadroTexto 24"/>
+              <p:cNvSpPr txBox="1">
+                <a:spLocks noRot="1" noChangeAspect="1" noMove="1" noResize="1" noEditPoints="1" noAdjustHandles="1" noChangeArrowheads="1" noChangeShapeType="1" noTextEdit="1"/>
+              </p:cNvSpPr>
+              <p:nvPr/>
+            </p:nvSpPr>
+            <p:spPr>
+              <a:xfrm>
+                <a:off x="6639812" y="279395"/>
+                <a:ext cx="4191019" cy="574773"/>
+              </a:xfrm>
+              <a:prstGeom prst="rect">
+                <a:avLst/>
+              </a:prstGeom>
+              <a:blipFill>
+                <a:blip r:embed="rId3"/>
+                <a:stretch>
+                  <a:fillRect/>
+                </a:stretch>
+              </a:blipFill>
+            </p:spPr>
+            <p:txBody>
+              <a:bodyPr/>
+              <a:lstStyle/>
+              <a:p>
+                <a:r>
+                  <a:rPr lang="en-US">
+                    <a:noFill/>
+                  </a:rPr>
+                  <a:t> </a:t>
+                </a:r>
+              </a:p>
+            </p:txBody>
+          </p:sp>
+        </mc:Fallback>
+      </mc:AlternateContent>
+      <mc:AlternateContent xmlns:mc="http://schemas.openxmlformats.org/markup-compatibility/2006">
+        <mc:Choice xmlns:a14="http://schemas.microsoft.com/office/drawing/2010/main" Requires="a14">
+          <p:sp>
+            <p:nvSpPr>
+              <p:cNvPr id="28" name="Rectángulo 27"/>
+              <p:cNvSpPr/>
+              <p:nvPr/>
+            </p:nvSpPr>
+            <p:spPr>
+              <a:xfrm>
+                <a:off x="7095609" y="817098"/>
+                <a:ext cx="3279424" cy="667106"/>
+              </a:xfrm>
+              <a:prstGeom prst="rect">
+                <a:avLst/>
+              </a:prstGeom>
+            </p:spPr>
+            <p:txBody>
+              <a:bodyPr wrap="none">
+                <a:spAutoFit/>
+              </a:bodyPr>
+              <a:lstStyle/>
+              <a:p>
+                <a14:m>
+                  <m:oMathPara xmlns:m="http://schemas.openxmlformats.org/officeDocument/2006/math">
+                    <m:oMathParaPr>
+                      <m:jc m:val="centerGroup"/>
+                    </m:oMathParaPr>
+                    <m:oMath xmlns:m="http://schemas.openxmlformats.org/officeDocument/2006/math">
+                      <m:sSub>
+                        <m:sSubPr>
+                          <m:ctrlPr>
+                            <a:rPr lang="en-US" sz="3200" i="1" smtClean="0">
+                              <a:latin typeface="Cambria Math" panose="02040503050406030204" pitchFamily="18" charset="0"/>
+                            </a:rPr>
+                          </m:ctrlPr>
+                        </m:sSubPr>
+                        <m:e>
+                          <m:r>
+                            <a:rPr lang="es-CO" sz="3200" b="0" i="1" smtClean="0">
+                              <a:latin typeface="Cambria Math" panose="02040503050406030204" pitchFamily="18" charset="0"/>
+                            </a:rPr>
+                            <m:t>𝑃</m:t>
+                          </m:r>
+                        </m:e>
+                        <m:sub>
+                          <m:r>
+                            <a:rPr lang="es-CO" sz="3200" b="0" i="1" smtClean="0">
+                              <a:latin typeface="Cambria Math" panose="02040503050406030204" pitchFamily="18" charset="0"/>
+                            </a:rPr>
+                            <m:t>𝑤</m:t>
+                          </m:r>
+                        </m:sub>
+                      </m:sSub>
+                      <m:r>
+                        <a:rPr lang="es-CO" sz="3200" b="0" i="1" smtClean="0">
+                          <a:latin typeface="Cambria Math" panose="02040503050406030204" pitchFamily="18" charset="0"/>
+                        </a:rPr>
+                        <m:t>=</m:t>
+                      </m:r>
+                      <m:sSup>
+                        <m:sSupPr>
+                          <m:ctrlPr>
+                            <a:rPr lang="es-CO" sz="3200" b="0" i="1" smtClean="0">
+                              <a:latin typeface="Cambria Math" panose="02040503050406030204" pitchFamily="18" charset="0"/>
+                            </a:rPr>
+                          </m:ctrlPr>
+                        </m:sSupPr>
+                        <m:e/>
+                        <m:sup>
+                          <m:r>
+                            <a:rPr lang="es-CO" sz="3200" b="0" i="1" smtClean="0">
+                              <a:latin typeface="Cambria Math" panose="02040503050406030204" pitchFamily="18" charset="0"/>
+                            </a:rPr>
+                            <m:t>0</m:t>
+                          </m:r>
+                        </m:sup>
+                      </m:sSup>
+                      <m:sSub>
+                        <m:sSubPr>
+                          <m:ctrlPr>
+                            <a:rPr lang="es-CO" sz="3200" b="0" i="1" smtClean="0">
+                              <a:latin typeface="Cambria Math" panose="02040503050406030204" pitchFamily="18" charset="0"/>
+                            </a:rPr>
+                          </m:ctrlPr>
+                        </m:sSubPr>
+                        <m:e>
+                          <m:r>
+                            <a:rPr lang="es-CO" sz="3200" b="0" i="1" smtClean="0">
+                              <a:latin typeface="Cambria Math" panose="02040503050406030204" pitchFamily="18" charset="0"/>
+                            </a:rPr>
+                            <m:t>𝑅</m:t>
+                          </m:r>
+                        </m:e>
+                        <m:sub>
+                          <m:r>
+                            <a:rPr lang="es-CO" sz="3200" b="0" i="1" smtClean="0">
+                              <a:latin typeface="Cambria Math" panose="02040503050406030204" pitchFamily="18" charset="0"/>
+                            </a:rPr>
+                            <m:t>5</m:t>
+                          </m:r>
+                        </m:sub>
+                      </m:sSub>
+                      <m:sSup>
+                        <m:sSupPr>
+                          <m:ctrlPr>
+                            <a:rPr lang="es-CO" sz="3200" b="0" i="1" smtClean="0">
+                              <a:latin typeface="Cambria Math" panose="02040503050406030204" pitchFamily="18" charset="0"/>
+                            </a:rPr>
+                          </m:ctrlPr>
+                        </m:sSupPr>
+                        <m:e/>
+                        <m:sup>
+                          <m:r>
+                            <a:rPr lang="es-CO" sz="3200" b="0" i="1" smtClean="0">
+                              <a:latin typeface="Cambria Math" panose="02040503050406030204" pitchFamily="18" charset="0"/>
+                            </a:rPr>
+                            <m:t>5</m:t>
+                          </m:r>
+                        </m:sup>
+                      </m:sSup>
+                      <m:sSub>
+                        <m:sSubPr>
+                          <m:ctrlPr>
+                            <a:rPr lang="es-CO" sz="3200" b="0" i="1" smtClean="0">
+                              <a:latin typeface="Cambria Math" panose="02040503050406030204" pitchFamily="18" charset="0"/>
+                            </a:rPr>
+                          </m:ctrlPr>
+                        </m:sSubPr>
+                        <m:e>
+                          <m:r>
+                            <a:rPr lang="es-CO" sz="3200" b="0" i="1" smtClean="0">
+                              <a:latin typeface="Cambria Math" panose="02040503050406030204" pitchFamily="18" charset="0"/>
+                            </a:rPr>
+                            <m:t>𝑃</m:t>
+                          </m:r>
+                        </m:e>
+                        <m:sub>
+                          <m:r>
+                            <a:rPr lang="es-CO" sz="3200" b="0" i="1" smtClean="0">
+                              <a:latin typeface="Cambria Math" panose="02040503050406030204" pitchFamily="18" charset="0"/>
+                            </a:rPr>
+                            <m:t>𝑤</m:t>
+                          </m:r>
+                        </m:sub>
+                      </m:sSub>
+                    </m:oMath>
+                  </m:oMathPara>
+                </a14:m>
+                <a:endParaRPr lang="en-US" sz="3200" dirty="0"/>
+              </a:p>
+            </p:txBody>
+          </p:sp>
+        </mc:Choice>
+        <mc:Fallback>
+          <p:sp>
+            <p:nvSpPr>
+              <p:cNvPr id="28" name="Rectángulo 27"/>
+              <p:cNvSpPr>
+                <a:spLocks noRot="1" noChangeAspect="1" noMove="1" noResize="1" noEditPoints="1" noAdjustHandles="1" noChangeArrowheads="1" noChangeShapeType="1" noTextEdit="1"/>
+              </p:cNvSpPr>
+              <p:nvPr/>
+            </p:nvSpPr>
+            <p:spPr>
+              <a:xfrm>
+                <a:off x="7095609" y="817098"/>
+                <a:ext cx="3279424" cy="667106"/>
+              </a:xfrm>
+              <a:prstGeom prst="rect">
+                <a:avLst/>
+              </a:prstGeom>
+              <a:blipFill>
+                <a:blip r:embed="rId4"/>
+                <a:stretch>
+                  <a:fillRect/>
+                </a:stretch>
+              </a:blipFill>
+            </p:spPr>
+            <p:txBody>
+              <a:bodyPr/>
+              <a:lstStyle/>
+              <a:p>
+                <a:r>
+                  <a:rPr lang="en-US">
+                    <a:noFill/>
+                  </a:rPr>
+                  <a:t> </a:t>
+                </a:r>
+              </a:p>
+            </p:txBody>
+          </p:sp>
+        </mc:Fallback>
+      </mc:AlternateContent>
     </p:spTree>
     <p:extLst>
       <p:ext uri="{BB962C8B-B14F-4D97-AF65-F5344CB8AC3E}">
@@ -5252,6 +5780,13 @@
   <p:clrMapOvr>
     <a:masterClrMapping/>
   </p:clrMapOvr>
+  <p:timing>
+    <p:tnLst>
+      <p:par>
+        <p:cTn id="1" dur="indefinite" restart="never" nodeType="tmRoot"/>
+      </p:par>
+    </p:tnLst>
+  </p:timing>
 </p:sld>
 </file>
 
@@ -7046,8 +7581,8 @@
           </a:p>
         </p:txBody>
       </p:sp>
-      <mc:AlternateContent xmlns:mc="http://schemas.openxmlformats.org/markup-compatibility/2006">
-        <mc:Choice xmlns:a14="http://schemas.microsoft.com/office/drawing/2010/main" Requires="a14">
+      <mc:AlternateContent xmlns:mc="http://schemas.openxmlformats.org/markup-compatibility/2006" xmlns:a14="http://schemas.microsoft.com/office/drawing/2010/main">
+        <mc:Choice Requires="a14">
           <p:sp>
             <p:nvSpPr>
               <p:cNvPr id="183" name="CuadroTexto 182"/>
@@ -7133,7 +7668,7 @@
             </p:txBody>
           </p:sp>
         </mc:Choice>
-        <mc:Fallback>
+        <mc:Fallback xmlns="">
           <p:sp>
             <p:nvSpPr>
               <p:cNvPr id="183" name="CuadroTexto 182"/>
@@ -7349,15 +7884,7 @@
                   <a:schemeClr val="accent2"/>
                 </a:solidFill>
               </a:rPr>
-              <a:t>P</a:t>
-            </a:r>
-            <a:r>
-              <a:rPr lang="es-CO" sz="3996" dirty="0" err="1">
-                <a:solidFill>
-                  <a:schemeClr val="accent2"/>
-                </a:solidFill>
-              </a:rPr>
-              <a:t>w</a:t>
+              <a:t>Pw</a:t>
             </a:r>
             <a:endParaRPr lang="en-US" sz="3996" dirty="0">
               <a:solidFill>
@@ -7550,6 +8077,13 @@
   <p:clrMapOvr>
     <a:masterClrMapping/>
   </p:clrMapOvr>
+  <p:timing>
+    <p:tnLst>
+      <p:par>
+        <p:cTn id="1" dur="indefinite" restart="never" nodeType="tmRoot"/>
+      </p:par>
+    </p:tnLst>
+  </p:timing>
 </p:sld>
 </file>
 
@@ -8254,15 +8788,7 @@
                   <a:schemeClr val="accent2"/>
                 </a:solidFill>
               </a:rPr>
-              <a:t>P</a:t>
-            </a:r>
-            <a:r>
-              <a:rPr lang="es-CO" sz="3996" dirty="0" err="1">
-                <a:solidFill>
-                  <a:schemeClr val="accent2"/>
-                </a:solidFill>
-              </a:rPr>
-              <a:t>w</a:t>
+              <a:t>Pw</a:t>
             </a:r>
             <a:endParaRPr lang="en-US" sz="3996" dirty="0">
               <a:solidFill>
@@ -8648,8 +9174,8 @@
           </a:p>
         </p:txBody>
       </p:sp>
-      <mc:AlternateContent xmlns:mc="http://schemas.openxmlformats.org/markup-compatibility/2006">
-        <mc:Choice xmlns:a14="http://schemas.microsoft.com/office/drawing/2010/main" Requires="a14">
+      <mc:AlternateContent xmlns:mc="http://schemas.openxmlformats.org/markup-compatibility/2006" xmlns:a14="http://schemas.microsoft.com/office/drawing/2010/main">
+        <mc:Choice Requires="a14">
           <p:sp>
             <p:nvSpPr>
               <p:cNvPr id="2" name="CuadroTexto 1"/>
@@ -8808,7 +9334,7 @@
             </p:txBody>
           </p:sp>
         </mc:Choice>
-        <mc:Fallback>
+        <mc:Fallback xmlns="">
           <p:sp>
             <p:nvSpPr>
               <p:cNvPr id="2" name="CuadroTexto 1"/>
@@ -9307,6 +9833,13 @@
   <p:clrMapOvr>
     <a:masterClrMapping/>
   </p:clrMapOvr>
+  <p:timing>
+    <p:tnLst>
+      <p:par>
+        <p:cTn id="1" dur="indefinite" restart="never" nodeType="tmRoot"/>
+      </p:par>
+    </p:tnLst>
+  </p:timing>
 </p:sld>
 </file>
 
@@ -10409,8 +10942,8 @@
           </a:p>
         </p:txBody>
       </p:sp>
-      <mc:AlternateContent xmlns:mc="http://schemas.openxmlformats.org/markup-compatibility/2006">
-        <mc:Choice xmlns:a14="http://schemas.microsoft.com/office/drawing/2010/main" Requires="a14">
+      <mc:AlternateContent xmlns:mc="http://schemas.openxmlformats.org/markup-compatibility/2006" xmlns:a14="http://schemas.microsoft.com/office/drawing/2010/main">
+        <mc:Choice Requires="a14">
           <p:sp>
             <p:nvSpPr>
               <p:cNvPr id="32" name="CuadroTexto 31"/>
@@ -10433,6 +10966,7 @@
               </a:bodyPr>
               <a:lstStyle/>
               <a:p>
+                <a:pPr/>
                 <a14:m>
                   <m:oMathPara xmlns:m="http://schemas.openxmlformats.org/officeDocument/2006/math">
                     <m:oMathParaPr>
@@ -10540,7 +11074,7 @@
             </p:txBody>
           </p:sp>
         </mc:Choice>
-        <mc:Fallback>
+        <mc:Fallback xmlns="">
           <p:sp>
             <p:nvSpPr>
               <p:cNvPr id="32" name="CuadroTexto 31"/>
@@ -10579,8 +11113,8 @@
           </p:sp>
         </mc:Fallback>
       </mc:AlternateContent>
-      <mc:AlternateContent xmlns:mc="http://schemas.openxmlformats.org/markup-compatibility/2006">
-        <mc:Choice xmlns:a14="http://schemas.microsoft.com/office/drawing/2010/main" Requires="a14">
+      <mc:AlternateContent xmlns:mc="http://schemas.openxmlformats.org/markup-compatibility/2006" xmlns:a14="http://schemas.microsoft.com/office/drawing/2010/main">
+        <mc:Choice Requires="a14">
           <p:sp>
             <p:nvSpPr>
               <p:cNvPr id="33" name="CuadroTexto 32"/>
@@ -10603,6 +11137,7 @@
               </a:bodyPr>
               <a:lstStyle/>
               <a:p>
+                <a:pPr/>
                 <a14:m>
                   <m:oMathPara xmlns:m="http://schemas.openxmlformats.org/officeDocument/2006/math">
                     <m:oMathParaPr>
@@ -10673,7 +11208,7 @@
             </p:txBody>
           </p:sp>
         </mc:Choice>
-        <mc:Fallback>
+        <mc:Fallback xmlns="">
           <p:sp>
             <p:nvSpPr>
               <p:cNvPr id="33" name="CuadroTexto 32"/>
@@ -10712,8 +11247,8 @@
           </p:sp>
         </mc:Fallback>
       </mc:AlternateContent>
-      <mc:AlternateContent xmlns:mc="http://schemas.openxmlformats.org/markup-compatibility/2006">
-        <mc:Choice xmlns:a14="http://schemas.microsoft.com/office/drawing/2010/main" Requires="a14">
+      <mc:AlternateContent xmlns:mc="http://schemas.openxmlformats.org/markup-compatibility/2006" xmlns:a14="http://schemas.microsoft.com/office/drawing/2010/main">
+        <mc:Choice Requires="a14">
           <p:sp>
             <p:nvSpPr>
               <p:cNvPr id="34" name="CuadroTexto 33"/>
@@ -10736,6 +11271,7 @@
               </a:bodyPr>
               <a:lstStyle/>
               <a:p>
+                <a:pPr/>
                 <a14:m>
                   <m:oMathPara xmlns:m="http://schemas.openxmlformats.org/officeDocument/2006/math">
                     <m:oMathParaPr>
@@ -10926,7 +11462,7 @@
             </p:txBody>
           </p:sp>
         </mc:Choice>
-        <mc:Fallback>
+        <mc:Fallback xmlns="">
           <p:sp>
             <p:nvSpPr>
               <p:cNvPr id="34" name="CuadroTexto 33"/>
@@ -10965,8 +11501,8 @@
           </p:sp>
         </mc:Fallback>
       </mc:AlternateContent>
-      <mc:AlternateContent xmlns:mc="http://schemas.openxmlformats.org/markup-compatibility/2006">
-        <mc:Choice xmlns:a14="http://schemas.microsoft.com/office/drawing/2010/main" Requires="a14">
+      <mc:AlternateContent xmlns:mc="http://schemas.openxmlformats.org/markup-compatibility/2006" xmlns:a14="http://schemas.microsoft.com/office/drawing/2010/main">
+        <mc:Choice Requires="a14">
           <p:sp>
             <p:nvSpPr>
               <p:cNvPr id="35" name="CuadroTexto 34"/>
@@ -10989,6 +11525,7 @@
               </a:bodyPr>
               <a:lstStyle/>
               <a:p>
+                <a:pPr/>
                 <a14:m>
                   <m:oMathPara xmlns:m="http://schemas.openxmlformats.org/officeDocument/2006/math">
                     <m:oMathParaPr>
@@ -11198,7 +11735,7 @@
             </p:txBody>
           </p:sp>
         </mc:Choice>
-        <mc:Fallback>
+        <mc:Fallback xmlns="">
           <p:sp>
             <p:nvSpPr>
               <p:cNvPr id="35" name="CuadroTexto 34"/>
@@ -11237,8 +11774,8 @@
           </p:sp>
         </mc:Fallback>
       </mc:AlternateContent>
-      <mc:AlternateContent xmlns:mc="http://schemas.openxmlformats.org/markup-compatibility/2006">
-        <mc:Choice xmlns:a14="http://schemas.microsoft.com/office/drawing/2010/main" Requires="a14">
+      <mc:AlternateContent xmlns:mc="http://schemas.openxmlformats.org/markup-compatibility/2006" xmlns:a14="http://schemas.microsoft.com/office/drawing/2010/main">
+        <mc:Choice Requires="a14">
           <p:sp>
             <p:nvSpPr>
               <p:cNvPr id="37" name="Rectángulo 36"/>
@@ -11260,6 +11797,7 @@
               </a:bodyPr>
               <a:lstStyle/>
               <a:p>
+                <a:pPr/>
                 <a14:m>
                   <m:oMathPara xmlns:m="http://schemas.openxmlformats.org/officeDocument/2006/math">
                     <m:oMathParaPr>
@@ -11386,7 +11924,7 @@
             </p:txBody>
           </p:sp>
         </mc:Choice>
-        <mc:Fallback>
+        <mc:Fallback xmlns="">
           <p:sp>
             <p:nvSpPr>
               <p:cNvPr id="37" name="Rectángulo 36"/>
@@ -11425,8 +11963,8 @@
           </p:sp>
         </mc:Fallback>
       </mc:AlternateContent>
-      <mc:AlternateContent xmlns:mc="http://schemas.openxmlformats.org/markup-compatibility/2006">
-        <mc:Choice xmlns:a14="http://schemas.microsoft.com/office/drawing/2010/main" Requires="a14">
+      <mc:AlternateContent xmlns:mc="http://schemas.openxmlformats.org/markup-compatibility/2006" xmlns:a14="http://schemas.microsoft.com/office/drawing/2010/main">
+        <mc:Choice Requires="a14">
           <p:sp>
             <p:nvSpPr>
               <p:cNvPr id="38" name="CuadroTexto 37"/>
@@ -11449,6 +11987,7 @@
               </a:bodyPr>
               <a:lstStyle/>
               <a:p>
+                <a:pPr/>
                 <a14:m>
                   <m:oMathPara xmlns:m="http://schemas.openxmlformats.org/officeDocument/2006/math">
                     <m:oMathParaPr>
@@ -11572,7 +12111,7 @@
             </p:txBody>
           </p:sp>
         </mc:Choice>
-        <mc:Fallback>
+        <mc:Fallback xmlns="">
           <p:sp>
             <p:nvSpPr>
               <p:cNvPr id="38" name="CuadroTexto 37"/>
@@ -11611,8 +12150,8 @@
           </p:sp>
         </mc:Fallback>
       </mc:AlternateContent>
-      <mc:AlternateContent xmlns:mc="http://schemas.openxmlformats.org/markup-compatibility/2006">
-        <mc:Choice xmlns:a14="http://schemas.microsoft.com/office/drawing/2010/main" Requires="a14">
+      <mc:AlternateContent xmlns:mc="http://schemas.openxmlformats.org/markup-compatibility/2006" xmlns:a14="http://schemas.microsoft.com/office/drawing/2010/main">
+        <mc:Choice Requires="a14">
           <p:sp>
             <p:nvSpPr>
               <p:cNvPr id="40" name="Rectángulo 39"/>
@@ -11634,6 +12173,7 @@
               </a:bodyPr>
               <a:lstStyle/>
               <a:p>
+                <a:pPr/>
                 <a14:m>
                   <m:oMathPara xmlns:m="http://schemas.openxmlformats.org/officeDocument/2006/math">
                     <m:oMathParaPr>
@@ -11704,7 +12244,7 @@
             </p:txBody>
           </p:sp>
         </mc:Choice>
-        <mc:Fallback>
+        <mc:Fallback xmlns="">
           <p:sp>
             <p:nvSpPr>
               <p:cNvPr id="40" name="Rectángulo 39"/>
@@ -11743,8 +12283,8 @@
           </p:sp>
         </mc:Fallback>
       </mc:AlternateContent>
-      <mc:AlternateContent xmlns:mc="http://schemas.openxmlformats.org/markup-compatibility/2006">
-        <mc:Choice xmlns:a14="http://schemas.microsoft.com/office/drawing/2010/main" Requires="a14">
+      <mc:AlternateContent xmlns:mc="http://schemas.openxmlformats.org/markup-compatibility/2006" xmlns:a14="http://schemas.microsoft.com/office/drawing/2010/main">
+        <mc:Choice Requires="a14">
           <p:sp>
             <p:nvSpPr>
               <p:cNvPr id="41" name="CuadroTexto 40"/>
@@ -11767,6 +12307,7 @@
               </a:bodyPr>
               <a:lstStyle/>
               <a:p>
+                <a:pPr/>
                 <a14:m>
                   <m:oMathPara xmlns:m="http://schemas.openxmlformats.org/officeDocument/2006/math">
                     <m:oMathParaPr>
@@ -11828,7 +12369,7 @@
             </p:txBody>
           </p:sp>
         </mc:Choice>
-        <mc:Fallback>
+        <mc:Fallback xmlns="">
           <p:sp>
             <p:nvSpPr>
               <p:cNvPr id="41" name="CuadroTexto 40"/>
@@ -11877,6 +12418,13 @@
   <p:clrMapOvr>
     <a:masterClrMapping/>
   </p:clrMapOvr>
+  <p:timing>
+    <p:tnLst>
+      <p:par>
+        <p:cTn id="1" dur="indefinite" restart="never" nodeType="tmRoot"/>
+      </p:par>
+    </p:tnLst>
+  </p:timing>
 </p:sld>
 </file>
 
@@ -12921,8 +13469,8 @@
           </a:p>
         </p:txBody>
       </p:sp>
-      <mc:AlternateContent xmlns:mc="http://schemas.openxmlformats.org/markup-compatibility/2006">
-        <mc:Choice xmlns:a14="http://schemas.microsoft.com/office/drawing/2010/main" Requires="a14">
+      <mc:AlternateContent xmlns:mc="http://schemas.openxmlformats.org/markup-compatibility/2006" xmlns:a14="http://schemas.microsoft.com/office/drawing/2010/main">
+        <mc:Choice Requires="a14">
           <p:sp>
             <p:nvSpPr>
               <p:cNvPr id="35" name="CuadroTexto 34"/>
@@ -12945,6 +13493,7 @@
               </a:bodyPr>
               <a:lstStyle/>
               <a:p>
+                <a:pPr/>
                 <a14:m>
                   <m:oMathPara xmlns:m="http://schemas.openxmlformats.org/officeDocument/2006/math">
                     <m:oMathParaPr>
@@ -13136,7 +13685,7 @@
             </p:txBody>
           </p:sp>
         </mc:Choice>
-        <mc:Fallback>
+        <mc:Fallback xmlns="">
           <p:sp>
             <p:nvSpPr>
               <p:cNvPr id="35" name="CuadroTexto 34"/>
@@ -13175,8 +13724,8 @@
           </p:sp>
         </mc:Fallback>
       </mc:AlternateContent>
-      <mc:AlternateContent xmlns:mc="http://schemas.openxmlformats.org/markup-compatibility/2006">
-        <mc:Choice xmlns:a14="http://schemas.microsoft.com/office/drawing/2010/main" Requires="a14">
+      <mc:AlternateContent xmlns:mc="http://schemas.openxmlformats.org/markup-compatibility/2006" xmlns:a14="http://schemas.microsoft.com/office/drawing/2010/main">
+        <mc:Choice Requires="a14">
           <p:sp>
             <p:nvSpPr>
               <p:cNvPr id="36" name="CuadroTexto 35"/>
@@ -13199,6 +13748,7 @@
               </a:bodyPr>
               <a:lstStyle/>
               <a:p>
+                <a:pPr/>
                 <a14:m>
                   <m:oMathPara xmlns:m="http://schemas.openxmlformats.org/officeDocument/2006/math">
                     <m:oMathParaPr>
@@ -13415,7 +13965,7 @@
             </p:txBody>
           </p:sp>
         </mc:Choice>
-        <mc:Fallback>
+        <mc:Fallback xmlns="">
           <p:sp>
             <p:nvSpPr>
               <p:cNvPr id="36" name="CuadroTexto 35"/>
@@ -13454,8 +14004,8 @@
           </p:sp>
         </mc:Fallback>
       </mc:AlternateContent>
-      <mc:AlternateContent xmlns:mc="http://schemas.openxmlformats.org/markup-compatibility/2006">
-        <mc:Choice xmlns:a14="http://schemas.microsoft.com/office/drawing/2010/main" Requires="a14">
+      <mc:AlternateContent xmlns:mc="http://schemas.openxmlformats.org/markup-compatibility/2006" xmlns:a14="http://schemas.microsoft.com/office/drawing/2010/main">
+        <mc:Choice Requires="a14">
           <p:sp>
             <p:nvSpPr>
               <p:cNvPr id="37" name="Rectángulo 36"/>
@@ -13477,6 +14027,7 @@
               </a:bodyPr>
               <a:lstStyle/>
               <a:p>
+                <a:pPr/>
                 <a14:m>
                   <m:oMathPara xmlns:m="http://schemas.openxmlformats.org/officeDocument/2006/math">
                     <m:oMathParaPr>
@@ -13611,7 +14162,7 @@
             </p:txBody>
           </p:sp>
         </mc:Choice>
-        <mc:Fallback>
+        <mc:Fallback xmlns="">
           <p:sp>
             <p:nvSpPr>
               <p:cNvPr id="37" name="Rectángulo 36"/>
@@ -13650,8 +14201,8 @@
           </p:sp>
         </mc:Fallback>
       </mc:AlternateContent>
-      <mc:AlternateContent xmlns:mc="http://schemas.openxmlformats.org/markup-compatibility/2006">
-        <mc:Choice xmlns:a14="http://schemas.microsoft.com/office/drawing/2010/main" Requires="a14">
+      <mc:AlternateContent xmlns:mc="http://schemas.openxmlformats.org/markup-compatibility/2006" xmlns:a14="http://schemas.microsoft.com/office/drawing/2010/main">
+        <mc:Choice Requires="a14">
           <p:sp>
             <p:nvSpPr>
               <p:cNvPr id="38" name="CuadroTexto 37"/>
@@ -13674,6 +14225,7 @@
               </a:bodyPr>
               <a:lstStyle/>
               <a:p>
+                <a:pPr/>
                 <a14:m>
                   <m:oMathPara xmlns:m="http://schemas.openxmlformats.org/officeDocument/2006/math">
                     <m:oMathParaPr>
@@ -13818,7 +14370,7 @@
             </p:txBody>
           </p:sp>
         </mc:Choice>
-        <mc:Fallback>
+        <mc:Fallback xmlns="">
           <p:sp>
             <p:nvSpPr>
               <p:cNvPr id="38" name="CuadroTexto 37"/>
@@ -13857,8 +14409,8 @@
           </p:sp>
         </mc:Fallback>
       </mc:AlternateContent>
-      <mc:AlternateContent xmlns:mc="http://schemas.openxmlformats.org/markup-compatibility/2006">
-        <mc:Choice xmlns:a14="http://schemas.microsoft.com/office/drawing/2010/main" Requires="a14">
+      <mc:AlternateContent xmlns:mc="http://schemas.openxmlformats.org/markup-compatibility/2006" xmlns:a14="http://schemas.microsoft.com/office/drawing/2010/main">
+        <mc:Choice Requires="a14">
           <p:sp>
             <p:nvSpPr>
               <p:cNvPr id="39" name="Rectángulo 38"/>
@@ -13880,6 +14432,7 @@
               </a:bodyPr>
               <a:lstStyle/>
               <a:p>
+                <a:pPr/>
                 <a14:m>
                   <m:oMathPara xmlns:m="http://schemas.openxmlformats.org/officeDocument/2006/math">
                     <m:oMathParaPr>
@@ -13971,7 +14524,7 @@
             </p:txBody>
           </p:sp>
         </mc:Choice>
-        <mc:Fallback>
+        <mc:Fallback xmlns="">
           <p:sp>
             <p:nvSpPr>
               <p:cNvPr id="39" name="Rectángulo 38"/>
@@ -14010,8 +14563,8 @@
           </p:sp>
         </mc:Fallback>
       </mc:AlternateContent>
-      <mc:AlternateContent xmlns:mc="http://schemas.openxmlformats.org/markup-compatibility/2006">
-        <mc:Choice xmlns:a14="http://schemas.microsoft.com/office/drawing/2010/main" Requires="a14">
+      <mc:AlternateContent xmlns:mc="http://schemas.openxmlformats.org/markup-compatibility/2006" xmlns:a14="http://schemas.microsoft.com/office/drawing/2010/main">
+        <mc:Choice Requires="a14">
           <p:sp>
             <p:nvSpPr>
               <p:cNvPr id="40" name="CuadroTexto 39"/>
@@ -14034,6 +14587,7 @@
               </a:bodyPr>
               <a:lstStyle/>
               <a:p>
+                <a:pPr/>
                 <a14:m>
                   <m:oMathPara xmlns:m="http://schemas.openxmlformats.org/officeDocument/2006/math">
                     <m:oMathParaPr>
@@ -14095,7 +14649,7 @@
             </p:txBody>
           </p:sp>
         </mc:Choice>
-        <mc:Fallback>
+        <mc:Fallback xmlns="">
           <p:sp>
             <p:nvSpPr>
               <p:cNvPr id="40" name="CuadroTexto 39"/>
@@ -14202,8 +14756,8 @@
           <a:chExt cx="0" cy="0"/>
         </a:xfrm>
       </p:grpSpPr>
-      <mc:AlternateContent xmlns:mc="http://schemas.openxmlformats.org/markup-compatibility/2006">
-        <mc:Choice xmlns:a14="http://schemas.microsoft.com/office/drawing/2010/main" Requires="a14">
+      <mc:AlternateContent xmlns:mc="http://schemas.openxmlformats.org/markup-compatibility/2006" xmlns:a14="http://schemas.microsoft.com/office/drawing/2010/main">
+        <mc:Choice Requires="a14">
           <p:sp>
             <p:nvSpPr>
               <p:cNvPr id="35" name="Rectángulo 34"/>
@@ -14225,6 +14779,7 @@
               </a:bodyPr>
               <a:lstStyle/>
               <a:p>
+                <a:pPr/>
                 <a14:m>
                   <m:oMathPara xmlns:m="http://schemas.openxmlformats.org/officeDocument/2006/math">
                     <m:oMathParaPr>
@@ -14312,7 +14867,7 @@
             </p:txBody>
           </p:sp>
         </mc:Choice>
-        <mc:Fallback>
+        <mc:Fallback xmlns="">
           <p:sp>
             <p:nvSpPr>
               <p:cNvPr id="35" name="Rectángulo 34"/>
@@ -14351,8 +14906,8 @@
           </p:sp>
         </mc:Fallback>
       </mc:AlternateContent>
-      <mc:AlternateContent xmlns:mc="http://schemas.openxmlformats.org/markup-compatibility/2006">
-        <mc:Choice xmlns:a14="http://schemas.microsoft.com/office/drawing/2010/main" Requires="a14">
+      <mc:AlternateContent xmlns:mc="http://schemas.openxmlformats.org/markup-compatibility/2006" xmlns:a14="http://schemas.microsoft.com/office/drawing/2010/main">
+        <mc:Choice Requires="a14">
           <p:sp>
             <p:nvSpPr>
               <p:cNvPr id="42" name="CuadroTexto 41"/>
@@ -14375,6 +14930,7 @@
               </a:bodyPr>
               <a:lstStyle/>
               <a:p>
+                <a:pPr/>
                 <a14:m>
                   <m:oMathPara xmlns:m="http://schemas.openxmlformats.org/officeDocument/2006/math">
                     <m:oMathParaPr>
@@ -14445,7 +15001,7 @@
             </p:txBody>
           </p:sp>
         </mc:Choice>
-        <mc:Fallback>
+        <mc:Fallback xmlns="">
           <p:sp>
             <p:nvSpPr>
               <p:cNvPr id="42" name="CuadroTexto 41"/>
@@ -14484,8 +15040,8 @@
           </p:sp>
         </mc:Fallback>
       </mc:AlternateContent>
-      <mc:AlternateContent xmlns:mc="http://schemas.openxmlformats.org/markup-compatibility/2006">
-        <mc:Choice xmlns:a14="http://schemas.microsoft.com/office/drawing/2010/main" Requires="a14">
+      <mc:AlternateContent xmlns:mc="http://schemas.openxmlformats.org/markup-compatibility/2006" xmlns:a14="http://schemas.microsoft.com/office/drawing/2010/main">
+        <mc:Choice Requires="a14">
           <p:sp>
             <p:nvSpPr>
               <p:cNvPr id="52" name="Rectángulo 51"/>
@@ -14568,7 +15124,7 @@
             </p:txBody>
           </p:sp>
         </mc:Choice>
-        <mc:Fallback>
+        <mc:Fallback xmlns="">
           <p:sp>
             <p:nvSpPr>
               <p:cNvPr id="52" name="Rectángulo 51"/>
@@ -14637,8 +15193,8 @@
           </a:fontRef>
         </p:style>
       </p:cxnSp>
-      <mc:AlternateContent xmlns:mc="http://schemas.openxmlformats.org/markup-compatibility/2006">
-        <mc:Choice xmlns:a14="http://schemas.microsoft.com/office/drawing/2010/main" Requires="a14">
+      <mc:AlternateContent xmlns:mc="http://schemas.openxmlformats.org/markup-compatibility/2006" xmlns:a14="http://schemas.microsoft.com/office/drawing/2010/main">
+        <mc:Choice Requires="a14">
           <p:sp>
             <p:nvSpPr>
               <p:cNvPr id="60" name="CuadroTexto 59"/>
@@ -14661,6 +15217,7 @@
               </a:bodyPr>
               <a:lstStyle/>
               <a:p>
+                <a:pPr/>
                 <a14:m>
                   <m:oMathPara xmlns:m="http://schemas.openxmlformats.org/officeDocument/2006/math">
                     <m:oMathParaPr>
@@ -14876,7 +15433,7 @@
             </p:txBody>
           </p:sp>
         </mc:Choice>
-        <mc:Fallback>
+        <mc:Fallback xmlns="">
           <p:sp>
             <p:nvSpPr>
               <p:cNvPr id="60" name="CuadroTexto 59"/>
@@ -14915,8 +15472,8 @@
           </p:sp>
         </mc:Fallback>
       </mc:AlternateContent>
-      <mc:AlternateContent xmlns:mc="http://schemas.openxmlformats.org/markup-compatibility/2006">
-        <mc:Choice xmlns:a14="http://schemas.microsoft.com/office/drawing/2010/main" Requires="a14">
+      <mc:AlternateContent xmlns:mc="http://schemas.openxmlformats.org/markup-compatibility/2006" xmlns:a14="http://schemas.microsoft.com/office/drawing/2010/main">
+        <mc:Choice Requires="a14">
           <p:sp>
             <p:nvSpPr>
               <p:cNvPr id="61" name="CuadroTexto 60"/>
@@ -14939,6 +15496,7 @@
               </a:bodyPr>
               <a:lstStyle/>
               <a:p>
+                <a:pPr/>
                 <a14:m>
                   <m:oMathPara xmlns:m="http://schemas.openxmlformats.org/officeDocument/2006/math">
                     <m:oMathParaPr>
@@ -15173,7 +15731,7 @@
             </p:txBody>
           </p:sp>
         </mc:Choice>
-        <mc:Fallback>
+        <mc:Fallback xmlns="">
           <p:sp>
             <p:nvSpPr>
               <p:cNvPr id="61" name="CuadroTexto 60"/>
@@ -15212,8 +15770,8 @@
           </p:sp>
         </mc:Fallback>
       </mc:AlternateContent>
-      <mc:AlternateContent xmlns:mc="http://schemas.openxmlformats.org/markup-compatibility/2006">
-        <mc:Choice xmlns:a14="http://schemas.microsoft.com/office/drawing/2010/main" Requires="a14">
+      <mc:AlternateContent xmlns:mc="http://schemas.openxmlformats.org/markup-compatibility/2006" xmlns:a14="http://schemas.microsoft.com/office/drawing/2010/main">
+        <mc:Choice Requires="a14">
           <p:sp>
             <p:nvSpPr>
               <p:cNvPr id="62" name="Rectángulo 61"/>
@@ -15235,6 +15793,7 @@
               </a:bodyPr>
               <a:lstStyle/>
               <a:p>
+                <a:pPr/>
                 <a14:m>
                   <m:oMathPara xmlns:m="http://schemas.openxmlformats.org/officeDocument/2006/math">
                     <m:oMathParaPr>
@@ -15361,7 +15920,7 @@
             </p:txBody>
           </p:sp>
         </mc:Choice>
-        <mc:Fallback>
+        <mc:Fallback xmlns="">
           <p:sp>
             <p:nvSpPr>
               <p:cNvPr id="62" name="Rectángulo 61"/>
@@ -15400,8 +15959,8 @@
           </p:sp>
         </mc:Fallback>
       </mc:AlternateContent>
-      <mc:AlternateContent xmlns:mc="http://schemas.openxmlformats.org/markup-compatibility/2006">
-        <mc:Choice xmlns:a14="http://schemas.microsoft.com/office/drawing/2010/main" Requires="a14">
+      <mc:AlternateContent xmlns:mc="http://schemas.openxmlformats.org/markup-compatibility/2006" xmlns:a14="http://schemas.microsoft.com/office/drawing/2010/main">
+        <mc:Choice Requires="a14">
           <p:sp>
             <p:nvSpPr>
               <p:cNvPr id="63" name="CuadroTexto 62"/>
@@ -15424,6 +15983,7 @@
               </a:bodyPr>
               <a:lstStyle/>
               <a:p>
+                <a:pPr/>
                 <a14:m>
                   <m:oMathPara xmlns:m="http://schemas.openxmlformats.org/officeDocument/2006/math">
                     <m:oMathParaPr>
@@ -15547,7 +16107,7 @@
             </p:txBody>
           </p:sp>
         </mc:Choice>
-        <mc:Fallback>
+        <mc:Fallback xmlns="">
           <p:sp>
             <p:nvSpPr>
               <p:cNvPr id="63" name="CuadroTexto 62"/>
@@ -16922,8 +17482,8 @@
           </p:txBody>
         </p:sp>
       </p:grpSp>
-      <mc:AlternateContent xmlns:mc="http://schemas.openxmlformats.org/markup-compatibility/2006">
-        <mc:Choice xmlns:a14="http://schemas.microsoft.com/office/drawing/2010/main" Requires="a14">
+      <mc:AlternateContent xmlns:mc="http://schemas.openxmlformats.org/markup-compatibility/2006" xmlns:a14="http://schemas.microsoft.com/office/drawing/2010/main">
+        <mc:Choice Requires="a14">
           <p:sp>
             <p:nvSpPr>
               <p:cNvPr id="67" name="CuadroTexto 66"/>
@@ -16946,6 +17506,7 @@
               </a:bodyPr>
               <a:lstStyle/>
               <a:p>
+                <a:pPr/>
                 <a14:m>
                   <m:oMathPara xmlns:m="http://schemas.openxmlformats.org/officeDocument/2006/math">
                     <m:oMathParaPr>
@@ -17034,7 +17595,7 @@
             </p:txBody>
           </p:sp>
         </mc:Choice>
-        <mc:Fallback>
+        <mc:Fallback xmlns="">
           <p:sp>
             <p:nvSpPr>
               <p:cNvPr id="67" name="CuadroTexto 66"/>
@@ -17073,8 +17634,8 @@
           </p:sp>
         </mc:Fallback>
       </mc:AlternateContent>
-      <mc:AlternateContent xmlns:mc="http://schemas.openxmlformats.org/markup-compatibility/2006">
-        <mc:Choice xmlns:a14="http://schemas.microsoft.com/office/drawing/2010/main" Requires="a14">
+      <mc:AlternateContent xmlns:mc="http://schemas.openxmlformats.org/markup-compatibility/2006" xmlns:a14="http://schemas.microsoft.com/office/drawing/2010/main">
+        <mc:Choice Requires="a14">
           <p:sp>
             <p:nvSpPr>
               <p:cNvPr id="68" name="CuadroTexto 67"/>
@@ -17097,6 +17658,7 @@
               </a:bodyPr>
               <a:lstStyle/>
               <a:p>
+                <a:pPr/>
                 <a14:m>
                   <m:oMathPara xmlns:m="http://schemas.openxmlformats.org/officeDocument/2006/math">
                     <m:oMathParaPr>
@@ -17176,7 +17738,7 @@
             </p:txBody>
           </p:sp>
         </mc:Choice>
-        <mc:Fallback>
+        <mc:Fallback xmlns="">
           <p:sp>
             <p:nvSpPr>
               <p:cNvPr id="68" name="CuadroTexto 67"/>
@@ -17245,8 +17807,8 @@
           <a:chExt cx="0" cy="0"/>
         </a:xfrm>
       </p:grpSpPr>
-      <mc:AlternateContent xmlns:mc="http://schemas.openxmlformats.org/markup-compatibility/2006">
-        <mc:Choice xmlns:a14="http://schemas.microsoft.com/office/drawing/2010/main" Requires="a14">
+      <mc:AlternateContent xmlns:mc="http://schemas.openxmlformats.org/markup-compatibility/2006" xmlns:a14="http://schemas.microsoft.com/office/drawing/2010/main">
+        <mc:Choice Requires="a14">
           <p:sp>
             <p:nvSpPr>
               <p:cNvPr id="3" name="CuadroTexto 2"/>
@@ -17269,6 +17831,7 @@
               </a:bodyPr>
               <a:lstStyle/>
               <a:p>
+                <a:pPr/>
                 <a14:m>
                   <m:oMathPara xmlns:m="http://schemas.openxmlformats.org/officeDocument/2006/math">
                     <m:oMathParaPr>
@@ -17461,7 +18024,7 @@
             </p:txBody>
           </p:sp>
         </mc:Choice>
-        <mc:Fallback>
+        <mc:Fallback xmlns="">
           <p:sp>
             <p:nvSpPr>
               <p:cNvPr id="3" name="CuadroTexto 2"/>
@@ -17511,7 +18074,7 @@
             <p:spPr>
               <a:xfrm>
                 <a:off x="941294" y="1387519"/>
-                <a:ext cx="10588220" cy="1137747"/>
+                <a:ext cx="10589822" cy="1137747"/>
               </a:xfrm>
               <a:prstGeom prst="rect">
                 <a:avLst/>
@@ -17523,6 +18086,7 @@
               </a:bodyPr>
               <a:lstStyle/>
               <a:p>
+                <a:pPr/>
                 <a14:m>
                   <m:oMathPara xmlns:m="http://schemas.openxmlformats.org/officeDocument/2006/math">
                     <m:oMathParaPr>
@@ -17655,13 +18219,7 @@
                                       <a:rPr lang="es-CO" sz="2400" i="1">
                                         <a:latin typeface="Cambria Math" panose="02040503050406030204" pitchFamily="18" charset="0"/>
                                       </a:rPr>
-                                      <m:t>1</m:t>
-                                    </m:r>
-                                    <m:r>
-                                      <a:rPr lang="es-CO" sz="2400" i="1">
-                                        <a:latin typeface="Cambria Math" panose="02040503050406030204" pitchFamily="18" charset="0"/>
-                                      </a:rPr>
-                                      <m:t>2</m:t>
+                                      <m:t>12</m:t>
                                     </m:r>
                                   </m:sub>
                                 </m:sSub>
@@ -17688,13 +18246,7 @@
                                       <a:rPr lang="es-CO" sz="2400" i="1">
                                         <a:latin typeface="Cambria Math" panose="02040503050406030204" pitchFamily="18" charset="0"/>
                                       </a:rPr>
-                                      <m:t>1</m:t>
-                                    </m:r>
-                                    <m:r>
-                                      <a:rPr lang="es-CO" sz="2400" i="1">
-                                        <a:latin typeface="Cambria Math" panose="02040503050406030204" pitchFamily="18" charset="0"/>
-                                      </a:rPr>
-                                      <m:t>3</m:t>
+                                      <m:t>13</m:t>
                                     </m:r>
                                   </m:sub>
                                 </m:sSub>
@@ -17723,13 +18275,7 @@
                                       <a:rPr lang="es-CO" sz="2400" i="1">
                                         <a:latin typeface="Cambria Math" panose="02040503050406030204" pitchFamily="18" charset="0"/>
                                       </a:rPr>
-                                      <m:t>2</m:t>
-                                    </m:r>
-                                    <m:r>
-                                      <a:rPr lang="es-CO" sz="2400" i="1">
-                                        <a:latin typeface="Cambria Math" panose="02040503050406030204" pitchFamily="18" charset="0"/>
-                                      </a:rPr>
-                                      <m:t>1</m:t>
+                                      <m:t>21</m:t>
                                     </m:r>
                                   </m:sub>
                                 </m:sSub>
@@ -17812,13 +18358,7 @@
                                       <a:rPr lang="es-CO" sz="2400" i="1">
                                         <a:latin typeface="Cambria Math" panose="02040503050406030204" pitchFamily="18" charset="0"/>
                                       </a:rPr>
-                                      <m:t>3</m:t>
-                                    </m:r>
-                                    <m:r>
-                                      <a:rPr lang="es-CO" sz="2400" i="1">
-                                        <a:latin typeface="Cambria Math" panose="02040503050406030204" pitchFamily="18" charset="0"/>
-                                      </a:rPr>
-                                      <m:t>1</m:t>
+                                      <m:t>31</m:t>
                                     </m:r>
                                   </m:sub>
                                 </m:sSub>
@@ -18157,10 +18697,10 @@
                                   </m:sSubPr>
                                   <m:e>
                                     <m:r>
-                                      <a:rPr lang="es-CO" sz="2400" i="1">
+                                      <a:rPr lang="es-CO" sz="2400" b="0" i="1" smtClean="0">
                                         <a:latin typeface="Cambria Math" panose="02040503050406030204" pitchFamily="18" charset="0"/>
                                       </a:rPr>
-                                      <m:t>𝑐</m:t>
+                                      <m:t>𝑠</m:t>
                                     </m:r>
                                   </m:e>
                                   <m:sub>
@@ -18712,6 +19252,12 @@
                             </m:mr>
                             <m:mr>
                               <m:e>
+                                <m:r>
+                                  <a:rPr lang="es-CO" sz="2400" b="0" i="1" smtClean="0">
+                                    <a:latin typeface="Cambria Math" panose="02040503050406030204" pitchFamily="18" charset="0"/>
+                                  </a:rPr>
+                                  <m:t>−</m:t>
+                                </m:r>
                                 <m:sSub>
                                   <m:sSubPr>
                                     <m:ctrlPr>
@@ -18864,10 +19410,10 @@
                                       <m:t>𝑞</m:t>
                                     </m:r>
                                     <m:r>
-                                      <a:rPr lang="es-CO" sz="2400" i="1">
+                                      <a:rPr lang="es-CO" sz="2400" b="0" i="1" smtClean="0">
                                         <a:latin typeface="Cambria Math" panose="02040503050406030204" pitchFamily="18" charset="0"/>
                                       </a:rPr>
-                                      <m:t>4</m:t>
+                                      <m:t>5</m:t>
                                     </m:r>
                                   </m:sub>
                                 </m:sSub>
@@ -18896,7 +19442,7 @@
             <p:spPr>
               <a:xfrm>
                 <a:off x="941294" y="1387519"/>
-                <a:ext cx="10588220" cy="1137747"/>
+                <a:ext cx="10589822" cy="1137747"/>
               </a:xfrm>
               <a:prstGeom prst="rect">
                 <a:avLst/>
@@ -18923,8 +19469,8 @@
           </p:sp>
         </mc:Fallback>
       </mc:AlternateContent>
-      <mc:AlternateContent xmlns:mc="http://schemas.openxmlformats.org/markup-compatibility/2006">
-        <mc:Choice xmlns:a14="http://schemas.microsoft.com/office/drawing/2010/main" Requires="a14">
+      <mc:AlternateContent xmlns:mc="http://schemas.openxmlformats.org/markup-compatibility/2006" xmlns:a14="http://schemas.microsoft.com/office/drawing/2010/main">
+        <mc:Choice Requires="a14">
           <p:sp>
             <p:nvSpPr>
               <p:cNvPr id="6" name="CuadroTexto 5"/>
@@ -18947,6 +19493,7 @@
               </a:bodyPr>
               <a:lstStyle/>
               <a:p>
+                <a:pPr/>
                 <a14:m>
                   <m:oMathPara xmlns:m="http://schemas.openxmlformats.org/officeDocument/2006/math">
                     <m:oMathParaPr>
@@ -19023,7 +19570,7 @@
             </p:txBody>
           </p:sp>
         </mc:Choice>
-        <mc:Fallback>
+        <mc:Fallback xmlns="">
           <p:sp>
             <p:nvSpPr>
               <p:cNvPr id="6" name="CuadroTexto 5"/>
@@ -19062,8 +19609,8 @@
           </p:sp>
         </mc:Fallback>
       </mc:AlternateContent>
-      <mc:AlternateContent xmlns:mc="http://schemas.openxmlformats.org/markup-compatibility/2006">
-        <mc:Choice xmlns:a14="http://schemas.microsoft.com/office/drawing/2010/main" Requires="a14">
+      <mc:AlternateContent xmlns:mc="http://schemas.openxmlformats.org/markup-compatibility/2006" xmlns:a14="http://schemas.microsoft.com/office/drawing/2010/main">
+        <mc:Choice Requires="a14">
           <p:sp>
             <p:nvSpPr>
               <p:cNvPr id="7" name="CuadroTexto 6"/>
@@ -19086,6 +19633,7 @@
               </a:bodyPr>
               <a:lstStyle/>
               <a:p>
+                <a:pPr/>
                 <a14:m>
                   <m:oMathPara xmlns:m="http://schemas.openxmlformats.org/officeDocument/2006/math">
                     <m:oMathParaPr>
@@ -19162,7 +19710,7 @@
             </p:txBody>
           </p:sp>
         </mc:Choice>
-        <mc:Fallback>
+        <mc:Fallback xmlns="">
           <p:sp>
             <p:nvSpPr>
               <p:cNvPr id="7" name="CuadroTexto 6"/>
@@ -19201,8 +19749,8 @@
           </p:sp>
         </mc:Fallback>
       </mc:AlternateContent>
-      <mc:AlternateContent xmlns:mc="http://schemas.openxmlformats.org/markup-compatibility/2006">
-        <mc:Choice xmlns:a14="http://schemas.microsoft.com/office/drawing/2010/main" Requires="a14">
+      <mc:AlternateContent xmlns:mc="http://schemas.openxmlformats.org/markup-compatibility/2006" xmlns:a14="http://schemas.microsoft.com/office/drawing/2010/main">
+        <mc:Choice Requires="a14">
           <p:sp>
             <p:nvSpPr>
               <p:cNvPr id="8" name="CuadroTexto 7"/>
@@ -19225,6 +19773,7 @@
               </a:bodyPr>
               <a:lstStyle/>
               <a:p>
+                <a:pPr/>
                 <a14:m>
                   <m:oMathPara xmlns:m="http://schemas.openxmlformats.org/officeDocument/2006/math">
                     <m:oMathParaPr>
@@ -19328,7 +19877,7 @@
             </p:txBody>
           </p:sp>
         </mc:Choice>
-        <mc:Fallback>
+        <mc:Fallback xmlns="">
           <p:sp>
             <p:nvSpPr>
               <p:cNvPr id="8" name="CuadroTexto 7"/>
@@ -19367,8 +19916,8 @@
           </p:sp>
         </mc:Fallback>
       </mc:AlternateContent>
-      <mc:AlternateContent xmlns:mc="http://schemas.openxmlformats.org/markup-compatibility/2006">
-        <mc:Choice xmlns:a14="http://schemas.microsoft.com/office/drawing/2010/main" Requires="a14">
+      <mc:AlternateContent xmlns:mc="http://schemas.openxmlformats.org/markup-compatibility/2006" xmlns:a14="http://schemas.microsoft.com/office/drawing/2010/main">
+        <mc:Choice Requires="a14">
           <p:sp>
             <p:nvSpPr>
               <p:cNvPr id="9" name="CuadroTexto 8"/>
@@ -19391,6 +19940,7 @@
               </a:bodyPr>
               <a:lstStyle/>
               <a:p>
+                <a:pPr/>
                 <a14:m>
                   <m:oMathPara xmlns:m="http://schemas.openxmlformats.org/officeDocument/2006/math">
                     <m:oMathParaPr>
@@ -19569,7 +20119,7 @@
             </p:txBody>
           </p:sp>
         </mc:Choice>
-        <mc:Fallback>
+        <mc:Fallback xmlns="">
           <p:sp>
             <p:nvSpPr>
               <p:cNvPr id="9" name="CuadroTexto 8"/>
@@ -19608,8 +20158,8 @@
           </p:sp>
         </mc:Fallback>
       </mc:AlternateContent>
-      <mc:AlternateContent xmlns:mc="http://schemas.openxmlformats.org/markup-compatibility/2006">
-        <mc:Choice xmlns:a14="http://schemas.microsoft.com/office/drawing/2010/main" Requires="a14">
+      <mc:AlternateContent xmlns:mc="http://schemas.openxmlformats.org/markup-compatibility/2006" xmlns:a14="http://schemas.microsoft.com/office/drawing/2010/main">
+        <mc:Choice Requires="a14">
           <p:sp>
             <p:nvSpPr>
               <p:cNvPr id="11" name="CuadroTexto 10"/>
@@ -19632,6 +20182,7 @@
               </a:bodyPr>
               <a:lstStyle/>
               <a:p>
+                <a:pPr/>
                 <a14:m>
                   <m:oMathPara xmlns:m="http://schemas.openxmlformats.org/officeDocument/2006/math">
                     <m:oMathParaPr>
@@ -19772,7 +20323,7 @@
             </p:txBody>
           </p:sp>
         </mc:Choice>
-        <mc:Fallback>
+        <mc:Fallback xmlns="">
           <p:sp>
             <p:nvSpPr>
               <p:cNvPr id="11" name="CuadroTexto 10"/>
@@ -19811,8 +20362,8 @@
           </p:sp>
         </mc:Fallback>
       </mc:AlternateContent>
-      <mc:AlternateContent xmlns:mc="http://schemas.openxmlformats.org/markup-compatibility/2006">
-        <mc:Choice xmlns:a14="http://schemas.microsoft.com/office/drawing/2010/main" Requires="a14">
+      <mc:AlternateContent xmlns:mc="http://schemas.openxmlformats.org/markup-compatibility/2006" xmlns:a14="http://schemas.microsoft.com/office/drawing/2010/main">
+        <mc:Choice Requires="a14">
           <p:sp>
             <p:nvSpPr>
               <p:cNvPr id="12" name="CuadroTexto 11"/>
@@ -19835,6 +20386,7 @@
               </a:bodyPr>
               <a:lstStyle/>
               <a:p>
+                <a:pPr/>
                 <a14:m>
                   <m:oMathPara xmlns:m="http://schemas.openxmlformats.org/officeDocument/2006/math">
                     <m:oMathParaPr>
@@ -19981,7 +20533,7 @@
             </p:txBody>
           </p:sp>
         </mc:Choice>
-        <mc:Fallback>
+        <mc:Fallback xmlns="">
           <p:sp>
             <p:nvSpPr>
               <p:cNvPr id="12" name="CuadroTexto 11"/>
@@ -20030,10 +20582,1755 @@
   <p:clrMapOvr>
     <a:masterClrMapping/>
   </p:clrMapOvr>
+  <p:timing>
+    <p:tnLst>
+      <p:par>
+        <p:cTn id="1" dur="indefinite" restart="never" nodeType="tmRoot"/>
+      </p:par>
+    </p:tnLst>
+  </p:timing>
 </p:sld>
 </file>
 
 <file path=ppt/slides/slide8.xml><?xml version="1.0" encoding="utf-8"?>
+<p:sld xmlns:a="http://schemas.openxmlformats.org/drawingml/2006/main" xmlns:r="http://schemas.openxmlformats.org/officeDocument/2006/relationships" xmlns:p="http://schemas.openxmlformats.org/presentationml/2006/main">
+  <p:cSld>
+    <p:spTree>
+      <p:nvGrpSpPr>
+        <p:cNvPr id="1" name=""/>
+        <p:cNvGrpSpPr/>
+        <p:nvPr/>
+      </p:nvGrpSpPr>
+      <p:grpSpPr>
+        <a:xfrm>
+          <a:off x="0" y="0"/>
+          <a:ext cx="0" cy="0"/>
+          <a:chOff x="0" y="0"/>
+          <a:chExt cx="0" cy="0"/>
+        </a:xfrm>
+      </p:grpSpPr>
+      <p:sp>
+        <p:nvSpPr>
+          <p:cNvPr id="2" name="Cilindro 1"/>
+          <p:cNvSpPr/>
+          <p:nvPr/>
+        </p:nvSpPr>
+        <p:spPr>
+          <a:xfrm>
+            <a:off x="3217669" y="5366300"/>
+            <a:ext cx="613511" cy="683178"/>
+          </a:xfrm>
+          <a:prstGeom prst="can">
+            <a:avLst/>
+          </a:prstGeom>
+        </p:spPr>
+        <p:style>
+          <a:lnRef idx="2">
+            <a:schemeClr val="dk1"/>
+          </a:lnRef>
+          <a:fillRef idx="1">
+            <a:schemeClr val="lt1"/>
+          </a:fillRef>
+          <a:effectRef idx="0">
+            <a:schemeClr val="dk1"/>
+          </a:effectRef>
+          <a:fontRef idx="minor">
+            <a:schemeClr val="dk1"/>
+          </a:fontRef>
+        </p:style>
+        <p:txBody>
+          <a:bodyPr rot="0" spcFirstLastPara="0" vertOverflow="overflow" horzOverflow="overflow" vert="horz" wrap="square" lIns="91345" tIns="45672" rIns="91345" bIns="45672" numCol="1" spcCol="0" rtlCol="0" fromWordArt="0" anchor="ctr" anchorCtr="0" forceAA="0" compatLnSpc="1">
+            <a:prstTxWarp prst="textNoShape">
+              <a:avLst/>
+            </a:prstTxWarp>
+            <a:noAutofit/>
+          </a:bodyPr>
+          <a:lstStyle/>
+          <a:p>
+            <a:pPr algn="ctr"/>
+            <a:endParaRPr lang="en-US" sz="1798"/>
+          </a:p>
+        </p:txBody>
+      </p:sp>
+      <p:sp>
+        <p:nvSpPr>
+          <p:cNvPr id="3" name="Cilindro 2"/>
+          <p:cNvSpPr/>
+          <p:nvPr/>
+        </p:nvSpPr>
+        <p:spPr>
+          <a:xfrm rot="16200000">
+            <a:off x="3724920" y="3671567"/>
+            <a:ext cx="613511" cy="683178"/>
+          </a:xfrm>
+          <a:prstGeom prst="can">
+            <a:avLst>
+              <a:gd name="adj" fmla="val 55678"/>
+            </a:avLst>
+          </a:prstGeom>
+        </p:spPr>
+        <p:style>
+          <a:lnRef idx="2">
+            <a:schemeClr val="dk1"/>
+          </a:lnRef>
+          <a:fillRef idx="1">
+            <a:schemeClr val="lt1"/>
+          </a:fillRef>
+          <a:effectRef idx="0">
+            <a:schemeClr val="dk1"/>
+          </a:effectRef>
+          <a:fontRef idx="minor">
+            <a:schemeClr val="dk1"/>
+          </a:fontRef>
+        </p:style>
+        <p:txBody>
+          <a:bodyPr rot="0" spcFirstLastPara="0" vertOverflow="overflow" horzOverflow="overflow" vert="horz" wrap="square" lIns="91345" tIns="45672" rIns="91345" bIns="45672" numCol="1" spcCol="0" rtlCol="0" fromWordArt="0" anchor="ctr" anchorCtr="0" forceAA="0" compatLnSpc="1">
+            <a:prstTxWarp prst="textNoShape">
+              <a:avLst/>
+            </a:prstTxWarp>
+            <a:noAutofit/>
+          </a:bodyPr>
+          <a:lstStyle/>
+          <a:p>
+            <a:pPr algn="ctr"/>
+            <a:endParaRPr lang="en-US" sz="1798"/>
+          </a:p>
+        </p:txBody>
+      </p:sp>
+      <p:sp>
+        <p:nvSpPr>
+          <p:cNvPr id="4" name="Cilindro 3"/>
+          <p:cNvSpPr/>
+          <p:nvPr/>
+        </p:nvSpPr>
+        <p:spPr>
+          <a:xfrm rot="16200000">
+            <a:off x="3724920" y="1963548"/>
+            <a:ext cx="613511" cy="683178"/>
+          </a:xfrm>
+          <a:prstGeom prst="can">
+            <a:avLst>
+              <a:gd name="adj" fmla="val 55678"/>
+            </a:avLst>
+          </a:prstGeom>
+        </p:spPr>
+        <p:style>
+          <a:lnRef idx="2">
+            <a:schemeClr val="dk1"/>
+          </a:lnRef>
+          <a:fillRef idx="1">
+            <a:schemeClr val="lt1"/>
+          </a:fillRef>
+          <a:effectRef idx="0">
+            <a:schemeClr val="dk1"/>
+          </a:effectRef>
+          <a:fontRef idx="minor">
+            <a:schemeClr val="dk1"/>
+          </a:fontRef>
+        </p:style>
+        <p:txBody>
+          <a:bodyPr rot="0" spcFirstLastPara="0" vertOverflow="overflow" horzOverflow="overflow" vert="horz" wrap="square" lIns="91345" tIns="45672" rIns="91345" bIns="45672" numCol="1" spcCol="0" rtlCol="0" fromWordArt="0" anchor="ctr" anchorCtr="0" forceAA="0" compatLnSpc="1">
+            <a:prstTxWarp prst="textNoShape">
+              <a:avLst/>
+            </a:prstTxWarp>
+            <a:noAutofit/>
+          </a:bodyPr>
+          <a:lstStyle/>
+          <a:p>
+            <a:pPr algn="ctr"/>
+            <a:endParaRPr lang="en-US" sz="1798"/>
+          </a:p>
+        </p:txBody>
+      </p:sp>
+      <p:sp>
+        <p:nvSpPr>
+          <p:cNvPr id="5" name="Cilindro 4"/>
+          <p:cNvSpPr/>
+          <p:nvPr/>
+        </p:nvSpPr>
+        <p:spPr>
+          <a:xfrm rot="7200000">
+            <a:off x="4857300" y="1944797"/>
+            <a:ext cx="613511" cy="683178"/>
+          </a:xfrm>
+          <a:prstGeom prst="can">
+            <a:avLst>
+              <a:gd name="adj" fmla="val 55678"/>
+            </a:avLst>
+          </a:prstGeom>
+        </p:spPr>
+        <p:style>
+          <a:lnRef idx="2">
+            <a:schemeClr val="dk1"/>
+          </a:lnRef>
+          <a:fillRef idx="1">
+            <a:schemeClr val="lt1"/>
+          </a:fillRef>
+          <a:effectRef idx="0">
+            <a:schemeClr val="dk1"/>
+          </a:effectRef>
+          <a:fontRef idx="minor">
+            <a:schemeClr val="dk1"/>
+          </a:fontRef>
+        </p:style>
+        <p:txBody>
+          <a:bodyPr rot="0" spcFirstLastPara="0" vertOverflow="overflow" horzOverflow="overflow" vert="horz" wrap="square" lIns="91345" tIns="45672" rIns="91345" bIns="45672" numCol="1" spcCol="0" rtlCol="0" fromWordArt="0" anchor="ctr" anchorCtr="0" forceAA="0" compatLnSpc="1">
+            <a:prstTxWarp prst="textNoShape">
+              <a:avLst/>
+            </a:prstTxWarp>
+            <a:noAutofit/>
+          </a:bodyPr>
+          <a:lstStyle/>
+          <a:p>
+            <a:pPr algn="ctr"/>
+            <a:endParaRPr lang="en-US" sz="1798"/>
+          </a:p>
+        </p:txBody>
+      </p:sp>
+      <p:sp>
+        <p:nvSpPr>
+          <p:cNvPr id="8" name="Cilindro 7"/>
+          <p:cNvSpPr/>
+          <p:nvPr/>
+        </p:nvSpPr>
+        <p:spPr>
+          <a:xfrm rot="16200000">
+            <a:off x="5991467" y="2602691"/>
+            <a:ext cx="613511" cy="683178"/>
+          </a:xfrm>
+          <a:prstGeom prst="can">
+            <a:avLst>
+              <a:gd name="adj" fmla="val 55678"/>
+            </a:avLst>
+          </a:prstGeom>
+        </p:spPr>
+        <p:style>
+          <a:lnRef idx="2">
+            <a:schemeClr val="dk1"/>
+          </a:lnRef>
+          <a:fillRef idx="1">
+            <a:schemeClr val="lt1"/>
+          </a:fillRef>
+          <a:effectRef idx="0">
+            <a:schemeClr val="dk1"/>
+          </a:effectRef>
+          <a:fontRef idx="minor">
+            <a:schemeClr val="dk1"/>
+          </a:fontRef>
+        </p:style>
+        <p:txBody>
+          <a:bodyPr rot="0" spcFirstLastPara="0" vertOverflow="overflow" horzOverflow="overflow" vert="horz" wrap="square" lIns="91345" tIns="45672" rIns="91345" bIns="45672" numCol="1" spcCol="0" rtlCol="0" fromWordArt="0" anchor="ctr" anchorCtr="0" forceAA="0" compatLnSpc="1">
+            <a:prstTxWarp prst="textNoShape">
+              <a:avLst/>
+            </a:prstTxWarp>
+            <a:noAutofit/>
+          </a:bodyPr>
+          <a:lstStyle/>
+          <a:p>
+            <a:pPr algn="ctr"/>
+            <a:endParaRPr lang="en-US" sz="1798"/>
+          </a:p>
+        </p:txBody>
+      </p:sp>
+      <p:sp>
+        <p:nvSpPr>
+          <p:cNvPr id="9" name="Cilindro 8"/>
+          <p:cNvSpPr/>
+          <p:nvPr/>
+        </p:nvSpPr>
+        <p:spPr>
+          <a:xfrm rot="7200000">
+            <a:off x="7135564" y="3207720"/>
+            <a:ext cx="613511" cy="683178"/>
+          </a:xfrm>
+          <a:prstGeom prst="can">
+            <a:avLst>
+              <a:gd name="adj" fmla="val 55678"/>
+            </a:avLst>
+          </a:prstGeom>
+        </p:spPr>
+        <p:style>
+          <a:lnRef idx="2">
+            <a:schemeClr val="dk1"/>
+          </a:lnRef>
+          <a:fillRef idx="1">
+            <a:schemeClr val="lt1"/>
+          </a:fillRef>
+          <a:effectRef idx="0">
+            <a:schemeClr val="dk1"/>
+          </a:effectRef>
+          <a:fontRef idx="minor">
+            <a:schemeClr val="dk1"/>
+          </a:fontRef>
+        </p:style>
+        <p:txBody>
+          <a:bodyPr rot="0" spcFirstLastPara="0" vertOverflow="overflow" horzOverflow="overflow" vert="horz" wrap="square" lIns="91345" tIns="45672" rIns="91345" bIns="45672" numCol="1" spcCol="0" rtlCol="0" fromWordArt="0" anchor="ctr" anchorCtr="0" forceAA="0" compatLnSpc="1">
+            <a:prstTxWarp prst="textNoShape">
+              <a:avLst/>
+            </a:prstTxWarp>
+            <a:noAutofit/>
+          </a:bodyPr>
+          <a:lstStyle/>
+          <a:p>
+            <a:pPr algn="ctr"/>
+            <a:endParaRPr lang="en-US" sz="1798"/>
+          </a:p>
+        </p:txBody>
+      </p:sp>
+      <p:cxnSp>
+        <p:nvCxnSpPr>
+          <p:cNvPr id="16" name="Conector recto 15"/>
+          <p:cNvCxnSpPr>
+            <a:stCxn id="3" idx="4"/>
+            <a:endCxn id="4" idx="2"/>
+          </p:cNvCxnSpPr>
+          <p:nvPr/>
+        </p:nvCxnSpPr>
+        <p:spPr>
+          <a:xfrm flipV="1">
+            <a:off x="4031676" y="2611892"/>
+            <a:ext cx="0" cy="1094509"/>
+          </a:xfrm>
+          <a:prstGeom prst="line">
+            <a:avLst/>
+          </a:prstGeom>
+          <a:ln w="38100"/>
+        </p:spPr>
+        <p:style>
+          <a:lnRef idx="1">
+            <a:schemeClr val="dk1"/>
+          </a:lnRef>
+          <a:fillRef idx="0">
+            <a:schemeClr val="dk1"/>
+          </a:fillRef>
+          <a:effectRef idx="0">
+            <a:schemeClr val="dk1"/>
+          </a:effectRef>
+          <a:fontRef idx="minor">
+            <a:schemeClr val="tx1"/>
+          </a:fontRef>
+        </p:style>
+      </p:cxnSp>
+      <p:cxnSp>
+        <p:nvCxnSpPr>
+          <p:cNvPr id="18" name="Conector recto 17"/>
+          <p:cNvCxnSpPr/>
+          <p:nvPr/>
+        </p:nvCxnSpPr>
+        <p:spPr>
+          <a:xfrm flipH="1" flipV="1">
+            <a:off x="4008166" y="1641872"/>
+            <a:ext cx="862791" cy="454357"/>
+          </a:xfrm>
+          <a:prstGeom prst="line">
+            <a:avLst/>
+          </a:prstGeom>
+          <a:ln w="38100"/>
+        </p:spPr>
+        <p:style>
+          <a:lnRef idx="1">
+            <a:schemeClr val="dk1"/>
+          </a:lnRef>
+          <a:fillRef idx="0">
+            <a:schemeClr val="dk1"/>
+          </a:fillRef>
+          <a:effectRef idx="0">
+            <a:schemeClr val="dk1"/>
+          </a:effectRef>
+          <a:fontRef idx="minor">
+            <a:schemeClr val="tx1"/>
+          </a:fontRef>
+        </p:style>
+      </p:cxnSp>
+      <p:cxnSp>
+        <p:nvCxnSpPr>
+          <p:cNvPr id="20" name="Conector recto 19"/>
+          <p:cNvCxnSpPr/>
+          <p:nvPr/>
+        </p:nvCxnSpPr>
+        <p:spPr>
+          <a:xfrm rot="1800000" flipH="1" flipV="1">
+            <a:off x="5261269" y="2555560"/>
+            <a:ext cx="802534" cy="50"/>
+          </a:xfrm>
+          <a:prstGeom prst="line">
+            <a:avLst/>
+          </a:prstGeom>
+          <a:ln w="38100"/>
+        </p:spPr>
+        <p:style>
+          <a:lnRef idx="1">
+            <a:schemeClr val="dk1"/>
+          </a:lnRef>
+          <a:fillRef idx="0">
+            <a:schemeClr val="dk1"/>
+          </a:fillRef>
+          <a:effectRef idx="0">
+            <a:schemeClr val="dk1"/>
+          </a:effectRef>
+          <a:fontRef idx="minor">
+            <a:schemeClr val="tx1"/>
+          </a:fontRef>
+        </p:style>
+      </p:cxnSp>
+      <p:cxnSp>
+        <p:nvCxnSpPr>
+          <p:cNvPr id="22" name="Conector recto 21"/>
+          <p:cNvCxnSpPr/>
+          <p:nvPr/>
+        </p:nvCxnSpPr>
+        <p:spPr>
+          <a:xfrm rot="1800000" flipH="1">
+            <a:off x="6384348" y="3201572"/>
+            <a:ext cx="831443" cy="0"/>
+          </a:xfrm>
+          <a:prstGeom prst="line">
+            <a:avLst/>
+          </a:prstGeom>
+          <a:ln w="38100"/>
+        </p:spPr>
+        <p:style>
+          <a:lnRef idx="1">
+            <a:schemeClr val="dk1"/>
+          </a:lnRef>
+          <a:fillRef idx="0">
+            <a:schemeClr val="dk1"/>
+          </a:fillRef>
+          <a:effectRef idx="0">
+            <a:schemeClr val="dk1"/>
+          </a:effectRef>
+          <a:fontRef idx="minor">
+            <a:schemeClr val="tx1"/>
+          </a:fontRef>
+        </p:style>
+      </p:cxnSp>
+      <p:cxnSp>
+        <p:nvCxnSpPr>
+          <p:cNvPr id="27" name="Conector recto 26"/>
+          <p:cNvCxnSpPr/>
+          <p:nvPr/>
+        </p:nvCxnSpPr>
+        <p:spPr>
+          <a:xfrm flipH="1">
+            <a:off x="2580090" y="6049471"/>
+            <a:ext cx="464735" cy="0"/>
+          </a:xfrm>
+          <a:prstGeom prst="line">
+            <a:avLst/>
+          </a:prstGeom>
+        </p:spPr>
+        <p:style>
+          <a:lnRef idx="1">
+            <a:schemeClr val="dk1"/>
+          </a:lnRef>
+          <a:fillRef idx="0">
+            <a:schemeClr val="dk1"/>
+          </a:fillRef>
+          <a:effectRef idx="0">
+            <a:schemeClr val="dk1"/>
+          </a:effectRef>
+          <a:fontRef idx="minor">
+            <a:schemeClr val="tx1"/>
+          </a:fontRef>
+        </p:style>
+      </p:cxnSp>
+      <p:cxnSp>
+        <p:nvCxnSpPr>
+          <p:cNvPr id="29" name="Conector recto 28"/>
+          <p:cNvCxnSpPr/>
+          <p:nvPr/>
+        </p:nvCxnSpPr>
+        <p:spPr>
+          <a:xfrm flipV="1">
+            <a:off x="2820469" y="4029518"/>
+            <a:ext cx="0" cy="2019954"/>
+          </a:xfrm>
+          <a:prstGeom prst="line">
+            <a:avLst/>
+          </a:prstGeom>
+        </p:spPr>
+        <p:style>
+          <a:lnRef idx="1">
+            <a:schemeClr val="dk1"/>
+          </a:lnRef>
+          <a:fillRef idx="0">
+            <a:schemeClr val="dk1"/>
+          </a:fillRef>
+          <a:effectRef idx="0">
+            <a:schemeClr val="dk1"/>
+          </a:effectRef>
+          <a:fontRef idx="minor">
+            <a:schemeClr val="tx1"/>
+          </a:fontRef>
+        </p:style>
+      </p:cxnSp>
+      <p:cxnSp>
+        <p:nvCxnSpPr>
+          <p:cNvPr id="31" name="Conector recto 30"/>
+          <p:cNvCxnSpPr/>
+          <p:nvPr/>
+        </p:nvCxnSpPr>
+        <p:spPr>
+          <a:xfrm>
+            <a:off x="2580095" y="4029518"/>
+            <a:ext cx="458772" cy="0"/>
+          </a:xfrm>
+          <a:prstGeom prst="line">
+            <a:avLst/>
+          </a:prstGeom>
+        </p:spPr>
+        <p:style>
+          <a:lnRef idx="1">
+            <a:schemeClr val="dk1"/>
+          </a:lnRef>
+          <a:fillRef idx="0">
+            <a:schemeClr val="dk1"/>
+          </a:fillRef>
+          <a:effectRef idx="0">
+            <a:schemeClr val="dk1"/>
+          </a:effectRef>
+          <a:fontRef idx="minor">
+            <a:schemeClr val="tx1"/>
+          </a:fontRef>
+        </p:style>
+      </p:cxnSp>
+      <p:sp>
+        <p:nvSpPr>
+          <p:cNvPr id="33" name="CuadroTexto 32"/>
+          <p:cNvSpPr txBox="1"/>
+          <p:nvPr/>
+        </p:nvSpPr>
+        <p:spPr>
+          <a:xfrm>
+            <a:off x="2030528" y="4351193"/>
+            <a:ext cx="566181" cy="584327"/>
+          </a:xfrm>
+          <a:prstGeom prst="rect">
+            <a:avLst/>
+          </a:prstGeom>
+          <a:noFill/>
+        </p:spPr>
+        <p:txBody>
+          <a:bodyPr wrap="none" rtlCol="0">
+            <a:spAutoFit/>
+          </a:bodyPr>
+          <a:lstStyle/>
+          <a:p>
+            <a:r>
+              <a:rPr lang="es-CO" sz="3197" b="1" dirty="0"/>
+              <a:t>L1</a:t>
+            </a:r>
+            <a:endParaRPr lang="en-US" sz="3197" b="1" dirty="0"/>
+          </a:p>
+        </p:txBody>
+      </p:sp>
+      <p:cxnSp>
+        <p:nvCxnSpPr>
+          <p:cNvPr id="43" name="Conector recto 42"/>
+          <p:cNvCxnSpPr/>
+          <p:nvPr/>
+        </p:nvCxnSpPr>
+        <p:spPr>
+          <a:xfrm flipH="1">
+            <a:off x="2587622" y="4029298"/>
+            <a:ext cx="464735" cy="0"/>
+          </a:xfrm>
+          <a:prstGeom prst="line">
+            <a:avLst/>
+          </a:prstGeom>
+        </p:spPr>
+        <p:style>
+          <a:lnRef idx="1">
+            <a:schemeClr val="dk1"/>
+          </a:lnRef>
+          <a:fillRef idx="0">
+            <a:schemeClr val="dk1"/>
+          </a:fillRef>
+          <a:effectRef idx="0">
+            <a:schemeClr val="dk1"/>
+          </a:effectRef>
+          <a:fontRef idx="minor">
+            <a:schemeClr val="tx1"/>
+          </a:fontRef>
+        </p:style>
+      </p:cxnSp>
+      <p:cxnSp>
+        <p:nvCxnSpPr>
+          <p:cNvPr id="44" name="Conector recto 43"/>
+          <p:cNvCxnSpPr/>
+          <p:nvPr/>
+        </p:nvCxnSpPr>
+        <p:spPr>
+          <a:xfrm flipV="1">
+            <a:off x="2820469" y="2305131"/>
+            <a:ext cx="0" cy="1724173"/>
+          </a:xfrm>
+          <a:prstGeom prst="line">
+            <a:avLst/>
+          </a:prstGeom>
+        </p:spPr>
+        <p:style>
+          <a:lnRef idx="1">
+            <a:schemeClr val="dk1"/>
+          </a:lnRef>
+          <a:fillRef idx="0">
+            <a:schemeClr val="dk1"/>
+          </a:fillRef>
+          <a:effectRef idx="0">
+            <a:schemeClr val="dk1"/>
+          </a:effectRef>
+          <a:fontRef idx="minor">
+            <a:schemeClr val="tx1"/>
+          </a:fontRef>
+        </p:style>
+      </p:cxnSp>
+      <p:cxnSp>
+        <p:nvCxnSpPr>
+          <p:cNvPr id="45" name="Conector recto 44"/>
+          <p:cNvCxnSpPr/>
+          <p:nvPr/>
+        </p:nvCxnSpPr>
+        <p:spPr>
+          <a:xfrm>
+            <a:off x="2590614" y="2305126"/>
+            <a:ext cx="458772" cy="0"/>
+          </a:xfrm>
+          <a:prstGeom prst="line">
+            <a:avLst/>
+          </a:prstGeom>
+        </p:spPr>
+        <p:style>
+          <a:lnRef idx="1">
+            <a:schemeClr val="dk1"/>
+          </a:lnRef>
+          <a:fillRef idx="0">
+            <a:schemeClr val="dk1"/>
+          </a:fillRef>
+          <a:effectRef idx="0">
+            <a:schemeClr val="dk1"/>
+          </a:effectRef>
+          <a:fontRef idx="minor">
+            <a:schemeClr val="tx1"/>
+          </a:fontRef>
+        </p:style>
+      </p:cxnSp>
+      <p:sp>
+        <p:nvSpPr>
+          <p:cNvPr id="46" name="CuadroTexto 45"/>
+          <p:cNvSpPr txBox="1"/>
+          <p:nvPr/>
+        </p:nvSpPr>
+        <p:spPr>
+          <a:xfrm>
+            <a:off x="1927921" y="2626811"/>
+            <a:ext cx="565590" cy="584327"/>
+          </a:xfrm>
+          <a:prstGeom prst="rect">
+            <a:avLst/>
+          </a:prstGeom>
+          <a:noFill/>
+        </p:spPr>
+        <p:txBody>
+          <a:bodyPr wrap="square" rtlCol="0">
+            <a:spAutoFit/>
+          </a:bodyPr>
+          <a:lstStyle/>
+          <a:p>
+            <a:r>
+              <a:rPr lang="es-CO" sz="3197" b="1" dirty="0"/>
+              <a:t>L3</a:t>
+            </a:r>
+            <a:endParaRPr lang="en-US" sz="3197" b="1" dirty="0"/>
+          </a:p>
+        </p:txBody>
+      </p:sp>
+      <p:cxnSp>
+        <p:nvCxnSpPr>
+          <p:cNvPr id="52" name="Conector recto 51"/>
+          <p:cNvCxnSpPr/>
+          <p:nvPr/>
+        </p:nvCxnSpPr>
+        <p:spPr>
+          <a:xfrm>
+            <a:off x="3518182" y="320865"/>
+            <a:ext cx="0" cy="432689"/>
+          </a:xfrm>
+          <a:prstGeom prst="line">
+            <a:avLst/>
+          </a:prstGeom>
+        </p:spPr>
+        <p:style>
+          <a:lnRef idx="1">
+            <a:schemeClr val="dk1"/>
+          </a:lnRef>
+          <a:fillRef idx="0">
+            <a:schemeClr val="dk1"/>
+          </a:fillRef>
+          <a:effectRef idx="0">
+            <a:schemeClr val="dk1"/>
+          </a:effectRef>
+          <a:fontRef idx="minor">
+            <a:schemeClr val="tx1"/>
+          </a:fontRef>
+        </p:style>
+      </p:cxnSp>
+      <p:cxnSp>
+        <p:nvCxnSpPr>
+          <p:cNvPr id="54" name="Conector recto 53"/>
+          <p:cNvCxnSpPr/>
+          <p:nvPr/>
+        </p:nvCxnSpPr>
+        <p:spPr>
+          <a:xfrm flipH="1">
+            <a:off x="4054597" y="589765"/>
+            <a:ext cx="4246" cy="327578"/>
+          </a:xfrm>
+          <a:prstGeom prst="line">
+            <a:avLst/>
+          </a:prstGeom>
+        </p:spPr>
+        <p:style>
+          <a:lnRef idx="1">
+            <a:schemeClr val="dk1"/>
+          </a:lnRef>
+          <a:fillRef idx="0">
+            <a:schemeClr val="dk1"/>
+          </a:fillRef>
+          <a:effectRef idx="0">
+            <a:schemeClr val="dk1"/>
+          </a:effectRef>
+          <a:fontRef idx="minor">
+            <a:schemeClr val="tx1"/>
+          </a:fontRef>
+        </p:style>
+      </p:cxnSp>
+      <p:cxnSp>
+        <p:nvCxnSpPr>
+          <p:cNvPr id="57" name="Conector recto 56"/>
+          <p:cNvCxnSpPr/>
+          <p:nvPr/>
+        </p:nvCxnSpPr>
+        <p:spPr>
+          <a:xfrm>
+            <a:off x="3518742" y="548383"/>
+            <a:ext cx="535102" cy="253626"/>
+          </a:xfrm>
+          <a:prstGeom prst="line">
+            <a:avLst/>
+          </a:prstGeom>
+        </p:spPr>
+        <p:style>
+          <a:lnRef idx="1">
+            <a:schemeClr val="dk1"/>
+          </a:lnRef>
+          <a:fillRef idx="0">
+            <a:schemeClr val="dk1"/>
+          </a:fillRef>
+          <a:effectRef idx="0">
+            <a:schemeClr val="dk1"/>
+          </a:effectRef>
+          <a:fontRef idx="minor">
+            <a:schemeClr val="tx1"/>
+          </a:fontRef>
+        </p:style>
+      </p:cxnSp>
+      <p:sp>
+        <p:nvSpPr>
+          <p:cNvPr id="58" name="CuadroTexto 57"/>
+          <p:cNvSpPr txBox="1"/>
+          <p:nvPr/>
+        </p:nvSpPr>
+        <p:spPr>
+          <a:xfrm>
+            <a:off x="3543960" y="64603"/>
+            <a:ext cx="604400" cy="584327"/>
+          </a:xfrm>
+          <a:prstGeom prst="rect">
+            <a:avLst/>
+          </a:prstGeom>
+          <a:noFill/>
+        </p:spPr>
+        <p:txBody>
+          <a:bodyPr wrap="square" rtlCol="0">
+            <a:spAutoFit/>
+          </a:bodyPr>
+          <a:lstStyle/>
+          <a:p>
+            <a:r>
+              <a:rPr lang="es-CO" sz="3197" b="1" dirty="0"/>
+              <a:t>L2</a:t>
+            </a:r>
+            <a:endParaRPr lang="en-US" sz="3197" b="1" dirty="0"/>
+          </a:p>
+        </p:txBody>
+      </p:sp>
+      <p:cxnSp>
+        <p:nvCxnSpPr>
+          <p:cNvPr id="60" name="Conector recto 59"/>
+          <p:cNvCxnSpPr/>
+          <p:nvPr/>
+        </p:nvCxnSpPr>
+        <p:spPr>
+          <a:xfrm>
+            <a:off x="4060846" y="631541"/>
+            <a:ext cx="0" cy="432689"/>
+          </a:xfrm>
+          <a:prstGeom prst="line">
+            <a:avLst/>
+          </a:prstGeom>
+        </p:spPr>
+        <p:style>
+          <a:lnRef idx="1">
+            <a:schemeClr val="dk1"/>
+          </a:lnRef>
+          <a:fillRef idx="0">
+            <a:schemeClr val="dk1"/>
+          </a:fillRef>
+          <a:effectRef idx="0">
+            <a:schemeClr val="dk1"/>
+          </a:effectRef>
+          <a:fontRef idx="minor">
+            <a:schemeClr val="tx1"/>
+          </a:fontRef>
+        </p:style>
+      </p:cxnSp>
+      <p:cxnSp>
+        <p:nvCxnSpPr>
+          <p:cNvPr id="61" name="Conector recto 60"/>
+          <p:cNvCxnSpPr/>
+          <p:nvPr/>
+        </p:nvCxnSpPr>
+        <p:spPr>
+          <a:xfrm rot="1800000">
+            <a:off x="3893211" y="1482214"/>
+            <a:ext cx="2699325" cy="0"/>
+          </a:xfrm>
+          <a:prstGeom prst="line">
+            <a:avLst/>
+          </a:prstGeom>
+        </p:spPr>
+        <p:style>
+          <a:lnRef idx="1">
+            <a:schemeClr val="dk1"/>
+          </a:lnRef>
+          <a:fillRef idx="0">
+            <a:schemeClr val="dk1"/>
+          </a:fillRef>
+          <a:effectRef idx="0">
+            <a:schemeClr val="dk1"/>
+          </a:effectRef>
+          <a:fontRef idx="minor">
+            <a:schemeClr val="tx1"/>
+          </a:fontRef>
+        </p:style>
+      </p:cxnSp>
+      <p:sp>
+        <p:nvSpPr>
+          <p:cNvPr id="62" name="CuadroTexto 61"/>
+          <p:cNvSpPr txBox="1"/>
+          <p:nvPr/>
+        </p:nvSpPr>
+        <p:spPr>
+          <a:xfrm>
+            <a:off x="1917956" y="1519955"/>
+            <a:ext cx="566181" cy="584327"/>
+          </a:xfrm>
+          <a:prstGeom prst="rect">
+            <a:avLst/>
+          </a:prstGeom>
+          <a:noFill/>
+        </p:spPr>
+        <p:txBody>
+          <a:bodyPr wrap="none" rtlCol="0">
+            <a:spAutoFit/>
+          </a:bodyPr>
+          <a:lstStyle/>
+          <a:p>
+            <a:r>
+              <a:rPr lang="es-CO" sz="3197" b="1" dirty="0"/>
+              <a:t>L4</a:t>
+            </a:r>
+            <a:endParaRPr lang="en-US" sz="3197" b="1" dirty="0"/>
+          </a:p>
+        </p:txBody>
+      </p:sp>
+      <p:cxnSp>
+        <p:nvCxnSpPr>
+          <p:cNvPr id="66" name="Conector recto 65"/>
+          <p:cNvCxnSpPr/>
+          <p:nvPr/>
+        </p:nvCxnSpPr>
+        <p:spPr>
+          <a:xfrm>
+            <a:off x="6411714" y="2009824"/>
+            <a:ext cx="0" cy="432689"/>
+          </a:xfrm>
+          <a:prstGeom prst="line">
+            <a:avLst/>
+          </a:prstGeom>
+        </p:spPr>
+        <p:style>
+          <a:lnRef idx="1">
+            <a:schemeClr val="dk1"/>
+          </a:lnRef>
+          <a:fillRef idx="0">
+            <a:schemeClr val="dk1"/>
+          </a:fillRef>
+          <a:effectRef idx="0">
+            <a:schemeClr val="dk1"/>
+          </a:effectRef>
+          <a:fontRef idx="minor">
+            <a:schemeClr val="tx1"/>
+          </a:fontRef>
+        </p:style>
+      </p:cxnSp>
+      <p:cxnSp>
+        <p:nvCxnSpPr>
+          <p:cNvPr id="67" name="Conector recto 66"/>
+          <p:cNvCxnSpPr/>
+          <p:nvPr/>
+        </p:nvCxnSpPr>
+        <p:spPr>
+          <a:xfrm flipH="1">
+            <a:off x="7711409" y="2745927"/>
+            <a:ext cx="0" cy="455645"/>
+          </a:xfrm>
+          <a:prstGeom prst="line">
+            <a:avLst/>
+          </a:prstGeom>
+        </p:spPr>
+        <p:style>
+          <a:lnRef idx="1">
+            <a:schemeClr val="dk1"/>
+          </a:lnRef>
+          <a:fillRef idx="0">
+            <a:schemeClr val="dk1"/>
+          </a:fillRef>
+          <a:effectRef idx="0">
+            <a:schemeClr val="dk1"/>
+          </a:effectRef>
+          <a:fontRef idx="minor">
+            <a:schemeClr val="tx1"/>
+          </a:fontRef>
+        </p:style>
+      </p:cxnSp>
+      <p:cxnSp>
+        <p:nvCxnSpPr>
+          <p:cNvPr id="68" name="Conector recto 67"/>
+          <p:cNvCxnSpPr/>
+          <p:nvPr/>
+        </p:nvCxnSpPr>
+        <p:spPr>
+          <a:xfrm>
+            <a:off x="6411720" y="2165572"/>
+            <a:ext cx="1299695" cy="804981"/>
+          </a:xfrm>
+          <a:prstGeom prst="line">
+            <a:avLst/>
+          </a:prstGeom>
+        </p:spPr>
+        <p:style>
+          <a:lnRef idx="1">
+            <a:schemeClr val="dk1"/>
+          </a:lnRef>
+          <a:fillRef idx="0">
+            <a:schemeClr val="dk1"/>
+          </a:fillRef>
+          <a:effectRef idx="0">
+            <a:schemeClr val="dk1"/>
+          </a:effectRef>
+          <a:fontRef idx="minor">
+            <a:schemeClr val="tx1"/>
+          </a:fontRef>
+        </p:style>
+      </p:cxnSp>
+      <p:sp>
+        <p:nvSpPr>
+          <p:cNvPr id="69" name="CuadroTexto 68"/>
+          <p:cNvSpPr txBox="1"/>
+          <p:nvPr/>
+        </p:nvSpPr>
+        <p:spPr>
+          <a:xfrm>
+            <a:off x="5322570" y="856717"/>
+            <a:ext cx="565590" cy="584327"/>
+          </a:xfrm>
+          <a:prstGeom prst="rect">
+            <a:avLst/>
+          </a:prstGeom>
+          <a:noFill/>
+        </p:spPr>
+        <p:txBody>
+          <a:bodyPr wrap="square" rtlCol="0">
+            <a:spAutoFit/>
+          </a:bodyPr>
+          <a:lstStyle/>
+          <a:p>
+            <a:r>
+              <a:rPr lang="es-CO" sz="3197" b="1" dirty="0"/>
+              <a:t>L5</a:t>
+            </a:r>
+            <a:endParaRPr lang="en-US" sz="3197" b="1" dirty="0"/>
+          </a:p>
+        </p:txBody>
+      </p:sp>
+      <p:cxnSp>
+        <p:nvCxnSpPr>
+          <p:cNvPr id="107" name="Conector recto 106"/>
+          <p:cNvCxnSpPr>
+            <a:stCxn id="2" idx="0"/>
+          </p:cNvCxnSpPr>
+          <p:nvPr/>
+        </p:nvCxnSpPr>
+        <p:spPr>
+          <a:xfrm flipV="1">
+            <a:off x="3524430" y="3819762"/>
+            <a:ext cx="19530" cy="1699918"/>
+          </a:xfrm>
+          <a:prstGeom prst="line">
+            <a:avLst/>
+          </a:prstGeom>
+          <a:ln w="38100"/>
+        </p:spPr>
+        <p:style>
+          <a:lnRef idx="1">
+            <a:schemeClr val="dk1"/>
+          </a:lnRef>
+          <a:fillRef idx="0">
+            <a:schemeClr val="dk1"/>
+          </a:fillRef>
+          <a:effectRef idx="0">
+            <a:schemeClr val="dk1"/>
+          </a:effectRef>
+          <a:fontRef idx="minor">
+            <a:schemeClr val="tx1"/>
+          </a:fontRef>
+        </p:style>
+      </p:cxnSp>
+      <p:cxnSp>
+        <p:nvCxnSpPr>
+          <p:cNvPr id="111" name="Conector recto 110"/>
+          <p:cNvCxnSpPr/>
+          <p:nvPr/>
+        </p:nvCxnSpPr>
+        <p:spPr>
+          <a:xfrm>
+            <a:off x="3524426" y="3819761"/>
+            <a:ext cx="224026" cy="87160"/>
+          </a:xfrm>
+          <a:prstGeom prst="line">
+            <a:avLst/>
+          </a:prstGeom>
+          <a:ln w="38100"/>
+        </p:spPr>
+        <p:style>
+          <a:lnRef idx="1">
+            <a:schemeClr val="dk1"/>
+          </a:lnRef>
+          <a:fillRef idx="0">
+            <a:schemeClr val="dk1"/>
+          </a:fillRef>
+          <a:effectRef idx="0">
+            <a:schemeClr val="dk1"/>
+          </a:effectRef>
+          <a:fontRef idx="minor">
+            <a:schemeClr val="tx1"/>
+          </a:fontRef>
+        </p:style>
+      </p:cxnSp>
+      <mc:AlternateContent xmlns:mc="http://schemas.openxmlformats.org/markup-compatibility/2006" xmlns:a14="http://schemas.microsoft.com/office/drawing/2010/main">
+        <mc:Choice Requires="a14">
+          <p:sp>
+            <p:nvSpPr>
+              <p:cNvPr id="183" name="CuadroTexto 182"/>
+              <p:cNvSpPr txBox="1"/>
+              <p:nvPr/>
+            </p:nvSpPr>
+            <p:spPr>
+              <a:xfrm>
+                <a:off x="6853493" y="6922437"/>
+                <a:ext cx="4736105" cy="614912"/>
+              </a:xfrm>
+              <a:prstGeom prst="rect">
+                <a:avLst/>
+              </a:prstGeom>
+              <a:noFill/>
+            </p:spPr>
+            <p:txBody>
+              <a:bodyPr wrap="none" lIns="0" tIns="0" rIns="0" bIns="0" rtlCol="0">
+                <a:spAutoFit/>
+              </a:bodyPr>
+              <a:lstStyle/>
+              <a:p>
+                <a:pPr/>
+                <a14:m>
+                  <m:oMathPara xmlns:m="http://schemas.openxmlformats.org/officeDocument/2006/math">
+                    <m:oMathParaPr>
+                      <m:jc m:val="centerGroup"/>
+                    </m:oMathParaPr>
+                    <m:oMath xmlns:m="http://schemas.openxmlformats.org/officeDocument/2006/math">
+                      <m:r>
+                        <a:rPr lang="es-CO" sz="3996" i="1">
+                          <a:latin typeface="Cambria Math" panose="02040503050406030204" pitchFamily="18" charset="0"/>
+                        </a:rPr>
+                        <m:t>𝑞</m:t>
+                      </m:r>
+                      <m:r>
+                        <a:rPr lang="es-CO" sz="3996" i="1">
+                          <a:latin typeface="Cambria Math" panose="02040503050406030204" pitchFamily="18" charset="0"/>
+                        </a:rPr>
+                        <m:t>1=</m:t>
+                      </m:r>
+                      <m:r>
+                        <a:rPr lang="es-CO" sz="3996" i="1">
+                          <a:latin typeface="Cambria Math" panose="02040503050406030204" pitchFamily="18" charset="0"/>
+                        </a:rPr>
+                        <m:t>𝑎𝑡𝑎𝑛</m:t>
+                      </m:r>
+                      <m:r>
+                        <a:rPr lang="es-CO" sz="3996" i="1">
+                          <a:latin typeface="Cambria Math" panose="02040503050406030204" pitchFamily="18" charset="0"/>
+                        </a:rPr>
+                        <m:t>2(</m:t>
+                      </m:r>
+                      <m:r>
+                        <a:rPr lang="es-CO" sz="3996" i="1">
+                          <a:latin typeface="Cambria Math" panose="02040503050406030204" pitchFamily="18" charset="0"/>
+                        </a:rPr>
+                        <m:t>𝑌𝑤</m:t>
+                      </m:r>
+                      <m:r>
+                        <a:rPr lang="es-CO" sz="3996" i="1">
+                          <a:latin typeface="Cambria Math" panose="02040503050406030204" pitchFamily="18" charset="0"/>
+                        </a:rPr>
+                        <m:t>,</m:t>
+                      </m:r>
+                      <m:r>
+                        <a:rPr lang="es-CO" sz="3996" i="1">
+                          <a:latin typeface="Cambria Math" panose="02040503050406030204" pitchFamily="18" charset="0"/>
+                        </a:rPr>
+                        <m:t>𝑋𝑤</m:t>
+                      </m:r>
+                      <m:r>
+                        <a:rPr lang="es-CO" sz="3996" i="1">
+                          <a:latin typeface="Cambria Math" panose="02040503050406030204" pitchFamily="18" charset="0"/>
+                        </a:rPr>
+                        <m:t>)</m:t>
+                      </m:r>
+                    </m:oMath>
+                  </m:oMathPara>
+                </a14:m>
+                <a:endParaRPr lang="en-US" sz="3996" dirty="0"/>
+              </a:p>
+            </p:txBody>
+          </p:sp>
+        </mc:Choice>
+        <mc:Fallback xmlns="">
+          <p:sp>
+            <p:nvSpPr>
+              <p:cNvPr id="183" name="CuadroTexto 182"/>
+              <p:cNvSpPr txBox="1">
+                <a:spLocks noRot="1" noChangeAspect="1" noMove="1" noResize="1" noEditPoints="1" noAdjustHandles="1" noChangeArrowheads="1" noChangeShapeType="1" noTextEdit="1"/>
+              </p:cNvSpPr>
+              <p:nvPr/>
+            </p:nvSpPr>
+            <p:spPr>
+              <a:xfrm>
+                <a:off x="6853493" y="6922437"/>
+                <a:ext cx="4736105" cy="614912"/>
+              </a:xfrm>
+              <a:prstGeom prst="rect">
+                <a:avLst/>
+              </a:prstGeom>
+              <a:blipFill>
+                <a:blip r:embed="rId2"/>
+                <a:stretch>
+                  <a:fillRect/>
+                </a:stretch>
+              </a:blipFill>
+            </p:spPr>
+            <p:txBody>
+              <a:bodyPr/>
+              <a:lstStyle/>
+              <a:p>
+                <a:r>
+                  <a:rPr lang="en-US">
+                    <a:noFill/>
+                  </a:rPr>
+                  <a:t> </a:t>
+                </a:r>
+              </a:p>
+            </p:txBody>
+          </p:sp>
+        </mc:Fallback>
+      </mc:AlternateContent>
+      <p:cxnSp>
+        <p:nvCxnSpPr>
+          <p:cNvPr id="15" name="Conector recto 14"/>
+          <p:cNvCxnSpPr>
+            <a:stCxn id="4" idx="4"/>
+          </p:cNvCxnSpPr>
+          <p:nvPr/>
+        </p:nvCxnSpPr>
+        <p:spPr>
+          <a:xfrm flipV="1">
+            <a:off x="4031676" y="1622947"/>
+            <a:ext cx="0" cy="375429"/>
+          </a:xfrm>
+          <a:prstGeom prst="line">
+            <a:avLst/>
+          </a:prstGeom>
+          <a:ln w="57150"/>
+        </p:spPr>
+        <p:style>
+          <a:lnRef idx="1">
+            <a:schemeClr val="dk1"/>
+          </a:lnRef>
+          <a:fillRef idx="0">
+            <a:schemeClr val="dk1"/>
+          </a:fillRef>
+          <a:effectRef idx="0">
+            <a:schemeClr val="dk1"/>
+          </a:effectRef>
+          <a:fontRef idx="minor">
+            <a:schemeClr val="tx1"/>
+          </a:fontRef>
+        </p:style>
+      </p:cxnSp>
+      <p:cxnSp>
+        <p:nvCxnSpPr>
+          <p:cNvPr id="71" name="Conector recto 70"/>
+          <p:cNvCxnSpPr/>
+          <p:nvPr/>
+        </p:nvCxnSpPr>
+        <p:spPr>
+          <a:xfrm>
+            <a:off x="2590614" y="1482214"/>
+            <a:ext cx="458772" cy="0"/>
+          </a:xfrm>
+          <a:prstGeom prst="line">
+            <a:avLst/>
+          </a:prstGeom>
+        </p:spPr>
+        <p:style>
+          <a:lnRef idx="1">
+            <a:schemeClr val="dk1"/>
+          </a:lnRef>
+          <a:fillRef idx="0">
+            <a:schemeClr val="dk1"/>
+          </a:fillRef>
+          <a:effectRef idx="0">
+            <a:schemeClr val="dk1"/>
+          </a:effectRef>
+          <a:fontRef idx="minor">
+            <a:schemeClr val="tx1"/>
+          </a:fontRef>
+        </p:style>
+      </p:cxnSp>
+      <p:cxnSp>
+        <p:nvCxnSpPr>
+          <p:cNvPr id="24" name="Conector recto 23"/>
+          <p:cNvCxnSpPr/>
+          <p:nvPr/>
+        </p:nvCxnSpPr>
+        <p:spPr>
+          <a:xfrm>
+            <a:off x="2819990" y="1482214"/>
+            <a:ext cx="0" cy="872710"/>
+          </a:xfrm>
+          <a:prstGeom prst="line">
+            <a:avLst/>
+          </a:prstGeom>
+        </p:spPr>
+        <p:style>
+          <a:lnRef idx="1">
+            <a:schemeClr val="dk1"/>
+          </a:lnRef>
+          <a:fillRef idx="0">
+            <a:schemeClr val="dk1"/>
+          </a:fillRef>
+          <a:effectRef idx="0">
+            <a:schemeClr val="dk1"/>
+          </a:effectRef>
+          <a:fontRef idx="minor">
+            <a:schemeClr val="tx1"/>
+          </a:fontRef>
+        </p:style>
+      </p:cxnSp>
+      <p:sp>
+        <p:nvSpPr>
+          <p:cNvPr id="78" name="CuadroTexto 77"/>
+          <p:cNvSpPr txBox="1"/>
+          <p:nvPr/>
+        </p:nvSpPr>
+        <p:spPr>
+          <a:xfrm>
+            <a:off x="6993119" y="1998376"/>
+            <a:ext cx="565590" cy="584327"/>
+          </a:xfrm>
+          <a:prstGeom prst="rect">
+            <a:avLst/>
+          </a:prstGeom>
+          <a:noFill/>
+        </p:spPr>
+        <p:txBody>
+          <a:bodyPr wrap="square" rtlCol="0">
+            <a:spAutoFit/>
+          </a:bodyPr>
+          <a:lstStyle/>
+          <a:p>
+            <a:r>
+              <a:rPr lang="es-CO" sz="3197" b="1" dirty="0"/>
+              <a:t>L6</a:t>
+            </a:r>
+            <a:endParaRPr lang="en-US" sz="3197" b="1" dirty="0"/>
+          </a:p>
+        </p:txBody>
+      </p:sp>
+      <mc:AlternateContent xmlns:mc="http://schemas.openxmlformats.org/markup-compatibility/2006">
+        <mc:Choice xmlns:a14="http://schemas.microsoft.com/office/drawing/2010/main" Requires="a14">
+          <p:sp>
+            <p:nvSpPr>
+              <p:cNvPr id="25" name="CuadroTexto 24"/>
+              <p:cNvSpPr txBox="1"/>
+              <p:nvPr/>
+            </p:nvSpPr>
+            <p:spPr>
+              <a:xfrm>
+                <a:off x="6639812" y="279395"/>
+                <a:ext cx="4191019" cy="574773"/>
+              </a:xfrm>
+              <a:prstGeom prst="rect">
+                <a:avLst/>
+              </a:prstGeom>
+              <a:noFill/>
+            </p:spPr>
+            <p:txBody>
+              <a:bodyPr wrap="none" lIns="0" tIns="0" rIns="0" bIns="0" rtlCol="0">
+                <a:spAutoFit/>
+              </a:bodyPr>
+              <a:lstStyle/>
+              <a:p>
+                <a14:m>
+                  <m:oMathPara xmlns:m="http://schemas.openxmlformats.org/officeDocument/2006/math">
+                    <m:oMathParaPr>
+                      <m:jc m:val="centerGroup"/>
+                    </m:oMathParaPr>
+                    <m:oMath xmlns:m="http://schemas.openxmlformats.org/officeDocument/2006/math">
+                      <m:sSup>
+                        <m:sSupPr>
+                          <m:ctrlPr>
+                            <a:rPr lang="es-CO" sz="3200" b="0" i="1" smtClean="0">
+                              <a:latin typeface="Cambria Math" panose="02040503050406030204" pitchFamily="18" charset="0"/>
+                            </a:rPr>
+                          </m:ctrlPr>
+                        </m:sSupPr>
+                        <m:e/>
+                        <m:sup>
+                          <m:r>
+                            <a:rPr lang="es-CO" sz="3200" b="0" i="1" smtClean="0">
+                              <a:latin typeface="Cambria Math" panose="02040503050406030204" pitchFamily="18" charset="0"/>
+                            </a:rPr>
+                            <m:t>5</m:t>
+                          </m:r>
+                        </m:sup>
+                      </m:sSup>
+                      <m:sSub>
+                        <m:sSubPr>
+                          <m:ctrlPr>
+                            <a:rPr lang="es-CO" sz="3200" b="0" i="1" smtClean="0">
+                              <a:latin typeface="Cambria Math" panose="02040503050406030204" pitchFamily="18" charset="0"/>
+                            </a:rPr>
+                          </m:ctrlPr>
+                        </m:sSubPr>
+                        <m:e>
+                          <m:r>
+                            <a:rPr lang="es-CO" sz="3200" b="0" i="1" smtClean="0">
+                              <a:latin typeface="Cambria Math" panose="02040503050406030204" pitchFamily="18" charset="0"/>
+                            </a:rPr>
+                            <m:t>𝑃</m:t>
+                          </m:r>
+                        </m:e>
+                        <m:sub>
+                          <m:r>
+                            <a:rPr lang="es-CO" sz="3200" b="0" i="1" smtClean="0">
+                              <a:latin typeface="Cambria Math" panose="02040503050406030204" pitchFamily="18" charset="0"/>
+                            </a:rPr>
+                            <m:t>𝑤</m:t>
+                          </m:r>
+                        </m:sub>
+                      </m:sSub>
+                      <m:r>
+                        <a:rPr lang="es-CO" sz="3200" b="0" i="1" smtClean="0">
+                          <a:latin typeface="Cambria Math" panose="02040503050406030204" pitchFamily="18" charset="0"/>
+                        </a:rPr>
+                        <m:t>=</m:t>
+                      </m:r>
+                      <m:sSup>
+                        <m:sSupPr>
+                          <m:ctrlPr>
+                            <a:rPr lang="es-CO" sz="3200" b="0" i="1" smtClean="0">
+                              <a:latin typeface="Cambria Math" panose="02040503050406030204" pitchFamily="18" charset="0"/>
+                            </a:rPr>
+                          </m:ctrlPr>
+                        </m:sSupPr>
+                        <m:e/>
+                        <m:sup>
+                          <m:r>
+                            <a:rPr lang="es-CO" sz="3200" b="0" i="1" smtClean="0">
+                              <a:latin typeface="Cambria Math" panose="02040503050406030204" pitchFamily="18" charset="0"/>
+                            </a:rPr>
+                            <m:t>5</m:t>
+                          </m:r>
+                        </m:sup>
+                      </m:sSup>
+                      <m:sSub>
+                        <m:sSubPr>
+                          <m:ctrlPr>
+                            <a:rPr lang="es-CO" sz="3200" b="0" i="1" smtClean="0">
+                              <a:latin typeface="Cambria Math" panose="02040503050406030204" pitchFamily="18" charset="0"/>
+                            </a:rPr>
+                          </m:ctrlPr>
+                        </m:sSubPr>
+                        <m:e>
+                          <m:r>
+                            <a:rPr lang="es-CO" sz="3200" b="0" i="1" smtClean="0">
+                              <a:latin typeface="Cambria Math" panose="02040503050406030204" pitchFamily="18" charset="0"/>
+                            </a:rPr>
+                            <m:t>𝑅</m:t>
+                          </m:r>
+                        </m:e>
+                        <m:sub>
+                          <m:r>
+                            <a:rPr lang="es-CO" sz="3200" b="0" i="1" smtClean="0">
+                              <a:latin typeface="Cambria Math" panose="02040503050406030204" pitchFamily="18" charset="0"/>
+                            </a:rPr>
+                            <m:t>0</m:t>
+                          </m:r>
+                        </m:sub>
+                      </m:sSub>
+                      <m:sSub>
+                        <m:sSubPr>
+                          <m:ctrlPr>
+                            <a:rPr lang="es-CO" sz="3200" b="0" i="1" smtClean="0">
+                              <a:latin typeface="Cambria Math" panose="02040503050406030204" pitchFamily="18" charset="0"/>
+                            </a:rPr>
+                          </m:ctrlPr>
+                        </m:sSubPr>
+                        <m:e>
+                          <m:r>
+                            <a:rPr lang="es-CO" sz="3200" b="0" i="1" smtClean="0">
+                              <a:latin typeface="Cambria Math" panose="02040503050406030204" pitchFamily="18" charset="0"/>
+                            </a:rPr>
+                            <m:t>𝑃</m:t>
+                          </m:r>
+                        </m:e>
+                        <m:sub>
+                          <m:r>
+                            <a:rPr lang="es-CO" sz="3200" b="0" i="1" smtClean="0">
+                              <a:latin typeface="Cambria Math" panose="02040503050406030204" pitchFamily="18" charset="0"/>
+                            </a:rPr>
+                            <m:t>6</m:t>
+                          </m:r>
+                        </m:sub>
+                      </m:sSub>
+                      <m:r>
+                        <a:rPr lang="es-CO" sz="3200" b="0" i="1" smtClean="0">
+                          <a:latin typeface="Cambria Math" panose="02040503050406030204" pitchFamily="18" charset="0"/>
+                        </a:rPr>
+                        <m:t>−</m:t>
+                      </m:r>
+                      <m:r>
+                        <a:rPr lang="es-CO" sz="3200" b="0" i="1" smtClean="0">
+                          <a:latin typeface="Cambria Math" panose="02040503050406030204" pitchFamily="18" charset="0"/>
+                        </a:rPr>
+                        <m:t>𝐿</m:t>
+                      </m:r>
+                      <m:r>
+                        <a:rPr lang="es-CO" sz="3200" b="0" i="1" smtClean="0">
+                          <a:latin typeface="Cambria Math" panose="02040503050406030204" pitchFamily="18" charset="0"/>
+                        </a:rPr>
+                        <m:t>6</m:t>
+                      </m:r>
+                      <m:acc>
+                        <m:accPr>
+                          <m:chr m:val="̂"/>
+                          <m:ctrlPr>
+                            <a:rPr lang="es-CO" sz="3200" b="0" i="1" smtClean="0">
+                              <a:latin typeface="Cambria Math" panose="02040503050406030204" pitchFamily="18" charset="0"/>
+                            </a:rPr>
+                          </m:ctrlPr>
+                        </m:accPr>
+                        <m:e>
+                          <m:r>
+                            <a:rPr lang="es-CO" sz="3200" b="0" i="1" smtClean="0">
+                              <a:latin typeface="Cambria Math" panose="02040503050406030204" pitchFamily="18" charset="0"/>
+                            </a:rPr>
+                            <m:t>𝑧</m:t>
+                          </m:r>
+                        </m:e>
+                      </m:acc>
+                    </m:oMath>
+                  </m:oMathPara>
+                </a14:m>
+                <a:endParaRPr lang="en-US" sz="3200" dirty="0"/>
+              </a:p>
+            </p:txBody>
+          </p:sp>
+        </mc:Choice>
+        <mc:Fallback>
+          <p:sp>
+            <p:nvSpPr>
+              <p:cNvPr id="25" name="CuadroTexto 24"/>
+              <p:cNvSpPr txBox="1">
+                <a:spLocks noRot="1" noChangeAspect="1" noMove="1" noResize="1" noEditPoints="1" noAdjustHandles="1" noChangeArrowheads="1" noChangeShapeType="1" noTextEdit="1"/>
+              </p:cNvSpPr>
+              <p:nvPr/>
+            </p:nvSpPr>
+            <p:spPr>
+              <a:xfrm>
+                <a:off x="6639812" y="279395"/>
+                <a:ext cx="4191019" cy="574773"/>
+              </a:xfrm>
+              <a:prstGeom prst="rect">
+                <a:avLst/>
+              </a:prstGeom>
+              <a:blipFill>
+                <a:blip r:embed="rId3"/>
+                <a:stretch>
+                  <a:fillRect/>
+                </a:stretch>
+              </a:blipFill>
+            </p:spPr>
+            <p:txBody>
+              <a:bodyPr/>
+              <a:lstStyle/>
+              <a:p>
+                <a:r>
+                  <a:rPr lang="en-US">
+                    <a:noFill/>
+                  </a:rPr>
+                  <a:t> </a:t>
+                </a:r>
+              </a:p>
+            </p:txBody>
+          </p:sp>
+        </mc:Fallback>
+      </mc:AlternateContent>
+      <mc:AlternateContent xmlns:mc="http://schemas.openxmlformats.org/markup-compatibility/2006">
+        <mc:Choice xmlns:a14="http://schemas.microsoft.com/office/drawing/2010/main" Requires="a14">
+          <p:sp>
+            <p:nvSpPr>
+              <p:cNvPr id="28" name="Rectángulo 27"/>
+              <p:cNvSpPr/>
+              <p:nvPr/>
+            </p:nvSpPr>
+            <p:spPr>
+              <a:xfrm>
+                <a:off x="7095609" y="817098"/>
+                <a:ext cx="3279424" cy="667106"/>
+              </a:xfrm>
+              <a:prstGeom prst="rect">
+                <a:avLst/>
+              </a:prstGeom>
+            </p:spPr>
+            <p:txBody>
+              <a:bodyPr wrap="none">
+                <a:spAutoFit/>
+              </a:bodyPr>
+              <a:lstStyle/>
+              <a:p>
+                <a14:m>
+                  <m:oMathPara xmlns:m="http://schemas.openxmlformats.org/officeDocument/2006/math">
+                    <m:oMathParaPr>
+                      <m:jc m:val="centerGroup"/>
+                    </m:oMathParaPr>
+                    <m:oMath xmlns:m="http://schemas.openxmlformats.org/officeDocument/2006/math">
+                      <m:sSub>
+                        <m:sSubPr>
+                          <m:ctrlPr>
+                            <a:rPr lang="en-US" sz="3200" i="1" smtClean="0">
+                              <a:latin typeface="Cambria Math" panose="02040503050406030204" pitchFamily="18" charset="0"/>
+                            </a:rPr>
+                          </m:ctrlPr>
+                        </m:sSubPr>
+                        <m:e>
+                          <m:r>
+                            <a:rPr lang="es-CO" sz="3200" b="0" i="1" smtClean="0">
+                              <a:latin typeface="Cambria Math" panose="02040503050406030204" pitchFamily="18" charset="0"/>
+                            </a:rPr>
+                            <m:t>𝑃</m:t>
+                          </m:r>
+                        </m:e>
+                        <m:sub>
+                          <m:r>
+                            <a:rPr lang="es-CO" sz="3200" b="0" i="1" smtClean="0">
+                              <a:latin typeface="Cambria Math" panose="02040503050406030204" pitchFamily="18" charset="0"/>
+                            </a:rPr>
+                            <m:t>𝑤</m:t>
+                          </m:r>
+                        </m:sub>
+                      </m:sSub>
+                      <m:r>
+                        <a:rPr lang="es-CO" sz="3200" b="0" i="1" smtClean="0">
+                          <a:latin typeface="Cambria Math" panose="02040503050406030204" pitchFamily="18" charset="0"/>
+                        </a:rPr>
+                        <m:t>=</m:t>
+                      </m:r>
+                      <m:sSup>
+                        <m:sSupPr>
+                          <m:ctrlPr>
+                            <a:rPr lang="es-CO" sz="3200" b="0" i="1" smtClean="0">
+                              <a:latin typeface="Cambria Math" panose="02040503050406030204" pitchFamily="18" charset="0"/>
+                            </a:rPr>
+                          </m:ctrlPr>
+                        </m:sSupPr>
+                        <m:e/>
+                        <m:sup>
+                          <m:r>
+                            <a:rPr lang="es-CO" sz="3200" b="0" i="1" smtClean="0">
+                              <a:latin typeface="Cambria Math" panose="02040503050406030204" pitchFamily="18" charset="0"/>
+                            </a:rPr>
+                            <m:t>0</m:t>
+                          </m:r>
+                        </m:sup>
+                      </m:sSup>
+                      <m:sSub>
+                        <m:sSubPr>
+                          <m:ctrlPr>
+                            <a:rPr lang="es-CO" sz="3200" b="0" i="1" smtClean="0">
+                              <a:latin typeface="Cambria Math" panose="02040503050406030204" pitchFamily="18" charset="0"/>
+                            </a:rPr>
+                          </m:ctrlPr>
+                        </m:sSubPr>
+                        <m:e>
+                          <m:r>
+                            <a:rPr lang="es-CO" sz="3200" b="0" i="1" smtClean="0">
+                              <a:latin typeface="Cambria Math" panose="02040503050406030204" pitchFamily="18" charset="0"/>
+                            </a:rPr>
+                            <m:t>𝑅</m:t>
+                          </m:r>
+                        </m:e>
+                        <m:sub>
+                          <m:r>
+                            <a:rPr lang="es-CO" sz="3200" b="0" i="1" smtClean="0">
+                              <a:latin typeface="Cambria Math" panose="02040503050406030204" pitchFamily="18" charset="0"/>
+                            </a:rPr>
+                            <m:t>5</m:t>
+                          </m:r>
+                        </m:sub>
+                      </m:sSub>
+                      <m:sSup>
+                        <m:sSupPr>
+                          <m:ctrlPr>
+                            <a:rPr lang="es-CO" sz="3200" b="0" i="1" smtClean="0">
+                              <a:latin typeface="Cambria Math" panose="02040503050406030204" pitchFamily="18" charset="0"/>
+                            </a:rPr>
+                          </m:ctrlPr>
+                        </m:sSupPr>
+                        <m:e/>
+                        <m:sup>
+                          <m:r>
+                            <a:rPr lang="es-CO" sz="3200" b="0" i="1" smtClean="0">
+                              <a:latin typeface="Cambria Math" panose="02040503050406030204" pitchFamily="18" charset="0"/>
+                            </a:rPr>
+                            <m:t>5</m:t>
+                          </m:r>
+                        </m:sup>
+                      </m:sSup>
+                      <m:sSub>
+                        <m:sSubPr>
+                          <m:ctrlPr>
+                            <a:rPr lang="es-CO" sz="3200" b="0" i="1" smtClean="0">
+                              <a:latin typeface="Cambria Math" panose="02040503050406030204" pitchFamily="18" charset="0"/>
+                            </a:rPr>
+                          </m:ctrlPr>
+                        </m:sSubPr>
+                        <m:e>
+                          <m:r>
+                            <a:rPr lang="es-CO" sz="3200" b="0" i="1" smtClean="0">
+                              <a:latin typeface="Cambria Math" panose="02040503050406030204" pitchFamily="18" charset="0"/>
+                            </a:rPr>
+                            <m:t>𝑃</m:t>
+                          </m:r>
+                        </m:e>
+                        <m:sub>
+                          <m:r>
+                            <a:rPr lang="es-CO" sz="3200" b="0" i="1" smtClean="0">
+                              <a:latin typeface="Cambria Math" panose="02040503050406030204" pitchFamily="18" charset="0"/>
+                            </a:rPr>
+                            <m:t>𝑤</m:t>
+                          </m:r>
+                        </m:sub>
+                      </m:sSub>
+                    </m:oMath>
+                  </m:oMathPara>
+                </a14:m>
+                <a:endParaRPr lang="en-US" sz="3200" dirty="0"/>
+              </a:p>
+            </p:txBody>
+          </p:sp>
+        </mc:Choice>
+        <mc:Fallback>
+          <p:sp>
+            <p:nvSpPr>
+              <p:cNvPr id="28" name="Rectángulo 27"/>
+              <p:cNvSpPr>
+                <a:spLocks noRot="1" noChangeAspect="1" noMove="1" noResize="1" noEditPoints="1" noAdjustHandles="1" noChangeArrowheads="1" noChangeShapeType="1" noTextEdit="1"/>
+              </p:cNvSpPr>
+              <p:nvPr/>
+            </p:nvSpPr>
+            <p:spPr>
+              <a:xfrm>
+                <a:off x="7095609" y="817098"/>
+                <a:ext cx="3279424" cy="667106"/>
+              </a:xfrm>
+              <a:prstGeom prst="rect">
+                <a:avLst/>
+              </a:prstGeom>
+              <a:blipFill>
+                <a:blip r:embed="rId4"/>
+                <a:stretch>
+                  <a:fillRect/>
+                </a:stretch>
+              </a:blipFill>
+            </p:spPr>
+            <p:txBody>
+              <a:bodyPr/>
+              <a:lstStyle/>
+              <a:p>
+                <a:r>
+                  <a:rPr lang="en-US">
+                    <a:noFill/>
+                  </a:rPr>
+                  <a:t> </a:t>
+                </a:r>
+              </a:p>
+            </p:txBody>
+          </p:sp>
+        </mc:Fallback>
+      </mc:AlternateContent>
+    </p:spTree>
+    <p:extLst>
+      <p:ext uri="{BB962C8B-B14F-4D97-AF65-F5344CB8AC3E}">
+        <p14:creationId xmlns:p14="http://schemas.microsoft.com/office/powerpoint/2010/main" val="834595724"/>
+      </p:ext>
+    </p:extLst>
+  </p:cSld>
+  <p:clrMapOvr>
+    <a:masterClrMapping/>
+  </p:clrMapOvr>
+  <p:timing>
+    <p:tnLst>
+      <p:par>
+        <p:cTn id="1" dur="indefinite" restart="never" nodeType="tmRoot"/>
+      </p:par>
+    </p:tnLst>
+  </p:timing>
+</p:sld>
+</file>
+
+<file path=ppt/slides/slide9.xml><?xml version="1.0" encoding="utf-8"?>
 <p:sld xmlns:a="http://schemas.openxmlformats.org/drawingml/2006/main" xmlns:r="http://schemas.openxmlformats.org/officeDocument/2006/relationships" xmlns:p="http://schemas.openxmlformats.org/presentationml/2006/main">
   <p:cSld>
     <p:spTree>

--- a/LAB_2021_1.pptx
+++ b/LAB_2021_1.pptx
@@ -11247,8 +11247,8 @@
           </p:sp>
         </mc:Fallback>
       </mc:AlternateContent>
-      <mc:AlternateContent xmlns:mc="http://schemas.openxmlformats.org/markup-compatibility/2006" xmlns:a14="http://schemas.microsoft.com/office/drawing/2010/main">
-        <mc:Choice Requires="a14">
+      <mc:AlternateContent xmlns:mc="http://schemas.openxmlformats.org/markup-compatibility/2006">
+        <mc:Choice xmlns:a14="http://schemas.microsoft.com/office/drawing/2010/main" Requires="a14">
           <p:sp>
             <p:nvSpPr>
               <p:cNvPr id="34" name="CuadroTexto 33"/>
@@ -11258,7 +11258,7 @@
             <p:spPr>
               <a:xfrm>
                 <a:off x="4425153" y="1048835"/>
-                <a:ext cx="7748853" cy="553998"/>
+                <a:ext cx="8431732" cy="553998"/>
               </a:xfrm>
               <a:prstGeom prst="rect">
                 <a:avLst/>
@@ -11406,6 +11406,12 @@
                         <a:rPr lang="es-CO" sz="3600" b="0" i="1" smtClean="0">
                           <a:latin typeface="Cambria Math" panose="02040503050406030204" pitchFamily="18" charset="0"/>
                         </a:rPr>
+                        <m:t>2∗</m:t>
+                      </m:r>
+                      <m:r>
+                        <a:rPr lang="es-CO" sz="3600" b="0" i="1" smtClean="0">
+                          <a:latin typeface="Cambria Math" panose="02040503050406030204" pitchFamily="18" charset="0"/>
+                        </a:rPr>
                         <m:t>𝐿</m:t>
                       </m:r>
                       <m:r>
@@ -11462,7 +11468,7 @@
             </p:txBody>
           </p:sp>
         </mc:Choice>
-        <mc:Fallback xmlns="">
+        <mc:Fallback>
           <p:sp>
             <p:nvSpPr>
               <p:cNvPr id="34" name="CuadroTexto 33"/>
@@ -11474,7 +11480,7 @@
             <p:spPr>
               <a:xfrm>
                 <a:off x="4425153" y="1048835"/>
-                <a:ext cx="7748853" cy="553998"/>
+                <a:ext cx="8431732" cy="553998"/>
               </a:xfrm>
               <a:prstGeom prst="rect">
                 <a:avLst/>
@@ -11501,8 +11507,8 @@
           </p:sp>
         </mc:Fallback>
       </mc:AlternateContent>
-      <mc:AlternateContent xmlns:mc="http://schemas.openxmlformats.org/markup-compatibility/2006" xmlns:a14="http://schemas.microsoft.com/office/drawing/2010/main">
-        <mc:Choice Requires="a14">
+      <mc:AlternateContent xmlns:mc="http://schemas.openxmlformats.org/markup-compatibility/2006">
+        <mc:Choice xmlns:a14="http://schemas.microsoft.com/office/drawing/2010/main" Requires="a14">
           <p:sp>
             <p:nvSpPr>
               <p:cNvPr id="35" name="CuadroTexto 34"/>
@@ -11511,8 +11517,8 @@
             </p:nvSpPr>
             <p:spPr>
               <a:xfrm>
-                <a:off x="6023409" y="1913932"/>
-                <a:ext cx="6041013" cy="1107996"/>
+                <a:off x="5526021" y="1780466"/>
+                <a:ext cx="6385659" cy="1111586"/>
               </a:xfrm>
               <a:prstGeom prst="rect">
                 <a:avLst/>
@@ -11587,6 +11593,12 @@
                           </m:ctrlPr>
                         </m:fPr>
                         <m:num>
+                          <m:r>
+                            <a:rPr lang="es-CO" sz="3600" b="0" i="1" smtClean="0">
+                              <a:latin typeface="Cambria Math" panose="02040503050406030204" pitchFamily="18" charset="0"/>
+                            </a:rPr>
+                            <m:t>−</m:t>
+                          </m:r>
                           <m:sSup>
                             <m:sSupPr>
                               <m:ctrlPr>
@@ -11638,10 +11650,10 @@
                             </m:sup>
                           </m:sSup>
                           <m:r>
-                            <a:rPr lang="es-CO" sz="3600">
+                            <a:rPr lang="es-CO" sz="3600" b="0" i="0" smtClean="0">
                               <a:latin typeface="Cambria Math" panose="02040503050406030204" pitchFamily="18" charset="0"/>
                             </a:rPr>
-                            <m:t>−</m:t>
+                            <m:t>+</m:t>
                           </m:r>
                           <m:sSup>
                             <m:sSupPr>
@@ -11675,10 +11687,10 @@
                             </m:sup>
                           </m:sSup>
                           <m:r>
-                            <a:rPr lang="es-CO" sz="3600" i="1">
+                            <a:rPr lang="es-CO" sz="3600" b="0" i="1" smtClean="0">
                               <a:latin typeface="Cambria Math" panose="02040503050406030204" pitchFamily="18" charset="0"/>
                             </a:rPr>
-                            <m:t>−</m:t>
+                            <m:t>+</m:t>
                           </m:r>
                           <m:sSup>
                             <m:sSupPr>
@@ -11711,6 +11723,12 @@
                             <a:rPr lang="es-CO" sz="3600" b="0" i="1" smtClean="0">
                               <a:latin typeface="Cambria Math" panose="02040503050406030204" pitchFamily="18" charset="0"/>
                             </a:rPr>
+                            <m:t>2∗</m:t>
+                          </m:r>
+                          <m:r>
+                            <a:rPr lang="es-CO" sz="3600" b="0" i="1" smtClean="0">
+                              <a:latin typeface="Cambria Math" panose="02040503050406030204" pitchFamily="18" charset="0"/>
+                            </a:rPr>
                             <m:t>𝐿</m:t>
                           </m:r>
                           <m:r>
@@ -11735,7 +11753,7 @@
             </p:txBody>
           </p:sp>
         </mc:Choice>
-        <mc:Fallback xmlns="">
+        <mc:Fallback>
           <p:sp>
             <p:nvSpPr>
               <p:cNvPr id="35" name="CuadroTexto 34"/>
@@ -11746,8 +11764,8 @@
             </p:nvSpPr>
             <p:spPr>
               <a:xfrm>
-                <a:off x="6023409" y="1913932"/>
-                <a:ext cx="6041013" cy="1107996"/>
+                <a:off x="5526021" y="1780466"/>
+                <a:ext cx="6385659" cy="1111586"/>
               </a:xfrm>
               <a:prstGeom prst="rect">
                 <a:avLst/>
@@ -13469,8 +13487,8 @@
           </a:p>
         </p:txBody>
       </p:sp>
-      <mc:AlternateContent xmlns:mc="http://schemas.openxmlformats.org/markup-compatibility/2006" xmlns:a14="http://schemas.microsoft.com/office/drawing/2010/main">
-        <mc:Choice Requires="a14">
+      <mc:AlternateContent xmlns:mc="http://schemas.openxmlformats.org/markup-compatibility/2006">
+        <mc:Choice xmlns:a14="http://schemas.microsoft.com/office/drawing/2010/main" Requires="a14">
           <p:sp>
             <p:nvSpPr>
               <p:cNvPr id="35" name="CuadroTexto 34"/>
@@ -13479,8 +13497,8 @@
             </p:nvSpPr>
             <p:spPr>
               <a:xfrm>
-                <a:off x="3692040" y="449912"/>
-                <a:ext cx="7857536" cy="553998"/>
+                <a:off x="3452444" y="405806"/>
+                <a:ext cx="8540415" cy="553998"/>
               </a:xfrm>
               <a:prstGeom prst="rect">
                 <a:avLst/>
@@ -13628,6 +13646,12 @@
                         <a:rPr lang="es-CO" sz="3600" b="0" i="1" smtClean="0">
                           <a:latin typeface="Cambria Math" panose="02040503050406030204" pitchFamily="18" charset="0"/>
                         </a:rPr>
+                        <m:t>2∗</m:t>
+                      </m:r>
+                      <m:r>
+                        <a:rPr lang="es-CO" sz="3600" b="0" i="1" smtClean="0">
+                          <a:latin typeface="Cambria Math" panose="02040503050406030204" pitchFamily="18" charset="0"/>
+                        </a:rPr>
                         <m:t>𝐿</m:t>
                       </m:r>
                       <m:r>
@@ -13685,7 +13709,7 @@
             </p:txBody>
           </p:sp>
         </mc:Choice>
-        <mc:Fallback xmlns="">
+        <mc:Fallback>
           <p:sp>
             <p:nvSpPr>
               <p:cNvPr id="35" name="CuadroTexto 34"/>
@@ -13696,8 +13720,8 @@
             </p:nvSpPr>
             <p:spPr>
               <a:xfrm>
-                <a:off x="3692040" y="449912"/>
-                <a:ext cx="7857536" cy="553998"/>
+                <a:off x="3452444" y="405806"/>
+                <a:ext cx="8540415" cy="553998"/>
               </a:xfrm>
               <a:prstGeom prst="rect">
                 <a:avLst/>
@@ -13724,8 +13748,8 @@
           </p:sp>
         </mc:Fallback>
       </mc:AlternateContent>
-      <mc:AlternateContent xmlns:mc="http://schemas.openxmlformats.org/markup-compatibility/2006" xmlns:a14="http://schemas.microsoft.com/office/drawing/2010/main">
-        <mc:Choice Requires="a14">
+      <mc:AlternateContent xmlns:mc="http://schemas.openxmlformats.org/markup-compatibility/2006">
+        <mc:Choice xmlns:a14="http://schemas.microsoft.com/office/drawing/2010/main" Requires="a14">
           <p:sp>
             <p:nvSpPr>
               <p:cNvPr id="36" name="CuadroTexto 35"/>
@@ -13735,7 +13759,7 @@
             <p:spPr>
               <a:xfrm>
                 <a:off x="5290296" y="1315009"/>
-                <a:ext cx="6149697" cy="1111586"/>
+                <a:ext cx="6494342" cy="1111586"/>
               </a:xfrm>
               <a:prstGeom prst="rect">
                 <a:avLst/>
@@ -13826,6 +13850,12 @@
                               </m:ctrlPr>
                             </m:sSupPr>
                             <m:e>
+                              <m:r>
+                                <a:rPr lang="es-CO" sz="3600" b="0" i="1" smtClean="0">
+                                  <a:latin typeface="Cambria Math" panose="02040503050406030204" pitchFamily="18" charset="0"/>
+                                </a:rPr>
+                                <m:t>−</m:t>
+                              </m:r>
                               <m:d>
                                 <m:dPr>
                                   <m:begChr m:val="‖"/>
@@ -13868,10 +13898,10 @@
                             </m:sup>
                           </m:sSup>
                           <m:r>
-                            <a:rPr lang="es-CO" sz="3600">
+                            <a:rPr lang="es-CO" sz="3600" b="0" i="0" smtClean="0">
                               <a:latin typeface="Cambria Math" panose="02040503050406030204" pitchFamily="18" charset="0"/>
                             </a:rPr>
-                            <m:t>−</m:t>
+                            <m:t>+</m:t>
                           </m:r>
                           <m:sSup>
                             <m:sSupPr>
@@ -13905,10 +13935,10 @@
                             </m:sup>
                           </m:sSup>
                           <m:r>
-                            <a:rPr lang="es-CO" sz="3600" i="1">
+                            <a:rPr lang="es-CO" sz="3600" b="0" i="1" smtClean="0">
                               <a:latin typeface="Cambria Math" panose="02040503050406030204" pitchFamily="18" charset="0"/>
                             </a:rPr>
-                            <m:t>−</m:t>
+                            <m:t>+</m:t>
                           </m:r>
                           <m:sSup>
                             <m:sSupPr>
@@ -13941,6 +13971,12 @@
                             <a:rPr lang="es-CO" sz="3600" b="0" i="1" smtClean="0">
                               <a:latin typeface="Cambria Math" panose="02040503050406030204" pitchFamily="18" charset="0"/>
                             </a:rPr>
+                            <m:t>2∗</m:t>
+                          </m:r>
+                          <m:r>
+                            <a:rPr lang="es-CO" sz="3600" b="0" i="1" smtClean="0">
+                              <a:latin typeface="Cambria Math" panose="02040503050406030204" pitchFamily="18" charset="0"/>
+                            </a:rPr>
                             <m:t>𝐿</m:t>
                           </m:r>
                           <m:r>
@@ -13965,7 +14001,7 @@
             </p:txBody>
           </p:sp>
         </mc:Choice>
-        <mc:Fallback xmlns="">
+        <mc:Fallback>
           <p:sp>
             <p:nvSpPr>
               <p:cNvPr id="36" name="CuadroTexto 35"/>
@@ -13977,7 +14013,7 @@
             <p:spPr>
               <a:xfrm>
                 <a:off x="5290296" y="1315009"/>
-                <a:ext cx="6149697" cy="1111586"/>
+                <a:ext cx="6494342" cy="1111586"/>
               </a:xfrm>
               <a:prstGeom prst="rect">
                 <a:avLst/>
@@ -14736,6 +14772,13 @@
   <p:clrMapOvr>
     <a:masterClrMapping/>
   </p:clrMapOvr>
+  <p:timing>
+    <p:tnLst>
+      <p:par>
+        <p:cTn id="1" dur="indefinite" restart="never" nodeType="tmRoot"/>
+      </p:par>
+    </p:tnLst>
+  </p:timing>
 </p:sld>
 </file>
 
@@ -15193,8 +15236,8 @@
           </a:fontRef>
         </p:style>
       </p:cxnSp>
-      <mc:AlternateContent xmlns:mc="http://schemas.openxmlformats.org/markup-compatibility/2006" xmlns:a14="http://schemas.microsoft.com/office/drawing/2010/main">
-        <mc:Choice Requires="a14">
+      <mc:AlternateContent xmlns:mc="http://schemas.openxmlformats.org/markup-compatibility/2006">
+        <mc:Choice xmlns:a14="http://schemas.microsoft.com/office/drawing/2010/main" Requires="a14">
           <p:sp>
             <p:nvSpPr>
               <p:cNvPr id="60" name="CuadroTexto 59"/>
@@ -15203,8 +15246,8 @@
             </p:nvSpPr>
             <p:spPr>
               <a:xfrm>
-                <a:off x="3578765" y="2078777"/>
-                <a:ext cx="8749255" cy="553998"/>
+                <a:off x="2858196" y="2078777"/>
+                <a:ext cx="9432134" cy="553998"/>
               </a:xfrm>
               <a:prstGeom prst="rect">
                 <a:avLst/>
@@ -15352,6 +15395,12 @@
                         <a:rPr lang="es-CO" sz="3600" b="0" i="1" smtClean="0">
                           <a:latin typeface="Cambria Math" panose="02040503050406030204" pitchFamily="18" charset="0"/>
                         </a:rPr>
+                        <m:t>2∗</m:t>
+                      </m:r>
+                      <m:r>
+                        <a:rPr lang="es-CO" sz="3600" b="0" i="1" smtClean="0">
+                          <a:latin typeface="Cambria Math" panose="02040503050406030204" pitchFamily="18" charset="0"/>
+                        </a:rPr>
                         <m:t>𝐿</m:t>
                       </m:r>
                       <m:r>
@@ -15433,7 +15482,7 @@
             </p:txBody>
           </p:sp>
         </mc:Choice>
-        <mc:Fallback xmlns="">
+        <mc:Fallback>
           <p:sp>
             <p:nvSpPr>
               <p:cNvPr id="60" name="CuadroTexto 59"/>
@@ -15444,8 +15493,8 @@
             </p:nvSpPr>
             <p:spPr>
               <a:xfrm>
-                <a:off x="3578765" y="2078777"/>
-                <a:ext cx="8749255" cy="553998"/>
+                <a:off x="2858196" y="2078777"/>
+                <a:ext cx="9432134" cy="553998"/>
               </a:xfrm>
               <a:prstGeom prst="rect">
                 <a:avLst/>
@@ -15472,8 +15521,8 @@
           </p:sp>
         </mc:Fallback>
       </mc:AlternateContent>
-      <mc:AlternateContent xmlns:mc="http://schemas.openxmlformats.org/markup-compatibility/2006" xmlns:a14="http://schemas.microsoft.com/office/drawing/2010/main">
-        <mc:Choice Requires="a14">
+      <mc:AlternateContent xmlns:mc="http://schemas.openxmlformats.org/markup-compatibility/2006">
+        <mc:Choice xmlns:a14="http://schemas.microsoft.com/office/drawing/2010/main" Requires="a14">
           <p:sp>
             <p:nvSpPr>
               <p:cNvPr id="61" name="CuadroTexto 60"/>
@@ -15682,6 +15731,12 @@
                             <a:rPr lang="es-CO" sz="3600" b="0" i="1" smtClean="0">
                               <a:latin typeface="Cambria Math" panose="02040503050406030204" pitchFamily="18" charset="0"/>
                             </a:rPr>
+                            <m:t>2∗</m:t>
+                          </m:r>
+                          <m:r>
+                            <a:rPr lang="es-CO" sz="3600" b="0" i="1" smtClean="0">
+                              <a:latin typeface="Cambria Math" panose="02040503050406030204" pitchFamily="18" charset="0"/>
+                            </a:rPr>
                             <m:t>𝐿</m:t>
                           </m:r>
                           <m:r>
@@ -15731,7 +15786,7 @@
             </p:txBody>
           </p:sp>
         </mc:Choice>
-        <mc:Fallback xmlns="">
+        <mc:Fallback>
           <p:sp>
             <p:nvSpPr>
               <p:cNvPr id="61" name="CuadroTexto 60"/>
@@ -17787,6 +17842,13 @@
   <p:clrMapOvr>
     <a:masterClrMapping/>
   </p:clrMapOvr>
+  <p:timing>
+    <p:tnLst>
+      <p:par>
+        <p:cTn id="1" dur="indefinite" restart="never" nodeType="tmRoot"/>
+      </p:par>
+    </p:tnLst>
+  </p:timing>
 </p:sld>
 </file>
 

--- a/LAB_2021_1.pptx
+++ b/LAB_2021_1.pptx
@@ -251,7 +251,7 @@
           <a:p>
             <a:fld id="{96098A0C-C941-49B1-84C6-B8929CE69B37}" type="datetimeFigureOut">
               <a:rPr lang="en-US" smtClean="0"/>
-              <a:t>7/21/2021</a:t>
+              <a:t>7/24/2021</a:t>
             </a:fld>
             <a:endParaRPr lang="en-US"/>
           </a:p>
@@ -421,7 +421,7 @@
           <a:p>
             <a:fld id="{96098A0C-C941-49B1-84C6-B8929CE69B37}" type="datetimeFigureOut">
               <a:rPr lang="en-US" smtClean="0"/>
-              <a:t>7/21/2021</a:t>
+              <a:t>7/24/2021</a:t>
             </a:fld>
             <a:endParaRPr lang="en-US"/>
           </a:p>
@@ -601,7 +601,7 @@
           <a:p>
             <a:fld id="{96098A0C-C941-49B1-84C6-B8929CE69B37}" type="datetimeFigureOut">
               <a:rPr lang="en-US" smtClean="0"/>
-              <a:t>7/21/2021</a:t>
+              <a:t>7/24/2021</a:t>
             </a:fld>
             <a:endParaRPr lang="en-US"/>
           </a:p>
@@ -771,7 +771,7 @@
           <a:p>
             <a:fld id="{96098A0C-C941-49B1-84C6-B8929CE69B37}" type="datetimeFigureOut">
               <a:rPr lang="en-US" smtClean="0"/>
-              <a:t>7/21/2021</a:t>
+              <a:t>7/24/2021</a:t>
             </a:fld>
             <a:endParaRPr lang="en-US"/>
           </a:p>
@@ -1015,7 +1015,7 @@
           <a:p>
             <a:fld id="{96098A0C-C941-49B1-84C6-B8929CE69B37}" type="datetimeFigureOut">
               <a:rPr lang="en-US" smtClean="0"/>
-              <a:t>7/21/2021</a:t>
+              <a:t>7/24/2021</a:t>
             </a:fld>
             <a:endParaRPr lang="en-US"/>
           </a:p>
@@ -1247,7 +1247,7 @@
           <a:p>
             <a:fld id="{96098A0C-C941-49B1-84C6-B8929CE69B37}" type="datetimeFigureOut">
               <a:rPr lang="en-US" smtClean="0"/>
-              <a:t>7/21/2021</a:t>
+              <a:t>7/24/2021</a:t>
             </a:fld>
             <a:endParaRPr lang="en-US"/>
           </a:p>
@@ -1614,7 +1614,7 @@
           <a:p>
             <a:fld id="{96098A0C-C941-49B1-84C6-B8929CE69B37}" type="datetimeFigureOut">
               <a:rPr lang="en-US" smtClean="0"/>
-              <a:t>7/21/2021</a:t>
+              <a:t>7/24/2021</a:t>
             </a:fld>
             <a:endParaRPr lang="en-US"/>
           </a:p>
@@ -1732,7 +1732,7 @@
           <a:p>
             <a:fld id="{96098A0C-C941-49B1-84C6-B8929CE69B37}" type="datetimeFigureOut">
               <a:rPr lang="en-US" smtClean="0"/>
-              <a:t>7/21/2021</a:t>
+              <a:t>7/24/2021</a:t>
             </a:fld>
             <a:endParaRPr lang="en-US"/>
           </a:p>
@@ -1827,7 +1827,7 @@
           <a:p>
             <a:fld id="{96098A0C-C941-49B1-84C6-B8929CE69B37}" type="datetimeFigureOut">
               <a:rPr lang="en-US" smtClean="0"/>
-              <a:t>7/21/2021</a:t>
+              <a:t>7/24/2021</a:t>
             </a:fld>
             <a:endParaRPr lang="en-US"/>
           </a:p>
@@ -2104,7 +2104,7 @@
           <a:p>
             <a:fld id="{96098A0C-C941-49B1-84C6-B8929CE69B37}" type="datetimeFigureOut">
               <a:rPr lang="en-US" smtClean="0"/>
-              <a:t>7/21/2021</a:t>
+              <a:t>7/24/2021</a:t>
             </a:fld>
             <a:endParaRPr lang="en-US"/>
           </a:p>
@@ -2361,7 +2361,7 @@
           <a:p>
             <a:fld id="{96098A0C-C941-49B1-84C6-B8929CE69B37}" type="datetimeFigureOut">
               <a:rPr lang="en-US" smtClean="0"/>
-              <a:t>7/21/2021</a:t>
+              <a:t>7/24/2021</a:t>
             </a:fld>
             <a:endParaRPr lang="en-US"/>
           </a:p>
@@ -2574,7 +2574,7 @@
           <a:p>
             <a:fld id="{96098A0C-C941-49B1-84C6-B8929CE69B37}" type="datetimeFigureOut">
               <a:rPr lang="en-US" smtClean="0"/>
-              <a:t>7/21/2021</a:t>
+              <a:t>7/24/2021</a:t>
             </a:fld>
             <a:endParaRPr lang="en-US"/>
           </a:p>
@@ -5347,8 +5347,8 @@
           </a:p>
         </p:txBody>
       </p:sp>
-      <mc:AlternateContent xmlns:mc="http://schemas.openxmlformats.org/markup-compatibility/2006">
-        <mc:Choice xmlns:a14="http://schemas.microsoft.com/office/drawing/2010/main" Requires="a14">
+      <mc:AlternateContent xmlns:mc="http://schemas.openxmlformats.org/markup-compatibility/2006" xmlns:a14="http://schemas.microsoft.com/office/drawing/2010/main">
+        <mc:Choice Requires="a14">
           <p:sp>
             <p:nvSpPr>
               <p:cNvPr id="25" name="CuadroTexto 24"/>
@@ -5371,6 +5371,7 @@
               </a:bodyPr>
               <a:lstStyle/>
               <a:p>
+                <a:pPr/>
                 <a14:m>
                   <m:oMathPara xmlns:m="http://schemas.openxmlformats.org/officeDocument/2006/math">
                     <m:oMathParaPr>
@@ -5538,7 +5539,7 @@
             </p:txBody>
           </p:sp>
         </mc:Choice>
-        <mc:Fallback>
+        <mc:Fallback xmlns="">
           <p:sp>
             <p:nvSpPr>
               <p:cNvPr id="25" name="CuadroTexto 24"/>
@@ -5577,8 +5578,8 @@
           </p:sp>
         </mc:Fallback>
       </mc:AlternateContent>
-      <mc:AlternateContent xmlns:mc="http://schemas.openxmlformats.org/markup-compatibility/2006">
-        <mc:Choice xmlns:a14="http://schemas.microsoft.com/office/drawing/2010/main" Requires="a14">
+      <mc:AlternateContent xmlns:mc="http://schemas.openxmlformats.org/markup-compatibility/2006" xmlns:a14="http://schemas.microsoft.com/office/drawing/2010/main">
+        <mc:Choice Requires="a14">
           <p:sp>
             <p:nvSpPr>
               <p:cNvPr id="28" name="Rectángulo 27"/>
@@ -5600,6 +5601,7 @@
               </a:bodyPr>
               <a:lstStyle/>
               <a:p>
+                <a:pPr/>
                 <a14:m>
                   <m:oMathPara xmlns:m="http://schemas.openxmlformats.org/officeDocument/2006/math">
                     <m:oMathParaPr>
@@ -5731,7 +5733,7 @@
             </p:txBody>
           </p:sp>
         </mc:Choice>
-        <mc:Fallback>
+        <mc:Fallback xmlns="">
           <p:sp>
             <p:nvSpPr>
               <p:cNvPr id="28" name="Rectángulo 27"/>
@@ -11247,8 +11249,8 @@
           </p:sp>
         </mc:Fallback>
       </mc:AlternateContent>
-      <mc:AlternateContent xmlns:mc="http://schemas.openxmlformats.org/markup-compatibility/2006">
-        <mc:Choice xmlns:a14="http://schemas.microsoft.com/office/drawing/2010/main" Requires="a14">
+      <mc:AlternateContent xmlns:mc="http://schemas.openxmlformats.org/markup-compatibility/2006" xmlns:a14="http://schemas.microsoft.com/office/drawing/2010/main">
+        <mc:Choice Requires="a14">
           <p:sp>
             <p:nvSpPr>
               <p:cNvPr id="34" name="CuadroTexto 33"/>
@@ -11400,13 +11402,7 @@
                         <a:rPr lang="es-CO" sz="3600" b="0" i="1" smtClean="0">
                           <a:latin typeface="Cambria Math" panose="02040503050406030204" pitchFamily="18" charset="0"/>
                         </a:rPr>
-                        <m:t>−</m:t>
-                      </m:r>
-                      <m:r>
-                        <a:rPr lang="es-CO" sz="3600" b="0" i="1" smtClean="0">
-                          <a:latin typeface="Cambria Math" panose="02040503050406030204" pitchFamily="18" charset="0"/>
-                        </a:rPr>
-                        <m:t>2∗</m:t>
+                        <m:t>−2∗</m:t>
                       </m:r>
                       <m:r>
                         <a:rPr lang="es-CO" sz="3600" b="0" i="1" smtClean="0">
@@ -11468,7 +11464,7 @@
             </p:txBody>
           </p:sp>
         </mc:Choice>
-        <mc:Fallback>
+        <mc:Fallback xmlns="">
           <p:sp>
             <p:nvSpPr>
               <p:cNvPr id="34" name="CuadroTexto 33"/>
@@ -11507,8 +11503,8 @@
           </p:sp>
         </mc:Fallback>
       </mc:AlternateContent>
-      <mc:AlternateContent xmlns:mc="http://schemas.openxmlformats.org/markup-compatibility/2006">
-        <mc:Choice xmlns:a14="http://schemas.microsoft.com/office/drawing/2010/main" Requires="a14">
+      <mc:AlternateContent xmlns:mc="http://schemas.openxmlformats.org/markup-compatibility/2006" xmlns:a14="http://schemas.microsoft.com/office/drawing/2010/main">
+        <mc:Choice Requires="a14">
           <p:sp>
             <p:nvSpPr>
               <p:cNvPr id="35" name="CuadroTexto 34"/>
@@ -11753,7 +11749,7 @@
             </p:txBody>
           </p:sp>
         </mc:Choice>
-        <mc:Fallback>
+        <mc:Fallback xmlns="">
           <p:sp>
             <p:nvSpPr>
               <p:cNvPr id="35" name="CuadroTexto 34"/>
@@ -13487,8 +13483,8 @@
           </a:p>
         </p:txBody>
       </p:sp>
-      <mc:AlternateContent xmlns:mc="http://schemas.openxmlformats.org/markup-compatibility/2006">
-        <mc:Choice xmlns:a14="http://schemas.microsoft.com/office/drawing/2010/main" Requires="a14">
+      <mc:AlternateContent xmlns:mc="http://schemas.openxmlformats.org/markup-compatibility/2006" xmlns:a14="http://schemas.microsoft.com/office/drawing/2010/main">
+        <mc:Choice Requires="a14">
           <p:sp>
             <p:nvSpPr>
               <p:cNvPr id="35" name="CuadroTexto 34"/>
@@ -13640,13 +13636,7 @@
                         <a:rPr lang="es-CO" sz="3600" b="0" i="1" smtClean="0">
                           <a:latin typeface="Cambria Math" panose="02040503050406030204" pitchFamily="18" charset="0"/>
                         </a:rPr>
-                        <m:t>−</m:t>
-                      </m:r>
-                      <m:r>
-                        <a:rPr lang="es-CO" sz="3600" b="0" i="1" smtClean="0">
-                          <a:latin typeface="Cambria Math" panose="02040503050406030204" pitchFamily="18" charset="0"/>
-                        </a:rPr>
-                        <m:t>2∗</m:t>
+                        <m:t>−2∗</m:t>
                       </m:r>
                       <m:r>
                         <a:rPr lang="es-CO" sz="3600" b="0" i="1" smtClean="0">
@@ -13709,7 +13699,7 @@
             </p:txBody>
           </p:sp>
         </mc:Choice>
-        <mc:Fallback>
+        <mc:Fallback xmlns="">
           <p:sp>
             <p:nvSpPr>
               <p:cNvPr id="35" name="CuadroTexto 34"/>
@@ -13748,8 +13738,8 @@
           </p:sp>
         </mc:Fallback>
       </mc:AlternateContent>
-      <mc:AlternateContent xmlns:mc="http://schemas.openxmlformats.org/markup-compatibility/2006">
-        <mc:Choice xmlns:a14="http://schemas.microsoft.com/office/drawing/2010/main" Requires="a14">
+      <mc:AlternateContent xmlns:mc="http://schemas.openxmlformats.org/markup-compatibility/2006" xmlns:a14="http://schemas.microsoft.com/office/drawing/2010/main">
+        <mc:Choice Requires="a14">
           <p:sp>
             <p:nvSpPr>
               <p:cNvPr id="36" name="CuadroTexto 35"/>
@@ -14001,7 +13991,7 @@
             </p:txBody>
           </p:sp>
         </mc:Choice>
-        <mc:Fallback>
+        <mc:Fallback xmlns="">
           <p:sp>
             <p:nvSpPr>
               <p:cNvPr id="36" name="CuadroTexto 35"/>
@@ -15236,8 +15226,8 @@
           </a:fontRef>
         </p:style>
       </p:cxnSp>
-      <mc:AlternateContent xmlns:mc="http://schemas.openxmlformats.org/markup-compatibility/2006">
-        <mc:Choice xmlns:a14="http://schemas.microsoft.com/office/drawing/2010/main" Requires="a14">
+      <mc:AlternateContent xmlns:mc="http://schemas.openxmlformats.org/markup-compatibility/2006" xmlns:a14="http://schemas.microsoft.com/office/drawing/2010/main">
+        <mc:Choice Requires="a14">
           <p:sp>
             <p:nvSpPr>
               <p:cNvPr id="60" name="CuadroTexto 59"/>
@@ -15389,13 +15379,7 @@
                         <a:rPr lang="es-CO" sz="3600" b="0" i="1" smtClean="0">
                           <a:latin typeface="Cambria Math" panose="02040503050406030204" pitchFamily="18" charset="0"/>
                         </a:rPr>
-                        <m:t>−</m:t>
-                      </m:r>
-                      <m:r>
-                        <a:rPr lang="es-CO" sz="3600" b="0" i="1" smtClean="0">
-                          <a:latin typeface="Cambria Math" panose="02040503050406030204" pitchFamily="18" charset="0"/>
-                        </a:rPr>
-                        <m:t>2∗</m:t>
+                        <m:t>−2∗</m:t>
                       </m:r>
                       <m:r>
                         <a:rPr lang="es-CO" sz="3600" b="0" i="1" smtClean="0">
@@ -15482,7 +15466,7 @@
             </p:txBody>
           </p:sp>
         </mc:Choice>
-        <mc:Fallback>
+        <mc:Fallback xmlns="">
           <p:sp>
             <p:nvSpPr>
               <p:cNvPr id="60" name="CuadroTexto 59"/>
@@ -15521,8 +15505,8 @@
           </p:sp>
         </mc:Fallback>
       </mc:AlternateContent>
-      <mc:AlternateContent xmlns:mc="http://schemas.openxmlformats.org/markup-compatibility/2006">
-        <mc:Choice xmlns:a14="http://schemas.microsoft.com/office/drawing/2010/main" Requires="a14">
+      <mc:AlternateContent xmlns:mc="http://schemas.openxmlformats.org/markup-compatibility/2006" xmlns:a14="http://schemas.microsoft.com/office/drawing/2010/main">
+        <mc:Choice Requires="a14">
           <p:sp>
             <p:nvSpPr>
               <p:cNvPr id="61" name="CuadroTexto 60"/>
@@ -15786,7 +15770,7 @@
             </p:txBody>
           </p:sp>
         </mc:Choice>
-        <mc:Fallback>
+        <mc:Fallback xmlns="">
           <p:sp>
             <p:nvSpPr>
               <p:cNvPr id="61" name="CuadroTexto 60"/>
@@ -18135,8 +18119,8 @@
             </p:nvSpPr>
             <p:spPr>
               <a:xfrm>
-                <a:off x="941294" y="1387519"/>
-                <a:ext cx="10589822" cy="1137747"/>
+                <a:off x="-237800" y="1539679"/>
+                <a:ext cx="11045075" cy="1110497"/>
               </a:xfrm>
               <a:prstGeom prst="rect">
                 <a:avLst/>
@@ -18681,6 +18665,175 @@
                                 </m:sSub>
                               </m:e>
                               <m:e>
+                                <m:r>
+                                  <a:rPr lang="es-CO" sz="2400" b="0" i="1" smtClean="0">
+                                    <a:latin typeface="Cambria Math" panose="02040503050406030204" pitchFamily="18" charset="0"/>
+                                  </a:rPr>
+                                  <m:t>−</m:t>
+                                </m:r>
+                                <m:sSub>
+                                  <m:sSubPr>
+                                    <m:ctrlPr>
+                                      <a:rPr lang="es-CO" sz="2400" i="1" smtClean="0">
+                                        <a:latin typeface="Cambria Math" panose="02040503050406030204" pitchFamily="18" charset="0"/>
+                                      </a:rPr>
+                                    </m:ctrlPr>
+                                  </m:sSubPr>
+                                  <m:e>
+                                    <m:r>
+                                      <a:rPr lang="es-CO" sz="2400" i="1">
+                                        <a:latin typeface="Cambria Math" panose="02040503050406030204" pitchFamily="18" charset="0"/>
+                                      </a:rPr>
+                                      <m:t>𝑐</m:t>
+                                    </m:r>
+                                  </m:e>
+                                  <m:sub>
+                                    <m:r>
+                                      <a:rPr lang="es-CO" sz="2400" i="1">
+                                        <a:latin typeface="Cambria Math" panose="02040503050406030204" pitchFamily="18" charset="0"/>
+                                      </a:rPr>
+                                      <m:t>𝑞</m:t>
+                                    </m:r>
+                                    <m:r>
+                                      <a:rPr lang="es-CO" sz="2400" b="0" i="1" smtClean="0">
+                                        <a:latin typeface="Cambria Math" panose="02040503050406030204" pitchFamily="18" charset="0"/>
+                                      </a:rPr>
+                                      <m:t>6</m:t>
+                                    </m:r>
+                                  </m:sub>
+                                </m:sSub>
+                                <m:sSub>
+                                  <m:sSubPr>
+                                    <m:ctrlPr>
+                                      <a:rPr lang="es-CO" sz="2400" i="1">
+                                        <a:latin typeface="Cambria Math" panose="02040503050406030204" pitchFamily="18" charset="0"/>
+                                      </a:rPr>
+                                    </m:ctrlPr>
+                                  </m:sSubPr>
+                                  <m:e>
+                                    <m:r>
+                                      <a:rPr lang="es-CO" sz="2400" b="0" i="1" smtClean="0">
+                                        <a:latin typeface="Cambria Math" panose="02040503050406030204" pitchFamily="18" charset="0"/>
+                                      </a:rPr>
+                                      <m:t>𝑠</m:t>
+                                    </m:r>
+                                  </m:e>
+                                  <m:sub>
+                                    <m:r>
+                                      <a:rPr lang="es-CO" sz="2400" i="1">
+                                        <a:latin typeface="Cambria Math" panose="02040503050406030204" pitchFamily="18" charset="0"/>
+                                      </a:rPr>
+                                      <m:t>𝑞</m:t>
+                                    </m:r>
+                                    <m:r>
+                                      <a:rPr lang="es-CO" sz="2400" b="0" i="1" smtClean="0">
+                                        <a:latin typeface="Cambria Math" panose="02040503050406030204" pitchFamily="18" charset="0"/>
+                                      </a:rPr>
+                                      <m:t>4</m:t>
+                                    </m:r>
+                                  </m:sub>
+                                </m:sSub>
+                                <m:r>
+                                  <a:rPr lang="es-CO" sz="2400" i="1">
+                                    <a:latin typeface="Cambria Math" panose="02040503050406030204" pitchFamily="18" charset="0"/>
+                                  </a:rPr>
+                                  <m:t>−</m:t>
+                                </m:r>
+                                <m:sSub>
+                                  <m:sSubPr>
+                                    <m:ctrlPr>
+                                      <a:rPr lang="es-CO" sz="2400" i="1">
+                                        <a:latin typeface="Cambria Math" panose="02040503050406030204" pitchFamily="18" charset="0"/>
+                                      </a:rPr>
+                                    </m:ctrlPr>
+                                  </m:sSubPr>
+                                  <m:e>
+                                    <m:r>
+                                      <a:rPr lang="es-CO" sz="2400" i="1">
+                                        <a:latin typeface="Cambria Math" panose="02040503050406030204" pitchFamily="18" charset="0"/>
+                                      </a:rPr>
+                                      <m:t>𝑐</m:t>
+                                    </m:r>
+                                  </m:e>
+                                  <m:sub>
+                                    <m:r>
+                                      <a:rPr lang="es-CO" sz="2400" i="1">
+                                        <a:latin typeface="Cambria Math" panose="02040503050406030204" pitchFamily="18" charset="0"/>
+                                      </a:rPr>
+                                      <m:t>𝑞</m:t>
+                                    </m:r>
+                                    <m:r>
+                                      <a:rPr lang="es-CO" sz="2400" b="0" i="1" smtClean="0">
+                                        <a:latin typeface="Cambria Math" panose="02040503050406030204" pitchFamily="18" charset="0"/>
+                                      </a:rPr>
+                                      <m:t>4</m:t>
+                                    </m:r>
+                                  </m:sub>
+                                </m:sSub>
+                                <m:sSub>
+                                  <m:sSubPr>
+                                    <m:ctrlPr>
+                                      <a:rPr lang="es-CO" sz="2400" i="1">
+                                        <a:latin typeface="Cambria Math" panose="02040503050406030204" pitchFamily="18" charset="0"/>
+                                      </a:rPr>
+                                    </m:ctrlPr>
+                                  </m:sSubPr>
+                                  <m:e>
+                                    <m:r>
+                                      <a:rPr lang="es-CO" sz="2400" i="1">
+                                        <a:latin typeface="Cambria Math" panose="02040503050406030204" pitchFamily="18" charset="0"/>
+                                      </a:rPr>
+                                      <m:t>𝑐</m:t>
+                                    </m:r>
+                                  </m:e>
+                                  <m:sub>
+                                    <m:r>
+                                      <a:rPr lang="es-CO" sz="2400" i="1">
+                                        <a:latin typeface="Cambria Math" panose="02040503050406030204" pitchFamily="18" charset="0"/>
+                                      </a:rPr>
+                                      <m:t>𝑞</m:t>
+                                    </m:r>
+                                    <m:r>
+                                      <a:rPr lang="es-CO" sz="2400" b="0" i="1" smtClean="0">
+                                        <a:latin typeface="Cambria Math" panose="02040503050406030204" pitchFamily="18" charset="0"/>
+                                      </a:rPr>
+                                      <m:t>5</m:t>
+                                    </m:r>
+                                  </m:sub>
+                                </m:sSub>
+                                <m:sSub>
+                                  <m:sSubPr>
+                                    <m:ctrlPr>
+                                      <a:rPr lang="es-CO" sz="2400" i="1">
+                                        <a:latin typeface="Cambria Math" panose="02040503050406030204" pitchFamily="18" charset="0"/>
+                                      </a:rPr>
+                                    </m:ctrlPr>
+                                  </m:sSubPr>
+                                  <m:e>
+                                    <m:r>
+                                      <a:rPr lang="es-CO" sz="2400" i="1">
+                                        <a:latin typeface="Cambria Math" panose="02040503050406030204" pitchFamily="18" charset="0"/>
+                                      </a:rPr>
+                                      <m:t>𝑠</m:t>
+                                    </m:r>
+                                  </m:e>
+                                  <m:sub>
+                                    <m:r>
+                                      <a:rPr lang="es-CO" sz="2400" i="1">
+                                        <a:latin typeface="Cambria Math" panose="02040503050406030204" pitchFamily="18" charset="0"/>
+                                      </a:rPr>
+                                      <m:t>𝑞</m:t>
+                                    </m:r>
+                                    <m:r>
+                                      <a:rPr lang="es-CO" sz="2400" b="0" i="1" smtClean="0">
+                                        <a:latin typeface="Cambria Math" panose="02040503050406030204" pitchFamily="18" charset="0"/>
+                                      </a:rPr>
+                                      <m:t>6</m:t>
+                                    </m:r>
+                                  </m:sub>
+                                </m:sSub>
+                              </m:e>
+                              <m:e>
                                 <m:sSub>
                                   <m:sSubPr>
                                     <m:ctrlPr>
@@ -18731,6 +18884,41 @@
                                       <a:rPr lang="es-CO" sz="2400" i="1">
                                         <a:latin typeface="Cambria Math" panose="02040503050406030204" pitchFamily="18" charset="0"/>
                                       </a:rPr>
+                                      <m:t>𝑠</m:t>
+                                    </m:r>
+                                  </m:e>
+                                  <m:sub>
+                                    <m:r>
+                                      <a:rPr lang="es-CO" sz="2400" i="1">
+                                        <a:latin typeface="Cambria Math" panose="02040503050406030204" pitchFamily="18" charset="0"/>
+                                      </a:rPr>
+                                      <m:t>𝑞</m:t>
+                                    </m:r>
+                                    <m:r>
+                                      <a:rPr lang="es-CO" sz="2400" b="0" i="1" smtClean="0">
+                                        <a:latin typeface="Cambria Math" panose="02040503050406030204" pitchFamily="18" charset="0"/>
+                                      </a:rPr>
+                                      <m:t>5</m:t>
+                                    </m:r>
+                                  </m:sub>
+                                </m:sSub>
+                              </m:e>
+                            </m:mr>
+                            <m:mr>
+                              <m:e>
+                                <m:sSub>
+                                  <m:sSubPr>
+                                    <m:ctrlPr>
+                                      <a:rPr lang="es-CO" sz="2400" i="1" smtClean="0">
+                                        <a:latin typeface="Cambria Math" panose="02040503050406030204" pitchFamily="18" charset="0"/>
+                                      </a:rPr>
+                                    </m:ctrlPr>
+                                  </m:sSubPr>
+                                  <m:e>
+                                    <m:r>
+                                      <a:rPr lang="es-CO" sz="2400" b="0" i="1" smtClean="0">
+                                        <a:latin typeface="Cambria Math" panose="02040503050406030204" pitchFamily="18" charset="0"/>
+                                      </a:rPr>
                                       <m:t>𝑐</m:t>
                                     </m:r>
                                   </m:e>
@@ -18742,10 +18930,10 @@
                                       <m:t>𝑞</m:t>
                                     </m:r>
                                     <m:r>
-                                      <a:rPr lang="es-CO" sz="2400" i="1">
+                                      <a:rPr lang="es-CO" sz="2400" b="0" i="1" smtClean="0">
                                         <a:latin typeface="Cambria Math" panose="02040503050406030204" pitchFamily="18" charset="0"/>
                                       </a:rPr>
-                                      <m:t>5</m:t>
+                                      <m:t>6</m:t>
                                     </m:r>
                                   </m:sub>
                                 </m:sSub>
@@ -18759,7 +18947,7 @@
                                   </m:sSubPr>
                                   <m:e>
                                     <m:r>
-                                      <a:rPr lang="es-CO" sz="2400" b="0" i="1" smtClean="0">
+                                      <a:rPr lang="es-CO" sz="2400" i="1">
                                         <a:latin typeface="Cambria Math" panose="02040503050406030204" pitchFamily="18" charset="0"/>
                                       </a:rPr>
                                       <m:t>𝑠</m:t>
@@ -18773,15 +18961,17 @@
                                       <m:t>𝑞</m:t>
                                     </m:r>
                                     <m:r>
-                                      <a:rPr lang="es-CO" sz="2400" i="1">
+                                      <a:rPr lang="es-CO" sz="2400" b="0" i="1" smtClean="0">
                                         <a:latin typeface="Cambria Math" panose="02040503050406030204" pitchFamily="18" charset="0"/>
                                       </a:rPr>
-                                      <m:t>6</m:t>
+                                      <m:t>5</m:t>
                                     </m:r>
                                   </m:sub>
                                 </m:sSub>
+                              </m:e>
+                              <m:e>
                                 <m:r>
-                                  <a:rPr lang="es-CO" sz="2400" i="1">
+                                  <a:rPr lang="es-CO" sz="2400" b="0" i="1" smtClean="0">
                                     <a:latin typeface="Cambria Math" panose="02040503050406030204" pitchFamily="18" charset="0"/>
                                   </a:rPr>
                                   <m:t>−</m:t>
@@ -18813,7 +19003,7 @@
                                       <a:rPr lang="es-CO" sz="2400" i="1">
                                         <a:latin typeface="Cambria Math" panose="02040503050406030204" pitchFamily="18" charset="0"/>
                                       </a:rPr>
-                                      <m:t>4</m:t>
+                                      <m:t>5</m:t>
                                     </m:r>
                                   </m:sub>
                                 </m:sSub>
@@ -18877,7 +19067,147 @@
                                       <a:rPr lang="es-CO" sz="2400" i="1">
                                         <a:latin typeface="Cambria Math" panose="02040503050406030204" pitchFamily="18" charset="0"/>
                                       </a:rPr>
+                                      <m:t>5</m:t>
+                                    </m:r>
+                                  </m:sub>
+                                </m:sSub>
+                              </m:e>
+                            </m:mr>
+                            <m:mr>
+                              <m:e>
+                                <m:sSub>
+                                  <m:sSubPr>
+                                    <m:ctrlPr>
+                                      <a:rPr lang="es-CO" sz="2400" i="1">
+                                        <a:latin typeface="Cambria Math" panose="02040503050406030204" pitchFamily="18" charset="0"/>
+                                      </a:rPr>
+                                    </m:ctrlPr>
+                                  </m:sSubPr>
+                                  <m:e>
+                                    <m:r>
+                                      <a:rPr lang="es-CO" sz="2400" b="0" i="1" smtClean="0">
+                                        <a:latin typeface="Cambria Math" panose="02040503050406030204" pitchFamily="18" charset="0"/>
+                                      </a:rPr>
+                                      <m:t>−</m:t>
+                                    </m:r>
+                                    <m:r>
+                                      <a:rPr lang="es-CO" sz="2400" i="1">
+                                        <a:latin typeface="Cambria Math" panose="02040503050406030204" pitchFamily="18" charset="0"/>
+                                      </a:rPr>
+                                      <m:t>𝑐</m:t>
+                                    </m:r>
+                                  </m:e>
+                                  <m:sub>
+                                    <m:r>
+                                      <a:rPr lang="es-CO" sz="2400" i="1">
+                                        <a:latin typeface="Cambria Math" panose="02040503050406030204" pitchFamily="18" charset="0"/>
+                                      </a:rPr>
+                                      <m:t>𝑞</m:t>
+                                    </m:r>
+                                    <m:r>
+                                      <a:rPr lang="es-CO" sz="2400" i="1">
+                                        <a:latin typeface="Cambria Math" panose="02040503050406030204" pitchFamily="18" charset="0"/>
+                                      </a:rPr>
                                       <m:t>4</m:t>
+                                    </m:r>
+                                  </m:sub>
+                                </m:sSub>
+                                <m:sSub>
+                                  <m:sSubPr>
+                                    <m:ctrlPr>
+                                      <a:rPr lang="es-CO" sz="2400" i="1">
+                                        <a:latin typeface="Cambria Math" panose="02040503050406030204" pitchFamily="18" charset="0"/>
+                                      </a:rPr>
+                                    </m:ctrlPr>
+                                  </m:sSubPr>
+                                  <m:e>
+                                    <m:r>
+                                      <a:rPr lang="es-CO" sz="2400" b="0" i="1" smtClean="0">
+                                        <a:latin typeface="Cambria Math" panose="02040503050406030204" pitchFamily="18" charset="0"/>
+                                      </a:rPr>
+                                      <m:t>𝑠</m:t>
+                                    </m:r>
+                                  </m:e>
+                                  <m:sub>
+                                    <m:r>
+                                      <a:rPr lang="es-CO" sz="2400" i="1">
+                                        <a:latin typeface="Cambria Math" panose="02040503050406030204" pitchFamily="18" charset="0"/>
+                                      </a:rPr>
+                                      <m:t>𝑞</m:t>
+                                    </m:r>
+                                    <m:r>
+                                      <a:rPr lang="es-CO" sz="2400" i="1">
+                                        <a:latin typeface="Cambria Math" panose="02040503050406030204" pitchFamily="18" charset="0"/>
+                                      </a:rPr>
+                                      <m:t>6</m:t>
+                                    </m:r>
+                                  </m:sub>
+                                </m:sSub>
+                                <m:r>
+                                  <a:rPr lang="es-CO" sz="2400" i="1">
+                                    <a:latin typeface="Cambria Math" panose="02040503050406030204" pitchFamily="18" charset="0"/>
+                                  </a:rPr>
+                                  <m:t>−</m:t>
+                                </m:r>
+                                <m:sSub>
+                                  <m:sSubPr>
+                                    <m:ctrlPr>
+                                      <a:rPr lang="es-CO" sz="2400" i="1">
+                                        <a:latin typeface="Cambria Math" panose="02040503050406030204" pitchFamily="18" charset="0"/>
+                                      </a:rPr>
+                                    </m:ctrlPr>
+                                  </m:sSubPr>
+                                  <m:e>
+                                    <m:r>
+                                      <a:rPr lang="es-CO" sz="2400" b="0" i="1" smtClean="0">
+                                        <a:latin typeface="Cambria Math" panose="02040503050406030204" pitchFamily="18" charset="0"/>
+                                      </a:rPr>
+                                      <m:t>𝑐</m:t>
+                                    </m:r>
+                                  </m:e>
+                                  <m:sub>
+                                    <m:r>
+                                      <a:rPr lang="es-CO" sz="2400" i="1">
+                                        <a:latin typeface="Cambria Math" panose="02040503050406030204" pitchFamily="18" charset="0"/>
+                                      </a:rPr>
+                                      <m:t>𝑞</m:t>
+                                    </m:r>
+                                    <m:r>
+                                      <a:rPr lang="es-CO" sz="2400" b="0" i="1" smtClean="0">
+                                        <a:latin typeface="Cambria Math" panose="02040503050406030204" pitchFamily="18" charset="0"/>
+                                      </a:rPr>
+                                      <m:t>5</m:t>
+                                    </m:r>
+                                  </m:sub>
+                                </m:sSub>
+                                <m:sSub>
+                                  <m:sSubPr>
+                                    <m:ctrlPr>
+                                      <a:rPr lang="es-CO" sz="2400" i="1">
+                                        <a:latin typeface="Cambria Math" panose="02040503050406030204" pitchFamily="18" charset="0"/>
+                                      </a:rPr>
+                                    </m:ctrlPr>
+                                  </m:sSubPr>
+                                  <m:e>
+                                    <m:r>
+                                      <a:rPr lang="es-CO" sz="2400" b="0" i="1" smtClean="0">
+                                        <a:latin typeface="Cambria Math" panose="02040503050406030204" pitchFamily="18" charset="0"/>
+                                      </a:rPr>
+                                      <m:t>𝑐</m:t>
+                                    </m:r>
+                                  </m:e>
+                                  <m:sub>
+                                    <m:r>
+                                      <a:rPr lang="es-CO" sz="2400" i="1">
+                                        <a:latin typeface="Cambria Math" panose="02040503050406030204" pitchFamily="18" charset="0"/>
+                                      </a:rPr>
+                                      <m:t>𝑞</m:t>
+                                    </m:r>
+                                    <m:r>
+                                      <a:rPr lang="es-CO" sz="2400" i="1">
+                                        <a:latin typeface="Cambria Math" panose="02040503050406030204" pitchFamily="18" charset="0"/>
+                                      </a:rPr>
+                                      <m:t>6</m:t>
                                     </m:r>
                                   </m:sub>
                                 </m:sSub>
@@ -18908,13 +19238,11 @@
                                       <a:rPr lang="es-CO" sz="2400" b="0" i="1" smtClean="0">
                                         <a:latin typeface="Cambria Math" panose="02040503050406030204" pitchFamily="18" charset="0"/>
                                       </a:rPr>
-                                      <m:t>5</m:t>
+                                      <m:t>4</m:t>
                                     </m:r>
                                   </m:sub>
                                 </m:sSub>
                               </m:e>
-                            </m:mr>
-                            <m:mr>
                               <m:e>
                                 <m:sSub>
                                   <m:sSubPr>
@@ -18926,7 +19254,7 @@
                                   </m:sSubPr>
                                   <m:e>
                                     <m:r>
-                                      <a:rPr lang="es-CO" sz="2400" b="0" i="1" smtClean="0">
+                                      <a:rPr lang="es-CO" sz="2400" i="1">
                                         <a:latin typeface="Cambria Math" panose="02040503050406030204" pitchFamily="18" charset="0"/>
                                       </a:rPr>
                                       <m:t>𝑠</m:t>
@@ -18991,7 +19319,7 @@
                                       <a:rPr lang="es-CO" sz="2400" i="1">
                                         <a:latin typeface="Cambria Math" panose="02040503050406030204" pitchFamily="18" charset="0"/>
                                       </a:rPr>
-                                      <m:t>𝑐</m:t>
+                                      <m:t>𝑠</m:t>
                                     </m:r>
                                   </m:e>
                                   <m:sub>
@@ -19010,7 +19338,7 @@
                                   </m:sub>
                                 </m:sSub>
                                 <m:r>
-                                  <a:rPr lang="es-CO" sz="2400" i="1">
+                                  <a:rPr lang="es-CO" sz="2400" b="0" i="1" smtClean="0">
                                     <a:latin typeface="Cambria Math" panose="02040503050406030204" pitchFamily="18" charset="0"/>
                                   </a:rPr>
                                   <m:t>−</m:t>
@@ -19018,14 +19346,14 @@
                                 <m:sSub>
                                   <m:sSubPr>
                                     <m:ctrlPr>
-                                      <a:rPr lang="es-CO" sz="2400" i="1" smtClean="0">
+                                      <a:rPr lang="es-CO" sz="2400" i="1">
                                         <a:latin typeface="Cambria Math" panose="02040503050406030204" pitchFamily="18" charset="0"/>
                                       </a:rPr>
                                     </m:ctrlPr>
                                   </m:sSubPr>
                                   <m:e>
                                     <m:r>
-                                      <a:rPr lang="es-CO" sz="2400" b="0" i="1" smtClean="0">
+                                      <a:rPr lang="es-CO" sz="2400" i="1">
                                         <a:latin typeface="Cambria Math" panose="02040503050406030204" pitchFamily="18" charset="0"/>
                                       </a:rPr>
                                       <m:t>𝑐</m:t>
@@ -19057,175 +19385,6 @@
                                   <m:e>
                                     <m:r>
                                       <a:rPr lang="es-CO" sz="2400" i="1">
-                                        <a:latin typeface="Cambria Math" panose="02040503050406030204" pitchFamily="18" charset="0"/>
-                                      </a:rPr>
-                                      <m:t>𝑠</m:t>
-                                    </m:r>
-                                  </m:e>
-                                  <m:sub>
-                                    <m:r>
-                                      <a:rPr lang="es-CO" sz="2400" i="1">
-                                        <a:latin typeface="Cambria Math" panose="02040503050406030204" pitchFamily="18" charset="0"/>
-                                      </a:rPr>
-                                      <m:t>𝑞</m:t>
-                                    </m:r>
-                                    <m:r>
-                                      <a:rPr lang="es-CO" sz="2400" i="1">
-                                        <a:latin typeface="Cambria Math" panose="02040503050406030204" pitchFamily="18" charset="0"/>
-                                      </a:rPr>
-                                      <m:t>6</m:t>
-                                    </m:r>
-                                  </m:sub>
-                                </m:sSub>
-                              </m:e>
-                              <m:e>
-                                <m:sSub>
-                                  <m:sSubPr>
-                                    <m:ctrlPr>
-                                      <a:rPr lang="es-CO" sz="2400" i="1">
-                                        <a:latin typeface="Cambria Math" panose="02040503050406030204" pitchFamily="18" charset="0"/>
-                                      </a:rPr>
-                                    </m:ctrlPr>
-                                  </m:sSubPr>
-                                  <m:e>
-                                    <m:r>
-                                      <a:rPr lang="es-CO" sz="2400" b="0" i="1" smtClean="0">
-                                        <a:latin typeface="Cambria Math" panose="02040503050406030204" pitchFamily="18" charset="0"/>
-                                      </a:rPr>
-                                      <m:t>−</m:t>
-                                    </m:r>
-                                    <m:r>
-                                      <a:rPr lang="es-CO" sz="2400" b="0" i="1" smtClean="0">
-                                        <a:latin typeface="Cambria Math" panose="02040503050406030204" pitchFamily="18" charset="0"/>
-                                      </a:rPr>
-                                      <m:t>𝑠</m:t>
-                                    </m:r>
-                                  </m:e>
-                                  <m:sub>
-                                    <m:r>
-                                      <a:rPr lang="es-CO" sz="2400" i="1">
-                                        <a:latin typeface="Cambria Math" panose="02040503050406030204" pitchFamily="18" charset="0"/>
-                                      </a:rPr>
-                                      <m:t>𝑞</m:t>
-                                    </m:r>
-                                    <m:r>
-                                      <a:rPr lang="es-CO" sz="2400" i="1">
-                                        <a:latin typeface="Cambria Math" panose="02040503050406030204" pitchFamily="18" charset="0"/>
-                                      </a:rPr>
-                                      <m:t>4</m:t>
-                                    </m:r>
-                                  </m:sub>
-                                </m:sSub>
-                                <m:sSub>
-                                  <m:sSubPr>
-                                    <m:ctrlPr>
-                                      <a:rPr lang="es-CO" sz="2400" i="1">
-                                        <a:latin typeface="Cambria Math" panose="02040503050406030204" pitchFamily="18" charset="0"/>
-                                      </a:rPr>
-                                    </m:ctrlPr>
-                                  </m:sSubPr>
-                                  <m:e>
-                                    <m:r>
-                                      <a:rPr lang="es-CO" sz="2400" i="1">
-                                        <a:latin typeface="Cambria Math" panose="02040503050406030204" pitchFamily="18" charset="0"/>
-                                      </a:rPr>
-                                      <m:t>𝑐</m:t>
-                                    </m:r>
-                                  </m:e>
-                                  <m:sub>
-                                    <m:r>
-                                      <a:rPr lang="es-CO" sz="2400" i="1">
-                                        <a:latin typeface="Cambria Math" panose="02040503050406030204" pitchFamily="18" charset="0"/>
-                                      </a:rPr>
-                                      <m:t>𝑞</m:t>
-                                    </m:r>
-                                    <m:r>
-                                      <a:rPr lang="es-CO" sz="2400" i="1">
-                                        <a:latin typeface="Cambria Math" panose="02040503050406030204" pitchFamily="18" charset="0"/>
-                                      </a:rPr>
-                                      <m:t>5</m:t>
-                                    </m:r>
-                                  </m:sub>
-                                </m:sSub>
-                                <m:sSub>
-                                  <m:sSubPr>
-                                    <m:ctrlPr>
-                                      <a:rPr lang="es-CO" sz="2400" i="1">
-                                        <a:latin typeface="Cambria Math" panose="02040503050406030204" pitchFamily="18" charset="0"/>
-                                      </a:rPr>
-                                    </m:ctrlPr>
-                                  </m:sSubPr>
-                                  <m:e>
-                                    <m:r>
-                                      <a:rPr lang="es-CO" sz="2400" b="0" i="1" smtClean="0">
-                                        <a:latin typeface="Cambria Math" panose="02040503050406030204" pitchFamily="18" charset="0"/>
-                                      </a:rPr>
-                                      <m:t>𝑠</m:t>
-                                    </m:r>
-                                  </m:e>
-                                  <m:sub>
-                                    <m:r>
-                                      <a:rPr lang="es-CO" sz="2400" i="1">
-                                        <a:latin typeface="Cambria Math" panose="02040503050406030204" pitchFamily="18" charset="0"/>
-                                      </a:rPr>
-                                      <m:t>𝑞</m:t>
-                                    </m:r>
-                                    <m:r>
-                                      <a:rPr lang="es-CO" sz="2400" i="1">
-                                        <a:latin typeface="Cambria Math" panose="02040503050406030204" pitchFamily="18" charset="0"/>
-                                      </a:rPr>
-                                      <m:t>6</m:t>
-                                    </m:r>
-                                  </m:sub>
-                                </m:sSub>
-                                <m:r>
-                                  <a:rPr lang="es-CO" sz="2400" b="0" i="1" smtClean="0">
-                                    <a:latin typeface="Cambria Math" panose="02040503050406030204" pitchFamily="18" charset="0"/>
-                                  </a:rPr>
-                                  <m:t>+</m:t>
-                                </m:r>
-                                <m:sSub>
-                                  <m:sSubPr>
-                                    <m:ctrlPr>
-                                      <a:rPr lang="es-CO" sz="2400" i="1" smtClean="0">
-                                        <a:latin typeface="Cambria Math" panose="02040503050406030204" pitchFamily="18" charset="0"/>
-                                      </a:rPr>
-                                    </m:ctrlPr>
-                                  </m:sSubPr>
-                                  <m:e>
-                                    <m:r>
-                                      <a:rPr lang="es-CO" sz="2400" b="0" i="1" smtClean="0">
-                                        <a:latin typeface="Cambria Math" panose="02040503050406030204" pitchFamily="18" charset="0"/>
-                                      </a:rPr>
-                                      <m:t>𝑐</m:t>
-                                    </m:r>
-                                  </m:e>
-                                  <m:sub>
-                                    <m:r>
-                                      <a:rPr lang="es-CO" sz="2400" i="1">
-                                        <a:latin typeface="Cambria Math" panose="02040503050406030204" pitchFamily="18" charset="0"/>
-                                      </a:rPr>
-                                      <m:t>𝑞</m:t>
-                                    </m:r>
-                                    <m:r>
-                                      <a:rPr lang="es-CO" sz="2400" i="1">
-                                        <a:latin typeface="Cambria Math" panose="02040503050406030204" pitchFamily="18" charset="0"/>
-                                      </a:rPr>
-                                      <m:t>4</m:t>
-                                    </m:r>
-                                  </m:sub>
-                                </m:sSub>
-                                <m:sSub>
-                                  <m:sSubPr>
-                                    <m:ctrlPr>
-                                      <a:rPr lang="es-CO" sz="2400" i="1">
-                                        <a:latin typeface="Cambria Math" panose="02040503050406030204" pitchFamily="18" charset="0"/>
-                                      </a:rPr>
-                                    </m:ctrlPr>
-                                  </m:sSubPr>
-                                  <m:e>
-                                    <m:r>
-                                      <a:rPr lang="es-CO" sz="2400" b="0" i="1" smtClean="0">
                                         <a:latin typeface="Cambria Math" panose="02040503050406030204" pitchFamily="18" charset="0"/>
                                       </a:rPr>
                                       <m:t>𝑐</m:t>
@@ -19303,176 +19462,7 @@
                                       <m:t>𝑞</m:t>
                                     </m:r>
                                     <m:r>
-                                      <a:rPr lang="es-CO" sz="2400" b="0" i="1" smtClean="0">
-                                        <a:latin typeface="Cambria Math" panose="02040503050406030204" pitchFamily="18" charset="0"/>
-                                      </a:rPr>
-                                      <m:t>5</m:t>
-                                    </m:r>
-                                  </m:sub>
-                                </m:sSub>
-                              </m:e>
-                            </m:mr>
-                            <m:mr>
-                              <m:e>
-                                <m:r>
-                                  <a:rPr lang="es-CO" sz="2400" b="0" i="1" smtClean="0">
-                                    <a:latin typeface="Cambria Math" panose="02040503050406030204" pitchFamily="18" charset="0"/>
-                                  </a:rPr>
-                                  <m:t>−</m:t>
-                                </m:r>
-                                <m:sSub>
-                                  <m:sSubPr>
-                                    <m:ctrlPr>
                                       <a:rPr lang="es-CO" sz="2400" i="1">
-                                        <a:latin typeface="Cambria Math" panose="02040503050406030204" pitchFamily="18" charset="0"/>
-                                      </a:rPr>
-                                    </m:ctrlPr>
-                                  </m:sSubPr>
-                                  <m:e>
-                                    <m:r>
-                                      <a:rPr lang="es-CO" sz="2400" i="1">
-                                        <a:latin typeface="Cambria Math" panose="02040503050406030204" pitchFamily="18" charset="0"/>
-                                      </a:rPr>
-                                      <m:t>𝑠</m:t>
-                                    </m:r>
-                                  </m:e>
-                                  <m:sub>
-                                    <m:r>
-                                      <a:rPr lang="es-CO" sz="2400" i="1">
-                                        <a:latin typeface="Cambria Math" panose="02040503050406030204" pitchFamily="18" charset="0"/>
-                                      </a:rPr>
-                                      <m:t>𝑞</m:t>
-                                    </m:r>
-                                    <m:r>
-                                      <a:rPr lang="es-CO" sz="2400" i="1">
-                                        <a:latin typeface="Cambria Math" panose="02040503050406030204" pitchFamily="18" charset="0"/>
-                                      </a:rPr>
-                                      <m:t>4</m:t>
-                                    </m:r>
-                                  </m:sub>
-                                </m:sSub>
-                                <m:sSub>
-                                  <m:sSubPr>
-                                    <m:ctrlPr>
-                                      <a:rPr lang="es-CO" sz="2400" i="1">
-                                        <a:latin typeface="Cambria Math" panose="02040503050406030204" pitchFamily="18" charset="0"/>
-                                      </a:rPr>
-                                    </m:ctrlPr>
-                                  </m:sSubPr>
-                                  <m:e>
-                                    <m:r>
-                                      <a:rPr lang="es-CO" sz="2400" b="0" i="1" smtClean="0">
-                                        <a:latin typeface="Cambria Math" panose="02040503050406030204" pitchFamily="18" charset="0"/>
-                                      </a:rPr>
-                                      <m:t>𝑐</m:t>
-                                    </m:r>
-                                  </m:e>
-                                  <m:sub>
-                                    <m:r>
-                                      <a:rPr lang="es-CO" sz="2400" i="1">
-                                        <a:latin typeface="Cambria Math" panose="02040503050406030204" pitchFamily="18" charset="0"/>
-                                      </a:rPr>
-                                      <m:t>𝑞</m:t>
-                                    </m:r>
-                                    <m:r>
-                                      <a:rPr lang="es-CO" sz="2400" i="1">
-                                        <a:latin typeface="Cambria Math" panose="02040503050406030204" pitchFamily="18" charset="0"/>
-                                      </a:rPr>
-                                      <m:t>6</m:t>
-                                    </m:r>
-                                  </m:sub>
-                                </m:sSub>
-                              </m:e>
-                              <m:e>
-                                <m:sSub>
-                                  <m:sSubPr>
-                                    <m:ctrlPr>
-                                      <a:rPr lang="es-CO" sz="2400" i="1">
-                                        <a:latin typeface="Cambria Math" panose="02040503050406030204" pitchFamily="18" charset="0"/>
-                                      </a:rPr>
-                                    </m:ctrlPr>
-                                  </m:sSubPr>
-                                  <m:e>
-                                    <m:r>
-                                      <a:rPr lang="es-CO" sz="2400" i="1">
-                                        <a:latin typeface="Cambria Math" panose="02040503050406030204" pitchFamily="18" charset="0"/>
-                                      </a:rPr>
-                                      <m:t>𝑠</m:t>
-                                    </m:r>
-                                  </m:e>
-                                  <m:sub>
-                                    <m:r>
-                                      <a:rPr lang="es-CO" sz="2400" i="1">
-                                        <a:latin typeface="Cambria Math" panose="02040503050406030204" pitchFamily="18" charset="0"/>
-                                      </a:rPr>
-                                      <m:t>𝑞</m:t>
-                                    </m:r>
-                                    <m:r>
-                                      <a:rPr lang="es-CO" sz="2400" b="0" i="1" smtClean="0">
-                                        <a:latin typeface="Cambria Math" panose="02040503050406030204" pitchFamily="18" charset="0"/>
-                                      </a:rPr>
-                                      <m:t>5</m:t>
-                                    </m:r>
-                                  </m:sub>
-                                </m:sSub>
-                                <m:sSub>
-                                  <m:sSubPr>
-                                    <m:ctrlPr>
-                                      <a:rPr lang="es-CO" sz="2400" i="1">
-                                        <a:latin typeface="Cambria Math" panose="02040503050406030204" pitchFamily="18" charset="0"/>
-                                      </a:rPr>
-                                    </m:ctrlPr>
-                                  </m:sSubPr>
-                                  <m:e>
-                                    <m:r>
-                                      <a:rPr lang="es-CO" sz="2400" i="1">
-                                        <a:latin typeface="Cambria Math" panose="02040503050406030204" pitchFamily="18" charset="0"/>
-                                      </a:rPr>
-                                      <m:t>𝑠</m:t>
-                                    </m:r>
-                                  </m:e>
-                                  <m:sub>
-                                    <m:r>
-                                      <a:rPr lang="es-CO" sz="2400" i="1">
-                                        <a:latin typeface="Cambria Math" panose="02040503050406030204" pitchFamily="18" charset="0"/>
-                                      </a:rPr>
-                                      <m:t>𝑞</m:t>
-                                    </m:r>
-                                    <m:r>
-                                      <a:rPr lang="es-CO" sz="2400" i="1">
-                                        <a:latin typeface="Cambria Math" panose="02040503050406030204" pitchFamily="18" charset="0"/>
-                                      </a:rPr>
-                                      <m:t>6</m:t>
-                                    </m:r>
-                                  </m:sub>
-                                </m:sSub>
-                              </m:e>
-                              <m:e>
-                                <m:sSub>
-                                  <m:sSubPr>
-                                    <m:ctrlPr>
-                                      <a:rPr lang="es-CO" sz="2400" i="1">
-                                        <a:latin typeface="Cambria Math" panose="02040503050406030204" pitchFamily="18" charset="0"/>
-                                      </a:rPr>
-                                    </m:ctrlPr>
-                                  </m:sSubPr>
-                                  <m:e>
-                                    <m:r>
-                                      <a:rPr lang="es-CO" sz="2400" i="1">
-                                        <a:latin typeface="Cambria Math" panose="02040503050406030204" pitchFamily="18" charset="0"/>
-                                      </a:rPr>
-                                      <m:t>𝑐</m:t>
-                                    </m:r>
-                                  </m:e>
-                                  <m:sub>
-                                    <m:r>
-                                      <a:rPr lang="es-CO" sz="2400" i="1">
-                                        <a:latin typeface="Cambria Math" panose="02040503050406030204" pitchFamily="18" charset="0"/>
-                                      </a:rPr>
-                                      <m:t>𝑞</m:t>
-                                    </m:r>
-                                    <m:r>
-                                      <a:rPr lang="es-CO" sz="2400" b="0" i="1" smtClean="0">
                                         <a:latin typeface="Cambria Math" panose="02040503050406030204" pitchFamily="18" charset="0"/>
                                       </a:rPr>
                                       <m:t>5</m:t>
@@ -19503,8 +19493,8 @@
             </p:nvSpPr>
             <p:spPr>
               <a:xfrm>
-                <a:off x="941294" y="1387519"/>
-                <a:ext cx="10589822" cy="1137747"/>
+                <a:off x="-237800" y="1539679"/>
+                <a:ext cx="11045075" cy="1110497"/>
               </a:xfrm>
               <a:prstGeom prst="rect">
                 <a:avLst/>
@@ -21949,8 +21939,8 @@
           </a:p>
         </p:txBody>
       </p:sp>
-      <mc:AlternateContent xmlns:mc="http://schemas.openxmlformats.org/markup-compatibility/2006">
-        <mc:Choice xmlns:a14="http://schemas.microsoft.com/office/drawing/2010/main" Requires="a14">
+      <mc:AlternateContent xmlns:mc="http://schemas.openxmlformats.org/markup-compatibility/2006" xmlns:a14="http://schemas.microsoft.com/office/drawing/2010/main">
+        <mc:Choice Requires="a14">
           <p:sp>
             <p:nvSpPr>
               <p:cNvPr id="25" name="CuadroTexto 24"/>
@@ -21973,6 +21963,7 @@
               </a:bodyPr>
               <a:lstStyle/>
               <a:p>
+                <a:pPr/>
                 <a14:m>
                   <m:oMathPara xmlns:m="http://schemas.openxmlformats.org/officeDocument/2006/math">
                     <m:oMathParaPr>
@@ -22140,7 +22131,7 @@
             </p:txBody>
           </p:sp>
         </mc:Choice>
-        <mc:Fallback>
+        <mc:Fallback xmlns="">
           <p:sp>
             <p:nvSpPr>
               <p:cNvPr id="25" name="CuadroTexto 24"/>
@@ -22179,8 +22170,8 @@
           </p:sp>
         </mc:Fallback>
       </mc:AlternateContent>
-      <mc:AlternateContent xmlns:mc="http://schemas.openxmlformats.org/markup-compatibility/2006">
-        <mc:Choice xmlns:a14="http://schemas.microsoft.com/office/drawing/2010/main" Requires="a14">
+      <mc:AlternateContent xmlns:mc="http://schemas.openxmlformats.org/markup-compatibility/2006" xmlns:a14="http://schemas.microsoft.com/office/drawing/2010/main">
+        <mc:Choice Requires="a14">
           <p:sp>
             <p:nvSpPr>
               <p:cNvPr id="28" name="Rectángulo 27"/>
@@ -22202,6 +22193,7 @@
               </a:bodyPr>
               <a:lstStyle/>
               <a:p>
+                <a:pPr/>
                 <a14:m>
                   <m:oMathPara xmlns:m="http://schemas.openxmlformats.org/officeDocument/2006/math">
                     <m:oMathParaPr>
@@ -22333,7 +22325,7 @@
             </p:txBody>
           </p:sp>
         </mc:Choice>
-        <mc:Fallback>
+        <mc:Fallback xmlns="">
           <p:sp>
             <p:nvSpPr>
               <p:cNvPr id="28" name="Rectángulo 27"/>

--- a/LAB_2021_1.pptx
+++ b/LAB_2021_1.pptx
@@ -5347,8 +5347,8 @@
           </a:p>
         </p:txBody>
       </p:sp>
-      <mc:AlternateContent xmlns:mc="http://schemas.openxmlformats.org/markup-compatibility/2006" xmlns:a14="http://schemas.microsoft.com/office/drawing/2010/main">
-        <mc:Choice Requires="a14">
+      <mc:AlternateContent xmlns:mc="http://schemas.openxmlformats.org/markup-compatibility/2006">
+        <mc:Choice xmlns:a14="http://schemas.microsoft.com/office/drawing/2010/main" Requires="a14">
           <p:sp>
             <p:nvSpPr>
               <p:cNvPr id="25" name="CuadroTexto 24"/>
@@ -5358,7 +5358,7 @@
             <p:spPr>
               <a:xfrm>
                 <a:off x="6639812" y="279395"/>
-                <a:ext cx="4191019" cy="574773"/>
+                <a:ext cx="4364207" cy="567720"/>
               </a:xfrm>
               <a:prstGeom prst="rect">
                 <a:avLst/>
@@ -5389,10 +5389,10 @@
                         <m:e/>
                         <m:sup>
                           <m:r>
-                            <a:rPr lang="es-CO" sz="3200" b="0" i="1" smtClean="0">
+                            <a:rPr lang="es-ES" sz="3200" b="0" i="1" smtClean="0">
                               <a:latin typeface="Cambria Math" panose="02040503050406030204" pitchFamily="18" charset="0"/>
                             </a:rPr>
-                            <m:t>5</m:t>
+                            <m:t>6</m:t>
                           </m:r>
                         </m:sup>
                       </m:sSup>
@@ -5438,10 +5438,10 @@
                         <m:e/>
                         <m:sup>
                           <m:r>
-                            <a:rPr lang="es-CO" sz="3200" b="0" i="1" smtClean="0">
+                            <a:rPr lang="es-ES" sz="3200" b="0" i="1" smtClean="0">
                               <a:latin typeface="Cambria Math" panose="02040503050406030204" pitchFamily="18" charset="0"/>
                             </a:rPr>
-                            <m:t>5</m:t>
+                            <m:t>6</m:t>
                           </m:r>
                         </m:sup>
                       </m:sSup>
@@ -5523,12 +5523,31 @@
                           </m:ctrlPr>
                         </m:accPr>
                         <m:e>
-                          <m:r>
-                            <a:rPr lang="es-CO" sz="3200" b="0" i="1" smtClean="0">
-                              <a:latin typeface="Cambria Math" panose="02040503050406030204" pitchFamily="18" charset="0"/>
-                            </a:rPr>
-                            <m:t>𝑧</m:t>
-                          </m:r>
+                          <m:sSub>
+                            <m:sSubPr>
+                              <m:ctrlPr>
+                                <a:rPr lang="es-CO" sz="3200" b="0" i="1" smtClean="0">
+                                  <a:latin typeface="Cambria Math" panose="02040503050406030204" pitchFamily="18" charset="0"/>
+                                </a:rPr>
+                              </m:ctrlPr>
+                            </m:sSubPr>
+                            <m:e>
+                              <m:r>
+                                <a:rPr lang="es-ES" sz="3200" b="0" i="1" smtClean="0">
+                                  <a:latin typeface="Cambria Math" panose="02040503050406030204" pitchFamily="18" charset="0"/>
+                                </a:rPr>
+                                <m:t>𝑧</m:t>
+                              </m:r>
+                            </m:e>
+                            <m:sub>
+                              <m:r>
+                                <a:rPr lang="es-ES" sz="3200" b="0" i="1" smtClean="0">
+                                  <a:latin typeface="Cambria Math" panose="02040503050406030204" pitchFamily="18" charset="0"/>
+                                </a:rPr>
+                                <m:t>6</m:t>
+                              </m:r>
+                            </m:sub>
+                          </m:sSub>
                         </m:e>
                       </m:acc>
                     </m:oMath>
@@ -5539,7 +5558,7 @@
             </p:txBody>
           </p:sp>
         </mc:Choice>
-        <mc:Fallback xmlns="">
+        <mc:Fallback>
           <p:sp>
             <p:nvSpPr>
               <p:cNvPr id="25" name="CuadroTexto 24"/>
@@ -5551,7 +5570,7 @@
             <p:spPr>
               <a:xfrm>
                 <a:off x="6639812" y="279395"/>
-                <a:ext cx="4191019" cy="574773"/>
+                <a:ext cx="4364207" cy="567720"/>
               </a:xfrm>
               <a:prstGeom prst="rect">
                 <a:avLst/>
@@ -5578,8 +5597,8 @@
           </p:sp>
         </mc:Fallback>
       </mc:AlternateContent>
-      <mc:AlternateContent xmlns:mc="http://schemas.openxmlformats.org/markup-compatibility/2006" xmlns:a14="http://schemas.microsoft.com/office/drawing/2010/main">
-        <mc:Choice Requires="a14">
+      <mc:AlternateContent xmlns:mc="http://schemas.openxmlformats.org/markup-compatibility/2006">
+        <mc:Choice xmlns:a14="http://schemas.microsoft.com/office/drawing/2010/main" Requires="a14">
           <p:sp>
             <p:nvSpPr>
               <p:cNvPr id="28" name="Rectángulo 27"/>
@@ -5589,7 +5608,7 @@
             <p:spPr>
               <a:xfrm>
                 <a:off x="7095609" y="817098"/>
-                <a:ext cx="3279424" cy="667106"/>
+                <a:ext cx="3279424" cy="660052"/>
               </a:xfrm>
               <a:prstGeom prst="rect">
                 <a:avLst/>
@@ -5675,10 +5694,10 @@
                         </m:e>
                         <m:sub>
                           <m:r>
-                            <a:rPr lang="es-CO" sz="3200" b="0" i="1" smtClean="0">
+                            <a:rPr lang="es-ES" sz="3200" b="0" i="1" smtClean="0">
                               <a:latin typeface="Cambria Math" panose="02040503050406030204" pitchFamily="18" charset="0"/>
                             </a:rPr>
-                            <m:t>5</m:t>
+                            <m:t>6</m:t>
                           </m:r>
                         </m:sub>
                       </m:sSub>
@@ -5693,10 +5712,10 @@
                         <m:e/>
                         <m:sup>
                           <m:r>
-                            <a:rPr lang="es-CO" sz="3200" b="0" i="1" smtClean="0">
+                            <a:rPr lang="es-ES" sz="3200" b="0" i="1" smtClean="0">
                               <a:latin typeface="Cambria Math" panose="02040503050406030204" pitchFamily="18" charset="0"/>
                             </a:rPr>
-                            <m:t>5</m:t>
+                            <m:t>6</m:t>
                           </m:r>
                         </m:sup>
                       </m:sSup>
@@ -5733,7 +5752,7 @@
             </p:txBody>
           </p:sp>
         </mc:Choice>
-        <mc:Fallback xmlns="">
+        <mc:Fallback>
           <p:sp>
             <p:nvSpPr>
               <p:cNvPr id="28" name="Rectángulo 27"/>
@@ -5745,7 +5764,7 @@
             <p:spPr>
               <a:xfrm>
                 <a:off x="7095609" y="817098"/>
-                <a:ext cx="3279424" cy="667106"/>
+                <a:ext cx="3279424" cy="660052"/>
               </a:xfrm>
               <a:prstGeom prst="rect">
                 <a:avLst/>
@@ -17853,8 +17872,8 @@
           <a:chExt cx="0" cy="0"/>
         </a:xfrm>
       </p:grpSpPr>
-      <mc:AlternateContent xmlns:mc="http://schemas.openxmlformats.org/markup-compatibility/2006" xmlns:a14="http://schemas.microsoft.com/office/drawing/2010/main">
-        <mc:Choice Requires="a14">
+      <mc:AlternateContent xmlns:mc="http://schemas.openxmlformats.org/markup-compatibility/2006">
+        <mc:Choice xmlns:a14="http://schemas.microsoft.com/office/drawing/2010/main" Requires="a14">
           <p:sp>
             <p:nvSpPr>
               <p:cNvPr id="3" name="CuadroTexto 2"/>
@@ -17864,7 +17883,7 @@
             <p:spPr>
               <a:xfrm>
                 <a:off x="1035423" y="833718"/>
-                <a:ext cx="3203698" cy="462884"/>
+                <a:ext cx="2498889" cy="425822"/>
               </a:xfrm>
               <a:prstGeom prst="rect">
                 <a:avLst/>
@@ -17887,12 +17906,93 @@
                       <m:sSup>
                         <m:sSupPr>
                           <m:ctrlPr>
+                            <a:rPr lang="es-ES" sz="2400" b="0" i="1" smtClean="0">
+                              <a:latin typeface="Cambria Math" panose="02040503050406030204" pitchFamily="18" charset="0"/>
+                            </a:rPr>
+                          </m:ctrlPr>
+                        </m:sSupPr>
+                        <m:e/>
+                        <m:sup>
+                          <m:r>
+                            <a:rPr lang="es-ES" sz="2400" b="0" i="1" smtClean="0">
+                              <a:latin typeface="Cambria Math" panose="02040503050406030204" pitchFamily="18" charset="0"/>
+                            </a:rPr>
+                            <m:t>0</m:t>
+                          </m:r>
+                        </m:sup>
+                      </m:sSup>
+                      <m:sSup>
+                        <m:sSupPr>
+                          <m:ctrlPr>
+                            <a:rPr lang="es-ES" sz="2400" b="0" i="1" smtClean="0">
+                              <a:latin typeface="Cambria Math" panose="02040503050406030204" pitchFamily="18" charset="0"/>
+                            </a:rPr>
+                          </m:ctrlPr>
+                        </m:sSupPr>
+                        <m:e>
+                          <m:sSub>
+                            <m:sSubPr>
+                              <m:ctrlPr>
+                                <a:rPr lang="es-ES" sz="2400" b="0" i="1" smtClean="0">
+                                  <a:latin typeface="Cambria Math" panose="02040503050406030204" pitchFamily="18" charset="0"/>
+                                </a:rPr>
+                              </m:ctrlPr>
+                            </m:sSubPr>
+                            <m:e>
+                              <m:r>
+                                <a:rPr lang="es-ES" sz="2400" b="0" i="1" smtClean="0">
+                                  <a:latin typeface="Cambria Math" panose="02040503050406030204" pitchFamily="18" charset="0"/>
+                                </a:rPr>
+                                <m:t>𝑅</m:t>
+                              </m:r>
+                            </m:e>
+                            <m:sub>
+                              <m:r>
+                                <a:rPr lang="es-ES" sz="2400" b="0" i="1" smtClean="0">
+                                  <a:latin typeface="Cambria Math" panose="02040503050406030204" pitchFamily="18" charset="0"/>
+                                </a:rPr>
+                                <m:t>3</m:t>
+                              </m:r>
+                            </m:sub>
+                          </m:sSub>
+                        </m:e>
+                        <m:sup>
+                          <m:r>
+                            <a:rPr lang="es-ES" sz="2400" b="0" i="1" smtClean="0">
+                              <a:latin typeface="Cambria Math" panose="02040503050406030204" pitchFamily="18" charset="0"/>
+                            </a:rPr>
+                            <m:t>−1</m:t>
+                          </m:r>
+                        </m:sup>
+                      </m:sSup>
+                      <m:r>
+                        <a:rPr lang="es-ES" sz="2400" b="0" i="1" smtClean="0">
+                          <a:latin typeface="Cambria Math" panose="02040503050406030204" pitchFamily="18" charset="0"/>
+                        </a:rPr>
+                        <m:t>∗</m:t>
+                      </m:r>
+                      <m:r>
+                        <a:rPr lang="es-ES" sz="2400" b="0" i="1" smtClean="0">
+                          <a:latin typeface="Cambria Math" panose="02040503050406030204" pitchFamily="18" charset="0"/>
+                        </a:rPr>
+                        <m:t>𝑅</m:t>
+                      </m:r>
+                      <m:sSup>
+                        <m:sSupPr>
+                          <m:ctrlPr>
                             <a:rPr lang="en-US" sz="2400" b="0" i="1" smtClean="0">
                               <a:latin typeface="Cambria Math" panose="02040503050406030204" pitchFamily="18" charset="0"/>
                             </a:rPr>
                           </m:ctrlPr>
                         </m:sSupPr>
-                        <m:e/>
+                        <m:e>
+                          <m:r>
+                            <a:rPr lang="es-ES" sz="2400" b="0" i="1" smtClean="0">
+                              <a:latin typeface="Cambria Math" panose="02040503050406030204" pitchFamily="18" charset="0"/>
+                            </a:rPr>
+                            <m:t>=</m:t>
+                          </m:r>
+                        </m:e>
                         <m:sup>
                           <m:r>
                             <a:rPr lang="es-CO" sz="2400" b="0" i="1" smtClean="0">
@@ -17927,141 +18027,6 @@
                           </m:r>
                         </m:sub>
                       </m:sSub>
-                      <m:r>
-                        <a:rPr lang="es-CO" sz="2400" b="0" i="1" smtClean="0">
-                          <a:latin typeface="Cambria Math" panose="02040503050406030204" pitchFamily="18" charset="0"/>
-                        </a:rPr>
-                        <m:t>=</m:t>
-                      </m:r>
-                      <m:sSub>
-                        <m:sSubPr>
-                          <m:ctrlPr>
-                            <a:rPr lang="es-CO" sz="2400" b="0" i="1" smtClean="0">
-                              <a:latin typeface="Cambria Math" panose="02040503050406030204" pitchFamily="18" charset="0"/>
-                            </a:rPr>
-                          </m:ctrlPr>
-                        </m:sSubPr>
-                        <m:e>
-                          <m:r>
-                            <a:rPr lang="es-CO" sz="2400" b="0" i="1" smtClean="0">
-                              <a:latin typeface="Cambria Math" panose="02040503050406030204" pitchFamily="18" charset="0"/>
-                            </a:rPr>
-                            <m:t>𝑅</m:t>
-                          </m:r>
-                        </m:e>
-                        <m:sub>
-                          <m:r>
-                            <a:rPr lang="es-CO" sz="2400" b="0" i="1" smtClean="0">
-                              <a:latin typeface="Cambria Math" panose="02040503050406030204" pitchFamily="18" charset="0"/>
-                            </a:rPr>
-                            <m:t>𝑍</m:t>
-                          </m:r>
-                          <m:r>
-                            <a:rPr lang="es-CO" sz="2400" b="0" i="1" smtClean="0">
-                              <a:latin typeface="Cambria Math" panose="02040503050406030204" pitchFamily="18" charset="0"/>
-                            </a:rPr>
-                            <m:t>,</m:t>
-                          </m:r>
-                          <m:r>
-                            <a:rPr lang="es-CO" sz="2400" b="0" i="1" smtClean="0">
-                              <a:latin typeface="Cambria Math" panose="02040503050406030204" pitchFamily="18" charset="0"/>
-                            </a:rPr>
-                            <m:t>𝑞</m:t>
-                          </m:r>
-                          <m:r>
-                            <a:rPr lang="es-CO" sz="2400" b="0" i="1" smtClean="0">
-                              <a:latin typeface="Cambria Math" panose="02040503050406030204" pitchFamily="18" charset="0"/>
-                            </a:rPr>
-                            <m:t>4</m:t>
-                          </m:r>
-                        </m:sub>
-                      </m:sSub>
-                      <m:sSub>
-                        <m:sSubPr>
-                          <m:ctrlPr>
-                            <a:rPr lang="es-CO" sz="2400" b="0" i="1" smtClean="0">
-                              <a:latin typeface="Cambria Math" panose="02040503050406030204" pitchFamily="18" charset="0"/>
-                            </a:rPr>
-                          </m:ctrlPr>
-                        </m:sSubPr>
-                        <m:e>
-                          <m:r>
-                            <a:rPr lang="es-CO" sz="2400" b="0" i="1" smtClean="0">
-                              <a:latin typeface="Cambria Math" panose="02040503050406030204" pitchFamily="18" charset="0"/>
-                            </a:rPr>
-                            <m:t>𝑅</m:t>
-                          </m:r>
-                        </m:e>
-                        <m:sub>
-                          <m:r>
-                            <a:rPr lang="es-CO" sz="2400" b="0" i="1" smtClean="0">
-                              <a:latin typeface="Cambria Math" panose="02040503050406030204" pitchFamily="18" charset="0"/>
-                            </a:rPr>
-                            <m:t>𝑌</m:t>
-                          </m:r>
-                          <m:r>
-                            <a:rPr lang="es-CO" sz="2400" b="0" i="1" smtClean="0">
-                              <a:latin typeface="Cambria Math" panose="02040503050406030204" pitchFamily="18" charset="0"/>
-                            </a:rPr>
-                            <m:t>,</m:t>
-                          </m:r>
-                          <m:r>
-                            <a:rPr lang="es-CO" sz="2400" b="0" i="1" smtClean="0">
-                              <a:latin typeface="Cambria Math" panose="02040503050406030204" pitchFamily="18" charset="0"/>
-                            </a:rPr>
-                            <m:t>𝑞</m:t>
-                          </m:r>
-                          <m:r>
-                            <a:rPr lang="es-CO" sz="2400" b="0" i="1" smtClean="0">
-                              <a:latin typeface="Cambria Math" panose="02040503050406030204" pitchFamily="18" charset="0"/>
-                            </a:rPr>
-                            <m:t>5</m:t>
-                          </m:r>
-                        </m:sub>
-                      </m:sSub>
-                      <m:sSub>
-                        <m:sSubPr>
-                          <m:ctrlPr>
-                            <a:rPr lang="es-CO" sz="2400" b="0" i="1" smtClean="0">
-                              <a:latin typeface="Cambria Math" panose="02040503050406030204" pitchFamily="18" charset="0"/>
-                            </a:rPr>
-                          </m:ctrlPr>
-                        </m:sSubPr>
-                        <m:e>
-                          <m:r>
-                            <a:rPr lang="es-CO" sz="2400" b="0" i="1" smtClean="0">
-                              <a:latin typeface="Cambria Math" panose="02040503050406030204" pitchFamily="18" charset="0"/>
-                            </a:rPr>
-                            <m:t>𝑅</m:t>
-                          </m:r>
-                        </m:e>
-                        <m:sub>
-                          <m:r>
-                            <a:rPr lang="es-CO" sz="2400" b="0" i="1" smtClean="0">
-                              <a:latin typeface="Cambria Math" panose="02040503050406030204" pitchFamily="18" charset="0"/>
-                            </a:rPr>
-                            <m:t>𝑍</m:t>
-                          </m:r>
-                          <m:r>
-                            <a:rPr lang="es-CO" sz="2400" b="0" i="1" smtClean="0">
-                              <a:latin typeface="Cambria Math" panose="02040503050406030204" pitchFamily="18" charset="0"/>
-                            </a:rPr>
-                            <m:t>,</m:t>
-                          </m:r>
-                          <m:r>
-                            <a:rPr lang="es-CO" sz="2400" b="0" i="1" smtClean="0">
-                              <a:latin typeface="Cambria Math" panose="02040503050406030204" pitchFamily="18" charset="0"/>
-                            </a:rPr>
-                            <m:t>𝑞</m:t>
-                          </m:r>
-                          <m:r>
-                            <a:rPr lang="es-CO" sz="2400" b="0" i="1" smtClean="0">
-                              <a:latin typeface="Cambria Math" panose="02040503050406030204" pitchFamily="18" charset="0"/>
-                            </a:rPr>
-                            <m:t>6</m:t>
-                          </m:r>
-                        </m:sub>
-                      </m:sSub>
                     </m:oMath>
                   </m:oMathPara>
                 </a14:m>
@@ -18070,7 +18035,7 @@
             </p:txBody>
           </p:sp>
         </mc:Choice>
-        <mc:Fallback xmlns="">
+        <mc:Fallback>
           <p:sp>
             <p:nvSpPr>
               <p:cNvPr id="3" name="CuadroTexto 2"/>
@@ -18082,7 +18047,7 @@
             <p:spPr>
               <a:xfrm>
                 <a:off x="1035423" y="833718"/>
-                <a:ext cx="3203698" cy="462884"/>
+                <a:ext cx="2498889" cy="425822"/>
               </a:xfrm>
               <a:prstGeom prst="rect">
                 <a:avLst/>
@@ -18109,8 +18074,8 @@
           </p:sp>
         </mc:Fallback>
       </mc:AlternateContent>
-      <mc:AlternateContent xmlns:mc="http://schemas.openxmlformats.org/markup-compatibility/2006">
-        <mc:Choice xmlns:a14="http://schemas.microsoft.com/office/drawing/2010/main" Requires="a14">
+      <mc:AlternateContent xmlns:mc="http://schemas.openxmlformats.org/markup-compatibility/2006" xmlns:a14="http://schemas.microsoft.com/office/drawing/2010/main">
+        <mc:Choice Requires="a14">
           <p:sp>
             <p:nvSpPr>
               <p:cNvPr id="5" name="Rectángulo 4"/>
@@ -19482,7 +19447,7 @@
             </p:txBody>
           </p:sp>
         </mc:Choice>
-        <mc:Fallback>
+        <mc:Fallback xmlns="">
           <p:sp>
             <p:nvSpPr>
               <p:cNvPr id="5" name="Rectángulo 4"/>
@@ -19521,8 +19486,8 @@
           </p:sp>
         </mc:Fallback>
       </mc:AlternateContent>
-      <mc:AlternateContent xmlns:mc="http://schemas.openxmlformats.org/markup-compatibility/2006" xmlns:a14="http://schemas.microsoft.com/office/drawing/2010/main">
-        <mc:Choice Requires="a14">
+      <mc:AlternateContent xmlns:mc="http://schemas.openxmlformats.org/markup-compatibility/2006">
+        <mc:Choice xmlns:a14="http://schemas.microsoft.com/office/drawing/2010/main" Requires="a14">
           <p:sp>
             <p:nvSpPr>
               <p:cNvPr id="6" name="CuadroTexto 5"/>
@@ -19531,7 +19496,7 @@
             </p:nvSpPr>
             <p:spPr>
               <a:xfrm>
-                <a:off x="1670148" y="2540843"/>
+                <a:off x="1879885" y="2833726"/>
                 <a:ext cx="1514774" cy="369332"/>
               </a:xfrm>
               <a:prstGeom prst="rect">
@@ -19622,7 +19587,7 @@
             </p:txBody>
           </p:sp>
         </mc:Choice>
-        <mc:Fallback xmlns="">
+        <mc:Fallback>
           <p:sp>
             <p:nvSpPr>
               <p:cNvPr id="6" name="CuadroTexto 5"/>
@@ -19633,7 +19598,7 @@
             </p:nvSpPr>
             <p:spPr>
               <a:xfrm>
-                <a:off x="1670148" y="2540843"/>
+                <a:off x="1879885" y="2833726"/>
                 <a:ext cx="1514774" cy="369332"/>
               </a:xfrm>
               <a:prstGeom prst="rect">
@@ -19642,7 +19607,7 @@
               <a:blipFill>
                 <a:blip r:embed="rId4"/>
                 <a:stretch>
-                  <a:fillRect l="-2419" r="-4435" b="-15000"/>
+                  <a:fillRect l="-2008" r="-4418" b="-15000"/>
                 </a:stretch>
               </a:blipFill>
             </p:spPr>
@@ -19747,10 +19712,16 @@
                         </m:e>
                         <m:sub>
                           <m:r>
+                            <a:rPr lang="es-ES" sz="2400" b="0" i="1" smtClean="0">
+                              <a:latin typeface="Cambria Math" panose="02040503050406030204" pitchFamily="18" charset="0"/>
+                            </a:rPr>
+                            <m:t>2</m:t>
+                          </m:r>
+                          <m:r>
                             <a:rPr lang="en-US" sz="2400" i="1" smtClean="0">
                               <a:latin typeface="Cambria Math" panose="02040503050406030204" pitchFamily="18" charset="0"/>
                             </a:rPr>
-                            <m:t>33</m:t>
+                            <m:t>3</m:t>
                           </m:r>
                         </m:sub>
                       </m:sSub>
@@ -19904,10 +19875,16 @@
                             </m:e>
                             <m:sub>
                               <m:r>
+                                <a:rPr lang="es-ES" sz="2400" b="0" i="1" smtClean="0">
+                                  <a:latin typeface="Cambria Math" panose="02040503050406030204" pitchFamily="18" charset="0"/>
+                                </a:rPr>
+                                <m:t>2</m:t>
+                              </m:r>
+                              <m:r>
                                 <a:rPr lang="en-US" sz="2400" i="1" smtClean="0">
                                   <a:latin typeface="Cambria Math" panose="02040503050406030204" pitchFamily="18" charset="0"/>
                                 </a:rPr>
-                                <m:t>33</m:t>
+                                <m:t>3</m:t>
                               </m:r>
                             </m:sub>
                             <m:sup>
@@ -20221,7 +20198,7 @@
             <p:spPr>
               <a:xfrm>
                 <a:off x="1607917" y="4538245"/>
-                <a:ext cx="2700290" cy="369332"/>
+                <a:ext cx="2929520" cy="369332"/>
               </a:xfrm>
               <a:prstGeom prst="rect">
                 <a:avLst/>
@@ -20325,10 +20302,16 @@
                                 </m:e>
                                 <m:sub>
                                   <m:r>
+                                    <a:rPr lang="es-ES" sz="2400" b="0" i="1" smtClean="0">
+                                      <a:latin typeface="Cambria Math" panose="02040503050406030204" pitchFamily="18" charset="0"/>
+                                    </a:rPr>
+                                    <m:t>3</m:t>
+                                  </m:r>
+                                  <m:r>
                                     <a:rPr lang="es-CO" sz="2400" b="0" i="1" smtClean="0">
                                       <a:latin typeface="Cambria Math" panose="02040503050406030204" pitchFamily="18" charset="0"/>
                                     </a:rPr>
-                                    <m:t>13</m:t>
+                                    <m:t>3</m:t>
                                   </m:r>
                                 </m:sub>
                               </m:sSub>
@@ -20348,6 +20331,12 @@
                                 </m:sSubPr>
                                 <m:e>
                                   <m:r>
+                                    <a:rPr lang="es-ES" sz="2400" b="0" i="1" smtClean="0">
+                                      <a:latin typeface="Cambria Math" panose="02040503050406030204" pitchFamily="18" charset="0"/>
+                                    </a:rPr>
+                                    <m:t>−</m:t>
+                                  </m:r>
+                                  <m:r>
                                     <a:rPr lang="es-CO" sz="2400" b="0" i="1" smtClean="0">
                                       <a:latin typeface="Cambria Math" panose="02040503050406030204" pitchFamily="18" charset="0"/>
                                     </a:rPr>
@@ -20356,10 +20345,16 @@
                                 </m:e>
                                 <m:sub>
                                   <m:r>
+                                    <a:rPr lang="es-ES" sz="2400" b="0" i="1" smtClean="0">
+                                      <a:latin typeface="Cambria Math" panose="02040503050406030204" pitchFamily="18" charset="0"/>
+                                    </a:rPr>
+                                    <m:t>1</m:t>
+                                  </m:r>
+                                  <m:r>
                                     <a:rPr lang="es-CO" sz="2400" b="0" i="1" smtClean="0">
                                       <a:latin typeface="Cambria Math" panose="02040503050406030204" pitchFamily="18" charset="0"/>
                                     </a:rPr>
-                                    <m:t>23</m:t>
+                                    <m:t>3</m:t>
                                   </m:r>
                                 </m:sub>
                               </m:sSub>
@@ -20387,7 +20382,7 @@
             <p:spPr>
               <a:xfrm>
                 <a:off x="1607917" y="4538245"/>
-                <a:ext cx="2700290" cy="369332"/>
+                <a:ext cx="2929520" cy="369332"/>
               </a:xfrm>
               <a:prstGeom prst="rect">
                 <a:avLst/>
@@ -20395,7 +20390,7 @@
               <a:blipFill>
                 <a:blip r:embed="rId8"/>
                 <a:stretch>
-                  <a:fillRect l="-2257" b="-24590"/>
+                  <a:fillRect l="-2083" b="-24590"/>
                 </a:stretch>
               </a:blipFill>
             </p:spPr>
@@ -20425,7 +20420,7 @@
             <p:spPr>
               <a:xfrm>
                 <a:off x="1602187" y="5091127"/>
-                <a:ext cx="2936638" cy="369332"/>
+                <a:ext cx="2917530" cy="369332"/>
               </a:xfrm>
               <a:prstGeom prst="rect">
                 <a:avLst/>
@@ -20535,10 +20530,10 @@
                                 </m:e>
                                 <m:sub>
                                   <m:r>
-                                    <a:rPr lang="es-CO" sz="2400" b="0" i="1" smtClean="0">
+                                    <a:rPr lang="es-ES" sz="2400" b="0" i="1" smtClean="0">
                                       <a:latin typeface="Cambria Math" panose="02040503050406030204" pitchFamily="18" charset="0"/>
                                     </a:rPr>
-                                    <m:t>31</m:t>
+                                    <m:t>22</m:t>
                                   </m:r>
                                 </m:sub>
                               </m:sSub>
@@ -20569,7 +20564,13 @@
                                     <a:rPr lang="es-CO" sz="2400" b="0" i="1" smtClean="0">
                                       <a:latin typeface="Cambria Math" panose="02040503050406030204" pitchFamily="18" charset="0"/>
                                     </a:rPr>
-                                    <m:t>32</m:t>
+                                    <m:t>2</m:t>
+                                  </m:r>
+                                  <m:r>
+                                    <a:rPr lang="es-ES" sz="2400" b="0" i="1" smtClean="0">
+                                      <a:latin typeface="Cambria Math" panose="02040503050406030204" pitchFamily="18" charset="0"/>
+                                    </a:rPr>
+                                    <m:t>1</m:t>
                                   </m:r>
                                 </m:sub>
                               </m:sSub>
@@ -20597,7 +20598,7 @@
             <p:spPr>
               <a:xfrm>
                 <a:off x="1602187" y="5091127"/>
-                <a:ext cx="2936638" cy="369332"/>
+                <a:ext cx="2917530" cy="369332"/>
               </a:xfrm>
               <a:prstGeom prst="rect">
                 <a:avLst/>
@@ -20605,7 +20606,7 @@
               <a:blipFill>
                 <a:blip r:embed="rId9"/>
                 <a:stretch>
-                  <a:fillRect l="-2075" b="-24590"/>
+                  <a:fillRect l="-2510" b="-24590"/>
                 </a:stretch>
               </a:blipFill>
             </p:spPr>

--- a/LAB_2021_1.pptx
+++ b/LAB_2021_1.pptx
@@ -251,7 +251,7 @@
           <a:p>
             <a:fld id="{96098A0C-C941-49B1-84C6-B8929CE69B37}" type="datetimeFigureOut">
               <a:rPr lang="en-US" smtClean="0"/>
-              <a:t>7/24/2021</a:t>
+              <a:t>7/26/2021</a:t>
             </a:fld>
             <a:endParaRPr lang="en-US"/>
           </a:p>
@@ -421,7 +421,7 @@
           <a:p>
             <a:fld id="{96098A0C-C941-49B1-84C6-B8929CE69B37}" type="datetimeFigureOut">
               <a:rPr lang="en-US" smtClean="0"/>
-              <a:t>7/24/2021</a:t>
+              <a:t>7/26/2021</a:t>
             </a:fld>
             <a:endParaRPr lang="en-US"/>
           </a:p>
@@ -601,7 +601,7 @@
           <a:p>
             <a:fld id="{96098A0C-C941-49B1-84C6-B8929CE69B37}" type="datetimeFigureOut">
               <a:rPr lang="en-US" smtClean="0"/>
-              <a:t>7/24/2021</a:t>
+              <a:t>7/26/2021</a:t>
             </a:fld>
             <a:endParaRPr lang="en-US"/>
           </a:p>
@@ -771,7 +771,7 @@
           <a:p>
             <a:fld id="{96098A0C-C941-49B1-84C6-B8929CE69B37}" type="datetimeFigureOut">
               <a:rPr lang="en-US" smtClean="0"/>
-              <a:t>7/24/2021</a:t>
+              <a:t>7/26/2021</a:t>
             </a:fld>
             <a:endParaRPr lang="en-US"/>
           </a:p>
@@ -1015,7 +1015,7 @@
           <a:p>
             <a:fld id="{96098A0C-C941-49B1-84C6-B8929CE69B37}" type="datetimeFigureOut">
               <a:rPr lang="en-US" smtClean="0"/>
-              <a:t>7/24/2021</a:t>
+              <a:t>7/26/2021</a:t>
             </a:fld>
             <a:endParaRPr lang="en-US"/>
           </a:p>
@@ -1247,7 +1247,7 @@
           <a:p>
             <a:fld id="{96098A0C-C941-49B1-84C6-B8929CE69B37}" type="datetimeFigureOut">
               <a:rPr lang="en-US" smtClean="0"/>
-              <a:t>7/24/2021</a:t>
+              <a:t>7/26/2021</a:t>
             </a:fld>
             <a:endParaRPr lang="en-US"/>
           </a:p>
@@ -1614,7 +1614,7 @@
           <a:p>
             <a:fld id="{96098A0C-C941-49B1-84C6-B8929CE69B37}" type="datetimeFigureOut">
               <a:rPr lang="en-US" smtClean="0"/>
-              <a:t>7/24/2021</a:t>
+              <a:t>7/26/2021</a:t>
             </a:fld>
             <a:endParaRPr lang="en-US"/>
           </a:p>
@@ -1732,7 +1732,7 @@
           <a:p>
             <a:fld id="{96098A0C-C941-49B1-84C6-B8929CE69B37}" type="datetimeFigureOut">
               <a:rPr lang="en-US" smtClean="0"/>
-              <a:t>7/24/2021</a:t>
+              <a:t>7/26/2021</a:t>
             </a:fld>
             <a:endParaRPr lang="en-US"/>
           </a:p>
@@ -1827,7 +1827,7 @@
           <a:p>
             <a:fld id="{96098A0C-C941-49B1-84C6-B8929CE69B37}" type="datetimeFigureOut">
               <a:rPr lang="en-US" smtClean="0"/>
-              <a:t>7/24/2021</a:t>
+              <a:t>7/26/2021</a:t>
             </a:fld>
             <a:endParaRPr lang="en-US"/>
           </a:p>
@@ -2104,7 +2104,7 @@
           <a:p>
             <a:fld id="{96098A0C-C941-49B1-84C6-B8929CE69B37}" type="datetimeFigureOut">
               <a:rPr lang="en-US" smtClean="0"/>
-              <a:t>7/24/2021</a:t>
+              <a:t>7/26/2021</a:t>
             </a:fld>
             <a:endParaRPr lang="en-US"/>
           </a:p>
@@ -2361,7 +2361,7 @@
           <a:p>
             <a:fld id="{96098A0C-C941-49B1-84C6-B8929CE69B37}" type="datetimeFigureOut">
               <a:rPr lang="en-US" smtClean="0"/>
-              <a:t>7/24/2021</a:t>
+              <a:t>7/26/2021</a:t>
             </a:fld>
             <a:endParaRPr lang="en-US"/>
           </a:p>
@@ -2574,7 +2574,7 @@
           <a:p>
             <a:fld id="{96098A0C-C941-49B1-84C6-B8929CE69B37}" type="datetimeFigureOut">
               <a:rPr lang="en-US" smtClean="0"/>
-              <a:t>7/24/2021</a:t>
+              <a:t>7/26/2021</a:t>
             </a:fld>
             <a:endParaRPr lang="en-US"/>
           </a:p>
@@ -5347,8 +5347,8 @@
           </a:p>
         </p:txBody>
       </p:sp>
-      <mc:AlternateContent xmlns:mc="http://schemas.openxmlformats.org/markup-compatibility/2006">
-        <mc:Choice xmlns:a14="http://schemas.microsoft.com/office/drawing/2010/main" Requires="a14">
+      <mc:AlternateContent xmlns:mc="http://schemas.openxmlformats.org/markup-compatibility/2006" xmlns:a14="http://schemas.microsoft.com/office/drawing/2010/main">
+        <mc:Choice Requires="a14">
           <p:sp>
             <p:nvSpPr>
               <p:cNvPr id="25" name="CuadroTexto 24"/>
@@ -5558,7 +5558,7 @@
             </p:txBody>
           </p:sp>
         </mc:Choice>
-        <mc:Fallback>
+        <mc:Fallback xmlns="">
           <p:sp>
             <p:nvSpPr>
               <p:cNvPr id="25" name="CuadroTexto 24"/>
@@ -5597,8 +5597,8 @@
           </p:sp>
         </mc:Fallback>
       </mc:AlternateContent>
-      <mc:AlternateContent xmlns:mc="http://schemas.openxmlformats.org/markup-compatibility/2006">
-        <mc:Choice xmlns:a14="http://schemas.microsoft.com/office/drawing/2010/main" Requires="a14">
+      <mc:AlternateContent xmlns:mc="http://schemas.openxmlformats.org/markup-compatibility/2006" xmlns:a14="http://schemas.microsoft.com/office/drawing/2010/main">
+        <mc:Choice Requires="a14">
           <p:sp>
             <p:nvSpPr>
               <p:cNvPr id="28" name="Rectángulo 27"/>
@@ -5752,7 +5752,7 @@
             </p:txBody>
           </p:sp>
         </mc:Choice>
-        <mc:Fallback>
+        <mc:Fallback xmlns="">
           <p:sp>
             <p:nvSpPr>
               <p:cNvPr id="28" name="Rectángulo 27"/>
@@ -17872,8 +17872,8 @@
           <a:chExt cx="0" cy="0"/>
         </a:xfrm>
       </p:grpSpPr>
-      <mc:AlternateContent xmlns:mc="http://schemas.openxmlformats.org/markup-compatibility/2006">
-        <mc:Choice xmlns:a14="http://schemas.microsoft.com/office/drawing/2010/main" Requires="a14">
+      <mc:AlternateContent xmlns:mc="http://schemas.openxmlformats.org/markup-compatibility/2006" xmlns:a14="http://schemas.microsoft.com/office/drawing/2010/main">
+        <mc:Choice Requires="a14">
           <p:sp>
             <p:nvSpPr>
               <p:cNvPr id="3" name="CuadroTexto 2"/>
@@ -18035,7 +18035,7 @@
             </p:txBody>
           </p:sp>
         </mc:Choice>
-        <mc:Fallback>
+        <mc:Fallback xmlns="">
           <p:sp>
             <p:nvSpPr>
               <p:cNvPr id="3" name="CuadroTexto 2"/>
@@ -19486,8 +19486,8 @@
           </p:sp>
         </mc:Fallback>
       </mc:AlternateContent>
-      <mc:AlternateContent xmlns:mc="http://schemas.openxmlformats.org/markup-compatibility/2006">
-        <mc:Choice xmlns:a14="http://schemas.microsoft.com/office/drawing/2010/main" Requires="a14">
+      <mc:AlternateContent xmlns:mc="http://schemas.openxmlformats.org/markup-compatibility/2006" xmlns:a14="http://schemas.microsoft.com/office/drawing/2010/main">
+        <mc:Choice Requires="a14">
           <p:sp>
             <p:nvSpPr>
               <p:cNvPr id="6" name="CuadroTexto 5"/>
@@ -19587,7 +19587,7 @@
             </p:txBody>
           </p:sp>
         </mc:Choice>
-        <mc:Fallback>
+        <mc:Fallback xmlns="">
           <p:sp>
             <p:nvSpPr>
               <p:cNvPr id="6" name="CuadroTexto 5"/>
@@ -20662,302 +20662,1208 @@
           <a:chExt cx="0" cy="0"/>
         </a:xfrm>
       </p:grpSpPr>
-      <p:sp>
-        <p:nvSpPr>
-          <p:cNvPr id="2" name="Cilindro 1"/>
-          <p:cNvSpPr/>
+      <p:grpSp>
+        <p:nvGrpSpPr>
+          <p:cNvPr id="6" name="Grupo 5"/>
+          <p:cNvGrpSpPr/>
           <p:nvPr/>
-        </p:nvSpPr>
-        <p:spPr>
+        </p:nvGrpSpPr>
+        <p:grpSpPr>
           <a:xfrm>
-            <a:off x="3217669" y="5366300"/>
-            <a:ext cx="613511" cy="683178"/>
-          </a:xfrm>
-          <a:prstGeom prst="can">
-            <a:avLst/>
-          </a:prstGeom>
-        </p:spPr>
-        <p:style>
-          <a:lnRef idx="2">
-            <a:schemeClr val="dk1"/>
-          </a:lnRef>
-          <a:fillRef idx="1">
-            <a:schemeClr val="lt1"/>
-          </a:fillRef>
-          <a:effectRef idx="0">
-            <a:schemeClr val="dk1"/>
-          </a:effectRef>
-          <a:fontRef idx="minor">
-            <a:schemeClr val="dk1"/>
-          </a:fontRef>
-        </p:style>
-        <p:txBody>
-          <a:bodyPr rot="0" spcFirstLastPara="0" vertOverflow="overflow" horzOverflow="overflow" vert="horz" wrap="square" lIns="91345" tIns="45672" rIns="91345" bIns="45672" numCol="1" spcCol="0" rtlCol="0" fromWordArt="0" anchor="ctr" anchorCtr="0" forceAA="0" compatLnSpc="1">
-            <a:prstTxWarp prst="textNoShape">
+            <a:off x="1999955" y="0"/>
+            <a:ext cx="8378188" cy="8548041"/>
+            <a:chOff x="1917956" y="64603"/>
+            <a:chExt cx="5865953" cy="5984875"/>
+          </a:xfrm>
+        </p:grpSpPr>
+        <p:sp>
+          <p:nvSpPr>
+            <p:cNvPr id="2" name="Cilindro 1"/>
+            <p:cNvSpPr/>
+            <p:nvPr/>
+          </p:nvSpPr>
+          <p:spPr>
+            <a:xfrm>
+              <a:off x="3217669" y="5366300"/>
+              <a:ext cx="613511" cy="683178"/>
+            </a:xfrm>
+            <a:prstGeom prst="can">
               <a:avLst/>
-            </a:prstTxWarp>
-            <a:noAutofit/>
-          </a:bodyPr>
-          <a:lstStyle/>
-          <a:p>
-            <a:pPr algn="ctr"/>
-            <a:endParaRPr lang="en-US" sz="1798"/>
-          </a:p>
-        </p:txBody>
-      </p:sp>
-      <p:sp>
-        <p:nvSpPr>
-          <p:cNvPr id="3" name="Cilindro 2"/>
-          <p:cNvSpPr/>
-          <p:nvPr/>
-        </p:nvSpPr>
-        <p:spPr>
-          <a:xfrm rot="16200000">
-            <a:off x="3724920" y="3671567"/>
-            <a:ext cx="613511" cy="683178"/>
-          </a:xfrm>
-          <a:prstGeom prst="can">
-            <a:avLst>
-              <a:gd name="adj" fmla="val 55678"/>
-            </a:avLst>
-          </a:prstGeom>
-        </p:spPr>
-        <p:style>
-          <a:lnRef idx="2">
-            <a:schemeClr val="dk1"/>
-          </a:lnRef>
-          <a:fillRef idx="1">
-            <a:schemeClr val="lt1"/>
-          </a:fillRef>
-          <a:effectRef idx="0">
-            <a:schemeClr val="dk1"/>
-          </a:effectRef>
-          <a:fontRef idx="minor">
-            <a:schemeClr val="dk1"/>
-          </a:fontRef>
-        </p:style>
-        <p:txBody>
-          <a:bodyPr rot="0" spcFirstLastPara="0" vertOverflow="overflow" horzOverflow="overflow" vert="horz" wrap="square" lIns="91345" tIns="45672" rIns="91345" bIns="45672" numCol="1" spcCol="0" rtlCol="0" fromWordArt="0" anchor="ctr" anchorCtr="0" forceAA="0" compatLnSpc="1">
-            <a:prstTxWarp prst="textNoShape">
+            </a:prstGeom>
+          </p:spPr>
+          <p:style>
+            <a:lnRef idx="2">
+              <a:schemeClr val="dk1"/>
+            </a:lnRef>
+            <a:fillRef idx="1">
+              <a:schemeClr val="lt1"/>
+            </a:fillRef>
+            <a:effectRef idx="0">
+              <a:schemeClr val="dk1"/>
+            </a:effectRef>
+            <a:fontRef idx="minor">
+              <a:schemeClr val="dk1"/>
+            </a:fontRef>
+          </p:style>
+          <p:txBody>
+            <a:bodyPr rot="0" spcFirstLastPara="0" vertOverflow="overflow" horzOverflow="overflow" vert="horz" wrap="square" lIns="91345" tIns="45672" rIns="91345" bIns="45672" numCol="1" spcCol="0" rtlCol="0" fromWordArt="0" anchor="ctr" anchorCtr="0" forceAA="0" compatLnSpc="1">
+              <a:prstTxWarp prst="textNoShape">
+                <a:avLst/>
+              </a:prstTxWarp>
+              <a:noAutofit/>
+            </a:bodyPr>
+            <a:lstStyle/>
+            <a:p>
+              <a:pPr algn="ctr"/>
+              <a:endParaRPr lang="en-US" sz="1798"/>
+            </a:p>
+          </p:txBody>
+        </p:sp>
+        <p:sp>
+          <p:nvSpPr>
+            <p:cNvPr id="3" name="Cilindro 2"/>
+            <p:cNvSpPr/>
+            <p:nvPr/>
+          </p:nvSpPr>
+          <p:spPr>
+            <a:xfrm rot="16200000">
+              <a:off x="3724920" y="3671567"/>
+              <a:ext cx="613511" cy="683178"/>
+            </a:xfrm>
+            <a:prstGeom prst="can">
+              <a:avLst>
+                <a:gd name="adj" fmla="val 55678"/>
+              </a:avLst>
+            </a:prstGeom>
+          </p:spPr>
+          <p:style>
+            <a:lnRef idx="2">
+              <a:schemeClr val="dk1"/>
+            </a:lnRef>
+            <a:fillRef idx="1">
+              <a:schemeClr val="lt1"/>
+            </a:fillRef>
+            <a:effectRef idx="0">
+              <a:schemeClr val="dk1"/>
+            </a:effectRef>
+            <a:fontRef idx="minor">
+              <a:schemeClr val="dk1"/>
+            </a:fontRef>
+          </p:style>
+          <p:txBody>
+            <a:bodyPr rot="0" spcFirstLastPara="0" vertOverflow="overflow" horzOverflow="overflow" vert="horz" wrap="square" lIns="91345" tIns="45672" rIns="91345" bIns="45672" numCol="1" spcCol="0" rtlCol="0" fromWordArt="0" anchor="ctr" anchorCtr="0" forceAA="0" compatLnSpc="1">
+              <a:prstTxWarp prst="textNoShape">
+                <a:avLst/>
+              </a:prstTxWarp>
+              <a:noAutofit/>
+            </a:bodyPr>
+            <a:lstStyle/>
+            <a:p>
+              <a:pPr algn="ctr"/>
+              <a:endParaRPr lang="en-US" sz="1798"/>
+            </a:p>
+          </p:txBody>
+        </p:sp>
+        <p:sp>
+          <p:nvSpPr>
+            <p:cNvPr id="4" name="Cilindro 3"/>
+            <p:cNvSpPr/>
+            <p:nvPr/>
+          </p:nvSpPr>
+          <p:spPr>
+            <a:xfrm rot="16200000">
+              <a:off x="3724920" y="1963548"/>
+              <a:ext cx="613511" cy="683178"/>
+            </a:xfrm>
+            <a:prstGeom prst="can">
+              <a:avLst>
+                <a:gd name="adj" fmla="val 55678"/>
+              </a:avLst>
+            </a:prstGeom>
+          </p:spPr>
+          <p:style>
+            <a:lnRef idx="2">
+              <a:schemeClr val="dk1"/>
+            </a:lnRef>
+            <a:fillRef idx="1">
+              <a:schemeClr val="lt1"/>
+            </a:fillRef>
+            <a:effectRef idx="0">
+              <a:schemeClr val="dk1"/>
+            </a:effectRef>
+            <a:fontRef idx="minor">
+              <a:schemeClr val="dk1"/>
+            </a:fontRef>
+          </p:style>
+          <p:txBody>
+            <a:bodyPr rot="0" spcFirstLastPara="0" vertOverflow="overflow" horzOverflow="overflow" vert="horz" wrap="square" lIns="91345" tIns="45672" rIns="91345" bIns="45672" numCol="1" spcCol="0" rtlCol="0" fromWordArt="0" anchor="ctr" anchorCtr="0" forceAA="0" compatLnSpc="1">
+              <a:prstTxWarp prst="textNoShape">
+                <a:avLst/>
+              </a:prstTxWarp>
+              <a:noAutofit/>
+            </a:bodyPr>
+            <a:lstStyle/>
+            <a:p>
+              <a:pPr algn="ctr"/>
+              <a:endParaRPr lang="en-US" sz="1798"/>
+            </a:p>
+          </p:txBody>
+        </p:sp>
+        <p:sp>
+          <p:nvSpPr>
+            <p:cNvPr id="5" name="Cilindro 4"/>
+            <p:cNvSpPr/>
+            <p:nvPr/>
+          </p:nvSpPr>
+          <p:spPr>
+            <a:xfrm rot="7200000">
+              <a:off x="4857300" y="1944797"/>
+              <a:ext cx="613511" cy="683178"/>
+            </a:xfrm>
+            <a:prstGeom prst="can">
+              <a:avLst>
+                <a:gd name="adj" fmla="val 55678"/>
+              </a:avLst>
+            </a:prstGeom>
+          </p:spPr>
+          <p:style>
+            <a:lnRef idx="2">
+              <a:schemeClr val="dk1"/>
+            </a:lnRef>
+            <a:fillRef idx="1">
+              <a:schemeClr val="lt1"/>
+            </a:fillRef>
+            <a:effectRef idx="0">
+              <a:schemeClr val="dk1"/>
+            </a:effectRef>
+            <a:fontRef idx="minor">
+              <a:schemeClr val="dk1"/>
+            </a:fontRef>
+          </p:style>
+          <p:txBody>
+            <a:bodyPr rot="0" spcFirstLastPara="0" vertOverflow="overflow" horzOverflow="overflow" vert="horz" wrap="square" lIns="91345" tIns="45672" rIns="91345" bIns="45672" numCol="1" spcCol="0" rtlCol="0" fromWordArt="0" anchor="ctr" anchorCtr="0" forceAA="0" compatLnSpc="1">
+              <a:prstTxWarp prst="textNoShape">
+                <a:avLst/>
+              </a:prstTxWarp>
+              <a:noAutofit/>
+            </a:bodyPr>
+            <a:lstStyle/>
+            <a:p>
+              <a:pPr algn="ctr"/>
+              <a:endParaRPr lang="en-US" sz="1798"/>
+            </a:p>
+          </p:txBody>
+        </p:sp>
+        <p:sp>
+          <p:nvSpPr>
+            <p:cNvPr id="8" name="Cilindro 7"/>
+            <p:cNvSpPr/>
+            <p:nvPr/>
+          </p:nvSpPr>
+          <p:spPr>
+            <a:xfrm rot="16200000">
+              <a:off x="5991467" y="2602691"/>
+              <a:ext cx="613511" cy="683178"/>
+            </a:xfrm>
+            <a:prstGeom prst="can">
+              <a:avLst>
+                <a:gd name="adj" fmla="val 55678"/>
+              </a:avLst>
+            </a:prstGeom>
+          </p:spPr>
+          <p:style>
+            <a:lnRef idx="2">
+              <a:schemeClr val="dk1"/>
+            </a:lnRef>
+            <a:fillRef idx="1">
+              <a:schemeClr val="lt1"/>
+            </a:fillRef>
+            <a:effectRef idx="0">
+              <a:schemeClr val="dk1"/>
+            </a:effectRef>
+            <a:fontRef idx="minor">
+              <a:schemeClr val="dk1"/>
+            </a:fontRef>
+          </p:style>
+          <p:txBody>
+            <a:bodyPr rot="0" spcFirstLastPara="0" vertOverflow="overflow" horzOverflow="overflow" vert="horz" wrap="square" lIns="91345" tIns="45672" rIns="91345" bIns="45672" numCol="1" spcCol="0" rtlCol="0" fromWordArt="0" anchor="ctr" anchorCtr="0" forceAA="0" compatLnSpc="1">
+              <a:prstTxWarp prst="textNoShape">
+                <a:avLst/>
+              </a:prstTxWarp>
+              <a:noAutofit/>
+            </a:bodyPr>
+            <a:lstStyle/>
+            <a:p>
+              <a:pPr algn="ctr"/>
+              <a:endParaRPr lang="en-US" sz="1798"/>
+            </a:p>
+          </p:txBody>
+        </p:sp>
+        <p:sp>
+          <p:nvSpPr>
+            <p:cNvPr id="9" name="Cilindro 8"/>
+            <p:cNvSpPr/>
+            <p:nvPr/>
+          </p:nvSpPr>
+          <p:spPr>
+            <a:xfrm rot="7200000">
+              <a:off x="7135564" y="3207720"/>
+              <a:ext cx="613511" cy="683178"/>
+            </a:xfrm>
+            <a:prstGeom prst="can">
+              <a:avLst>
+                <a:gd name="adj" fmla="val 55678"/>
+              </a:avLst>
+            </a:prstGeom>
+          </p:spPr>
+          <p:style>
+            <a:lnRef idx="2">
+              <a:schemeClr val="dk1"/>
+            </a:lnRef>
+            <a:fillRef idx="1">
+              <a:schemeClr val="lt1"/>
+            </a:fillRef>
+            <a:effectRef idx="0">
+              <a:schemeClr val="dk1"/>
+            </a:effectRef>
+            <a:fontRef idx="minor">
+              <a:schemeClr val="dk1"/>
+            </a:fontRef>
+          </p:style>
+          <p:txBody>
+            <a:bodyPr rot="0" spcFirstLastPara="0" vertOverflow="overflow" horzOverflow="overflow" vert="horz" wrap="square" lIns="91345" tIns="45672" rIns="91345" bIns="45672" numCol="1" spcCol="0" rtlCol="0" fromWordArt="0" anchor="ctr" anchorCtr="0" forceAA="0" compatLnSpc="1">
+              <a:prstTxWarp prst="textNoShape">
+                <a:avLst/>
+              </a:prstTxWarp>
+              <a:noAutofit/>
+            </a:bodyPr>
+            <a:lstStyle/>
+            <a:p>
+              <a:pPr algn="ctr"/>
+              <a:endParaRPr lang="en-US" sz="1798"/>
+            </a:p>
+          </p:txBody>
+        </p:sp>
+        <p:cxnSp>
+          <p:nvCxnSpPr>
+            <p:cNvPr id="16" name="Conector recto 15"/>
+            <p:cNvCxnSpPr>
+              <a:stCxn id="3" idx="4"/>
+              <a:endCxn id="4" idx="2"/>
+            </p:cNvCxnSpPr>
+            <p:nvPr/>
+          </p:nvCxnSpPr>
+          <p:spPr>
+            <a:xfrm flipV="1">
+              <a:off x="4031676" y="2611892"/>
+              <a:ext cx="0" cy="1094509"/>
+            </a:xfrm>
+            <a:prstGeom prst="line">
               <a:avLst/>
-            </a:prstTxWarp>
-            <a:noAutofit/>
-          </a:bodyPr>
-          <a:lstStyle/>
-          <a:p>
-            <a:pPr algn="ctr"/>
-            <a:endParaRPr lang="en-US" sz="1798"/>
-          </a:p>
-        </p:txBody>
-      </p:sp>
-      <p:sp>
-        <p:nvSpPr>
-          <p:cNvPr id="4" name="Cilindro 3"/>
-          <p:cNvSpPr/>
-          <p:nvPr/>
-        </p:nvSpPr>
-        <p:spPr>
-          <a:xfrm rot="16200000">
-            <a:off x="3724920" y="1963548"/>
-            <a:ext cx="613511" cy="683178"/>
-          </a:xfrm>
-          <a:prstGeom prst="can">
-            <a:avLst>
-              <a:gd name="adj" fmla="val 55678"/>
-            </a:avLst>
-          </a:prstGeom>
-        </p:spPr>
-        <p:style>
-          <a:lnRef idx="2">
-            <a:schemeClr val="dk1"/>
-          </a:lnRef>
-          <a:fillRef idx="1">
-            <a:schemeClr val="lt1"/>
-          </a:fillRef>
-          <a:effectRef idx="0">
-            <a:schemeClr val="dk1"/>
-          </a:effectRef>
-          <a:fontRef idx="minor">
-            <a:schemeClr val="dk1"/>
-          </a:fontRef>
-        </p:style>
-        <p:txBody>
-          <a:bodyPr rot="0" spcFirstLastPara="0" vertOverflow="overflow" horzOverflow="overflow" vert="horz" wrap="square" lIns="91345" tIns="45672" rIns="91345" bIns="45672" numCol="1" spcCol="0" rtlCol="0" fromWordArt="0" anchor="ctr" anchorCtr="0" forceAA="0" compatLnSpc="1">
-            <a:prstTxWarp prst="textNoShape">
+            </a:prstGeom>
+            <a:ln w="38100"/>
+          </p:spPr>
+          <p:style>
+            <a:lnRef idx="1">
+              <a:schemeClr val="dk1"/>
+            </a:lnRef>
+            <a:fillRef idx="0">
+              <a:schemeClr val="dk1"/>
+            </a:fillRef>
+            <a:effectRef idx="0">
+              <a:schemeClr val="dk1"/>
+            </a:effectRef>
+            <a:fontRef idx="minor">
+              <a:schemeClr val="tx1"/>
+            </a:fontRef>
+          </p:style>
+        </p:cxnSp>
+        <p:cxnSp>
+          <p:nvCxnSpPr>
+            <p:cNvPr id="18" name="Conector recto 17"/>
+            <p:cNvCxnSpPr/>
+            <p:nvPr/>
+          </p:nvCxnSpPr>
+          <p:spPr>
+            <a:xfrm flipH="1" flipV="1">
+              <a:off x="4008166" y="1641872"/>
+              <a:ext cx="862791" cy="454357"/>
+            </a:xfrm>
+            <a:prstGeom prst="line">
               <a:avLst/>
-            </a:prstTxWarp>
-            <a:noAutofit/>
-          </a:bodyPr>
-          <a:lstStyle/>
-          <a:p>
-            <a:pPr algn="ctr"/>
-            <a:endParaRPr lang="en-US" sz="1798"/>
-          </a:p>
-        </p:txBody>
-      </p:sp>
-      <p:sp>
-        <p:nvSpPr>
-          <p:cNvPr id="5" name="Cilindro 4"/>
-          <p:cNvSpPr/>
-          <p:nvPr/>
-        </p:nvSpPr>
-        <p:spPr>
-          <a:xfrm rot="7200000">
-            <a:off x="4857300" y="1944797"/>
-            <a:ext cx="613511" cy="683178"/>
-          </a:xfrm>
-          <a:prstGeom prst="can">
-            <a:avLst>
-              <a:gd name="adj" fmla="val 55678"/>
-            </a:avLst>
-          </a:prstGeom>
-        </p:spPr>
-        <p:style>
-          <a:lnRef idx="2">
-            <a:schemeClr val="dk1"/>
-          </a:lnRef>
-          <a:fillRef idx="1">
-            <a:schemeClr val="lt1"/>
-          </a:fillRef>
-          <a:effectRef idx="0">
-            <a:schemeClr val="dk1"/>
-          </a:effectRef>
-          <a:fontRef idx="minor">
-            <a:schemeClr val="dk1"/>
-          </a:fontRef>
-        </p:style>
-        <p:txBody>
-          <a:bodyPr rot="0" spcFirstLastPara="0" vertOverflow="overflow" horzOverflow="overflow" vert="horz" wrap="square" lIns="91345" tIns="45672" rIns="91345" bIns="45672" numCol="1" spcCol="0" rtlCol="0" fromWordArt="0" anchor="ctr" anchorCtr="0" forceAA="0" compatLnSpc="1">
-            <a:prstTxWarp prst="textNoShape">
+            </a:prstGeom>
+            <a:ln w="38100"/>
+          </p:spPr>
+          <p:style>
+            <a:lnRef idx="1">
+              <a:schemeClr val="dk1"/>
+            </a:lnRef>
+            <a:fillRef idx="0">
+              <a:schemeClr val="dk1"/>
+            </a:fillRef>
+            <a:effectRef idx="0">
+              <a:schemeClr val="dk1"/>
+            </a:effectRef>
+            <a:fontRef idx="minor">
+              <a:schemeClr val="tx1"/>
+            </a:fontRef>
+          </p:style>
+        </p:cxnSp>
+        <p:cxnSp>
+          <p:nvCxnSpPr>
+            <p:cNvPr id="20" name="Conector recto 19"/>
+            <p:cNvCxnSpPr/>
+            <p:nvPr/>
+          </p:nvCxnSpPr>
+          <p:spPr>
+            <a:xfrm rot="1800000" flipH="1" flipV="1">
+              <a:off x="5263698" y="2578699"/>
+              <a:ext cx="802534" cy="50"/>
+            </a:xfrm>
+            <a:prstGeom prst="line">
               <a:avLst/>
-            </a:prstTxWarp>
-            <a:noAutofit/>
-          </a:bodyPr>
-          <a:lstStyle/>
-          <a:p>
-            <a:pPr algn="ctr"/>
-            <a:endParaRPr lang="en-US" sz="1798"/>
-          </a:p>
-        </p:txBody>
-      </p:sp>
-      <p:sp>
-        <p:nvSpPr>
-          <p:cNvPr id="8" name="Cilindro 7"/>
-          <p:cNvSpPr/>
-          <p:nvPr/>
-        </p:nvSpPr>
-        <p:spPr>
-          <a:xfrm rot="16200000">
-            <a:off x="5991467" y="2602691"/>
-            <a:ext cx="613511" cy="683178"/>
-          </a:xfrm>
-          <a:prstGeom prst="can">
-            <a:avLst>
-              <a:gd name="adj" fmla="val 55678"/>
-            </a:avLst>
-          </a:prstGeom>
-        </p:spPr>
-        <p:style>
-          <a:lnRef idx="2">
-            <a:schemeClr val="dk1"/>
-          </a:lnRef>
-          <a:fillRef idx="1">
-            <a:schemeClr val="lt1"/>
-          </a:fillRef>
-          <a:effectRef idx="0">
-            <a:schemeClr val="dk1"/>
-          </a:effectRef>
-          <a:fontRef idx="minor">
-            <a:schemeClr val="dk1"/>
-          </a:fontRef>
-        </p:style>
-        <p:txBody>
-          <a:bodyPr rot="0" spcFirstLastPara="0" vertOverflow="overflow" horzOverflow="overflow" vert="horz" wrap="square" lIns="91345" tIns="45672" rIns="91345" bIns="45672" numCol="1" spcCol="0" rtlCol="0" fromWordArt="0" anchor="ctr" anchorCtr="0" forceAA="0" compatLnSpc="1">
-            <a:prstTxWarp prst="textNoShape">
+            </a:prstGeom>
+            <a:ln w="38100"/>
+          </p:spPr>
+          <p:style>
+            <a:lnRef idx="1">
+              <a:schemeClr val="dk1"/>
+            </a:lnRef>
+            <a:fillRef idx="0">
+              <a:schemeClr val="dk1"/>
+            </a:fillRef>
+            <a:effectRef idx="0">
+              <a:schemeClr val="dk1"/>
+            </a:effectRef>
+            <a:fontRef idx="minor">
+              <a:schemeClr val="tx1"/>
+            </a:fontRef>
+          </p:style>
+        </p:cxnSp>
+        <p:cxnSp>
+          <p:nvCxnSpPr>
+            <p:cNvPr id="22" name="Conector recto 21"/>
+            <p:cNvCxnSpPr/>
+            <p:nvPr/>
+          </p:nvCxnSpPr>
+          <p:spPr>
+            <a:xfrm rot="1800000" flipH="1">
+              <a:off x="6384348" y="3201572"/>
+              <a:ext cx="831443" cy="0"/>
+            </a:xfrm>
+            <a:prstGeom prst="line">
               <a:avLst/>
-            </a:prstTxWarp>
-            <a:noAutofit/>
-          </a:bodyPr>
-          <a:lstStyle/>
-          <a:p>
-            <a:pPr algn="ctr"/>
-            <a:endParaRPr lang="en-US" sz="1798"/>
-          </a:p>
-        </p:txBody>
-      </p:sp>
-      <p:sp>
-        <p:nvSpPr>
-          <p:cNvPr id="9" name="Cilindro 8"/>
-          <p:cNvSpPr/>
-          <p:nvPr/>
-        </p:nvSpPr>
-        <p:spPr>
-          <a:xfrm rot="7200000">
-            <a:off x="7135564" y="3207720"/>
-            <a:ext cx="613511" cy="683178"/>
-          </a:xfrm>
-          <a:prstGeom prst="can">
-            <a:avLst>
-              <a:gd name="adj" fmla="val 55678"/>
-            </a:avLst>
-          </a:prstGeom>
-        </p:spPr>
-        <p:style>
-          <a:lnRef idx="2">
-            <a:schemeClr val="dk1"/>
-          </a:lnRef>
-          <a:fillRef idx="1">
-            <a:schemeClr val="lt1"/>
-          </a:fillRef>
-          <a:effectRef idx="0">
-            <a:schemeClr val="dk1"/>
-          </a:effectRef>
-          <a:fontRef idx="minor">
-            <a:schemeClr val="dk1"/>
-          </a:fontRef>
-        </p:style>
-        <p:txBody>
-          <a:bodyPr rot="0" spcFirstLastPara="0" vertOverflow="overflow" horzOverflow="overflow" vert="horz" wrap="square" lIns="91345" tIns="45672" rIns="91345" bIns="45672" numCol="1" spcCol="0" rtlCol="0" fromWordArt="0" anchor="ctr" anchorCtr="0" forceAA="0" compatLnSpc="1">
-            <a:prstTxWarp prst="textNoShape">
+            </a:prstGeom>
+            <a:ln w="38100"/>
+          </p:spPr>
+          <p:style>
+            <a:lnRef idx="1">
+              <a:schemeClr val="dk1"/>
+            </a:lnRef>
+            <a:fillRef idx="0">
+              <a:schemeClr val="dk1"/>
+            </a:fillRef>
+            <a:effectRef idx="0">
+              <a:schemeClr val="dk1"/>
+            </a:effectRef>
+            <a:fontRef idx="minor">
+              <a:schemeClr val="tx1"/>
+            </a:fontRef>
+          </p:style>
+        </p:cxnSp>
+        <p:cxnSp>
+          <p:nvCxnSpPr>
+            <p:cNvPr id="27" name="Conector recto 26"/>
+            <p:cNvCxnSpPr/>
+            <p:nvPr/>
+          </p:nvCxnSpPr>
+          <p:spPr>
+            <a:xfrm flipH="1">
+              <a:off x="2580090" y="6049471"/>
+              <a:ext cx="464735" cy="0"/>
+            </a:xfrm>
+            <a:prstGeom prst="line">
               <a:avLst/>
-            </a:prstTxWarp>
-            <a:noAutofit/>
-          </a:bodyPr>
-          <a:lstStyle/>
-          <a:p>
-            <a:pPr algn="ctr"/>
-            <a:endParaRPr lang="en-US" sz="1798"/>
-          </a:p>
-        </p:txBody>
-      </p:sp>
+            </a:prstGeom>
+          </p:spPr>
+          <p:style>
+            <a:lnRef idx="1">
+              <a:schemeClr val="dk1"/>
+            </a:lnRef>
+            <a:fillRef idx="0">
+              <a:schemeClr val="dk1"/>
+            </a:fillRef>
+            <a:effectRef idx="0">
+              <a:schemeClr val="dk1"/>
+            </a:effectRef>
+            <a:fontRef idx="minor">
+              <a:schemeClr val="tx1"/>
+            </a:fontRef>
+          </p:style>
+        </p:cxnSp>
+        <p:cxnSp>
+          <p:nvCxnSpPr>
+            <p:cNvPr id="29" name="Conector recto 28"/>
+            <p:cNvCxnSpPr/>
+            <p:nvPr/>
+          </p:nvCxnSpPr>
+          <p:spPr>
+            <a:xfrm flipV="1">
+              <a:off x="2820469" y="4029518"/>
+              <a:ext cx="0" cy="2019954"/>
+            </a:xfrm>
+            <a:prstGeom prst="line">
+              <a:avLst/>
+            </a:prstGeom>
+          </p:spPr>
+          <p:style>
+            <a:lnRef idx="1">
+              <a:schemeClr val="dk1"/>
+            </a:lnRef>
+            <a:fillRef idx="0">
+              <a:schemeClr val="dk1"/>
+            </a:fillRef>
+            <a:effectRef idx="0">
+              <a:schemeClr val="dk1"/>
+            </a:effectRef>
+            <a:fontRef idx="minor">
+              <a:schemeClr val="tx1"/>
+            </a:fontRef>
+          </p:style>
+        </p:cxnSp>
+        <p:cxnSp>
+          <p:nvCxnSpPr>
+            <p:cNvPr id="31" name="Conector recto 30"/>
+            <p:cNvCxnSpPr/>
+            <p:nvPr/>
+          </p:nvCxnSpPr>
+          <p:spPr>
+            <a:xfrm>
+              <a:off x="2580095" y="4029518"/>
+              <a:ext cx="458772" cy="0"/>
+            </a:xfrm>
+            <a:prstGeom prst="line">
+              <a:avLst/>
+            </a:prstGeom>
+          </p:spPr>
+          <p:style>
+            <a:lnRef idx="1">
+              <a:schemeClr val="dk1"/>
+            </a:lnRef>
+            <a:fillRef idx="0">
+              <a:schemeClr val="dk1"/>
+            </a:fillRef>
+            <a:effectRef idx="0">
+              <a:schemeClr val="dk1"/>
+            </a:effectRef>
+            <a:fontRef idx="minor">
+              <a:schemeClr val="tx1"/>
+            </a:fontRef>
+          </p:style>
+        </p:cxnSp>
+        <p:sp>
+          <p:nvSpPr>
+            <p:cNvPr id="33" name="CuadroTexto 32"/>
+            <p:cNvSpPr txBox="1"/>
+            <p:nvPr/>
+          </p:nvSpPr>
+          <p:spPr>
+            <a:xfrm>
+              <a:off x="2030528" y="4351193"/>
+              <a:ext cx="566181" cy="584327"/>
+            </a:xfrm>
+            <a:prstGeom prst="rect">
+              <a:avLst/>
+            </a:prstGeom>
+            <a:noFill/>
+          </p:spPr>
+          <p:txBody>
+            <a:bodyPr wrap="none" rtlCol="0">
+              <a:spAutoFit/>
+            </a:bodyPr>
+            <a:lstStyle/>
+            <a:p>
+              <a:r>
+                <a:rPr lang="es-CO" sz="3197" b="1" dirty="0"/>
+                <a:t>L1</a:t>
+              </a:r>
+              <a:endParaRPr lang="en-US" sz="3197" b="1" dirty="0"/>
+            </a:p>
+          </p:txBody>
+        </p:sp>
+        <p:cxnSp>
+          <p:nvCxnSpPr>
+            <p:cNvPr id="43" name="Conector recto 42"/>
+            <p:cNvCxnSpPr/>
+            <p:nvPr/>
+          </p:nvCxnSpPr>
+          <p:spPr>
+            <a:xfrm flipH="1">
+              <a:off x="2587622" y="4029298"/>
+              <a:ext cx="464735" cy="0"/>
+            </a:xfrm>
+            <a:prstGeom prst="line">
+              <a:avLst/>
+            </a:prstGeom>
+          </p:spPr>
+          <p:style>
+            <a:lnRef idx="1">
+              <a:schemeClr val="dk1"/>
+            </a:lnRef>
+            <a:fillRef idx="0">
+              <a:schemeClr val="dk1"/>
+            </a:fillRef>
+            <a:effectRef idx="0">
+              <a:schemeClr val="dk1"/>
+            </a:effectRef>
+            <a:fontRef idx="minor">
+              <a:schemeClr val="tx1"/>
+            </a:fontRef>
+          </p:style>
+        </p:cxnSp>
+        <p:cxnSp>
+          <p:nvCxnSpPr>
+            <p:cNvPr id="44" name="Conector recto 43"/>
+            <p:cNvCxnSpPr/>
+            <p:nvPr/>
+          </p:nvCxnSpPr>
+          <p:spPr>
+            <a:xfrm flipV="1">
+              <a:off x="2820469" y="2305131"/>
+              <a:ext cx="0" cy="1724173"/>
+            </a:xfrm>
+            <a:prstGeom prst="line">
+              <a:avLst/>
+            </a:prstGeom>
+          </p:spPr>
+          <p:style>
+            <a:lnRef idx="1">
+              <a:schemeClr val="dk1"/>
+            </a:lnRef>
+            <a:fillRef idx="0">
+              <a:schemeClr val="dk1"/>
+            </a:fillRef>
+            <a:effectRef idx="0">
+              <a:schemeClr val="dk1"/>
+            </a:effectRef>
+            <a:fontRef idx="minor">
+              <a:schemeClr val="tx1"/>
+            </a:fontRef>
+          </p:style>
+        </p:cxnSp>
+        <p:cxnSp>
+          <p:nvCxnSpPr>
+            <p:cNvPr id="45" name="Conector recto 44"/>
+            <p:cNvCxnSpPr/>
+            <p:nvPr/>
+          </p:nvCxnSpPr>
+          <p:spPr>
+            <a:xfrm>
+              <a:off x="2590614" y="2305126"/>
+              <a:ext cx="458772" cy="0"/>
+            </a:xfrm>
+            <a:prstGeom prst="line">
+              <a:avLst/>
+            </a:prstGeom>
+          </p:spPr>
+          <p:style>
+            <a:lnRef idx="1">
+              <a:schemeClr val="dk1"/>
+            </a:lnRef>
+            <a:fillRef idx="0">
+              <a:schemeClr val="dk1"/>
+            </a:fillRef>
+            <a:effectRef idx="0">
+              <a:schemeClr val="dk1"/>
+            </a:effectRef>
+            <a:fontRef idx="minor">
+              <a:schemeClr val="tx1"/>
+            </a:fontRef>
+          </p:style>
+        </p:cxnSp>
+        <p:sp>
+          <p:nvSpPr>
+            <p:cNvPr id="46" name="CuadroTexto 45"/>
+            <p:cNvSpPr txBox="1"/>
+            <p:nvPr/>
+          </p:nvSpPr>
+          <p:spPr>
+            <a:xfrm>
+              <a:off x="1927921" y="2626811"/>
+              <a:ext cx="565590" cy="584327"/>
+            </a:xfrm>
+            <a:prstGeom prst="rect">
+              <a:avLst/>
+            </a:prstGeom>
+            <a:noFill/>
+          </p:spPr>
+          <p:txBody>
+            <a:bodyPr wrap="square" rtlCol="0">
+              <a:spAutoFit/>
+            </a:bodyPr>
+            <a:lstStyle/>
+            <a:p>
+              <a:r>
+                <a:rPr lang="es-CO" sz="3197" b="1" dirty="0"/>
+                <a:t>L3</a:t>
+              </a:r>
+              <a:endParaRPr lang="en-US" sz="3197" b="1" dirty="0"/>
+            </a:p>
+          </p:txBody>
+        </p:sp>
+        <p:cxnSp>
+          <p:nvCxnSpPr>
+            <p:cNvPr id="52" name="Conector recto 51"/>
+            <p:cNvCxnSpPr/>
+            <p:nvPr/>
+          </p:nvCxnSpPr>
+          <p:spPr>
+            <a:xfrm>
+              <a:off x="3518182" y="320865"/>
+              <a:ext cx="0" cy="432689"/>
+            </a:xfrm>
+            <a:prstGeom prst="line">
+              <a:avLst/>
+            </a:prstGeom>
+          </p:spPr>
+          <p:style>
+            <a:lnRef idx="1">
+              <a:schemeClr val="dk1"/>
+            </a:lnRef>
+            <a:fillRef idx="0">
+              <a:schemeClr val="dk1"/>
+            </a:fillRef>
+            <a:effectRef idx="0">
+              <a:schemeClr val="dk1"/>
+            </a:effectRef>
+            <a:fontRef idx="minor">
+              <a:schemeClr val="tx1"/>
+            </a:fontRef>
+          </p:style>
+        </p:cxnSp>
+        <p:cxnSp>
+          <p:nvCxnSpPr>
+            <p:cNvPr id="54" name="Conector recto 53"/>
+            <p:cNvCxnSpPr/>
+            <p:nvPr/>
+          </p:nvCxnSpPr>
+          <p:spPr>
+            <a:xfrm flipH="1">
+              <a:off x="4054597" y="589765"/>
+              <a:ext cx="4246" cy="327578"/>
+            </a:xfrm>
+            <a:prstGeom prst="line">
+              <a:avLst/>
+            </a:prstGeom>
+          </p:spPr>
+          <p:style>
+            <a:lnRef idx="1">
+              <a:schemeClr val="dk1"/>
+            </a:lnRef>
+            <a:fillRef idx="0">
+              <a:schemeClr val="dk1"/>
+            </a:fillRef>
+            <a:effectRef idx="0">
+              <a:schemeClr val="dk1"/>
+            </a:effectRef>
+            <a:fontRef idx="minor">
+              <a:schemeClr val="tx1"/>
+            </a:fontRef>
+          </p:style>
+        </p:cxnSp>
+        <p:cxnSp>
+          <p:nvCxnSpPr>
+            <p:cNvPr id="57" name="Conector recto 56"/>
+            <p:cNvCxnSpPr/>
+            <p:nvPr/>
+          </p:nvCxnSpPr>
+          <p:spPr>
+            <a:xfrm>
+              <a:off x="3518742" y="548383"/>
+              <a:ext cx="535102" cy="253626"/>
+            </a:xfrm>
+            <a:prstGeom prst="line">
+              <a:avLst/>
+            </a:prstGeom>
+          </p:spPr>
+          <p:style>
+            <a:lnRef idx="1">
+              <a:schemeClr val="dk1"/>
+            </a:lnRef>
+            <a:fillRef idx="0">
+              <a:schemeClr val="dk1"/>
+            </a:fillRef>
+            <a:effectRef idx="0">
+              <a:schemeClr val="dk1"/>
+            </a:effectRef>
+            <a:fontRef idx="minor">
+              <a:schemeClr val="tx1"/>
+            </a:fontRef>
+          </p:style>
+        </p:cxnSp>
+        <p:sp>
+          <p:nvSpPr>
+            <p:cNvPr id="58" name="CuadroTexto 57"/>
+            <p:cNvSpPr txBox="1"/>
+            <p:nvPr/>
+          </p:nvSpPr>
+          <p:spPr>
+            <a:xfrm>
+              <a:off x="3543960" y="64603"/>
+              <a:ext cx="604400" cy="584327"/>
+            </a:xfrm>
+            <a:prstGeom prst="rect">
+              <a:avLst/>
+            </a:prstGeom>
+            <a:noFill/>
+          </p:spPr>
+          <p:txBody>
+            <a:bodyPr wrap="square" rtlCol="0">
+              <a:spAutoFit/>
+            </a:bodyPr>
+            <a:lstStyle/>
+            <a:p>
+              <a:r>
+                <a:rPr lang="es-CO" sz="3197" b="1" dirty="0"/>
+                <a:t>L2</a:t>
+              </a:r>
+              <a:endParaRPr lang="en-US" sz="3197" b="1" dirty="0"/>
+            </a:p>
+          </p:txBody>
+        </p:sp>
+        <p:cxnSp>
+          <p:nvCxnSpPr>
+            <p:cNvPr id="60" name="Conector recto 59"/>
+            <p:cNvCxnSpPr/>
+            <p:nvPr/>
+          </p:nvCxnSpPr>
+          <p:spPr>
+            <a:xfrm>
+              <a:off x="4060846" y="631541"/>
+              <a:ext cx="0" cy="432689"/>
+            </a:xfrm>
+            <a:prstGeom prst="line">
+              <a:avLst/>
+            </a:prstGeom>
+          </p:spPr>
+          <p:style>
+            <a:lnRef idx="1">
+              <a:schemeClr val="dk1"/>
+            </a:lnRef>
+            <a:fillRef idx="0">
+              <a:schemeClr val="dk1"/>
+            </a:fillRef>
+            <a:effectRef idx="0">
+              <a:schemeClr val="dk1"/>
+            </a:effectRef>
+            <a:fontRef idx="minor">
+              <a:schemeClr val="tx1"/>
+            </a:fontRef>
+          </p:style>
+        </p:cxnSp>
+        <p:cxnSp>
+          <p:nvCxnSpPr>
+            <p:cNvPr id="61" name="Conector recto 60"/>
+            <p:cNvCxnSpPr/>
+            <p:nvPr/>
+          </p:nvCxnSpPr>
+          <p:spPr>
+            <a:xfrm rot="1800000">
+              <a:off x="3893211" y="1482214"/>
+              <a:ext cx="2699325" cy="0"/>
+            </a:xfrm>
+            <a:prstGeom prst="line">
+              <a:avLst/>
+            </a:prstGeom>
+          </p:spPr>
+          <p:style>
+            <a:lnRef idx="1">
+              <a:schemeClr val="dk1"/>
+            </a:lnRef>
+            <a:fillRef idx="0">
+              <a:schemeClr val="dk1"/>
+            </a:fillRef>
+            <a:effectRef idx="0">
+              <a:schemeClr val="dk1"/>
+            </a:effectRef>
+            <a:fontRef idx="minor">
+              <a:schemeClr val="tx1"/>
+            </a:fontRef>
+          </p:style>
+        </p:cxnSp>
+        <p:sp>
+          <p:nvSpPr>
+            <p:cNvPr id="62" name="CuadroTexto 61"/>
+            <p:cNvSpPr txBox="1"/>
+            <p:nvPr/>
+          </p:nvSpPr>
+          <p:spPr>
+            <a:xfrm>
+              <a:off x="1917956" y="1519955"/>
+              <a:ext cx="566181" cy="584327"/>
+            </a:xfrm>
+            <a:prstGeom prst="rect">
+              <a:avLst/>
+            </a:prstGeom>
+            <a:noFill/>
+          </p:spPr>
+          <p:txBody>
+            <a:bodyPr wrap="none" rtlCol="0">
+              <a:spAutoFit/>
+            </a:bodyPr>
+            <a:lstStyle/>
+            <a:p>
+              <a:r>
+                <a:rPr lang="es-CO" sz="3197" b="1" dirty="0"/>
+                <a:t>L4</a:t>
+              </a:r>
+              <a:endParaRPr lang="en-US" sz="3197" b="1" dirty="0"/>
+            </a:p>
+          </p:txBody>
+        </p:sp>
+        <p:cxnSp>
+          <p:nvCxnSpPr>
+            <p:cNvPr id="66" name="Conector recto 65"/>
+            <p:cNvCxnSpPr/>
+            <p:nvPr/>
+          </p:nvCxnSpPr>
+          <p:spPr>
+            <a:xfrm>
+              <a:off x="6411714" y="2009824"/>
+              <a:ext cx="0" cy="432689"/>
+            </a:xfrm>
+            <a:prstGeom prst="line">
+              <a:avLst/>
+            </a:prstGeom>
+          </p:spPr>
+          <p:style>
+            <a:lnRef idx="1">
+              <a:schemeClr val="dk1"/>
+            </a:lnRef>
+            <a:fillRef idx="0">
+              <a:schemeClr val="dk1"/>
+            </a:fillRef>
+            <a:effectRef idx="0">
+              <a:schemeClr val="dk1"/>
+            </a:effectRef>
+            <a:fontRef idx="minor">
+              <a:schemeClr val="tx1"/>
+            </a:fontRef>
+          </p:style>
+        </p:cxnSp>
+        <p:cxnSp>
+          <p:nvCxnSpPr>
+            <p:cNvPr id="67" name="Conector recto 66"/>
+            <p:cNvCxnSpPr/>
+            <p:nvPr/>
+          </p:nvCxnSpPr>
+          <p:spPr>
+            <a:xfrm flipH="1">
+              <a:off x="7711409" y="2745927"/>
+              <a:ext cx="0" cy="455645"/>
+            </a:xfrm>
+            <a:prstGeom prst="line">
+              <a:avLst/>
+            </a:prstGeom>
+          </p:spPr>
+          <p:style>
+            <a:lnRef idx="1">
+              <a:schemeClr val="dk1"/>
+            </a:lnRef>
+            <a:fillRef idx="0">
+              <a:schemeClr val="dk1"/>
+            </a:fillRef>
+            <a:effectRef idx="0">
+              <a:schemeClr val="dk1"/>
+            </a:effectRef>
+            <a:fontRef idx="minor">
+              <a:schemeClr val="tx1"/>
+            </a:fontRef>
+          </p:style>
+        </p:cxnSp>
+        <p:cxnSp>
+          <p:nvCxnSpPr>
+            <p:cNvPr id="68" name="Conector recto 67"/>
+            <p:cNvCxnSpPr/>
+            <p:nvPr/>
+          </p:nvCxnSpPr>
+          <p:spPr>
+            <a:xfrm>
+              <a:off x="6411720" y="2165572"/>
+              <a:ext cx="1299695" cy="804981"/>
+            </a:xfrm>
+            <a:prstGeom prst="line">
+              <a:avLst/>
+            </a:prstGeom>
+          </p:spPr>
+          <p:style>
+            <a:lnRef idx="1">
+              <a:schemeClr val="dk1"/>
+            </a:lnRef>
+            <a:fillRef idx="0">
+              <a:schemeClr val="dk1"/>
+            </a:fillRef>
+            <a:effectRef idx="0">
+              <a:schemeClr val="dk1"/>
+            </a:effectRef>
+            <a:fontRef idx="minor">
+              <a:schemeClr val="tx1"/>
+            </a:fontRef>
+          </p:style>
+        </p:cxnSp>
+        <p:sp>
+          <p:nvSpPr>
+            <p:cNvPr id="69" name="CuadroTexto 68"/>
+            <p:cNvSpPr txBox="1"/>
+            <p:nvPr/>
+          </p:nvSpPr>
+          <p:spPr>
+            <a:xfrm>
+              <a:off x="5322570" y="856717"/>
+              <a:ext cx="565590" cy="584327"/>
+            </a:xfrm>
+            <a:prstGeom prst="rect">
+              <a:avLst/>
+            </a:prstGeom>
+            <a:noFill/>
+          </p:spPr>
+          <p:txBody>
+            <a:bodyPr wrap="square" rtlCol="0">
+              <a:spAutoFit/>
+            </a:bodyPr>
+            <a:lstStyle/>
+            <a:p>
+              <a:r>
+                <a:rPr lang="es-CO" sz="3197" b="1" dirty="0"/>
+                <a:t>L5</a:t>
+              </a:r>
+              <a:endParaRPr lang="en-US" sz="3197" b="1" dirty="0"/>
+            </a:p>
+          </p:txBody>
+        </p:sp>
+        <p:cxnSp>
+          <p:nvCxnSpPr>
+            <p:cNvPr id="107" name="Conector recto 106"/>
+            <p:cNvCxnSpPr>
+              <a:stCxn id="2" idx="0"/>
+            </p:cNvCxnSpPr>
+            <p:nvPr/>
+          </p:nvCxnSpPr>
+          <p:spPr>
+            <a:xfrm flipV="1">
+              <a:off x="3524430" y="3819762"/>
+              <a:ext cx="19530" cy="1699918"/>
+            </a:xfrm>
+            <a:prstGeom prst="line">
+              <a:avLst/>
+            </a:prstGeom>
+            <a:ln w="38100"/>
+          </p:spPr>
+          <p:style>
+            <a:lnRef idx="1">
+              <a:schemeClr val="dk1"/>
+            </a:lnRef>
+            <a:fillRef idx="0">
+              <a:schemeClr val="dk1"/>
+            </a:fillRef>
+            <a:effectRef idx="0">
+              <a:schemeClr val="dk1"/>
+            </a:effectRef>
+            <a:fontRef idx="minor">
+              <a:schemeClr val="tx1"/>
+            </a:fontRef>
+          </p:style>
+        </p:cxnSp>
+        <p:cxnSp>
+          <p:nvCxnSpPr>
+            <p:cNvPr id="111" name="Conector recto 110"/>
+            <p:cNvCxnSpPr/>
+            <p:nvPr/>
+          </p:nvCxnSpPr>
+          <p:spPr>
+            <a:xfrm>
+              <a:off x="3524426" y="3819761"/>
+              <a:ext cx="224026" cy="87160"/>
+            </a:xfrm>
+            <a:prstGeom prst="line">
+              <a:avLst/>
+            </a:prstGeom>
+            <a:ln w="38100"/>
+          </p:spPr>
+          <p:style>
+            <a:lnRef idx="1">
+              <a:schemeClr val="dk1"/>
+            </a:lnRef>
+            <a:fillRef idx="0">
+              <a:schemeClr val="dk1"/>
+            </a:fillRef>
+            <a:effectRef idx="0">
+              <a:schemeClr val="dk1"/>
+            </a:effectRef>
+            <a:fontRef idx="minor">
+              <a:schemeClr val="tx1"/>
+            </a:fontRef>
+          </p:style>
+        </p:cxnSp>
+        <p:cxnSp>
+          <p:nvCxnSpPr>
+            <p:cNvPr id="15" name="Conector recto 14"/>
+            <p:cNvCxnSpPr>
+              <a:stCxn id="4" idx="4"/>
+            </p:cNvCxnSpPr>
+            <p:nvPr/>
+          </p:nvCxnSpPr>
+          <p:spPr>
+            <a:xfrm flipV="1">
+              <a:off x="4031676" y="1622947"/>
+              <a:ext cx="0" cy="375429"/>
+            </a:xfrm>
+            <a:prstGeom prst="line">
+              <a:avLst/>
+            </a:prstGeom>
+            <a:ln w="57150"/>
+          </p:spPr>
+          <p:style>
+            <a:lnRef idx="1">
+              <a:schemeClr val="dk1"/>
+            </a:lnRef>
+            <a:fillRef idx="0">
+              <a:schemeClr val="dk1"/>
+            </a:fillRef>
+            <a:effectRef idx="0">
+              <a:schemeClr val="dk1"/>
+            </a:effectRef>
+            <a:fontRef idx="minor">
+              <a:schemeClr val="tx1"/>
+            </a:fontRef>
+          </p:style>
+        </p:cxnSp>
+        <p:cxnSp>
+          <p:nvCxnSpPr>
+            <p:cNvPr id="71" name="Conector recto 70"/>
+            <p:cNvCxnSpPr/>
+            <p:nvPr/>
+          </p:nvCxnSpPr>
+          <p:spPr>
+            <a:xfrm>
+              <a:off x="2590614" y="1482214"/>
+              <a:ext cx="458772" cy="0"/>
+            </a:xfrm>
+            <a:prstGeom prst="line">
+              <a:avLst/>
+            </a:prstGeom>
+          </p:spPr>
+          <p:style>
+            <a:lnRef idx="1">
+              <a:schemeClr val="dk1"/>
+            </a:lnRef>
+            <a:fillRef idx="0">
+              <a:schemeClr val="dk1"/>
+            </a:fillRef>
+            <a:effectRef idx="0">
+              <a:schemeClr val="dk1"/>
+            </a:effectRef>
+            <a:fontRef idx="minor">
+              <a:schemeClr val="tx1"/>
+            </a:fontRef>
+          </p:style>
+        </p:cxnSp>
+        <p:cxnSp>
+          <p:nvCxnSpPr>
+            <p:cNvPr id="24" name="Conector recto 23"/>
+            <p:cNvCxnSpPr/>
+            <p:nvPr/>
+          </p:nvCxnSpPr>
+          <p:spPr>
+            <a:xfrm>
+              <a:off x="2819990" y="1482214"/>
+              <a:ext cx="0" cy="872710"/>
+            </a:xfrm>
+            <a:prstGeom prst="line">
+              <a:avLst/>
+            </a:prstGeom>
+          </p:spPr>
+          <p:style>
+            <a:lnRef idx="1">
+              <a:schemeClr val="dk1"/>
+            </a:lnRef>
+            <a:fillRef idx="0">
+              <a:schemeClr val="dk1"/>
+            </a:fillRef>
+            <a:effectRef idx="0">
+              <a:schemeClr val="dk1"/>
+            </a:effectRef>
+            <a:fontRef idx="minor">
+              <a:schemeClr val="tx1"/>
+            </a:fontRef>
+          </p:style>
+        </p:cxnSp>
+        <p:sp>
+          <p:nvSpPr>
+            <p:cNvPr id="78" name="CuadroTexto 77"/>
+            <p:cNvSpPr txBox="1"/>
+            <p:nvPr/>
+          </p:nvSpPr>
+          <p:spPr>
+            <a:xfrm>
+              <a:off x="6993119" y="1998376"/>
+              <a:ext cx="565590" cy="584327"/>
+            </a:xfrm>
+            <a:prstGeom prst="rect">
+              <a:avLst/>
+            </a:prstGeom>
+            <a:noFill/>
+          </p:spPr>
+          <p:txBody>
+            <a:bodyPr wrap="square" rtlCol="0">
+              <a:spAutoFit/>
+            </a:bodyPr>
+            <a:lstStyle/>
+            <a:p>
+              <a:r>
+                <a:rPr lang="es-CO" sz="3197" b="1" dirty="0"/>
+                <a:t>L6</a:t>
+              </a:r>
+              <a:endParaRPr lang="en-US" sz="3197" b="1" dirty="0"/>
+            </a:p>
+          </p:txBody>
+        </p:sp>
+      </p:grpSp>
       <p:cxnSp>
         <p:nvCxnSpPr>
-          <p:cNvPr id="16" name="Conector recto 15"/>
+          <p:cNvPr id="10" name="Conector recto 9"/>
           <p:cNvCxnSpPr>
-            <a:stCxn id="3" idx="4"/>
-            <a:endCxn id="4" idx="2"/>
+            <a:stCxn id="2" idx="3"/>
           </p:cNvCxnSpPr>
           <p:nvPr/>
         </p:nvCxnSpPr>
         <p:spPr>
           <a:xfrm flipV="1">
-            <a:off x="4031676" y="2611892"/>
-            <a:ext cx="0" cy="1094509"/>
+            <a:off x="4294432" y="3638226"/>
+            <a:ext cx="13955" cy="4909815"/>
           </a:xfrm>
           <a:prstGeom prst="line">
             <a:avLst/>
           </a:prstGeom>
-          <a:ln w="38100"/>
+          <a:ln w="28575" cap="flat" cmpd="sng" algn="ctr">
+            <a:solidFill>
+              <a:schemeClr val="accent4"/>
+            </a:solidFill>
+            <a:prstDash val="dash"/>
+            <a:round/>
+            <a:headEnd type="none" w="med" len="med"/>
+            <a:tailEnd type="none" w="med" len="med"/>
+          </a:ln>
         </p:spPr>
         <p:style>
-          <a:lnRef idx="1">
-            <a:schemeClr val="dk1"/>
+          <a:lnRef idx="0">
+            <a:scrgbClr r="0" g="0" b="0"/>
           </a:lnRef>
           <a:fillRef idx="0">
-            <a:schemeClr val="dk1"/>
+            <a:scrgbClr r="0" g="0" b="0"/>
           </a:fillRef>
           <a:effectRef idx="0">
-            <a:schemeClr val="dk1"/>
+            <a:scrgbClr r="0" g="0" b="0"/>
           </a:effectRef>
           <a:fontRef idx="minor">
             <a:schemeClr val="tx1"/>
@@ -20966,29 +21872,37 @@
       </p:cxnSp>
       <p:cxnSp>
         <p:nvCxnSpPr>
-          <p:cNvPr id="18" name="Conector recto 17"/>
+          <p:cNvPr id="47" name="Conector recto 46"/>
           <p:cNvCxnSpPr/>
           <p:nvPr/>
         </p:nvCxnSpPr>
         <p:spPr>
-          <a:xfrm flipH="1" flipV="1">
-            <a:off x="4008166" y="1641872"/>
-            <a:ext cx="862791" cy="454357"/>
+          <a:xfrm>
+            <a:off x="3728843" y="5608822"/>
+            <a:ext cx="2461672" cy="22269"/>
           </a:xfrm>
           <a:prstGeom prst="line">
             <a:avLst/>
           </a:prstGeom>
-          <a:ln w="38100"/>
+          <a:ln w="28575" cap="flat" cmpd="sng" algn="ctr">
+            <a:solidFill>
+              <a:schemeClr val="accent4"/>
+            </a:solidFill>
+            <a:prstDash val="dash"/>
+            <a:round/>
+            <a:headEnd type="none" w="med" len="med"/>
+            <a:tailEnd type="none" w="med" len="med"/>
+          </a:ln>
         </p:spPr>
         <p:style>
-          <a:lnRef idx="1">
-            <a:schemeClr val="dk1"/>
+          <a:lnRef idx="0">
+            <a:scrgbClr r="0" g="0" b="0"/>
           </a:lnRef>
           <a:fillRef idx="0">
-            <a:schemeClr val="dk1"/>
+            <a:scrgbClr r="0" g="0" b="0"/>
           </a:fillRef>
           <a:effectRef idx="0">
-            <a:schemeClr val="dk1"/>
+            <a:scrgbClr r="0" g="0" b="0"/>
           </a:effectRef>
           <a:fontRef idx="minor">
             <a:schemeClr val="tx1"/>
@@ -20997,29 +21911,37 @@
       </p:cxnSp>
       <p:cxnSp>
         <p:nvCxnSpPr>
-          <p:cNvPr id="20" name="Conector recto 19"/>
+          <p:cNvPr id="55" name="Conector recto 54"/>
           <p:cNvCxnSpPr/>
           <p:nvPr/>
         </p:nvCxnSpPr>
         <p:spPr>
-          <a:xfrm rot="1800000" flipH="1" flipV="1">
-            <a:off x="5261269" y="2555560"/>
-            <a:ext cx="802534" cy="50"/>
+          <a:xfrm>
+            <a:off x="6946632" y="4080052"/>
+            <a:ext cx="2461672" cy="22269"/>
           </a:xfrm>
           <a:prstGeom prst="line">
             <a:avLst/>
           </a:prstGeom>
-          <a:ln w="38100"/>
+          <a:ln w="28575" cap="flat" cmpd="sng" algn="ctr">
+            <a:solidFill>
+              <a:schemeClr val="accent4"/>
+            </a:solidFill>
+            <a:prstDash val="dash"/>
+            <a:round/>
+            <a:headEnd type="none" w="med" len="med"/>
+            <a:tailEnd type="none" w="med" len="med"/>
+          </a:ln>
         </p:spPr>
         <p:style>
-          <a:lnRef idx="1">
-            <a:schemeClr val="dk1"/>
+          <a:lnRef idx="0">
+            <a:scrgbClr r="0" g="0" b="0"/>
           </a:lnRef>
           <a:fillRef idx="0">
-            <a:schemeClr val="dk1"/>
+            <a:scrgbClr r="0" g="0" b="0"/>
           </a:fillRef>
           <a:effectRef idx="0">
-            <a:schemeClr val="dk1"/>
+            <a:scrgbClr r="0" g="0" b="0"/>
           </a:effectRef>
           <a:fontRef idx="minor">
             <a:schemeClr val="tx1"/>
@@ -21028,29 +21950,37 @@
       </p:cxnSp>
       <p:cxnSp>
         <p:nvCxnSpPr>
-          <p:cNvPr id="22" name="Conector recto 21"/>
+          <p:cNvPr id="56" name="Conector recto 55"/>
           <p:cNvCxnSpPr/>
           <p:nvPr/>
         </p:nvCxnSpPr>
         <p:spPr>
-          <a:xfrm rot="1800000" flipH="1">
-            <a:off x="6384348" y="3201572"/>
-            <a:ext cx="831443" cy="0"/>
+          <a:xfrm>
+            <a:off x="3727377" y="3188540"/>
+            <a:ext cx="2461672" cy="22269"/>
           </a:xfrm>
           <a:prstGeom prst="line">
             <a:avLst/>
           </a:prstGeom>
-          <a:ln w="38100"/>
+          <a:ln w="28575" cap="flat" cmpd="sng" algn="ctr">
+            <a:solidFill>
+              <a:schemeClr val="accent4"/>
+            </a:solidFill>
+            <a:prstDash val="dash"/>
+            <a:round/>
+            <a:headEnd type="none" w="med" len="med"/>
+            <a:tailEnd type="none" w="med" len="med"/>
+          </a:ln>
         </p:spPr>
         <p:style>
-          <a:lnRef idx="1">
-            <a:schemeClr val="dk1"/>
+          <a:lnRef idx="0">
+            <a:scrgbClr r="0" g="0" b="0"/>
           </a:lnRef>
           <a:fillRef idx="0">
-            <a:schemeClr val="dk1"/>
+            <a:scrgbClr r="0" g="0" b="0"/>
           </a:fillRef>
           <a:effectRef idx="0">
-            <a:schemeClr val="dk1"/>
+            <a:scrgbClr r="0" g="0" b="0"/>
           </a:effectRef>
           <a:fontRef idx="minor">
             <a:schemeClr val="tx1"/>
@@ -21059,88 +21989,37 @@
       </p:cxnSp>
       <p:cxnSp>
         <p:nvCxnSpPr>
-          <p:cNvPr id="27" name="Conector recto 26"/>
-          <p:cNvCxnSpPr/>
-          <p:nvPr/>
-        </p:nvCxnSpPr>
-        <p:spPr>
-          <a:xfrm flipH="1">
-            <a:off x="2580090" y="6049471"/>
-            <a:ext cx="464735" cy="0"/>
-          </a:xfrm>
-          <a:prstGeom prst="line">
-            <a:avLst/>
-          </a:prstGeom>
-        </p:spPr>
-        <p:style>
-          <a:lnRef idx="1">
-            <a:schemeClr val="dk1"/>
-          </a:lnRef>
-          <a:fillRef idx="0">
-            <a:schemeClr val="dk1"/>
-          </a:fillRef>
-          <a:effectRef idx="0">
-            <a:schemeClr val="dk1"/>
-          </a:effectRef>
-          <a:fontRef idx="minor">
-            <a:schemeClr val="tx1"/>
-          </a:fontRef>
-        </p:style>
-      </p:cxnSp>
-      <p:cxnSp>
-        <p:nvCxnSpPr>
-          <p:cNvPr id="29" name="Conector recto 28"/>
-          <p:cNvCxnSpPr/>
-          <p:nvPr/>
-        </p:nvCxnSpPr>
-        <p:spPr>
-          <a:xfrm flipV="1">
-            <a:off x="2820469" y="4029518"/>
-            <a:ext cx="0" cy="2019954"/>
-          </a:xfrm>
-          <a:prstGeom prst="line">
-            <a:avLst/>
-          </a:prstGeom>
-        </p:spPr>
-        <p:style>
-          <a:lnRef idx="1">
-            <a:schemeClr val="dk1"/>
-          </a:lnRef>
-          <a:fillRef idx="0">
-            <a:schemeClr val="dk1"/>
-          </a:fillRef>
-          <a:effectRef idx="0">
-            <a:schemeClr val="dk1"/>
-          </a:effectRef>
-          <a:fontRef idx="minor">
-            <a:schemeClr val="tx1"/>
-          </a:fontRef>
-        </p:style>
-      </p:cxnSp>
-      <p:cxnSp>
-        <p:nvCxnSpPr>
-          <p:cNvPr id="31" name="Conector recto 30"/>
+          <p:cNvPr id="59" name="Conector recto 58"/>
           <p:cNvCxnSpPr/>
           <p:nvPr/>
         </p:nvCxnSpPr>
         <p:spPr>
           <a:xfrm>
-            <a:off x="2580095" y="4029518"/>
-            <a:ext cx="458772" cy="0"/>
+            <a:off x="4452234" y="1955152"/>
+            <a:ext cx="6584227" cy="3694640"/>
           </a:xfrm>
           <a:prstGeom prst="line">
             <a:avLst/>
           </a:prstGeom>
+          <a:ln w="28575" cap="flat" cmpd="sng" algn="ctr">
+            <a:solidFill>
+              <a:schemeClr val="accent4"/>
+            </a:solidFill>
+            <a:prstDash val="dash"/>
+            <a:round/>
+            <a:headEnd type="none" w="med" len="med"/>
+            <a:tailEnd type="none" w="med" len="med"/>
+          </a:ln>
         </p:spPr>
         <p:style>
-          <a:lnRef idx="1">
-            <a:schemeClr val="dk1"/>
+          <a:lnRef idx="0">
+            <a:scrgbClr r="0" g="0" b="0"/>
           </a:lnRef>
           <a:fillRef idx="0">
-            <a:schemeClr val="dk1"/>
+            <a:scrgbClr r="0" g="0" b="0"/>
           </a:fillRef>
           <a:effectRef idx="0">
-            <a:schemeClr val="dk1"/>
+            <a:scrgbClr r="0" g="0" b="0"/>
           </a:effectRef>
           <a:fontRef idx="minor">
             <a:schemeClr val="tx1"/>
@@ -21149,14 +22028,14 @@
       </p:cxnSp>
       <p:sp>
         <p:nvSpPr>
-          <p:cNvPr id="33" name="CuadroTexto 32"/>
+          <p:cNvPr id="32" name="CuadroTexto 31"/>
           <p:cNvSpPr txBox="1"/>
           <p:nvPr/>
         </p:nvSpPr>
         <p:spPr>
           <a:xfrm>
-            <a:off x="2030528" y="4351193"/>
-            <a:ext cx="566181" cy="584327"/>
+            <a:off x="3376386" y="3585056"/>
+            <a:ext cx="987771" cy="584775"/>
           </a:xfrm>
           <a:prstGeom prst="rect">
             <a:avLst/>
@@ -21170,37 +22049,242 @@
           <a:lstStyle/>
           <a:p>
             <a:r>
-              <a:rPr lang="es-CO" sz="3197" b="1" dirty="0"/>
-              <a:t>L1</a:t>
+              <a:rPr lang="es-CO" sz="3200" b="1" dirty="0" smtClean="0">
+                <a:solidFill>
+                  <a:srgbClr val="FFC000"/>
+                </a:solidFill>
+              </a:rPr>
+              <a:t>Eje 1</a:t>
             </a:r>
-            <a:endParaRPr lang="en-US" sz="3197" b="1" dirty="0"/>
+            <a:endParaRPr lang="en-US" sz="3200" b="1" dirty="0">
+              <a:solidFill>
+                <a:srgbClr val="FFC000"/>
+              </a:solidFill>
+            </a:endParaRPr>
+          </a:p>
+        </p:txBody>
+      </p:sp>
+      <p:sp>
+        <p:nvSpPr>
+          <p:cNvPr id="63" name="CuadroTexto 62"/>
+          <p:cNvSpPr txBox="1"/>
+          <p:nvPr/>
+        </p:nvSpPr>
+        <p:spPr>
+          <a:xfrm>
+            <a:off x="6176165" y="5308101"/>
+            <a:ext cx="997389" cy="584775"/>
+          </a:xfrm>
+          <a:prstGeom prst="rect">
+            <a:avLst/>
+          </a:prstGeom>
+          <a:noFill/>
+        </p:spPr>
+        <p:txBody>
+          <a:bodyPr wrap="none" rtlCol="0">
+            <a:spAutoFit/>
+          </a:bodyPr>
+          <a:lstStyle/>
+          <a:p>
+            <a:r>
+              <a:rPr lang="es-CO" sz="3200" b="1" dirty="0" smtClean="0">
+                <a:solidFill>
+                  <a:srgbClr val="FFC000"/>
+                </a:solidFill>
+              </a:rPr>
+              <a:t>Eje 2</a:t>
+            </a:r>
+            <a:endParaRPr lang="en-US" sz="3200" b="1" dirty="0">
+              <a:solidFill>
+                <a:srgbClr val="FFC000"/>
+              </a:solidFill>
+            </a:endParaRPr>
+          </a:p>
+        </p:txBody>
+      </p:sp>
+      <p:sp>
+        <p:nvSpPr>
+          <p:cNvPr id="64" name="CuadroTexto 63"/>
+          <p:cNvSpPr txBox="1"/>
+          <p:nvPr/>
+        </p:nvSpPr>
+        <p:spPr>
+          <a:xfrm>
+            <a:off x="3472320" y="2621027"/>
+            <a:ext cx="997389" cy="584775"/>
+          </a:xfrm>
+          <a:prstGeom prst="rect">
+            <a:avLst/>
+          </a:prstGeom>
+          <a:noFill/>
+        </p:spPr>
+        <p:txBody>
+          <a:bodyPr wrap="none" rtlCol="0">
+            <a:spAutoFit/>
+          </a:bodyPr>
+          <a:lstStyle/>
+          <a:p>
+            <a:r>
+              <a:rPr lang="es-CO" sz="3200" b="1" dirty="0" smtClean="0">
+                <a:solidFill>
+                  <a:srgbClr val="FFC000"/>
+                </a:solidFill>
+              </a:rPr>
+              <a:t>Eje 3</a:t>
+            </a:r>
+            <a:endParaRPr lang="en-US" sz="3200" b="1" dirty="0">
+              <a:solidFill>
+                <a:srgbClr val="FFC000"/>
+              </a:solidFill>
+            </a:endParaRPr>
+          </a:p>
+        </p:txBody>
+      </p:sp>
+      <p:sp>
+        <p:nvSpPr>
+          <p:cNvPr id="65" name="CuadroTexto 64"/>
+          <p:cNvSpPr txBox="1"/>
+          <p:nvPr/>
+        </p:nvSpPr>
+        <p:spPr>
+          <a:xfrm>
+            <a:off x="5229879" y="1888950"/>
+            <a:ext cx="997389" cy="584775"/>
+          </a:xfrm>
+          <a:prstGeom prst="rect">
+            <a:avLst/>
+          </a:prstGeom>
+          <a:noFill/>
+        </p:spPr>
+        <p:txBody>
+          <a:bodyPr wrap="none" rtlCol="0">
+            <a:spAutoFit/>
+          </a:bodyPr>
+          <a:lstStyle/>
+          <a:p>
+            <a:r>
+              <a:rPr lang="es-CO" sz="3200" b="1" dirty="0" smtClean="0">
+                <a:solidFill>
+                  <a:srgbClr val="FFC000"/>
+                </a:solidFill>
+              </a:rPr>
+              <a:t>Eje 4</a:t>
+            </a:r>
+            <a:endParaRPr lang="en-US" sz="3200" b="1" dirty="0">
+              <a:solidFill>
+                <a:srgbClr val="FFC000"/>
+              </a:solidFill>
+            </a:endParaRPr>
+          </a:p>
+        </p:txBody>
+      </p:sp>
+      <p:sp>
+        <p:nvSpPr>
+          <p:cNvPr id="70" name="CuadroTexto 69"/>
+          <p:cNvSpPr txBox="1"/>
+          <p:nvPr/>
+        </p:nvSpPr>
+        <p:spPr>
+          <a:xfrm>
+            <a:off x="5901952" y="3738029"/>
+            <a:ext cx="997389" cy="584775"/>
+          </a:xfrm>
+          <a:prstGeom prst="rect">
+            <a:avLst/>
+          </a:prstGeom>
+          <a:noFill/>
+        </p:spPr>
+        <p:txBody>
+          <a:bodyPr wrap="none" rtlCol="0">
+            <a:spAutoFit/>
+          </a:bodyPr>
+          <a:lstStyle/>
+          <a:p>
+            <a:r>
+              <a:rPr lang="es-CO" sz="3200" b="1" dirty="0" smtClean="0">
+                <a:solidFill>
+                  <a:srgbClr val="FFC000"/>
+                </a:solidFill>
+              </a:rPr>
+              <a:t>Eje 5</a:t>
+            </a:r>
+            <a:endParaRPr lang="en-US" sz="3200" b="1" dirty="0">
+              <a:solidFill>
+                <a:srgbClr val="FFC000"/>
+              </a:solidFill>
+            </a:endParaRPr>
+          </a:p>
+        </p:txBody>
+      </p:sp>
+      <p:sp>
+        <p:nvSpPr>
+          <p:cNvPr id="72" name="CuadroTexto 71"/>
+          <p:cNvSpPr txBox="1"/>
+          <p:nvPr/>
+        </p:nvSpPr>
+        <p:spPr>
+          <a:xfrm>
+            <a:off x="11028604" y="5423606"/>
+            <a:ext cx="997389" cy="584775"/>
+          </a:xfrm>
+          <a:prstGeom prst="rect">
+            <a:avLst/>
+          </a:prstGeom>
+          <a:noFill/>
+        </p:spPr>
+        <p:txBody>
+          <a:bodyPr wrap="none" rtlCol="0">
+            <a:spAutoFit/>
+          </a:bodyPr>
+          <a:lstStyle/>
+          <a:p>
+            <a:r>
+              <a:rPr lang="es-CO" sz="3200" b="1" dirty="0" smtClean="0">
+                <a:solidFill>
+                  <a:srgbClr val="FFC000"/>
+                </a:solidFill>
+              </a:rPr>
+              <a:t>Eje 6</a:t>
+            </a:r>
+            <a:endParaRPr lang="en-US" sz="3200" b="1" dirty="0">
+              <a:solidFill>
+                <a:srgbClr val="FFC000"/>
+              </a:solidFill>
+            </a:endParaRPr>
           </a:p>
         </p:txBody>
       </p:sp>
       <p:cxnSp>
         <p:nvCxnSpPr>
-          <p:cNvPr id="43" name="Conector recto 42"/>
-          <p:cNvCxnSpPr/>
+          <p:cNvPr id="35" name="Conector recto 34"/>
+          <p:cNvCxnSpPr>
+            <a:endCxn id="3" idx="0"/>
+          </p:cNvCxnSpPr>
           <p:nvPr/>
         </p:nvCxnSpPr>
         <p:spPr>
-          <a:xfrm flipH="1">
-            <a:off x="2587622" y="4029298"/>
-            <a:ext cx="464735" cy="0"/>
+          <a:xfrm>
+            <a:off x="4322334" y="5363394"/>
+            <a:ext cx="696593" cy="276222"/>
           </a:xfrm>
           <a:prstGeom prst="line">
             <a:avLst/>
           </a:prstGeom>
+          <a:ln w="28575">
+            <a:solidFill>
+              <a:srgbClr val="92D050"/>
+            </a:solidFill>
+          </a:ln>
         </p:spPr>
         <p:style>
           <a:lnRef idx="1">
-            <a:schemeClr val="dk1"/>
+            <a:schemeClr val="accent1"/>
           </a:lnRef>
           <a:fillRef idx="0">
-            <a:schemeClr val="dk1"/>
+            <a:schemeClr val="accent1"/>
           </a:fillRef>
           <a:effectRef idx="0">
-            <a:schemeClr val="dk1"/>
+            <a:schemeClr val="accent1"/>
           </a:effectRef>
           <a:fontRef idx="minor">
             <a:schemeClr val="tx1"/>
@@ -21209,28 +22293,36 @@
       </p:cxnSp>
       <p:cxnSp>
         <p:nvCxnSpPr>
-          <p:cNvPr id="44" name="Conector recto 43"/>
-          <p:cNvCxnSpPr/>
+          <p:cNvPr id="73" name="Conector recto 72"/>
+          <p:cNvCxnSpPr>
+            <a:stCxn id="4" idx="0"/>
+            <a:endCxn id="3" idx="0"/>
+          </p:cNvCxnSpPr>
           <p:nvPr/>
         </p:nvCxnSpPr>
         <p:spPr>
-          <a:xfrm flipV="1">
-            <a:off x="2820469" y="2305131"/>
-            <a:ext cx="0" cy="1724173"/>
+          <a:xfrm>
+            <a:off x="5018927" y="3200097"/>
+            <a:ext cx="0" cy="2439519"/>
           </a:xfrm>
           <a:prstGeom prst="line">
             <a:avLst/>
           </a:prstGeom>
+          <a:ln w="28575">
+            <a:solidFill>
+              <a:srgbClr val="92D050"/>
+            </a:solidFill>
+          </a:ln>
         </p:spPr>
         <p:style>
           <a:lnRef idx="1">
-            <a:schemeClr val="dk1"/>
+            <a:schemeClr val="accent1"/>
           </a:lnRef>
           <a:fillRef idx="0">
-            <a:schemeClr val="dk1"/>
+            <a:schemeClr val="accent1"/>
           </a:fillRef>
           <a:effectRef idx="0">
-            <a:schemeClr val="dk1"/>
+            <a:schemeClr val="accent1"/>
           </a:effectRef>
           <a:fontRef idx="minor">
             <a:schemeClr val="tx1"/>
@@ -21239,28 +22331,35 @@
       </p:cxnSp>
       <p:cxnSp>
         <p:nvCxnSpPr>
-          <p:cNvPr id="45" name="Conector recto 44"/>
-          <p:cNvCxnSpPr/>
+          <p:cNvPr id="74" name="Conector recto 73"/>
+          <p:cNvCxnSpPr>
+            <a:stCxn id="4" idx="0"/>
+          </p:cNvCxnSpPr>
           <p:nvPr/>
         </p:nvCxnSpPr>
         <p:spPr>
-          <a:xfrm>
-            <a:off x="2590614" y="2305126"/>
-            <a:ext cx="458772" cy="0"/>
+          <a:xfrm flipV="1">
+            <a:off x="5018927" y="2215566"/>
+            <a:ext cx="20991" cy="984531"/>
           </a:xfrm>
           <a:prstGeom prst="line">
             <a:avLst/>
           </a:prstGeom>
+          <a:ln w="28575">
+            <a:solidFill>
+              <a:srgbClr val="92D050"/>
+            </a:solidFill>
+          </a:ln>
         </p:spPr>
         <p:style>
           <a:lnRef idx="1">
-            <a:schemeClr val="dk1"/>
+            <a:schemeClr val="accent1"/>
           </a:lnRef>
           <a:fillRef idx="0">
-            <a:schemeClr val="dk1"/>
+            <a:schemeClr val="accent1"/>
           </a:fillRef>
           <a:effectRef idx="0">
-            <a:schemeClr val="dk1"/>
+            <a:schemeClr val="accent1"/>
           </a:effectRef>
           <a:fontRef idx="minor">
             <a:schemeClr val="tx1"/>
@@ -21269,14 +22368,1475 @@
       </p:cxnSp>
       <p:sp>
         <p:nvSpPr>
-          <p:cNvPr id="46" name="CuadroTexto 45"/>
+          <p:cNvPr id="75" name="Conector 74"/>
+          <p:cNvSpPr/>
+          <p:nvPr/>
+        </p:nvSpPr>
+        <p:spPr>
+          <a:xfrm>
+            <a:off x="4222367" y="5271806"/>
+            <a:ext cx="184465" cy="193289"/>
+          </a:xfrm>
+          <a:prstGeom prst="flowChartConnector">
+            <a:avLst/>
+          </a:prstGeom>
+          <a:solidFill>
+            <a:schemeClr val="accent2"/>
+          </a:solidFill>
+          <a:ln>
+            <a:solidFill>
+              <a:schemeClr val="accent2"/>
+            </a:solidFill>
+          </a:ln>
+        </p:spPr>
+        <p:style>
+          <a:lnRef idx="2">
+            <a:schemeClr val="accent1">
+              <a:shade val="50000"/>
+            </a:schemeClr>
+          </a:lnRef>
+          <a:fillRef idx="1">
+            <a:schemeClr val="accent1"/>
+          </a:fillRef>
+          <a:effectRef idx="0">
+            <a:schemeClr val="accent1"/>
+          </a:effectRef>
+          <a:fontRef idx="minor">
+            <a:schemeClr val="lt1"/>
+          </a:fontRef>
+        </p:style>
+        <p:txBody>
+          <a:bodyPr rtlCol="0" anchor="ctr"/>
+          <a:lstStyle/>
+          <a:p>
+            <a:pPr algn="ctr"/>
+            <a:endParaRPr lang="en-US">
+              <a:solidFill>
+                <a:schemeClr val="accent2"/>
+              </a:solidFill>
+            </a:endParaRPr>
+          </a:p>
+        </p:txBody>
+      </p:sp>
+      <p:cxnSp>
+        <p:nvCxnSpPr>
+          <p:cNvPr id="76" name="Conector recto de flecha 75"/>
+          <p:cNvCxnSpPr/>
+          <p:nvPr/>
+        </p:nvCxnSpPr>
+        <p:spPr>
+          <a:xfrm flipH="1" flipV="1">
+            <a:off x="4303290" y="7563751"/>
+            <a:ext cx="10191" cy="949991"/>
+          </a:xfrm>
+          <a:prstGeom prst="straightConnector1">
+            <a:avLst/>
+          </a:prstGeom>
+          <a:ln w="57150">
+            <a:tailEnd type="triangle"/>
+          </a:ln>
+        </p:spPr>
+        <p:style>
+          <a:lnRef idx="1">
+            <a:schemeClr val="accent1"/>
+          </a:lnRef>
+          <a:fillRef idx="0">
+            <a:schemeClr val="accent1"/>
+          </a:fillRef>
+          <a:effectRef idx="0">
+            <a:schemeClr val="accent1"/>
+          </a:effectRef>
+          <a:fontRef idx="minor">
+            <a:schemeClr val="tx1"/>
+          </a:fontRef>
+        </p:style>
+      </p:cxnSp>
+      <p:cxnSp>
+        <p:nvCxnSpPr>
+          <p:cNvPr id="77" name="Conector recto de flecha 76"/>
+          <p:cNvCxnSpPr/>
+          <p:nvPr/>
+        </p:nvCxnSpPr>
+        <p:spPr>
+          <a:xfrm>
+            <a:off x="4279850" y="8506571"/>
+            <a:ext cx="750273" cy="319855"/>
+          </a:xfrm>
+          <a:prstGeom prst="straightConnector1">
+            <a:avLst/>
+          </a:prstGeom>
+          <a:ln w="38100">
+            <a:solidFill>
+              <a:srgbClr val="FF0000"/>
+            </a:solidFill>
+            <a:tailEnd type="triangle"/>
+          </a:ln>
+        </p:spPr>
+        <p:style>
+          <a:lnRef idx="1">
+            <a:schemeClr val="accent1"/>
+          </a:lnRef>
+          <a:fillRef idx="0">
+            <a:schemeClr val="accent1"/>
+          </a:fillRef>
+          <a:effectRef idx="0">
+            <a:schemeClr val="accent1"/>
+          </a:effectRef>
+          <a:fontRef idx="minor">
+            <a:schemeClr val="tx1"/>
+          </a:fontRef>
+        </p:style>
+      </p:cxnSp>
+      <p:sp>
+        <p:nvSpPr>
+          <p:cNvPr id="79" name="Rectángulo 78"/>
+          <p:cNvSpPr/>
+          <p:nvPr/>
+        </p:nvSpPr>
+        <p:spPr>
+          <a:xfrm>
+            <a:off x="3666385" y="8585001"/>
+            <a:ext cx="655949" cy="369460"/>
+          </a:xfrm>
+          <a:prstGeom prst="rect">
+            <a:avLst/>
+          </a:prstGeom>
+        </p:spPr>
+        <p:txBody>
+          <a:bodyPr wrap="none">
+            <a:spAutoFit/>
+          </a:bodyPr>
+          <a:lstStyle/>
+          <a:p>
+            <a:r>
+              <a:rPr lang="es-CO" b="1" dirty="0">
+                <a:solidFill>
+                  <a:schemeClr val="accent2"/>
+                </a:solidFill>
+                <a:latin typeface="Segoe Print" panose="02000600000000000000" pitchFamily="2" charset="0"/>
+              </a:rPr>
+              <a:t>{</a:t>
+            </a:r>
+            <a:r>
+              <a:rPr lang="es-CO" sz="1600" b="1" dirty="0">
+                <a:solidFill>
+                  <a:schemeClr val="accent2"/>
+                </a:solidFill>
+                <a:latin typeface="Segoe Print" panose="02000600000000000000" pitchFamily="2" charset="0"/>
+              </a:rPr>
+              <a:t>S0</a:t>
+            </a:r>
+            <a:r>
+              <a:rPr lang="es-CO" b="1" dirty="0">
+                <a:solidFill>
+                  <a:schemeClr val="accent2"/>
+                </a:solidFill>
+                <a:latin typeface="Segoe Print" panose="02000600000000000000" pitchFamily="2" charset="0"/>
+              </a:rPr>
+              <a:t>}</a:t>
+            </a:r>
+            <a:endParaRPr lang="en-US" b="1" dirty="0">
+              <a:solidFill>
+                <a:schemeClr val="accent2"/>
+              </a:solidFill>
+              <a:latin typeface="Segoe Print" panose="02000600000000000000" pitchFamily="2" charset="0"/>
+            </a:endParaRPr>
+          </a:p>
+        </p:txBody>
+      </p:sp>
+      <p:sp>
+        <p:nvSpPr>
+          <p:cNvPr id="80" name="CuadroTexto 79"/>
           <p:cNvSpPr txBox="1"/>
           <p:nvPr/>
         </p:nvSpPr>
         <p:spPr>
           <a:xfrm>
-            <a:off x="1927921" y="2626811"/>
-            <a:ext cx="565590" cy="584327"/>
+            <a:off x="4331184" y="7286639"/>
+            <a:ext cx="529312" cy="369460"/>
+          </a:xfrm>
+          <a:prstGeom prst="rect">
+            <a:avLst/>
+          </a:prstGeom>
+          <a:noFill/>
+        </p:spPr>
+        <p:txBody>
+          <a:bodyPr wrap="none" rtlCol="0">
+            <a:spAutoFit/>
+          </a:bodyPr>
+          <a:lstStyle/>
+          <a:p>
+            <a:r>
+              <a:rPr lang="es-CO" dirty="0">
+                <a:solidFill>
+                  <a:schemeClr val="accent1"/>
+                </a:solidFill>
+                <a:latin typeface="Segoe Print" panose="02000600000000000000" pitchFamily="2" charset="0"/>
+              </a:rPr>
+              <a:t>Z0</a:t>
+            </a:r>
+            <a:endParaRPr lang="en-US" dirty="0">
+              <a:solidFill>
+                <a:schemeClr val="accent1"/>
+              </a:solidFill>
+              <a:latin typeface="Segoe Print" panose="02000600000000000000" pitchFamily="2" charset="0"/>
+            </a:endParaRPr>
+          </a:p>
+        </p:txBody>
+      </p:sp>
+      <p:sp>
+        <p:nvSpPr>
+          <p:cNvPr id="81" name="CuadroTexto 80"/>
+          <p:cNvSpPr txBox="1"/>
+          <p:nvPr/>
+        </p:nvSpPr>
+        <p:spPr>
+          <a:xfrm>
+            <a:off x="5007245" y="8641696"/>
+            <a:ext cx="522900" cy="369460"/>
+          </a:xfrm>
+          <a:prstGeom prst="rect">
+            <a:avLst/>
+          </a:prstGeom>
+          <a:noFill/>
+        </p:spPr>
+        <p:txBody>
+          <a:bodyPr wrap="none" rtlCol="0">
+            <a:spAutoFit/>
+          </a:bodyPr>
+          <a:lstStyle/>
+          <a:p>
+            <a:r>
+              <a:rPr lang="es-CO" dirty="0">
+                <a:solidFill>
+                  <a:srgbClr val="FF0000"/>
+                </a:solidFill>
+                <a:latin typeface="Segoe Print" panose="02000600000000000000" pitchFamily="2" charset="0"/>
+              </a:rPr>
+              <a:t>X0</a:t>
+            </a:r>
+            <a:endParaRPr lang="en-US" dirty="0">
+              <a:solidFill>
+                <a:srgbClr val="FF0000"/>
+              </a:solidFill>
+              <a:latin typeface="Segoe Print" panose="02000600000000000000" pitchFamily="2" charset="0"/>
+            </a:endParaRPr>
+          </a:p>
+        </p:txBody>
+      </p:sp>
+      <p:sp>
+        <p:nvSpPr>
+          <p:cNvPr id="82" name="Conector 81"/>
+          <p:cNvSpPr/>
+          <p:nvPr/>
+        </p:nvSpPr>
+        <p:spPr>
+          <a:xfrm>
+            <a:off x="4922539" y="5532257"/>
+            <a:ext cx="184465" cy="193289"/>
+          </a:xfrm>
+          <a:prstGeom prst="flowChartConnector">
+            <a:avLst/>
+          </a:prstGeom>
+          <a:solidFill>
+            <a:schemeClr val="accent2"/>
+          </a:solidFill>
+          <a:ln>
+            <a:solidFill>
+              <a:schemeClr val="accent2"/>
+            </a:solidFill>
+          </a:ln>
+        </p:spPr>
+        <p:style>
+          <a:lnRef idx="2">
+            <a:schemeClr val="accent1">
+              <a:shade val="50000"/>
+            </a:schemeClr>
+          </a:lnRef>
+          <a:fillRef idx="1">
+            <a:schemeClr val="accent1"/>
+          </a:fillRef>
+          <a:effectRef idx="0">
+            <a:schemeClr val="accent1"/>
+          </a:effectRef>
+          <a:fontRef idx="minor">
+            <a:schemeClr val="lt1"/>
+          </a:fontRef>
+        </p:style>
+        <p:txBody>
+          <a:bodyPr rtlCol="0" anchor="ctr"/>
+          <a:lstStyle/>
+          <a:p>
+            <a:pPr algn="ctr"/>
+            <a:endParaRPr lang="en-US">
+              <a:solidFill>
+                <a:schemeClr val="accent2"/>
+              </a:solidFill>
+            </a:endParaRPr>
+          </a:p>
+        </p:txBody>
+      </p:sp>
+      <p:sp>
+        <p:nvSpPr>
+          <p:cNvPr id="83" name="Conector 82"/>
+          <p:cNvSpPr/>
+          <p:nvPr/>
+        </p:nvSpPr>
+        <p:spPr>
+          <a:xfrm>
+            <a:off x="4912925" y="3087963"/>
+            <a:ext cx="184465" cy="193289"/>
+          </a:xfrm>
+          <a:prstGeom prst="flowChartConnector">
+            <a:avLst/>
+          </a:prstGeom>
+          <a:solidFill>
+            <a:schemeClr val="accent2"/>
+          </a:solidFill>
+          <a:ln>
+            <a:solidFill>
+              <a:schemeClr val="accent2"/>
+            </a:solidFill>
+          </a:ln>
+        </p:spPr>
+        <p:style>
+          <a:lnRef idx="2">
+            <a:schemeClr val="accent1">
+              <a:shade val="50000"/>
+            </a:schemeClr>
+          </a:lnRef>
+          <a:fillRef idx="1">
+            <a:schemeClr val="accent1"/>
+          </a:fillRef>
+          <a:effectRef idx="0">
+            <a:schemeClr val="accent1"/>
+          </a:effectRef>
+          <a:fontRef idx="minor">
+            <a:schemeClr val="lt1"/>
+          </a:fontRef>
+        </p:style>
+        <p:txBody>
+          <a:bodyPr rtlCol="0" anchor="ctr"/>
+          <a:lstStyle/>
+          <a:p>
+            <a:pPr algn="ctr"/>
+            <a:endParaRPr lang="en-US">
+              <a:solidFill>
+                <a:schemeClr val="accent2"/>
+              </a:solidFill>
+            </a:endParaRPr>
+          </a:p>
+        </p:txBody>
+      </p:sp>
+      <p:sp>
+        <p:nvSpPr>
+          <p:cNvPr id="84" name="Conector 83"/>
+          <p:cNvSpPr/>
+          <p:nvPr/>
+        </p:nvSpPr>
+        <p:spPr>
+          <a:xfrm>
+            <a:off x="8137999" y="3994541"/>
+            <a:ext cx="184465" cy="193289"/>
+          </a:xfrm>
+          <a:prstGeom prst="flowChartConnector">
+            <a:avLst/>
+          </a:prstGeom>
+          <a:solidFill>
+            <a:schemeClr val="accent2"/>
+          </a:solidFill>
+          <a:ln>
+            <a:solidFill>
+              <a:schemeClr val="accent2"/>
+            </a:solidFill>
+          </a:ln>
+        </p:spPr>
+        <p:style>
+          <a:lnRef idx="2">
+            <a:schemeClr val="accent1">
+              <a:shade val="50000"/>
+            </a:schemeClr>
+          </a:lnRef>
+          <a:fillRef idx="1">
+            <a:schemeClr val="accent1"/>
+          </a:fillRef>
+          <a:effectRef idx="0">
+            <a:schemeClr val="accent1"/>
+          </a:effectRef>
+          <a:fontRef idx="minor">
+            <a:schemeClr val="lt1"/>
+          </a:fontRef>
+        </p:style>
+        <p:txBody>
+          <a:bodyPr rtlCol="0" anchor="ctr"/>
+          <a:lstStyle/>
+          <a:p>
+            <a:pPr algn="ctr"/>
+            <a:endParaRPr lang="en-US">
+              <a:solidFill>
+                <a:schemeClr val="accent2"/>
+              </a:solidFill>
+            </a:endParaRPr>
+          </a:p>
+        </p:txBody>
+      </p:sp>
+      <p:sp>
+        <p:nvSpPr>
+          <p:cNvPr id="85" name="Conector 84"/>
+          <p:cNvSpPr/>
+          <p:nvPr/>
+        </p:nvSpPr>
+        <p:spPr>
+          <a:xfrm>
+            <a:off x="10056495" y="5052427"/>
+            <a:ext cx="184465" cy="193289"/>
+          </a:xfrm>
+          <a:prstGeom prst="flowChartConnector">
+            <a:avLst/>
+          </a:prstGeom>
+          <a:solidFill>
+            <a:schemeClr val="accent2"/>
+          </a:solidFill>
+          <a:ln>
+            <a:solidFill>
+              <a:schemeClr val="accent2"/>
+            </a:solidFill>
+          </a:ln>
+        </p:spPr>
+        <p:style>
+          <a:lnRef idx="2">
+            <a:schemeClr val="accent1">
+              <a:shade val="50000"/>
+            </a:schemeClr>
+          </a:lnRef>
+          <a:fillRef idx="1">
+            <a:schemeClr val="accent1"/>
+          </a:fillRef>
+          <a:effectRef idx="0">
+            <a:schemeClr val="accent1"/>
+          </a:effectRef>
+          <a:fontRef idx="minor">
+            <a:schemeClr val="lt1"/>
+          </a:fontRef>
+        </p:style>
+        <p:txBody>
+          <a:bodyPr rtlCol="0" anchor="ctr"/>
+          <a:lstStyle/>
+          <a:p>
+            <a:pPr algn="ctr"/>
+            <a:endParaRPr lang="en-US">
+              <a:solidFill>
+                <a:schemeClr val="accent2"/>
+              </a:solidFill>
+            </a:endParaRPr>
+          </a:p>
+        </p:txBody>
+      </p:sp>
+      <p:sp>
+        <p:nvSpPr>
+          <p:cNvPr id="86" name="Conector 85"/>
+          <p:cNvSpPr/>
+          <p:nvPr/>
+        </p:nvSpPr>
+        <p:spPr>
+          <a:xfrm>
+            <a:off x="4216154" y="8455659"/>
+            <a:ext cx="184465" cy="193289"/>
+          </a:xfrm>
+          <a:prstGeom prst="flowChartConnector">
+            <a:avLst/>
+          </a:prstGeom>
+          <a:solidFill>
+            <a:schemeClr val="accent2"/>
+          </a:solidFill>
+          <a:ln>
+            <a:solidFill>
+              <a:schemeClr val="accent2"/>
+            </a:solidFill>
+          </a:ln>
+        </p:spPr>
+        <p:style>
+          <a:lnRef idx="2">
+            <a:schemeClr val="accent1">
+              <a:shade val="50000"/>
+            </a:schemeClr>
+          </a:lnRef>
+          <a:fillRef idx="1">
+            <a:schemeClr val="accent1"/>
+          </a:fillRef>
+          <a:effectRef idx="0">
+            <a:schemeClr val="accent1"/>
+          </a:effectRef>
+          <a:fontRef idx="minor">
+            <a:schemeClr val="lt1"/>
+          </a:fontRef>
+        </p:style>
+        <p:txBody>
+          <a:bodyPr rtlCol="0" anchor="ctr"/>
+          <a:lstStyle/>
+          <a:p>
+            <a:pPr algn="ctr"/>
+            <a:endParaRPr lang="en-US">
+              <a:solidFill>
+                <a:schemeClr val="accent2"/>
+              </a:solidFill>
+            </a:endParaRPr>
+          </a:p>
+        </p:txBody>
+      </p:sp>
+      <p:sp>
+        <p:nvSpPr>
+          <p:cNvPr id="87" name="Rectángulo 86"/>
+          <p:cNvSpPr/>
+          <p:nvPr/>
+        </p:nvSpPr>
+        <p:spPr>
+          <a:xfrm>
+            <a:off x="3581855" y="5170676"/>
+            <a:ext cx="655949" cy="369332"/>
+          </a:xfrm>
+          <a:prstGeom prst="rect">
+            <a:avLst/>
+          </a:prstGeom>
+        </p:spPr>
+        <p:txBody>
+          <a:bodyPr wrap="none">
+            <a:spAutoFit/>
+          </a:bodyPr>
+          <a:lstStyle/>
+          <a:p>
+            <a:r>
+              <a:rPr lang="es-CO" b="1" dirty="0">
+                <a:solidFill>
+                  <a:schemeClr val="accent2"/>
+                </a:solidFill>
+                <a:latin typeface="Segoe Print" panose="02000600000000000000" pitchFamily="2" charset="0"/>
+              </a:rPr>
+              <a:t>{</a:t>
+            </a:r>
+            <a:r>
+              <a:rPr lang="es-CO" sz="1600" b="1" dirty="0" smtClean="0">
+                <a:solidFill>
+                  <a:schemeClr val="accent2"/>
+                </a:solidFill>
+                <a:latin typeface="Segoe Print" panose="02000600000000000000" pitchFamily="2" charset="0"/>
+              </a:rPr>
+              <a:t>S1</a:t>
+            </a:r>
+            <a:r>
+              <a:rPr lang="es-CO" b="1" dirty="0" smtClean="0">
+                <a:solidFill>
+                  <a:schemeClr val="accent2"/>
+                </a:solidFill>
+                <a:latin typeface="Segoe Print" panose="02000600000000000000" pitchFamily="2" charset="0"/>
+              </a:rPr>
+              <a:t>}</a:t>
+            </a:r>
+            <a:endParaRPr lang="en-US" b="1" dirty="0">
+              <a:solidFill>
+                <a:schemeClr val="accent2"/>
+              </a:solidFill>
+              <a:latin typeface="Segoe Print" panose="02000600000000000000" pitchFamily="2" charset="0"/>
+            </a:endParaRPr>
+          </a:p>
+        </p:txBody>
+      </p:sp>
+      <p:sp>
+        <p:nvSpPr>
+          <p:cNvPr id="88" name="Rectángulo 87"/>
+          <p:cNvSpPr/>
+          <p:nvPr/>
+        </p:nvSpPr>
+        <p:spPr>
+          <a:xfrm>
+            <a:off x="4912925" y="5666781"/>
+            <a:ext cx="655949" cy="369332"/>
+          </a:xfrm>
+          <a:prstGeom prst="rect">
+            <a:avLst/>
+          </a:prstGeom>
+        </p:spPr>
+        <p:txBody>
+          <a:bodyPr wrap="none">
+            <a:spAutoFit/>
+          </a:bodyPr>
+          <a:lstStyle/>
+          <a:p>
+            <a:r>
+              <a:rPr lang="es-CO" b="1" dirty="0">
+                <a:solidFill>
+                  <a:schemeClr val="accent2"/>
+                </a:solidFill>
+                <a:latin typeface="Segoe Print" panose="02000600000000000000" pitchFamily="2" charset="0"/>
+              </a:rPr>
+              <a:t>{</a:t>
+            </a:r>
+            <a:r>
+              <a:rPr lang="es-CO" sz="1600" b="1" dirty="0" smtClean="0">
+                <a:solidFill>
+                  <a:schemeClr val="accent2"/>
+                </a:solidFill>
+                <a:latin typeface="Segoe Print" panose="02000600000000000000" pitchFamily="2" charset="0"/>
+              </a:rPr>
+              <a:t>S2</a:t>
+            </a:r>
+            <a:r>
+              <a:rPr lang="es-CO" b="1" dirty="0" smtClean="0">
+                <a:solidFill>
+                  <a:schemeClr val="accent2"/>
+                </a:solidFill>
+                <a:latin typeface="Segoe Print" panose="02000600000000000000" pitchFamily="2" charset="0"/>
+              </a:rPr>
+              <a:t>}</a:t>
+            </a:r>
+            <a:endParaRPr lang="en-US" b="1" dirty="0">
+              <a:solidFill>
+                <a:schemeClr val="accent2"/>
+              </a:solidFill>
+              <a:latin typeface="Segoe Print" panose="02000600000000000000" pitchFamily="2" charset="0"/>
+            </a:endParaRPr>
+          </a:p>
+        </p:txBody>
+      </p:sp>
+      <p:sp>
+        <p:nvSpPr>
+          <p:cNvPr id="89" name="Rectángulo 88"/>
+          <p:cNvSpPr/>
+          <p:nvPr/>
+        </p:nvSpPr>
+        <p:spPr>
+          <a:xfrm>
+            <a:off x="4962858" y="3298241"/>
+            <a:ext cx="655949" cy="369332"/>
+          </a:xfrm>
+          <a:prstGeom prst="rect">
+            <a:avLst/>
+          </a:prstGeom>
+        </p:spPr>
+        <p:txBody>
+          <a:bodyPr wrap="none">
+            <a:spAutoFit/>
+          </a:bodyPr>
+          <a:lstStyle/>
+          <a:p>
+            <a:r>
+              <a:rPr lang="es-CO" b="1" dirty="0">
+                <a:solidFill>
+                  <a:schemeClr val="accent2"/>
+                </a:solidFill>
+                <a:latin typeface="Segoe Print" panose="02000600000000000000" pitchFamily="2" charset="0"/>
+              </a:rPr>
+              <a:t>{</a:t>
+            </a:r>
+            <a:r>
+              <a:rPr lang="es-CO" sz="1600" b="1" dirty="0" smtClean="0">
+                <a:solidFill>
+                  <a:schemeClr val="accent2"/>
+                </a:solidFill>
+                <a:latin typeface="Segoe Print" panose="02000600000000000000" pitchFamily="2" charset="0"/>
+              </a:rPr>
+              <a:t>S3</a:t>
+            </a:r>
+            <a:r>
+              <a:rPr lang="es-CO" b="1" dirty="0" smtClean="0">
+                <a:solidFill>
+                  <a:schemeClr val="accent2"/>
+                </a:solidFill>
+                <a:latin typeface="Segoe Print" panose="02000600000000000000" pitchFamily="2" charset="0"/>
+              </a:rPr>
+              <a:t>}</a:t>
+            </a:r>
+            <a:endParaRPr lang="en-US" b="1" dirty="0">
+              <a:solidFill>
+                <a:schemeClr val="accent2"/>
+              </a:solidFill>
+              <a:latin typeface="Segoe Print" panose="02000600000000000000" pitchFamily="2" charset="0"/>
+            </a:endParaRPr>
+          </a:p>
+        </p:txBody>
+      </p:sp>
+      <p:sp>
+        <p:nvSpPr>
+          <p:cNvPr id="90" name="Rectángulo 89"/>
+          <p:cNvSpPr/>
+          <p:nvPr/>
+        </p:nvSpPr>
+        <p:spPr>
+          <a:xfrm>
+            <a:off x="7171124" y="4258039"/>
+            <a:ext cx="1007007" cy="369332"/>
+          </a:xfrm>
+          <a:prstGeom prst="rect">
+            <a:avLst/>
+          </a:prstGeom>
+        </p:spPr>
+        <p:txBody>
+          <a:bodyPr wrap="none">
+            <a:spAutoFit/>
+          </a:bodyPr>
+          <a:lstStyle/>
+          <a:p>
+            <a:r>
+              <a:rPr lang="es-CO" b="1" dirty="0">
+                <a:solidFill>
+                  <a:schemeClr val="accent2"/>
+                </a:solidFill>
+                <a:latin typeface="Segoe Print" panose="02000600000000000000" pitchFamily="2" charset="0"/>
+              </a:rPr>
+              <a:t>{</a:t>
+            </a:r>
+            <a:r>
+              <a:rPr lang="es-CO" sz="1600" b="1" dirty="0" smtClean="0">
+                <a:solidFill>
+                  <a:schemeClr val="accent2"/>
+                </a:solidFill>
+                <a:latin typeface="Segoe Print" panose="02000600000000000000" pitchFamily="2" charset="0"/>
+              </a:rPr>
+              <a:t>S4,S5</a:t>
+            </a:r>
+            <a:r>
+              <a:rPr lang="es-CO" b="1" dirty="0" smtClean="0">
+                <a:solidFill>
+                  <a:schemeClr val="accent2"/>
+                </a:solidFill>
+                <a:latin typeface="Segoe Print" panose="02000600000000000000" pitchFamily="2" charset="0"/>
+              </a:rPr>
+              <a:t>}</a:t>
+            </a:r>
+            <a:endParaRPr lang="en-US" b="1" dirty="0">
+              <a:solidFill>
+                <a:schemeClr val="accent2"/>
+              </a:solidFill>
+              <a:latin typeface="Segoe Print" panose="02000600000000000000" pitchFamily="2" charset="0"/>
+            </a:endParaRPr>
+          </a:p>
+        </p:txBody>
+      </p:sp>
+      <p:sp>
+        <p:nvSpPr>
+          <p:cNvPr id="91" name="Rectángulo 90"/>
+          <p:cNvSpPr/>
+          <p:nvPr/>
+        </p:nvSpPr>
+        <p:spPr>
+          <a:xfrm>
+            <a:off x="9954511" y="5415758"/>
+            <a:ext cx="655949" cy="369332"/>
+          </a:xfrm>
+          <a:prstGeom prst="rect">
+            <a:avLst/>
+          </a:prstGeom>
+        </p:spPr>
+        <p:txBody>
+          <a:bodyPr wrap="none">
+            <a:spAutoFit/>
+          </a:bodyPr>
+          <a:lstStyle/>
+          <a:p>
+            <a:r>
+              <a:rPr lang="es-CO" b="1" dirty="0">
+                <a:solidFill>
+                  <a:schemeClr val="accent2"/>
+                </a:solidFill>
+                <a:latin typeface="Segoe Print" panose="02000600000000000000" pitchFamily="2" charset="0"/>
+              </a:rPr>
+              <a:t>{</a:t>
+            </a:r>
+            <a:r>
+              <a:rPr lang="es-CO" sz="1600" b="1" dirty="0" smtClean="0">
+                <a:solidFill>
+                  <a:schemeClr val="accent2"/>
+                </a:solidFill>
+                <a:latin typeface="Segoe Print" panose="02000600000000000000" pitchFamily="2" charset="0"/>
+              </a:rPr>
+              <a:t>S6</a:t>
+            </a:r>
+            <a:r>
+              <a:rPr lang="es-CO" b="1" dirty="0" smtClean="0">
+                <a:solidFill>
+                  <a:schemeClr val="accent2"/>
+                </a:solidFill>
+                <a:latin typeface="Segoe Print" panose="02000600000000000000" pitchFamily="2" charset="0"/>
+              </a:rPr>
+              <a:t>}</a:t>
+            </a:r>
+            <a:endParaRPr lang="en-US" b="1" dirty="0">
+              <a:solidFill>
+                <a:schemeClr val="accent2"/>
+              </a:solidFill>
+              <a:latin typeface="Segoe Print" panose="02000600000000000000" pitchFamily="2" charset="0"/>
+            </a:endParaRPr>
+          </a:p>
+        </p:txBody>
+      </p:sp>
+      <p:cxnSp>
+        <p:nvCxnSpPr>
+          <p:cNvPr id="92" name="Conector recto de flecha 91"/>
+          <p:cNvCxnSpPr/>
+          <p:nvPr/>
+        </p:nvCxnSpPr>
+        <p:spPr>
+          <a:xfrm flipH="1" flipV="1">
+            <a:off x="4303289" y="4390616"/>
+            <a:ext cx="10191" cy="949991"/>
+          </a:xfrm>
+          <a:prstGeom prst="straightConnector1">
+            <a:avLst/>
+          </a:prstGeom>
+          <a:ln w="57150">
+            <a:tailEnd type="triangle"/>
+          </a:ln>
+        </p:spPr>
+        <p:style>
+          <a:lnRef idx="1">
+            <a:schemeClr val="accent1"/>
+          </a:lnRef>
+          <a:fillRef idx="0">
+            <a:schemeClr val="accent1"/>
+          </a:fillRef>
+          <a:effectRef idx="0">
+            <a:schemeClr val="accent1"/>
+          </a:effectRef>
+          <a:fontRef idx="minor">
+            <a:schemeClr val="tx1"/>
+          </a:fontRef>
+        </p:style>
+      </p:cxnSp>
+      <p:cxnSp>
+        <p:nvCxnSpPr>
+          <p:cNvPr id="93" name="Conector recto de flecha 92"/>
+          <p:cNvCxnSpPr/>
+          <p:nvPr/>
+        </p:nvCxnSpPr>
+        <p:spPr>
+          <a:xfrm flipV="1">
+            <a:off x="5019317" y="5639615"/>
+            <a:ext cx="895507" cy="6057"/>
+          </a:xfrm>
+          <a:prstGeom prst="straightConnector1">
+            <a:avLst/>
+          </a:prstGeom>
+          <a:ln w="57150">
+            <a:tailEnd type="triangle"/>
+          </a:ln>
+        </p:spPr>
+        <p:style>
+          <a:lnRef idx="1">
+            <a:schemeClr val="accent1"/>
+          </a:lnRef>
+          <a:fillRef idx="0">
+            <a:schemeClr val="accent1"/>
+          </a:fillRef>
+          <a:effectRef idx="0">
+            <a:schemeClr val="accent1"/>
+          </a:effectRef>
+          <a:fontRef idx="minor">
+            <a:schemeClr val="tx1"/>
+          </a:fontRef>
+        </p:style>
+      </p:cxnSp>
+      <p:cxnSp>
+        <p:nvCxnSpPr>
+          <p:cNvPr id="94" name="Conector recto de flecha 93"/>
+          <p:cNvCxnSpPr/>
+          <p:nvPr/>
+        </p:nvCxnSpPr>
+        <p:spPr>
+          <a:xfrm flipV="1">
+            <a:off x="5032280" y="3200629"/>
+            <a:ext cx="895507" cy="6057"/>
+          </a:xfrm>
+          <a:prstGeom prst="straightConnector1">
+            <a:avLst/>
+          </a:prstGeom>
+          <a:ln w="57150">
+            <a:tailEnd type="triangle"/>
+          </a:ln>
+        </p:spPr>
+        <p:style>
+          <a:lnRef idx="1">
+            <a:schemeClr val="accent1"/>
+          </a:lnRef>
+          <a:fillRef idx="0">
+            <a:schemeClr val="accent1"/>
+          </a:fillRef>
+          <a:effectRef idx="0">
+            <a:schemeClr val="accent1"/>
+          </a:effectRef>
+          <a:fontRef idx="minor">
+            <a:schemeClr val="tx1"/>
+          </a:fontRef>
+        </p:style>
+      </p:cxnSp>
+      <p:cxnSp>
+        <p:nvCxnSpPr>
+          <p:cNvPr id="95" name="Conector recto de flecha 94"/>
+          <p:cNvCxnSpPr/>
+          <p:nvPr/>
+        </p:nvCxnSpPr>
+        <p:spPr>
+          <a:xfrm flipV="1">
+            <a:off x="8249502" y="4088156"/>
+            <a:ext cx="895507" cy="6057"/>
+          </a:xfrm>
+          <a:prstGeom prst="straightConnector1">
+            <a:avLst/>
+          </a:prstGeom>
+          <a:ln w="57150">
+            <a:tailEnd type="triangle"/>
+          </a:ln>
+        </p:spPr>
+        <p:style>
+          <a:lnRef idx="1">
+            <a:schemeClr val="accent1"/>
+          </a:lnRef>
+          <a:fillRef idx="0">
+            <a:schemeClr val="accent1"/>
+          </a:fillRef>
+          <a:effectRef idx="0">
+            <a:schemeClr val="accent1"/>
+          </a:effectRef>
+          <a:fontRef idx="minor">
+            <a:schemeClr val="tx1"/>
+          </a:fontRef>
+        </p:style>
+      </p:cxnSp>
+      <p:cxnSp>
+        <p:nvCxnSpPr>
+          <p:cNvPr id="96" name="Conector recto de flecha 95"/>
+          <p:cNvCxnSpPr/>
+          <p:nvPr/>
+        </p:nvCxnSpPr>
+        <p:spPr>
+          <a:xfrm>
+            <a:off x="8277854" y="4078627"/>
+            <a:ext cx="798328" cy="441308"/>
+          </a:xfrm>
+          <a:prstGeom prst="straightConnector1">
+            <a:avLst/>
+          </a:prstGeom>
+          <a:ln w="57150">
+            <a:tailEnd type="triangle"/>
+          </a:ln>
+        </p:spPr>
+        <p:style>
+          <a:lnRef idx="1">
+            <a:schemeClr val="accent1"/>
+          </a:lnRef>
+          <a:fillRef idx="0">
+            <a:schemeClr val="accent1"/>
+          </a:fillRef>
+          <a:effectRef idx="0">
+            <a:schemeClr val="accent1"/>
+          </a:effectRef>
+          <a:fontRef idx="minor">
+            <a:schemeClr val="tx1"/>
+          </a:fontRef>
+        </p:style>
+      </p:cxnSp>
+      <p:cxnSp>
+        <p:nvCxnSpPr>
+          <p:cNvPr id="98" name="Conector recto de flecha 97"/>
+          <p:cNvCxnSpPr/>
+          <p:nvPr/>
+        </p:nvCxnSpPr>
+        <p:spPr>
+          <a:xfrm>
+            <a:off x="10162706" y="5159901"/>
+            <a:ext cx="678310" cy="380107"/>
+          </a:xfrm>
+          <a:prstGeom prst="straightConnector1">
+            <a:avLst/>
+          </a:prstGeom>
+          <a:ln w="57150">
+            <a:tailEnd type="triangle"/>
+          </a:ln>
+        </p:spPr>
+        <p:style>
+          <a:lnRef idx="1">
+            <a:schemeClr val="accent1"/>
+          </a:lnRef>
+          <a:fillRef idx="0">
+            <a:schemeClr val="accent1"/>
+          </a:fillRef>
+          <a:effectRef idx="0">
+            <a:schemeClr val="accent1"/>
+          </a:effectRef>
+          <a:fontRef idx="minor">
+            <a:schemeClr val="tx1"/>
+          </a:fontRef>
+        </p:style>
+      </p:cxnSp>
+      <p:sp>
+        <p:nvSpPr>
+          <p:cNvPr id="100" name="CuadroTexto 99"/>
+          <p:cNvSpPr txBox="1"/>
+          <p:nvPr/>
+        </p:nvSpPr>
+        <p:spPr>
+          <a:xfrm>
+            <a:off x="4344664" y="4389488"/>
+            <a:ext cx="529312" cy="369332"/>
+          </a:xfrm>
+          <a:prstGeom prst="rect">
+            <a:avLst/>
+          </a:prstGeom>
+          <a:noFill/>
+        </p:spPr>
+        <p:txBody>
+          <a:bodyPr wrap="none" rtlCol="0">
+            <a:spAutoFit/>
+          </a:bodyPr>
+          <a:lstStyle/>
+          <a:p>
+            <a:r>
+              <a:rPr lang="es-CO" dirty="0" smtClean="0">
+                <a:solidFill>
+                  <a:schemeClr val="accent1"/>
+                </a:solidFill>
+                <a:latin typeface="Segoe Print" panose="02000600000000000000" pitchFamily="2" charset="0"/>
+              </a:rPr>
+              <a:t>Z1</a:t>
+            </a:r>
+            <a:endParaRPr lang="en-US" dirty="0">
+              <a:solidFill>
+                <a:schemeClr val="accent1"/>
+              </a:solidFill>
+              <a:latin typeface="Segoe Print" panose="02000600000000000000" pitchFamily="2" charset="0"/>
+            </a:endParaRPr>
+          </a:p>
+        </p:txBody>
+      </p:sp>
+      <p:sp>
+        <p:nvSpPr>
+          <p:cNvPr id="101" name="CuadroTexto 100"/>
+          <p:cNvSpPr txBox="1"/>
+          <p:nvPr/>
+        </p:nvSpPr>
+        <p:spPr>
+          <a:xfrm>
+            <a:off x="5620003" y="5691789"/>
+            <a:ext cx="529312" cy="369332"/>
+          </a:xfrm>
+          <a:prstGeom prst="rect">
+            <a:avLst/>
+          </a:prstGeom>
+          <a:noFill/>
+        </p:spPr>
+        <p:txBody>
+          <a:bodyPr wrap="none" rtlCol="0">
+            <a:spAutoFit/>
+          </a:bodyPr>
+          <a:lstStyle/>
+          <a:p>
+            <a:r>
+              <a:rPr lang="es-CO" dirty="0" smtClean="0">
+                <a:solidFill>
+                  <a:schemeClr val="accent1"/>
+                </a:solidFill>
+                <a:latin typeface="Segoe Print" panose="02000600000000000000" pitchFamily="2" charset="0"/>
+              </a:rPr>
+              <a:t>Z2</a:t>
+            </a:r>
+            <a:endParaRPr lang="en-US" dirty="0">
+              <a:solidFill>
+                <a:schemeClr val="accent1"/>
+              </a:solidFill>
+              <a:latin typeface="Segoe Print" panose="02000600000000000000" pitchFamily="2" charset="0"/>
+            </a:endParaRPr>
+          </a:p>
+        </p:txBody>
+      </p:sp>
+      <p:sp>
+        <p:nvSpPr>
+          <p:cNvPr id="102" name="CuadroTexto 101"/>
+          <p:cNvSpPr txBox="1"/>
+          <p:nvPr/>
+        </p:nvSpPr>
+        <p:spPr>
+          <a:xfrm>
+            <a:off x="5578245" y="3353217"/>
+            <a:ext cx="529312" cy="369332"/>
+          </a:xfrm>
+          <a:prstGeom prst="rect">
+            <a:avLst/>
+          </a:prstGeom>
+          <a:noFill/>
+        </p:spPr>
+        <p:txBody>
+          <a:bodyPr wrap="none" rtlCol="0">
+            <a:spAutoFit/>
+          </a:bodyPr>
+          <a:lstStyle/>
+          <a:p>
+            <a:r>
+              <a:rPr lang="es-CO" dirty="0" smtClean="0">
+                <a:solidFill>
+                  <a:schemeClr val="accent1"/>
+                </a:solidFill>
+                <a:latin typeface="Segoe Print" panose="02000600000000000000" pitchFamily="2" charset="0"/>
+              </a:rPr>
+              <a:t>Z3</a:t>
+            </a:r>
+            <a:endParaRPr lang="en-US" dirty="0">
+              <a:solidFill>
+                <a:schemeClr val="accent1"/>
+              </a:solidFill>
+              <a:latin typeface="Segoe Print" panose="02000600000000000000" pitchFamily="2" charset="0"/>
+            </a:endParaRPr>
+          </a:p>
+        </p:txBody>
+      </p:sp>
+      <p:sp>
+        <p:nvSpPr>
+          <p:cNvPr id="103" name="CuadroTexto 102"/>
+          <p:cNvSpPr txBox="1"/>
+          <p:nvPr/>
+        </p:nvSpPr>
+        <p:spPr>
+          <a:xfrm>
+            <a:off x="8960569" y="3796081"/>
+            <a:ext cx="529312" cy="369332"/>
+          </a:xfrm>
+          <a:prstGeom prst="rect">
+            <a:avLst/>
+          </a:prstGeom>
+          <a:noFill/>
+        </p:spPr>
+        <p:txBody>
+          <a:bodyPr wrap="none" rtlCol="0">
+            <a:spAutoFit/>
+          </a:bodyPr>
+          <a:lstStyle/>
+          <a:p>
+            <a:r>
+              <a:rPr lang="es-CO" dirty="0" smtClean="0">
+                <a:solidFill>
+                  <a:schemeClr val="accent1"/>
+                </a:solidFill>
+                <a:latin typeface="Segoe Print" panose="02000600000000000000" pitchFamily="2" charset="0"/>
+              </a:rPr>
+              <a:t>Z5</a:t>
+            </a:r>
+            <a:endParaRPr lang="en-US" dirty="0">
+              <a:solidFill>
+                <a:schemeClr val="accent1"/>
+              </a:solidFill>
+              <a:latin typeface="Segoe Print" panose="02000600000000000000" pitchFamily="2" charset="0"/>
+            </a:endParaRPr>
+          </a:p>
+        </p:txBody>
+      </p:sp>
+      <p:sp>
+        <p:nvSpPr>
+          <p:cNvPr id="104" name="CuadroTexto 103"/>
+          <p:cNvSpPr txBox="1"/>
+          <p:nvPr/>
+        </p:nvSpPr>
+        <p:spPr>
+          <a:xfrm>
+            <a:off x="8538134" y="4613553"/>
+            <a:ext cx="529312" cy="369332"/>
+          </a:xfrm>
+          <a:prstGeom prst="rect">
+            <a:avLst/>
+          </a:prstGeom>
+          <a:noFill/>
+        </p:spPr>
+        <p:txBody>
+          <a:bodyPr wrap="none" rtlCol="0">
+            <a:spAutoFit/>
+          </a:bodyPr>
+          <a:lstStyle/>
+          <a:p>
+            <a:r>
+              <a:rPr lang="es-CO" dirty="0" smtClean="0">
+                <a:solidFill>
+                  <a:schemeClr val="accent1"/>
+                </a:solidFill>
+                <a:latin typeface="Segoe Print" panose="02000600000000000000" pitchFamily="2" charset="0"/>
+              </a:rPr>
+              <a:t>Z4</a:t>
+            </a:r>
+            <a:endParaRPr lang="en-US" dirty="0">
+              <a:solidFill>
+                <a:schemeClr val="accent1"/>
+              </a:solidFill>
+              <a:latin typeface="Segoe Print" panose="02000600000000000000" pitchFamily="2" charset="0"/>
+            </a:endParaRPr>
+          </a:p>
+        </p:txBody>
+      </p:sp>
+      <p:sp>
+        <p:nvSpPr>
+          <p:cNvPr id="105" name="CuadroTexto 104"/>
+          <p:cNvSpPr txBox="1"/>
+          <p:nvPr/>
+        </p:nvSpPr>
+        <p:spPr>
+          <a:xfrm>
+            <a:off x="10661735" y="5125843"/>
+            <a:ext cx="529312" cy="369332"/>
+          </a:xfrm>
+          <a:prstGeom prst="rect">
+            <a:avLst/>
+          </a:prstGeom>
+          <a:noFill/>
+        </p:spPr>
+        <p:txBody>
+          <a:bodyPr wrap="none" rtlCol="0">
+            <a:spAutoFit/>
+          </a:bodyPr>
+          <a:lstStyle/>
+          <a:p>
+            <a:r>
+              <a:rPr lang="es-CO" dirty="0" smtClean="0">
+                <a:solidFill>
+                  <a:schemeClr val="accent1"/>
+                </a:solidFill>
+                <a:latin typeface="Segoe Print" panose="02000600000000000000" pitchFamily="2" charset="0"/>
+              </a:rPr>
+              <a:t>Z6</a:t>
+            </a:r>
+            <a:endParaRPr lang="en-US" dirty="0">
+              <a:solidFill>
+                <a:schemeClr val="accent1"/>
+              </a:solidFill>
+              <a:latin typeface="Segoe Print" panose="02000600000000000000" pitchFamily="2" charset="0"/>
+            </a:endParaRPr>
+          </a:p>
+        </p:txBody>
+      </p:sp>
+      <p:cxnSp>
+        <p:nvCxnSpPr>
+          <p:cNvPr id="106" name="Conector recto de flecha 105"/>
+          <p:cNvCxnSpPr/>
+          <p:nvPr/>
+        </p:nvCxnSpPr>
+        <p:spPr>
+          <a:xfrm>
+            <a:off x="4320994" y="5361268"/>
+            <a:ext cx="508596" cy="197112"/>
+          </a:xfrm>
+          <a:prstGeom prst="straightConnector1">
+            <a:avLst/>
+          </a:prstGeom>
+          <a:ln w="57150">
+            <a:solidFill>
+              <a:srgbClr val="FF0000"/>
+            </a:solidFill>
+            <a:tailEnd type="triangle"/>
+          </a:ln>
+        </p:spPr>
+        <p:style>
+          <a:lnRef idx="1">
+            <a:schemeClr val="accent1"/>
+          </a:lnRef>
+          <a:fillRef idx="0">
+            <a:schemeClr val="accent1"/>
+          </a:fillRef>
+          <a:effectRef idx="0">
+            <a:schemeClr val="accent1"/>
+          </a:effectRef>
+          <a:fontRef idx="minor">
+            <a:schemeClr val="tx1"/>
+          </a:fontRef>
+        </p:style>
+      </p:cxnSp>
+      <p:cxnSp>
+        <p:nvCxnSpPr>
+          <p:cNvPr id="108" name="Conector recto de flecha 107"/>
+          <p:cNvCxnSpPr/>
+          <p:nvPr/>
+        </p:nvCxnSpPr>
+        <p:spPr>
+          <a:xfrm flipV="1">
+            <a:off x="5000970" y="4695540"/>
+            <a:ext cx="11434" cy="943128"/>
+          </a:xfrm>
+          <a:prstGeom prst="straightConnector1">
+            <a:avLst/>
+          </a:prstGeom>
+          <a:ln w="57150">
+            <a:solidFill>
+              <a:srgbClr val="FF0000"/>
+            </a:solidFill>
+            <a:tailEnd type="triangle"/>
+          </a:ln>
+        </p:spPr>
+        <p:style>
+          <a:lnRef idx="1">
+            <a:schemeClr val="accent1"/>
+          </a:lnRef>
+          <a:fillRef idx="0">
+            <a:schemeClr val="accent1"/>
+          </a:fillRef>
+          <a:effectRef idx="0">
+            <a:schemeClr val="accent1"/>
+          </a:effectRef>
+          <a:fontRef idx="minor">
+            <a:schemeClr val="tx1"/>
+          </a:fontRef>
+        </p:style>
+      </p:cxnSp>
+      <p:cxnSp>
+        <p:nvCxnSpPr>
+          <p:cNvPr id="113" name="Conector recto de flecha 112"/>
+          <p:cNvCxnSpPr/>
+          <p:nvPr/>
+        </p:nvCxnSpPr>
+        <p:spPr>
+          <a:xfrm flipV="1">
+            <a:off x="5000970" y="2256970"/>
+            <a:ext cx="11434" cy="943128"/>
+          </a:xfrm>
+          <a:prstGeom prst="straightConnector1">
+            <a:avLst/>
+          </a:prstGeom>
+          <a:ln w="57150">
+            <a:solidFill>
+              <a:srgbClr val="FF0000"/>
+            </a:solidFill>
+            <a:tailEnd type="triangle"/>
+          </a:ln>
+        </p:spPr>
+        <p:style>
+          <a:lnRef idx="1">
+            <a:schemeClr val="accent1"/>
+          </a:lnRef>
+          <a:fillRef idx="0">
+            <a:schemeClr val="accent1"/>
+          </a:fillRef>
+          <a:effectRef idx="0">
+            <a:schemeClr val="accent1"/>
+          </a:effectRef>
+          <a:fontRef idx="minor">
+            <a:schemeClr val="tx1"/>
+          </a:fontRef>
+        </p:style>
+      </p:cxnSp>
+      <p:cxnSp>
+        <p:nvCxnSpPr>
+          <p:cNvPr id="114" name="Conector recto de flecha 113"/>
+          <p:cNvCxnSpPr/>
+          <p:nvPr/>
+        </p:nvCxnSpPr>
+        <p:spPr>
+          <a:xfrm flipV="1">
+            <a:off x="8270739" y="3196009"/>
+            <a:ext cx="11434" cy="943128"/>
+          </a:xfrm>
+          <a:prstGeom prst="straightConnector1">
+            <a:avLst/>
+          </a:prstGeom>
+          <a:ln w="57150">
+            <a:solidFill>
+              <a:srgbClr val="FF0000"/>
+            </a:solidFill>
+            <a:tailEnd type="triangle"/>
+          </a:ln>
+        </p:spPr>
+        <p:style>
+          <a:lnRef idx="1">
+            <a:schemeClr val="accent1"/>
+          </a:lnRef>
+          <a:fillRef idx="0">
+            <a:schemeClr val="accent1"/>
+          </a:fillRef>
+          <a:effectRef idx="0">
+            <a:schemeClr val="accent1"/>
+          </a:effectRef>
+          <a:fontRef idx="minor">
+            <a:schemeClr val="tx1"/>
+          </a:fontRef>
+        </p:style>
+      </p:cxnSp>
+      <p:cxnSp>
+        <p:nvCxnSpPr>
+          <p:cNvPr id="115" name="Conector recto de flecha 114"/>
+          <p:cNvCxnSpPr/>
+          <p:nvPr/>
+        </p:nvCxnSpPr>
+        <p:spPr>
+          <a:xfrm flipV="1">
+            <a:off x="10166828" y="4212260"/>
+            <a:ext cx="11434" cy="943128"/>
+          </a:xfrm>
+          <a:prstGeom prst="straightConnector1">
+            <a:avLst/>
+          </a:prstGeom>
+          <a:ln w="57150">
+            <a:solidFill>
+              <a:srgbClr val="FF0000"/>
+            </a:solidFill>
+            <a:tailEnd type="triangle"/>
+          </a:ln>
+        </p:spPr>
+        <p:style>
+          <a:lnRef idx="1">
+            <a:schemeClr val="accent1"/>
+          </a:lnRef>
+          <a:fillRef idx="0">
+            <a:schemeClr val="accent1"/>
+          </a:fillRef>
+          <a:effectRef idx="0">
+            <a:schemeClr val="accent1"/>
+          </a:effectRef>
+          <a:fontRef idx="minor">
+            <a:schemeClr val="tx1"/>
+          </a:fontRef>
+        </p:style>
+      </p:cxnSp>
+      <p:sp>
+        <p:nvSpPr>
+          <p:cNvPr id="116" name="CuadroTexto 115"/>
+          <p:cNvSpPr txBox="1"/>
+          <p:nvPr/>
+        </p:nvSpPr>
+        <p:spPr>
+          <a:xfrm>
+            <a:off x="4314820" y="4998274"/>
+            <a:ext cx="522900" cy="369332"/>
+          </a:xfrm>
+          <a:prstGeom prst="rect">
+            <a:avLst/>
+          </a:prstGeom>
+          <a:noFill/>
+        </p:spPr>
+        <p:txBody>
+          <a:bodyPr wrap="none" rtlCol="0">
+            <a:spAutoFit/>
+          </a:bodyPr>
+          <a:lstStyle/>
+          <a:p>
+            <a:r>
+              <a:rPr lang="es-CO" dirty="0" smtClean="0">
+                <a:solidFill>
+                  <a:srgbClr val="FF0000"/>
+                </a:solidFill>
+                <a:latin typeface="Segoe Print" panose="02000600000000000000" pitchFamily="2" charset="0"/>
+              </a:rPr>
+              <a:t>X1</a:t>
+            </a:r>
+            <a:endParaRPr lang="en-US" dirty="0">
+              <a:solidFill>
+                <a:srgbClr val="FF0000"/>
+              </a:solidFill>
+              <a:latin typeface="Segoe Print" panose="02000600000000000000" pitchFamily="2" charset="0"/>
+            </a:endParaRPr>
+          </a:p>
+        </p:txBody>
+      </p:sp>
+      <p:sp>
+        <p:nvSpPr>
+          <p:cNvPr id="117" name="CuadroTexto 116"/>
+          <p:cNvSpPr txBox="1"/>
+          <p:nvPr/>
+        </p:nvSpPr>
+        <p:spPr>
+          <a:xfrm>
+            <a:off x="5036132" y="4816976"/>
+            <a:ext cx="555389" cy="369460"/>
           </a:xfrm>
           <a:prstGeom prst="rect">
             <a:avLst/>
@@ -21290,203 +23850,33 @@
           <a:lstStyle/>
           <a:p>
             <a:r>
-              <a:rPr lang="es-CO" sz="3197" b="1" dirty="0"/>
-              <a:t>L3</a:t>
+              <a:rPr lang="es-CO" dirty="0" smtClean="0">
+                <a:solidFill>
+                  <a:srgbClr val="FF0000"/>
+                </a:solidFill>
+                <a:latin typeface="Segoe Print" panose="02000600000000000000" pitchFamily="2" charset="0"/>
+              </a:rPr>
+              <a:t>X2</a:t>
             </a:r>
-            <a:endParaRPr lang="en-US" sz="3197" b="1" dirty="0"/>
+            <a:endParaRPr lang="en-US" dirty="0">
+              <a:solidFill>
+                <a:srgbClr val="FF0000"/>
+              </a:solidFill>
+              <a:latin typeface="Segoe Print" panose="02000600000000000000" pitchFamily="2" charset="0"/>
+            </a:endParaRPr>
           </a:p>
         </p:txBody>
       </p:sp>
-      <p:cxnSp>
-        <p:nvCxnSpPr>
-          <p:cNvPr id="52" name="Conector recto 51"/>
-          <p:cNvCxnSpPr/>
-          <p:nvPr/>
-        </p:nvCxnSpPr>
-        <p:spPr>
-          <a:xfrm>
-            <a:off x="3518182" y="320865"/>
-            <a:ext cx="0" cy="432689"/>
-          </a:xfrm>
-          <a:prstGeom prst="line">
-            <a:avLst/>
-          </a:prstGeom>
-        </p:spPr>
-        <p:style>
-          <a:lnRef idx="1">
-            <a:schemeClr val="dk1"/>
-          </a:lnRef>
-          <a:fillRef idx="0">
-            <a:schemeClr val="dk1"/>
-          </a:fillRef>
-          <a:effectRef idx="0">
-            <a:schemeClr val="dk1"/>
-          </a:effectRef>
-          <a:fontRef idx="minor">
-            <a:schemeClr val="tx1"/>
-          </a:fontRef>
-        </p:style>
-      </p:cxnSp>
-      <p:cxnSp>
-        <p:nvCxnSpPr>
-          <p:cNvPr id="54" name="Conector recto 53"/>
-          <p:cNvCxnSpPr/>
-          <p:nvPr/>
-        </p:nvCxnSpPr>
-        <p:spPr>
-          <a:xfrm flipH="1">
-            <a:off x="4054597" y="589765"/>
-            <a:ext cx="4246" cy="327578"/>
-          </a:xfrm>
-          <a:prstGeom prst="line">
-            <a:avLst/>
-          </a:prstGeom>
-        </p:spPr>
-        <p:style>
-          <a:lnRef idx="1">
-            <a:schemeClr val="dk1"/>
-          </a:lnRef>
-          <a:fillRef idx="0">
-            <a:schemeClr val="dk1"/>
-          </a:fillRef>
-          <a:effectRef idx="0">
-            <a:schemeClr val="dk1"/>
-          </a:effectRef>
-          <a:fontRef idx="minor">
-            <a:schemeClr val="tx1"/>
-          </a:fontRef>
-        </p:style>
-      </p:cxnSp>
-      <p:cxnSp>
-        <p:nvCxnSpPr>
-          <p:cNvPr id="57" name="Conector recto 56"/>
-          <p:cNvCxnSpPr/>
-          <p:nvPr/>
-        </p:nvCxnSpPr>
-        <p:spPr>
-          <a:xfrm>
-            <a:off x="3518742" y="548383"/>
-            <a:ext cx="535102" cy="253626"/>
-          </a:xfrm>
-          <a:prstGeom prst="line">
-            <a:avLst/>
-          </a:prstGeom>
-        </p:spPr>
-        <p:style>
-          <a:lnRef idx="1">
-            <a:schemeClr val="dk1"/>
-          </a:lnRef>
-          <a:fillRef idx="0">
-            <a:schemeClr val="dk1"/>
-          </a:fillRef>
-          <a:effectRef idx="0">
-            <a:schemeClr val="dk1"/>
-          </a:effectRef>
-          <a:fontRef idx="minor">
-            <a:schemeClr val="tx1"/>
-          </a:fontRef>
-        </p:style>
-      </p:cxnSp>
       <p:sp>
         <p:nvSpPr>
-          <p:cNvPr id="58" name="CuadroTexto 57"/>
+          <p:cNvPr id="118" name="CuadroTexto 117"/>
           <p:cNvSpPr txBox="1"/>
           <p:nvPr/>
         </p:nvSpPr>
         <p:spPr>
           <a:xfrm>
-            <a:off x="3543960" y="64603"/>
-            <a:ext cx="604400" cy="584327"/>
-          </a:xfrm>
-          <a:prstGeom prst="rect">
-            <a:avLst/>
-          </a:prstGeom>
-          <a:noFill/>
-        </p:spPr>
-        <p:txBody>
-          <a:bodyPr wrap="square" rtlCol="0">
-            <a:spAutoFit/>
-          </a:bodyPr>
-          <a:lstStyle/>
-          <a:p>
-            <a:r>
-              <a:rPr lang="es-CO" sz="3197" b="1" dirty="0"/>
-              <a:t>L2</a:t>
-            </a:r>
-            <a:endParaRPr lang="en-US" sz="3197" b="1" dirty="0"/>
-          </a:p>
-        </p:txBody>
-      </p:sp>
-      <p:cxnSp>
-        <p:nvCxnSpPr>
-          <p:cNvPr id="60" name="Conector recto 59"/>
-          <p:cNvCxnSpPr/>
-          <p:nvPr/>
-        </p:nvCxnSpPr>
-        <p:spPr>
-          <a:xfrm>
-            <a:off x="4060846" y="631541"/>
-            <a:ext cx="0" cy="432689"/>
-          </a:xfrm>
-          <a:prstGeom prst="line">
-            <a:avLst/>
-          </a:prstGeom>
-        </p:spPr>
-        <p:style>
-          <a:lnRef idx="1">
-            <a:schemeClr val="dk1"/>
-          </a:lnRef>
-          <a:fillRef idx="0">
-            <a:schemeClr val="dk1"/>
-          </a:fillRef>
-          <a:effectRef idx="0">
-            <a:schemeClr val="dk1"/>
-          </a:effectRef>
-          <a:fontRef idx="minor">
-            <a:schemeClr val="tx1"/>
-          </a:fontRef>
-        </p:style>
-      </p:cxnSp>
-      <p:cxnSp>
-        <p:nvCxnSpPr>
-          <p:cNvPr id="61" name="Conector recto 60"/>
-          <p:cNvCxnSpPr/>
-          <p:nvPr/>
-        </p:nvCxnSpPr>
-        <p:spPr>
-          <a:xfrm rot="1800000">
-            <a:off x="3893211" y="1482214"/>
-            <a:ext cx="2699325" cy="0"/>
-          </a:xfrm>
-          <a:prstGeom prst="line">
-            <a:avLst/>
-          </a:prstGeom>
-        </p:spPr>
-        <p:style>
-          <a:lnRef idx="1">
-            <a:schemeClr val="dk1"/>
-          </a:lnRef>
-          <a:fillRef idx="0">
-            <a:schemeClr val="dk1"/>
-          </a:fillRef>
-          <a:effectRef idx="0">
-            <a:schemeClr val="dk1"/>
-          </a:effectRef>
-          <a:fontRef idx="minor">
-            <a:schemeClr val="tx1"/>
-          </a:fontRef>
-        </p:style>
-      </p:cxnSp>
-      <p:sp>
-        <p:nvSpPr>
-          <p:cNvPr id="62" name="CuadroTexto 61"/>
-          <p:cNvSpPr txBox="1"/>
-          <p:nvPr/>
-        </p:nvSpPr>
-        <p:spPr>
-          <a:xfrm>
-            <a:off x="1917956" y="1519955"/>
-            <a:ext cx="566181" cy="584327"/>
+            <a:off x="4467370" y="2323432"/>
+            <a:ext cx="522900" cy="369332"/>
           </a:xfrm>
           <a:prstGeom prst="rect">
             <a:avLst/>
@@ -21500,113 +23890,33 @@
           <a:lstStyle/>
           <a:p>
             <a:r>
-              <a:rPr lang="es-CO" sz="3197" b="1" dirty="0"/>
-              <a:t>L4</a:t>
+              <a:rPr lang="es-CO" dirty="0" smtClean="0">
+                <a:solidFill>
+                  <a:srgbClr val="FF0000"/>
+                </a:solidFill>
+                <a:latin typeface="Segoe Print" panose="02000600000000000000" pitchFamily="2" charset="0"/>
+              </a:rPr>
+              <a:t>X3</a:t>
             </a:r>
-            <a:endParaRPr lang="en-US" sz="3197" b="1" dirty="0"/>
+            <a:endParaRPr lang="en-US" dirty="0">
+              <a:solidFill>
+                <a:srgbClr val="FF0000"/>
+              </a:solidFill>
+              <a:latin typeface="Segoe Print" panose="02000600000000000000" pitchFamily="2" charset="0"/>
+            </a:endParaRPr>
           </a:p>
         </p:txBody>
       </p:sp>
-      <p:cxnSp>
-        <p:nvCxnSpPr>
-          <p:cNvPr id="66" name="Conector recto 65"/>
-          <p:cNvCxnSpPr/>
-          <p:nvPr/>
-        </p:nvCxnSpPr>
-        <p:spPr>
-          <a:xfrm>
-            <a:off x="6411714" y="2009824"/>
-            <a:ext cx="0" cy="432689"/>
-          </a:xfrm>
-          <a:prstGeom prst="line">
-            <a:avLst/>
-          </a:prstGeom>
-        </p:spPr>
-        <p:style>
-          <a:lnRef idx="1">
-            <a:schemeClr val="dk1"/>
-          </a:lnRef>
-          <a:fillRef idx="0">
-            <a:schemeClr val="dk1"/>
-          </a:fillRef>
-          <a:effectRef idx="0">
-            <a:schemeClr val="dk1"/>
-          </a:effectRef>
-          <a:fontRef idx="minor">
-            <a:schemeClr val="tx1"/>
-          </a:fontRef>
-        </p:style>
-      </p:cxnSp>
-      <p:cxnSp>
-        <p:nvCxnSpPr>
-          <p:cNvPr id="67" name="Conector recto 66"/>
-          <p:cNvCxnSpPr/>
-          <p:nvPr/>
-        </p:nvCxnSpPr>
-        <p:spPr>
-          <a:xfrm flipH="1">
-            <a:off x="7711409" y="2745927"/>
-            <a:ext cx="0" cy="455645"/>
-          </a:xfrm>
-          <a:prstGeom prst="line">
-            <a:avLst/>
-          </a:prstGeom>
-        </p:spPr>
-        <p:style>
-          <a:lnRef idx="1">
-            <a:schemeClr val="dk1"/>
-          </a:lnRef>
-          <a:fillRef idx="0">
-            <a:schemeClr val="dk1"/>
-          </a:fillRef>
-          <a:effectRef idx="0">
-            <a:schemeClr val="dk1"/>
-          </a:effectRef>
-          <a:fontRef idx="minor">
-            <a:schemeClr val="tx1"/>
-          </a:fontRef>
-        </p:style>
-      </p:cxnSp>
-      <p:cxnSp>
-        <p:nvCxnSpPr>
-          <p:cNvPr id="68" name="Conector recto 67"/>
-          <p:cNvCxnSpPr/>
-          <p:nvPr/>
-        </p:nvCxnSpPr>
-        <p:spPr>
-          <a:xfrm>
-            <a:off x="6411720" y="2165572"/>
-            <a:ext cx="1299695" cy="804981"/>
-          </a:xfrm>
-          <a:prstGeom prst="line">
-            <a:avLst/>
-          </a:prstGeom>
-        </p:spPr>
-        <p:style>
-          <a:lnRef idx="1">
-            <a:schemeClr val="dk1"/>
-          </a:lnRef>
-          <a:fillRef idx="0">
-            <a:schemeClr val="dk1"/>
-          </a:fillRef>
-          <a:effectRef idx="0">
-            <a:schemeClr val="dk1"/>
-          </a:effectRef>
-          <a:fontRef idx="minor">
-            <a:schemeClr val="tx1"/>
-          </a:fontRef>
-        </p:style>
-      </p:cxnSp>
       <p:sp>
         <p:nvSpPr>
-          <p:cNvPr id="69" name="CuadroTexto 68"/>
+          <p:cNvPr id="119" name="CuadroTexto 118"/>
           <p:cNvSpPr txBox="1"/>
           <p:nvPr/>
         </p:nvSpPr>
         <p:spPr>
           <a:xfrm>
-            <a:off x="5322570" y="856717"/>
-            <a:ext cx="565590" cy="584327"/>
+            <a:off x="7379724" y="3003874"/>
+            <a:ext cx="939681" cy="369332"/>
           </a:xfrm>
           <a:prstGeom prst="rect">
             <a:avLst/>
@@ -21614,312 +23924,39 @@
           <a:noFill/>
         </p:spPr>
         <p:txBody>
-          <a:bodyPr wrap="square" rtlCol="0">
+          <a:bodyPr wrap="none" rtlCol="0">
             <a:spAutoFit/>
           </a:bodyPr>
           <a:lstStyle/>
           <a:p>
             <a:r>
-              <a:rPr lang="es-CO" sz="3197" b="1" dirty="0"/>
-              <a:t>L5</a:t>
+              <a:rPr lang="es-CO" dirty="0" smtClean="0">
+                <a:solidFill>
+                  <a:srgbClr val="FF0000"/>
+                </a:solidFill>
+                <a:latin typeface="Segoe Print" panose="02000600000000000000" pitchFamily="2" charset="0"/>
+              </a:rPr>
+              <a:t>X4,X5</a:t>
             </a:r>
-            <a:endParaRPr lang="en-US" sz="3197" b="1" dirty="0"/>
+            <a:endParaRPr lang="en-US" dirty="0">
+              <a:solidFill>
+                <a:srgbClr val="FF0000"/>
+              </a:solidFill>
+              <a:latin typeface="Segoe Print" panose="02000600000000000000" pitchFamily="2" charset="0"/>
+            </a:endParaRPr>
           </a:p>
         </p:txBody>
       </p:sp>
-      <p:cxnSp>
-        <p:nvCxnSpPr>
-          <p:cNvPr id="107" name="Conector recto 106"/>
-          <p:cNvCxnSpPr>
-            <a:stCxn id="2" idx="0"/>
-          </p:cNvCxnSpPr>
-          <p:nvPr/>
-        </p:nvCxnSpPr>
-        <p:spPr>
-          <a:xfrm flipV="1">
-            <a:off x="3524430" y="3819762"/>
-            <a:ext cx="19530" cy="1699918"/>
-          </a:xfrm>
-          <a:prstGeom prst="line">
-            <a:avLst/>
-          </a:prstGeom>
-          <a:ln w="38100"/>
-        </p:spPr>
-        <p:style>
-          <a:lnRef idx="1">
-            <a:schemeClr val="dk1"/>
-          </a:lnRef>
-          <a:fillRef idx="0">
-            <a:schemeClr val="dk1"/>
-          </a:fillRef>
-          <a:effectRef idx="0">
-            <a:schemeClr val="dk1"/>
-          </a:effectRef>
-          <a:fontRef idx="minor">
-            <a:schemeClr val="tx1"/>
-          </a:fontRef>
-        </p:style>
-      </p:cxnSp>
-      <p:cxnSp>
-        <p:nvCxnSpPr>
-          <p:cNvPr id="111" name="Conector recto 110"/>
-          <p:cNvCxnSpPr/>
-          <p:nvPr/>
-        </p:nvCxnSpPr>
-        <p:spPr>
-          <a:xfrm>
-            <a:off x="3524426" y="3819761"/>
-            <a:ext cx="224026" cy="87160"/>
-          </a:xfrm>
-          <a:prstGeom prst="line">
-            <a:avLst/>
-          </a:prstGeom>
-          <a:ln w="38100"/>
-        </p:spPr>
-        <p:style>
-          <a:lnRef idx="1">
-            <a:schemeClr val="dk1"/>
-          </a:lnRef>
-          <a:fillRef idx="0">
-            <a:schemeClr val="dk1"/>
-          </a:fillRef>
-          <a:effectRef idx="0">
-            <a:schemeClr val="dk1"/>
-          </a:effectRef>
-          <a:fontRef idx="minor">
-            <a:schemeClr val="tx1"/>
-          </a:fontRef>
-        </p:style>
-      </p:cxnSp>
-      <mc:AlternateContent xmlns:mc="http://schemas.openxmlformats.org/markup-compatibility/2006" xmlns:a14="http://schemas.microsoft.com/office/drawing/2010/main">
-        <mc:Choice Requires="a14">
-          <p:sp>
-            <p:nvSpPr>
-              <p:cNvPr id="183" name="CuadroTexto 182"/>
-              <p:cNvSpPr txBox="1"/>
-              <p:nvPr/>
-            </p:nvSpPr>
-            <p:spPr>
-              <a:xfrm>
-                <a:off x="6853493" y="6922437"/>
-                <a:ext cx="4736105" cy="614912"/>
-              </a:xfrm>
-              <a:prstGeom prst="rect">
-                <a:avLst/>
-              </a:prstGeom>
-              <a:noFill/>
-            </p:spPr>
-            <p:txBody>
-              <a:bodyPr wrap="none" lIns="0" tIns="0" rIns="0" bIns="0" rtlCol="0">
-                <a:spAutoFit/>
-              </a:bodyPr>
-              <a:lstStyle/>
-              <a:p>
-                <a:pPr/>
-                <a14:m>
-                  <m:oMathPara xmlns:m="http://schemas.openxmlformats.org/officeDocument/2006/math">
-                    <m:oMathParaPr>
-                      <m:jc m:val="centerGroup"/>
-                    </m:oMathParaPr>
-                    <m:oMath xmlns:m="http://schemas.openxmlformats.org/officeDocument/2006/math">
-                      <m:r>
-                        <a:rPr lang="es-CO" sz="3996" i="1">
-                          <a:latin typeface="Cambria Math" panose="02040503050406030204" pitchFamily="18" charset="0"/>
-                        </a:rPr>
-                        <m:t>𝑞</m:t>
-                      </m:r>
-                      <m:r>
-                        <a:rPr lang="es-CO" sz="3996" i="1">
-                          <a:latin typeface="Cambria Math" panose="02040503050406030204" pitchFamily="18" charset="0"/>
-                        </a:rPr>
-                        <m:t>1=</m:t>
-                      </m:r>
-                      <m:r>
-                        <a:rPr lang="es-CO" sz="3996" i="1">
-                          <a:latin typeface="Cambria Math" panose="02040503050406030204" pitchFamily="18" charset="0"/>
-                        </a:rPr>
-                        <m:t>𝑎𝑡𝑎𝑛</m:t>
-                      </m:r>
-                      <m:r>
-                        <a:rPr lang="es-CO" sz="3996" i="1">
-                          <a:latin typeface="Cambria Math" panose="02040503050406030204" pitchFamily="18" charset="0"/>
-                        </a:rPr>
-                        <m:t>2(</m:t>
-                      </m:r>
-                      <m:r>
-                        <a:rPr lang="es-CO" sz="3996" i="1">
-                          <a:latin typeface="Cambria Math" panose="02040503050406030204" pitchFamily="18" charset="0"/>
-                        </a:rPr>
-                        <m:t>𝑌𝑤</m:t>
-                      </m:r>
-                      <m:r>
-                        <a:rPr lang="es-CO" sz="3996" i="1">
-                          <a:latin typeface="Cambria Math" panose="02040503050406030204" pitchFamily="18" charset="0"/>
-                        </a:rPr>
-                        <m:t>,</m:t>
-                      </m:r>
-                      <m:r>
-                        <a:rPr lang="es-CO" sz="3996" i="1">
-                          <a:latin typeface="Cambria Math" panose="02040503050406030204" pitchFamily="18" charset="0"/>
-                        </a:rPr>
-                        <m:t>𝑋𝑤</m:t>
-                      </m:r>
-                      <m:r>
-                        <a:rPr lang="es-CO" sz="3996" i="1">
-                          <a:latin typeface="Cambria Math" panose="02040503050406030204" pitchFamily="18" charset="0"/>
-                        </a:rPr>
-                        <m:t>)</m:t>
-                      </m:r>
-                    </m:oMath>
-                  </m:oMathPara>
-                </a14:m>
-                <a:endParaRPr lang="en-US" sz="3996" dirty="0"/>
-              </a:p>
-            </p:txBody>
-          </p:sp>
-        </mc:Choice>
-        <mc:Fallback xmlns="">
-          <p:sp>
-            <p:nvSpPr>
-              <p:cNvPr id="183" name="CuadroTexto 182"/>
-              <p:cNvSpPr txBox="1">
-                <a:spLocks noRot="1" noChangeAspect="1" noMove="1" noResize="1" noEditPoints="1" noAdjustHandles="1" noChangeArrowheads="1" noChangeShapeType="1" noTextEdit="1"/>
-              </p:cNvSpPr>
-              <p:nvPr/>
-            </p:nvSpPr>
-            <p:spPr>
-              <a:xfrm>
-                <a:off x="6853493" y="6922437"/>
-                <a:ext cx="4736105" cy="614912"/>
-              </a:xfrm>
-              <a:prstGeom prst="rect">
-                <a:avLst/>
-              </a:prstGeom>
-              <a:blipFill>
-                <a:blip r:embed="rId2"/>
-                <a:stretch>
-                  <a:fillRect/>
-                </a:stretch>
-              </a:blipFill>
-            </p:spPr>
-            <p:txBody>
-              <a:bodyPr/>
-              <a:lstStyle/>
-              <a:p>
-                <a:r>
-                  <a:rPr lang="en-US">
-                    <a:noFill/>
-                  </a:rPr>
-                  <a:t> </a:t>
-                </a:r>
-              </a:p>
-            </p:txBody>
-          </p:sp>
-        </mc:Fallback>
-      </mc:AlternateContent>
-      <p:cxnSp>
-        <p:nvCxnSpPr>
-          <p:cNvPr id="15" name="Conector recto 14"/>
-          <p:cNvCxnSpPr>
-            <a:stCxn id="4" idx="4"/>
-          </p:cNvCxnSpPr>
-          <p:nvPr/>
-        </p:nvCxnSpPr>
-        <p:spPr>
-          <a:xfrm flipV="1">
-            <a:off x="4031676" y="1622947"/>
-            <a:ext cx="0" cy="375429"/>
-          </a:xfrm>
-          <a:prstGeom prst="line">
-            <a:avLst/>
-          </a:prstGeom>
-          <a:ln w="57150"/>
-        </p:spPr>
-        <p:style>
-          <a:lnRef idx="1">
-            <a:schemeClr val="dk1"/>
-          </a:lnRef>
-          <a:fillRef idx="0">
-            <a:schemeClr val="dk1"/>
-          </a:fillRef>
-          <a:effectRef idx="0">
-            <a:schemeClr val="dk1"/>
-          </a:effectRef>
-          <a:fontRef idx="minor">
-            <a:schemeClr val="tx1"/>
-          </a:fontRef>
-        </p:style>
-      </p:cxnSp>
-      <p:cxnSp>
-        <p:nvCxnSpPr>
-          <p:cNvPr id="71" name="Conector recto 70"/>
-          <p:cNvCxnSpPr/>
-          <p:nvPr/>
-        </p:nvCxnSpPr>
-        <p:spPr>
-          <a:xfrm>
-            <a:off x="2590614" y="1482214"/>
-            <a:ext cx="458772" cy="0"/>
-          </a:xfrm>
-          <a:prstGeom prst="line">
-            <a:avLst/>
-          </a:prstGeom>
-        </p:spPr>
-        <p:style>
-          <a:lnRef idx="1">
-            <a:schemeClr val="dk1"/>
-          </a:lnRef>
-          <a:fillRef idx="0">
-            <a:schemeClr val="dk1"/>
-          </a:fillRef>
-          <a:effectRef idx="0">
-            <a:schemeClr val="dk1"/>
-          </a:effectRef>
-          <a:fontRef idx="minor">
-            <a:schemeClr val="tx1"/>
-          </a:fontRef>
-        </p:style>
-      </p:cxnSp>
-      <p:cxnSp>
-        <p:nvCxnSpPr>
-          <p:cNvPr id="24" name="Conector recto 23"/>
-          <p:cNvCxnSpPr/>
-          <p:nvPr/>
-        </p:nvCxnSpPr>
-        <p:spPr>
-          <a:xfrm>
-            <a:off x="2819990" y="1482214"/>
-            <a:ext cx="0" cy="872710"/>
-          </a:xfrm>
-          <a:prstGeom prst="line">
-            <a:avLst/>
-          </a:prstGeom>
-        </p:spPr>
-        <p:style>
-          <a:lnRef idx="1">
-            <a:schemeClr val="dk1"/>
-          </a:lnRef>
-          <a:fillRef idx="0">
-            <a:schemeClr val="dk1"/>
-          </a:fillRef>
-          <a:effectRef idx="0">
-            <a:schemeClr val="dk1"/>
-          </a:effectRef>
-          <a:fontRef idx="minor">
-            <a:schemeClr val="tx1"/>
-          </a:fontRef>
-        </p:style>
-      </p:cxnSp>
       <p:sp>
         <p:nvSpPr>
-          <p:cNvPr id="78" name="CuadroTexto 77"/>
+          <p:cNvPr id="120" name="CuadroTexto 119"/>
           <p:cNvSpPr txBox="1"/>
           <p:nvPr/>
         </p:nvSpPr>
         <p:spPr>
           <a:xfrm>
-            <a:off x="6993119" y="1998376"/>
-            <a:ext cx="565590" cy="584327"/>
+            <a:off x="10176301" y="4389293"/>
+            <a:ext cx="522900" cy="369332"/>
           </a:xfrm>
           <a:prstGeom prst="rect">
             <a:avLst/>
@@ -21927,444 +23964,29 @@
           <a:noFill/>
         </p:spPr>
         <p:txBody>
-          <a:bodyPr wrap="square" rtlCol="0">
+          <a:bodyPr wrap="none" rtlCol="0">
             <a:spAutoFit/>
           </a:bodyPr>
           <a:lstStyle/>
           <a:p>
             <a:r>
-              <a:rPr lang="es-CO" sz="3197" b="1" dirty="0"/>
-              <a:t>L6</a:t>
+              <a:rPr lang="es-CO" dirty="0" smtClean="0">
+                <a:solidFill>
+                  <a:srgbClr val="FF0000"/>
+                </a:solidFill>
+                <a:latin typeface="Segoe Print" panose="02000600000000000000" pitchFamily="2" charset="0"/>
+              </a:rPr>
+              <a:t>X6</a:t>
             </a:r>
-            <a:endParaRPr lang="en-US" sz="3197" b="1" dirty="0"/>
+            <a:endParaRPr lang="en-US" dirty="0">
+              <a:solidFill>
+                <a:srgbClr val="FF0000"/>
+              </a:solidFill>
+              <a:latin typeface="Segoe Print" panose="02000600000000000000" pitchFamily="2" charset="0"/>
+            </a:endParaRPr>
           </a:p>
         </p:txBody>
       </p:sp>
-      <mc:AlternateContent xmlns:mc="http://schemas.openxmlformats.org/markup-compatibility/2006" xmlns:a14="http://schemas.microsoft.com/office/drawing/2010/main">
-        <mc:Choice Requires="a14">
-          <p:sp>
-            <p:nvSpPr>
-              <p:cNvPr id="25" name="CuadroTexto 24"/>
-              <p:cNvSpPr txBox="1"/>
-              <p:nvPr/>
-            </p:nvSpPr>
-            <p:spPr>
-              <a:xfrm>
-                <a:off x="6639812" y="279395"/>
-                <a:ext cx="4191019" cy="574773"/>
-              </a:xfrm>
-              <a:prstGeom prst="rect">
-                <a:avLst/>
-              </a:prstGeom>
-              <a:noFill/>
-            </p:spPr>
-            <p:txBody>
-              <a:bodyPr wrap="none" lIns="0" tIns="0" rIns="0" bIns="0" rtlCol="0">
-                <a:spAutoFit/>
-              </a:bodyPr>
-              <a:lstStyle/>
-              <a:p>
-                <a:pPr/>
-                <a14:m>
-                  <m:oMathPara xmlns:m="http://schemas.openxmlformats.org/officeDocument/2006/math">
-                    <m:oMathParaPr>
-                      <m:jc m:val="centerGroup"/>
-                    </m:oMathParaPr>
-                    <m:oMath xmlns:m="http://schemas.openxmlformats.org/officeDocument/2006/math">
-                      <m:sSup>
-                        <m:sSupPr>
-                          <m:ctrlPr>
-                            <a:rPr lang="es-CO" sz="3200" b="0" i="1" smtClean="0">
-                              <a:latin typeface="Cambria Math" panose="02040503050406030204" pitchFamily="18" charset="0"/>
-                            </a:rPr>
-                          </m:ctrlPr>
-                        </m:sSupPr>
-                        <m:e/>
-                        <m:sup>
-                          <m:r>
-                            <a:rPr lang="es-CO" sz="3200" b="0" i="1" smtClean="0">
-                              <a:latin typeface="Cambria Math" panose="02040503050406030204" pitchFamily="18" charset="0"/>
-                            </a:rPr>
-                            <m:t>5</m:t>
-                          </m:r>
-                        </m:sup>
-                      </m:sSup>
-                      <m:sSub>
-                        <m:sSubPr>
-                          <m:ctrlPr>
-                            <a:rPr lang="es-CO" sz="3200" b="0" i="1" smtClean="0">
-                              <a:latin typeface="Cambria Math" panose="02040503050406030204" pitchFamily="18" charset="0"/>
-                            </a:rPr>
-                          </m:ctrlPr>
-                        </m:sSubPr>
-                        <m:e>
-                          <m:r>
-                            <a:rPr lang="es-CO" sz="3200" b="0" i="1" smtClean="0">
-                              <a:latin typeface="Cambria Math" panose="02040503050406030204" pitchFamily="18" charset="0"/>
-                            </a:rPr>
-                            <m:t>𝑃</m:t>
-                          </m:r>
-                        </m:e>
-                        <m:sub>
-                          <m:r>
-                            <a:rPr lang="es-CO" sz="3200" b="0" i="1" smtClean="0">
-                              <a:latin typeface="Cambria Math" panose="02040503050406030204" pitchFamily="18" charset="0"/>
-                            </a:rPr>
-                            <m:t>𝑤</m:t>
-                          </m:r>
-                        </m:sub>
-                      </m:sSub>
-                      <m:r>
-                        <a:rPr lang="es-CO" sz="3200" b="0" i="1" smtClean="0">
-                          <a:latin typeface="Cambria Math" panose="02040503050406030204" pitchFamily="18" charset="0"/>
-                        </a:rPr>
-                        <m:t>=</m:t>
-                      </m:r>
-                      <m:sSup>
-                        <m:sSupPr>
-                          <m:ctrlPr>
-                            <a:rPr lang="es-CO" sz="3200" b="0" i="1" smtClean="0">
-                              <a:latin typeface="Cambria Math" panose="02040503050406030204" pitchFamily="18" charset="0"/>
-                            </a:rPr>
-                          </m:ctrlPr>
-                        </m:sSupPr>
-                        <m:e/>
-                        <m:sup>
-                          <m:r>
-                            <a:rPr lang="es-CO" sz="3200" b="0" i="1" smtClean="0">
-                              <a:latin typeface="Cambria Math" panose="02040503050406030204" pitchFamily="18" charset="0"/>
-                            </a:rPr>
-                            <m:t>5</m:t>
-                          </m:r>
-                        </m:sup>
-                      </m:sSup>
-                      <m:sSub>
-                        <m:sSubPr>
-                          <m:ctrlPr>
-                            <a:rPr lang="es-CO" sz="3200" b="0" i="1" smtClean="0">
-                              <a:latin typeface="Cambria Math" panose="02040503050406030204" pitchFamily="18" charset="0"/>
-                            </a:rPr>
-                          </m:ctrlPr>
-                        </m:sSubPr>
-                        <m:e>
-                          <m:r>
-                            <a:rPr lang="es-CO" sz="3200" b="0" i="1" smtClean="0">
-                              <a:latin typeface="Cambria Math" panose="02040503050406030204" pitchFamily="18" charset="0"/>
-                            </a:rPr>
-                            <m:t>𝑅</m:t>
-                          </m:r>
-                        </m:e>
-                        <m:sub>
-                          <m:r>
-                            <a:rPr lang="es-CO" sz="3200" b="0" i="1" smtClean="0">
-                              <a:latin typeface="Cambria Math" panose="02040503050406030204" pitchFamily="18" charset="0"/>
-                            </a:rPr>
-                            <m:t>0</m:t>
-                          </m:r>
-                        </m:sub>
-                      </m:sSub>
-                      <m:sSub>
-                        <m:sSubPr>
-                          <m:ctrlPr>
-                            <a:rPr lang="es-CO" sz="3200" b="0" i="1" smtClean="0">
-                              <a:latin typeface="Cambria Math" panose="02040503050406030204" pitchFamily="18" charset="0"/>
-                            </a:rPr>
-                          </m:ctrlPr>
-                        </m:sSubPr>
-                        <m:e>
-                          <m:r>
-                            <a:rPr lang="es-CO" sz="3200" b="0" i="1" smtClean="0">
-                              <a:latin typeface="Cambria Math" panose="02040503050406030204" pitchFamily="18" charset="0"/>
-                            </a:rPr>
-                            <m:t>𝑃</m:t>
-                          </m:r>
-                        </m:e>
-                        <m:sub>
-                          <m:r>
-                            <a:rPr lang="es-CO" sz="3200" b="0" i="1" smtClean="0">
-                              <a:latin typeface="Cambria Math" panose="02040503050406030204" pitchFamily="18" charset="0"/>
-                            </a:rPr>
-                            <m:t>6</m:t>
-                          </m:r>
-                        </m:sub>
-                      </m:sSub>
-                      <m:r>
-                        <a:rPr lang="es-CO" sz="3200" b="0" i="1" smtClean="0">
-                          <a:latin typeface="Cambria Math" panose="02040503050406030204" pitchFamily="18" charset="0"/>
-                        </a:rPr>
-                        <m:t>−</m:t>
-                      </m:r>
-                      <m:r>
-                        <a:rPr lang="es-CO" sz="3200" b="0" i="1" smtClean="0">
-                          <a:latin typeface="Cambria Math" panose="02040503050406030204" pitchFamily="18" charset="0"/>
-                        </a:rPr>
-                        <m:t>𝐿</m:t>
-                      </m:r>
-                      <m:r>
-                        <a:rPr lang="es-CO" sz="3200" b="0" i="1" smtClean="0">
-                          <a:latin typeface="Cambria Math" panose="02040503050406030204" pitchFamily="18" charset="0"/>
-                        </a:rPr>
-                        <m:t>6</m:t>
-                      </m:r>
-                      <m:acc>
-                        <m:accPr>
-                          <m:chr m:val="̂"/>
-                          <m:ctrlPr>
-                            <a:rPr lang="es-CO" sz="3200" b="0" i="1" smtClean="0">
-                              <a:latin typeface="Cambria Math" panose="02040503050406030204" pitchFamily="18" charset="0"/>
-                            </a:rPr>
-                          </m:ctrlPr>
-                        </m:accPr>
-                        <m:e>
-                          <m:r>
-                            <a:rPr lang="es-CO" sz="3200" b="0" i="1" smtClean="0">
-                              <a:latin typeface="Cambria Math" panose="02040503050406030204" pitchFamily="18" charset="0"/>
-                            </a:rPr>
-                            <m:t>𝑧</m:t>
-                          </m:r>
-                        </m:e>
-                      </m:acc>
-                    </m:oMath>
-                  </m:oMathPara>
-                </a14:m>
-                <a:endParaRPr lang="en-US" sz="3200" dirty="0"/>
-              </a:p>
-            </p:txBody>
-          </p:sp>
-        </mc:Choice>
-        <mc:Fallback xmlns="">
-          <p:sp>
-            <p:nvSpPr>
-              <p:cNvPr id="25" name="CuadroTexto 24"/>
-              <p:cNvSpPr txBox="1">
-                <a:spLocks noRot="1" noChangeAspect="1" noMove="1" noResize="1" noEditPoints="1" noAdjustHandles="1" noChangeArrowheads="1" noChangeShapeType="1" noTextEdit="1"/>
-              </p:cNvSpPr>
-              <p:nvPr/>
-            </p:nvSpPr>
-            <p:spPr>
-              <a:xfrm>
-                <a:off x="6639812" y="279395"/>
-                <a:ext cx="4191019" cy="574773"/>
-              </a:xfrm>
-              <a:prstGeom prst="rect">
-                <a:avLst/>
-              </a:prstGeom>
-              <a:blipFill>
-                <a:blip r:embed="rId3"/>
-                <a:stretch>
-                  <a:fillRect/>
-                </a:stretch>
-              </a:blipFill>
-            </p:spPr>
-            <p:txBody>
-              <a:bodyPr/>
-              <a:lstStyle/>
-              <a:p>
-                <a:r>
-                  <a:rPr lang="en-US">
-                    <a:noFill/>
-                  </a:rPr>
-                  <a:t> </a:t>
-                </a:r>
-              </a:p>
-            </p:txBody>
-          </p:sp>
-        </mc:Fallback>
-      </mc:AlternateContent>
-      <mc:AlternateContent xmlns:mc="http://schemas.openxmlformats.org/markup-compatibility/2006" xmlns:a14="http://schemas.microsoft.com/office/drawing/2010/main">
-        <mc:Choice Requires="a14">
-          <p:sp>
-            <p:nvSpPr>
-              <p:cNvPr id="28" name="Rectángulo 27"/>
-              <p:cNvSpPr/>
-              <p:nvPr/>
-            </p:nvSpPr>
-            <p:spPr>
-              <a:xfrm>
-                <a:off x="7095609" y="817098"/>
-                <a:ext cx="3279424" cy="667106"/>
-              </a:xfrm>
-              <a:prstGeom prst="rect">
-                <a:avLst/>
-              </a:prstGeom>
-            </p:spPr>
-            <p:txBody>
-              <a:bodyPr wrap="none">
-                <a:spAutoFit/>
-              </a:bodyPr>
-              <a:lstStyle/>
-              <a:p>
-                <a:pPr/>
-                <a14:m>
-                  <m:oMathPara xmlns:m="http://schemas.openxmlformats.org/officeDocument/2006/math">
-                    <m:oMathParaPr>
-                      <m:jc m:val="centerGroup"/>
-                    </m:oMathParaPr>
-                    <m:oMath xmlns:m="http://schemas.openxmlformats.org/officeDocument/2006/math">
-                      <m:sSub>
-                        <m:sSubPr>
-                          <m:ctrlPr>
-                            <a:rPr lang="en-US" sz="3200" i="1" smtClean="0">
-                              <a:latin typeface="Cambria Math" panose="02040503050406030204" pitchFamily="18" charset="0"/>
-                            </a:rPr>
-                          </m:ctrlPr>
-                        </m:sSubPr>
-                        <m:e>
-                          <m:r>
-                            <a:rPr lang="es-CO" sz="3200" b="0" i="1" smtClean="0">
-                              <a:latin typeface="Cambria Math" panose="02040503050406030204" pitchFamily="18" charset="0"/>
-                            </a:rPr>
-                            <m:t>𝑃</m:t>
-                          </m:r>
-                        </m:e>
-                        <m:sub>
-                          <m:r>
-                            <a:rPr lang="es-CO" sz="3200" b="0" i="1" smtClean="0">
-                              <a:latin typeface="Cambria Math" panose="02040503050406030204" pitchFamily="18" charset="0"/>
-                            </a:rPr>
-                            <m:t>𝑤</m:t>
-                          </m:r>
-                        </m:sub>
-                      </m:sSub>
-                      <m:r>
-                        <a:rPr lang="es-CO" sz="3200" b="0" i="1" smtClean="0">
-                          <a:latin typeface="Cambria Math" panose="02040503050406030204" pitchFamily="18" charset="0"/>
-                        </a:rPr>
-                        <m:t>=</m:t>
-                      </m:r>
-                      <m:sSup>
-                        <m:sSupPr>
-                          <m:ctrlPr>
-                            <a:rPr lang="es-CO" sz="3200" b="0" i="1" smtClean="0">
-                              <a:latin typeface="Cambria Math" panose="02040503050406030204" pitchFamily="18" charset="0"/>
-                            </a:rPr>
-                          </m:ctrlPr>
-                        </m:sSupPr>
-                        <m:e/>
-                        <m:sup>
-                          <m:r>
-                            <a:rPr lang="es-CO" sz="3200" b="0" i="1" smtClean="0">
-                              <a:latin typeface="Cambria Math" panose="02040503050406030204" pitchFamily="18" charset="0"/>
-                            </a:rPr>
-                            <m:t>0</m:t>
-                          </m:r>
-                        </m:sup>
-                      </m:sSup>
-                      <m:sSub>
-                        <m:sSubPr>
-                          <m:ctrlPr>
-                            <a:rPr lang="es-CO" sz="3200" b="0" i="1" smtClean="0">
-                              <a:latin typeface="Cambria Math" panose="02040503050406030204" pitchFamily="18" charset="0"/>
-                            </a:rPr>
-                          </m:ctrlPr>
-                        </m:sSubPr>
-                        <m:e>
-                          <m:r>
-                            <a:rPr lang="es-CO" sz="3200" b="0" i="1" smtClean="0">
-                              <a:latin typeface="Cambria Math" panose="02040503050406030204" pitchFamily="18" charset="0"/>
-                            </a:rPr>
-                            <m:t>𝑅</m:t>
-                          </m:r>
-                        </m:e>
-                        <m:sub>
-                          <m:r>
-                            <a:rPr lang="es-CO" sz="3200" b="0" i="1" smtClean="0">
-                              <a:latin typeface="Cambria Math" panose="02040503050406030204" pitchFamily="18" charset="0"/>
-                            </a:rPr>
-                            <m:t>5</m:t>
-                          </m:r>
-                        </m:sub>
-                      </m:sSub>
-                      <m:sSup>
-                        <m:sSupPr>
-                          <m:ctrlPr>
-                            <a:rPr lang="es-CO" sz="3200" b="0" i="1" smtClean="0">
-                              <a:latin typeface="Cambria Math" panose="02040503050406030204" pitchFamily="18" charset="0"/>
-                            </a:rPr>
-                          </m:ctrlPr>
-                        </m:sSupPr>
-                        <m:e/>
-                        <m:sup>
-                          <m:r>
-                            <a:rPr lang="es-CO" sz="3200" b="0" i="1" smtClean="0">
-                              <a:latin typeface="Cambria Math" panose="02040503050406030204" pitchFamily="18" charset="0"/>
-                            </a:rPr>
-                            <m:t>5</m:t>
-                          </m:r>
-                        </m:sup>
-                      </m:sSup>
-                      <m:sSub>
-                        <m:sSubPr>
-                          <m:ctrlPr>
-                            <a:rPr lang="es-CO" sz="3200" b="0" i="1" smtClean="0">
-                              <a:latin typeface="Cambria Math" panose="02040503050406030204" pitchFamily="18" charset="0"/>
-                            </a:rPr>
-                          </m:ctrlPr>
-                        </m:sSubPr>
-                        <m:e>
-                          <m:r>
-                            <a:rPr lang="es-CO" sz="3200" b="0" i="1" smtClean="0">
-                              <a:latin typeface="Cambria Math" panose="02040503050406030204" pitchFamily="18" charset="0"/>
-                            </a:rPr>
-                            <m:t>𝑃</m:t>
-                          </m:r>
-                        </m:e>
-                        <m:sub>
-                          <m:r>
-                            <a:rPr lang="es-CO" sz="3200" b="0" i="1" smtClean="0">
-                              <a:latin typeface="Cambria Math" panose="02040503050406030204" pitchFamily="18" charset="0"/>
-                            </a:rPr>
-                            <m:t>𝑤</m:t>
-                          </m:r>
-                        </m:sub>
-                      </m:sSub>
-                    </m:oMath>
-                  </m:oMathPara>
-                </a14:m>
-                <a:endParaRPr lang="en-US" sz="3200" dirty="0"/>
-              </a:p>
-            </p:txBody>
-          </p:sp>
-        </mc:Choice>
-        <mc:Fallback xmlns="">
-          <p:sp>
-            <p:nvSpPr>
-              <p:cNvPr id="28" name="Rectángulo 27"/>
-              <p:cNvSpPr>
-                <a:spLocks noRot="1" noChangeAspect="1" noMove="1" noResize="1" noEditPoints="1" noAdjustHandles="1" noChangeArrowheads="1" noChangeShapeType="1" noTextEdit="1"/>
-              </p:cNvSpPr>
-              <p:nvPr/>
-            </p:nvSpPr>
-            <p:spPr>
-              <a:xfrm>
-                <a:off x="7095609" y="817098"/>
-                <a:ext cx="3279424" cy="667106"/>
-              </a:xfrm>
-              <a:prstGeom prst="rect">
-                <a:avLst/>
-              </a:prstGeom>
-              <a:blipFill>
-                <a:blip r:embed="rId4"/>
-                <a:stretch>
-                  <a:fillRect/>
-                </a:stretch>
-              </a:blipFill>
-            </p:spPr>
-            <p:txBody>
-              <a:bodyPr/>
-              <a:lstStyle/>
-              <a:p>
-                <a:r>
-                  <a:rPr lang="en-US">
-                    <a:noFill/>
-                  </a:rPr>
-                  <a:t> </a:t>
-                </a:r>
-              </a:p>
-            </p:txBody>
-          </p:sp>
-        </mc:Fallback>
-      </mc:AlternateContent>
     </p:spTree>
     <p:extLst>
       <p:ext uri="{BB962C8B-B14F-4D97-AF65-F5344CB8AC3E}">
